--- a/CYBER360-2.2-2.6-Operators.pptx
+++ b/CYBER360-2.2-2.6-Operators.pptx
@@ -15,11 +15,15 @@
     <p:sldId id="283" r:id="rId9"/>
     <p:sldId id="284" r:id="rId10"/>
     <p:sldId id="285" r:id="rId11"/>
-    <p:sldId id="289" r:id="rId12"/>
-    <p:sldId id="291" r:id="rId13"/>
-    <p:sldId id="293" r:id="rId14"/>
-    <p:sldId id="294" r:id="rId15"/>
-    <p:sldId id="277" r:id="rId16"/>
+    <p:sldId id="295" r:id="rId12"/>
+    <p:sldId id="299" r:id="rId13"/>
+    <p:sldId id="289" r:id="rId14"/>
+    <p:sldId id="291" r:id="rId15"/>
+    <p:sldId id="293" r:id="rId16"/>
+    <p:sldId id="294" r:id="rId17"/>
+    <p:sldId id="298" r:id="rId18"/>
+    <p:sldId id="296" r:id="rId19"/>
+    <p:sldId id="277" r:id="rId20"/>
   </p:sldIdLst>
   <p:sldSz cx="12192000" cy="6858000"/>
   <p:notesSz cx="6858000" cy="9144000"/>
@@ -126,12 +130,20 @@
 </p:presentation>
 </file>
 
+<file path=ppt/revisionInfo.xml><?xml version="1.0" encoding="utf-8"?>
+<p1510:revInfo xmlns:a="http://schemas.openxmlformats.org/drawingml/2006/main" xmlns:r="http://schemas.openxmlformats.org/officeDocument/2006/relationships" xmlns:p1510="http://schemas.microsoft.com/office/powerpoint/2015/10/main">
+  <p1510:revLst>
+    <p1510:client id="{C6C3D023-EB00-479C-8165-7C60F9B629BD}" v="8" dt="2024-05-16T23:21:08.117"/>
+  </p1510:revLst>
+</p1510:revInfo>
+</file>
+
 <file path=ppt/changesInfos/changesInfo1.xml><?xml version="1.0" encoding="utf-8"?>
 <pc:chgInfo xmlns:a="http://schemas.openxmlformats.org/drawingml/2006/main" xmlns:r="http://schemas.openxmlformats.org/officeDocument/2006/relationships" xmlns:ac="http://schemas.microsoft.com/office/drawing/2013/main/command" xmlns:pc="http://schemas.microsoft.com/office/powerpoint/2013/main/command">
   <pc:docChgLst>
     <pc:chgData name="Gibbons, Carl" userId="d2b037bc-8fb4-4222-845c-61440543a456" providerId="ADAL" clId="{C6C3D023-EB00-479C-8165-7C60F9B629BD}"/>
-    <pc:docChg chg="custSel modSld">
-      <pc:chgData name="Gibbons, Carl" userId="d2b037bc-8fb4-4222-845c-61440543a456" providerId="ADAL" clId="{C6C3D023-EB00-479C-8165-7C60F9B629BD}" dt="2024-04-30T16:38:38.964" v="21" actId="20577"/>
+    <pc:docChg chg="undo custSel addSld delSld modSld sldOrd">
+      <pc:chgData name="Gibbons, Carl" userId="d2b037bc-8fb4-4222-845c-61440543a456" providerId="ADAL" clId="{C6C3D023-EB00-479C-8165-7C60F9B629BD}" dt="2024-05-16T23:46:39.410" v="5623" actId="20577"/>
       <pc:docMkLst>
         <pc:docMk/>
       </pc:docMkLst>
@@ -151,13 +163,13 @@
         </pc:spChg>
       </pc:sldChg>
       <pc:sldChg chg="modSp mod">
-        <pc:chgData name="Gibbons, Carl" userId="d2b037bc-8fb4-4222-845c-61440543a456" providerId="ADAL" clId="{C6C3D023-EB00-479C-8165-7C60F9B629BD}" dt="2024-04-30T16:38:38.964" v="21" actId="20577"/>
+        <pc:chgData name="Gibbons, Carl" userId="d2b037bc-8fb4-4222-845c-61440543a456" providerId="ADAL" clId="{C6C3D023-EB00-479C-8165-7C60F9B629BD}" dt="2024-05-16T22:07:18.980" v="4043" actId="20577"/>
         <pc:sldMkLst>
           <pc:docMk/>
           <pc:sldMk cId="657795359" sldId="277"/>
         </pc:sldMkLst>
         <pc:spChg chg="mod">
-          <ac:chgData name="Gibbons, Carl" userId="d2b037bc-8fb4-4222-845c-61440543a456" providerId="ADAL" clId="{C6C3D023-EB00-479C-8165-7C60F9B629BD}" dt="2024-04-30T16:38:38.964" v="21" actId="20577"/>
+          <ac:chgData name="Gibbons, Carl" userId="d2b037bc-8fb4-4222-845c-61440543a456" providerId="ADAL" clId="{C6C3D023-EB00-479C-8165-7C60F9B629BD}" dt="2024-05-16T22:07:18.980" v="4043" actId="20577"/>
           <ac:spMkLst>
             <pc:docMk/>
             <pc:sldMk cId="657795359" sldId="277"/>
@@ -166,7 +178,7 @@
         </pc:spChg>
       </pc:sldChg>
       <pc:sldChg chg="modSp mod">
-        <pc:chgData name="Gibbons, Carl" userId="d2b037bc-8fb4-4222-845c-61440543a456" providerId="ADAL" clId="{C6C3D023-EB00-479C-8165-7C60F9B629BD}" dt="2024-04-30T15:17:20.684" v="19" actId="20577"/>
+        <pc:chgData name="Gibbons, Carl" userId="d2b037bc-8fb4-4222-845c-61440543a456" providerId="ADAL" clId="{C6C3D023-EB00-479C-8165-7C60F9B629BD}" dt="2024-05-16T21:31:32.069" v="2473" actId="20577"/>
         <pc:sldMkLst>
           <pc:docMk/>
           <pc:sldMk cId="2959024232" sldId="283"/>
@@ -177,6 +189,189 @@
             <pc:docMk/>
             <pc:sldMk cId="2959024232" sldId="283"/>
             <ac:spMk id="4" creationId="{6B5EF911-ED83-01C5-8F00-FD1AD80E90D2}"/>
+          </ac:spMkLst>
+        </pc:spChg>
+        <pc:spChg chg="mod">
+          <ac:chgData name="Gibbons, Carl" userId="d2b037bc-8fb4-4222-845c-61440543a456" providerId="ADAL" clId="{C6C3D023-EB00-479C-8165-7C60F9B629BD}" dt="2024-05-16T21:31:32.069" v="2473" actId="20577"/>
+          <ac:spMkLst>
+            <pc:docMk/>
+            <pc:sldMk cId="2959024232" sldId="283"/>
+            <ac:spMk id="5" creationId="{746F0B3D-627C-BF49-CF83-A524927EBEDE}"/>
+          </ac:spMkLst>
+        </pc:spChg>
+      </pc:sldChg>
+      <pc:sldChg chg="modSp mod">
+        <pc:chgData name="Gibbons, Carl" userId="d2b037bc-8fb4-4222-845c-61440543a456" providerId="ADAL" clId="{C6C3D023-EB00-479C-8165-7C60F9B629BD}" dt="2024-05-16T23:16:26.567" v="4045" actId="313"/>
+        <pc:sldMkLst>
+          <pc:docMk/>
+          <pc:sldMk cId="1341659426" sldId="288"/>
+        </pc:sldMkLst>
+        <pc:spChg chg="mod">
+          <ac:chgData name="Gibbons, Carl" userId="d2b037bc-8fb4-4222-845c-61440543a456" providerId="ADAL" clId="{C6C3D023-EB00-479C-8165-7C60F9B629BD}" dt="2024-05-16T23:16:26.567" v="4045" actId="313"/>
+          <ac:spMkLst>
+            <pc:docMk/>
+            <pc:sldMk cId="1341659426" sldId="288"/>
+            <ac:spMk id="2" creationId="{31B75992-5098-A283-4925-2CCEBB801DC5}"/>
+          </ac:spMkLst>
+        </pc:spChg>
+      </pc:sldChg>
+      <pc:sldChg chg="modSp mod">
+        <pc:chgData name="Gibbons, Carl" userId="d2b037bc-8fb4-4222-845c-61440543a456" providerId="ADAL" clId="{C6C3D023-EB00-479C-8165-7C60F9B629BD}" dt="2024-05-16T21:27:58.929" v="2398" actId="20577"/>
+        <pc:sldMkLst>
+          <pc:docMk/>
+          <pc:sldMk cId="852415543" sldId="293"/>
+        </pc:sldMkLst>
+        <pc:spChg chg="mod">
+          <ac:chgData name="Gibbons, Carl" userId="d2b037bc-8fb4-4222-845c-61440543a456" providerId="ADAL" clId="{C6C3D023-EB00-479C-8165-7C60F9B629BD}" dt="2024-05-16T21:26:52.112" v="2377" actId="5793"/>
+          <ac:spMkLst>
+            <pc:docMk/>
+            <pc:sldMk cId="852415543" sldId="293"/>
+            <ac:spMk id="2" creationId="{264BAEB2-591D-DEE6-3C00-0BAAC69880F0}"/>
+          </ac:spMkLst>
+        </pc:spChg>
+        <pc:spChg chg="mod">
+          <ac:chgData name="Gibbons, Carl" userId="d2b037bc-8fb4-4222-845c-61440543a456" providerId="ADAL" clId="{C6C3D023-EB00-479C-8165-7C60F9B629BD}" dt="2024-05-16T21:27:58.929" v="2398" actId="20577"/>
+          <ac:spMkLst>
+            <pc:docMk/>
+            <pc:sldMk cId="852415543" sldId="293"/>
+            <ac:spMk id="3" creationId="{0620B8A1-699E-C7B4-0A32-7D9C4529CA27}"/>
+          </ac:spMkLst>
+        </pc:spChg>
+      </pc:sldChg>
+      <pc:sldChg chg="modSp mod">
+        <pc:chgData name="Gibbons, Carl" userId="d2b037bc-8fb4-4222-845c-61440543a456" providerId="ADAL" clId="{C6C3D023-EB00-479C-8165-7C60F9B629BD}" dt="2024-05-16T21:59:52.777" v="3687" actId="14"/>
+        <pc:sldMkLst>
+          <pc:docMk/>
+          <pc:sldMk cId="3419337763" sldId="294"/>
+        </pc:sldMkLst>
+        <pc:spChg chg="mod">
+          <ac:chgData name="Gibbons, Carl" userId="d2b037bc-8fb4-4222-845c-61440543a456" providerId="ADAL" clId="{C6C3D023-EB00-479C-8165-7C60F9B629BD}" dt="2024-05-16T21:40:27.741" v="3170" actId="20577"/>
+          <ac:spMkLst>
+            <pc:docMk/>
+            <pc:sldMk cId="3419337763" sldId="294"/>
+            <ac:spMk id="2" creationId="{264BAEB2-591D-DEE6-3C00-0BAAC69880F0}"/>
+          </ac:spMkLst>
+        </pc:spChg>
+        <pc:spChg chg="mod">
+          <ac:chgData name="Gibbons, Carl" userId="d2b037bc-8fb4-4222-845c-61440543a456" providerId="ADAL" clId="{C6C3D023-EB00-479C-8165-7C60F9B629BD}" dt="2024-05-16T21:59:52.777" v="3687" actId="14"/>
+          <ac:spMkLst>
+            <pc:docMk/>
+            <pc:sldMk cId="3419337763" sldId="294"/>
+            <ac:spMk id="3" creationId="{0620B8A1-699E-C7B4-0A32-7D9C4529CA27}"/>
+          </ac:spMkLst>
+        </pc:spChg>
+      </pc:sldChg>
+      <pc:sldChg chg="modSp mod">
+        <pc:chgData name="Gibbons, Carl" userId="d2b037bc-8fb4-4222-845c-61440543a456" providerId="ADAL" clId="{C6C3D023-EB00-479C-8165-7C60F9B629BD}" dt="2024-05-16T23:46:39.410" v="5623" actId="20577"/>
+        <pc:sldMkLst>
+          <pc:docMk/>
+          <pc:sldMk cId="993494312" sldId="295"/>
+        </pc:sldMkLst>
+        <pc:spChg chg="mod">
+          <ac:chgData name="Gibbons, Carl" userId="d2b037bc-8fb4-4222-845c-61440543a456" providerId="ADAL" clId="{C6C3D023-EB00-479C-8165-7C60F9B629BD}" dt="2024-05-16T23:21:54.369" v="4085" actId="20577"/>
+          <ac:spMkLst>
+            <pc:docMk/>
+            <pc:sldMk cId="993494312" sldId="295"/>
+            <ac:spMk id="2" creationId="{264BAEB2-591D-DEE6-3C00-0BAAC69880F0}"/>
+          </ac:spMkLst>
+        </pc:spChg>
+        <pc:spChg chg="mod">
+          <ac:chgData name="Gibbons, Carl" userId="d2b037bc-8fb4-4222-845c-61440543a456" providerId="ADAL" clId="{C6C3D023-EB00-479C-8165-7C60F9B629BD}" dt="2024-05-16T23:46:39.410" v="5623" actId="20577"/>
+          <ac:spMkLst>
+            <pc:docMk/>
+            <pc:sldMk cId="993494312" sldId="295"/>
+            <ac:spMk id="3" creationId="{0620B8A1-699E-C7B4-0A32-7D9C4529CA27}"/>
+          </ac:spMkLst>
+        </pc:spChg>
+      </pc:sldChg>
+      <pc:sldChg chg="modSp add mod">
+        <pc:chgData name="Gibbons, Carl" userId="d2b037bc-8fb4-4222-845c-61440543a456" providerId="ADAL" clId="{C6C3D023-EB00-479C-8165-7C60F9B629BD}" dt="2024-05-16T20:53:56.209" v="2275" actId="20577"/>
+        <pc:sldMkLst>
+          <pc:docMk/>
+          <pc:sldMk cId="4243071024" sldId="296"/>
+        </pc:sldMkLst>
+        <pc:spChg chg="mod">
+          <ac:chgData name="Gibbons, Carl" userId="d2b037bc-8fb4-4222-845c-61440543a456" providerId="ADAL" clId="{C6C3D023-EB00-479C-8165-7C60F9B629BD}" dt="2024-05-16T20:48:46.661" v="1739" actId="20577"/>
+          <ac:spMkLst>
+            <pc:docMk/>
+            <pc:sldMk cId="4243071024" sldId="296"/>
+            <ac:spMk id="2" creationId="{264BAEB2-591D-DEE6-3C00-0BAAC69880F0}"/>
+          </ac:spMkLst>
+        </pc:spChg>
+        <pc:spChg chg="mod">
+          <ac:chgData name="Gibbons, Carl" userId="d2b037bc-8fb4-4222-845c-61440543a456" providerId="ADAL" clId="{C6C3D023-EB00-479C-8165-7C60F9B629BD}" dt="2024-05-16T20:53:56.209" v="2275" actId="20577"/>
+          <ac:spMkLst>
+            <pc:docMk/>
+            <pc:sldMk cId="4243071024" sldId="296"/>
+            <ac:spMk id="3" creationId="{0620B8A1-699E-C7B4-0A32-7D9C4529CA27}"/>
+          </ac:spMkLst>
+        </pc:spChg>
+      </pc:sldChg>
+      <pc:sldChg chg="add del">
+        <pc:chgData name="Gibbons, Carl" userId="d2b037bc-8fb4-4222-845c-61440543a456" providerId="ADAL" clId="{C6C3D023-EB00-479C-8165-7C60F9B629BD}" dt="2024-05-16T20:49:39.371" v="1864" actId="47"/>
+        <pc:sldMkLst>
+          <pc:docMk/>
+          <pc:sldMk cId="1135533105" sldId="297"/>
+        </pc:sldMkLst>
+      </pc:sldChg>
+      <pc:sldChg chg="modSp add del mod ord">
+        <pc:chgData name="Gibbons, Carl" userId="d2b037bc-8fb4-4222-845c-61440543a456" providerId="ADAL" clId="{C6C3D023-EB00-479C-8165-7C60F9B629BD}" dt="2024-05-16T22:10:34.533" v="4044" actId="2696"/>
+        <pc:sldMkLst>
+          <pc:docMk/>
+          <pc:sldMk cId="2728485538" sldId="297"/>
+        </pc:sldMkLst>
+        <pc:spChg chg="mod">
+          <ac:chgData name="Gibbons, Carl" userId="d2b037bc-8fb4-4222-845c-61440543a456" providerId="ADAL" clId="{C6C3D023-EB00-479C-8165-7C60F9B629BD}" dt="2024-05-16T21:33:57.790" v="2614" actId="20577"/>
+          <ac:spMkLst>
+            <pc:docMk/>
+            <pc:sldMk cId="2728485538" sldId="297"/>
+            <ac:spMk id="2" creationId="{264BAEB2-591D-DEE6-3C00-0BAAC69880F0}"/>
+          </ac:spMkLst>
+        </pc:spChg>
+      </pc:sldChg>
+      <pc:sldChg chg="modSp mod">
+        <pc:chgData name="Gibbons, Carl" userId="d2b037bc-8fb4-4222-845c-61440543a456" providerId="ADAL" clId="{C6C3D023-EB00-479C-8165-7C60F9B629BD}" dt="2024-05-16T21:59:01.775" v="3679" actId="20577"/>
+        <pc:sldMkLst>
+          <pc:docMk/>
+          <pc:sldMk cId="2076427204" sldId="298"/>
+        </pc:sldMkLst>
+        <pc:spChg chg="mod">
+          <ac:chgData name="Gibbons, Carl" userId="d2b037bc-8fb4-4222-845c-61440543a456" providerId="ADAL" clId="{C6C3D023-EB00-479C-8165-7C60F9B629BD}" dt="2024-05-16T21:41:17.666" v="3204" actId="20577"/>
+          <ac:spMkLst>
+            <pc:docMk/>
+            <pc:sldMk cId="2076427204" sldId="298"/>
+            <ac:spMk id="2" creationId="{264BAEB2-591D-DEE6-3C00-0BAAC69880F0}"/>
+          </ac:spMkLst>
+        </pc:spChg>
+        <pc:spChg chg="mod">
+          <ac:chgData name="Gibbons, Carl" userId="d2b037bc-8fb4-4222-845c-61440543a456" providerId="ADAL" clId="{C6C3D023-EB00-479C-8165-7C60F9B629BD}" dt="2024-05-16T21:59:01.775" v="3679" actId="20577"/>
+          <ac:spMkLst>
+            <pc:docMk/>
+            <pc:sldMk cId="2076427204" sldId="298"/>
+            <ac:spMk id="3" creationId="{0620B8A1-699E-C7B4-0A32-7D9C4529CA27}"/>
+          </ac:spMkLst>
+        </pc:spChg>
+      </pc:sldChg>
+      <pc:sldChg chg="modSp mod">
+        <pc:chgData name="Gibbons, Carl" userId="d2b037bc-8fb4-4222-845c-61440543a456" providerId="ADAL" clId="{C6C3D023-EB00-479C-8165-7C60F9B629BD}" dt="2024-05-16T23:45:14.092" v="5563" actId="20577"/>
+        <pc:sldMkLst>
+          <pc:docMk/>
+          <pc:sldMk cId="1304576592" sldId="299"/>
+        </pc:sldMkLst>
+        <pc:spChg chg="mod">
+          <ac:chgData name="Gibbons, Carl" userId="d2b037bc-8fb4-4222-845c-61440543a456" providerId="ADAL" clId="{C6C3D023-EB00-479C-8165-7C60F9B629BD}" dt="2024-05-16T23:21:48.997" v="4075" actId="20577"/>
+          <ac:spMkLst>
+            <pc:docMk/>
+            <pc:sldMk cId="1304576592" sldId="299"/>
+            <ac:spMk id="2" creationId="{264BAEB2-591D-DEE6-3C00-0BAAC69880F0}"/>
+          </ac:spMkLst>
+        </pc:spChg>
+        <pc:spChg chg="mod">
+          <ac:chgData name="Gibbons, Carl" userId="d2b037bc-8fb4-4222-845c-61440543a456" providerId="ADAL" clId="{C6C3D023-EB00-479C-8165-7C60F9B629BD}" dt="2024-05-16T23:45:14.092" v="5563" actId="20577"/>
+          <ac:spMkLst>
+            <pc:docMk/>
+            <pc:sldMk cId="1304576592" sldId="299"/>
+            <ac:spMk id="3" creationId="{0620B8A1-699E-C7B4-0A32-7D9C4529CA27}"/>
           </ac:spMkLst>
         </pc:spChg>
       </pc:sldChg>
@@ -1161,7 +1356,7 @@
           <a:p>
             <a:fld id="{421996D4-4A1C-4BBC-AA2B-FD5B7FC395A0}" type="datetime1">
               <a:rPr lang="en-US" smtClean="0"/>
-              <a:t>4/30/2024</a:t>
+              <a:t>5/16/2024</a:t>
             </a:fld>
             <a:endParaRPr lang="en-US"/>
           </a:p>
@@ -1359,7 +1554,7 @@
           <a:p>
             <a:fld id="{CB43818D-5554-4105-BE04-CEE32DEBDA0A}" type="datetime1">
               <a:rPr lang="en-US" smtClean="0"/>
-              <a:t>4/30/2024</a:t>
+              <a:t>5/16/2024</a:t>
             </a:fld>
             <a:endParaRPr lang="en-US"/>
           </a:p>
@@ -1567,7 +1762,7 @@
           <a:p>
             <a:fld id="{AFAC11C6-1708-41BC-9474-3D7842023D96}" type="datetime1">
               <a:rPr lang="en-US" smtClean="0"/>
-              <a:t>4/30/2024</a:t>
+              <a:t>5/16/2024</a:t>
             </a:fld>
             <a:endParaRPr lang="en-US"/>
           </a:p>
@@ -1846,7 +2041,7 @@
           <a:p>
             <a:fld id="{490605F8-8C86-41F5-9F5E-04EDB8C2540B}" type="datetime1">
               <a:rPr lang="en-US" smtClean="0"/>
-              <a:t>4/30/2024</a:t>
+              <a:t>5/16/2024</a:t>
             </a:fld>
             <a:endParaRPr lang="en-US"/>
           </a:p>
@@ -2121,7 +2316,7 @@
           <a:p>
             <a:fld id="{CA355DA2-1E89-41CC-B722-CBFC08F260AE}" type="datetime1">
               <a:rPr lang="en-US" smtClean="0"/>
-              <a:t>4/30/2024</a:t>
+              <a:t>5/16/2024</a:t>
             </a:fld>
             <a:endParaRPr lang="en-US"/>
           </a:p>
@@ -2386,7 +2581,7 @@
           <a:p>
             <a:fld id="{7F6AFD48-C472-404E-B7B5-BA44CCF2F55D}" type="datetime1">
               <a:rPr lang="en-US" smtClean="0"/>
-              <a:t>4/30/2024</a:t>
+              <a:t>5/16/2024</a:t>
             </a:fld>
             <a:endParaRPr lang="en-US"/>
           </a:p>
@@ -2798,7 +2993,7 @@
           <a:p>
             <a:fld id="{B33F52E9-9255-4CAF-909C-660126F1B079}" type="datetime1">
               <a:rPr lang="en-US" smtClean="0"/>
-              <a:t>4/30/2024</a:t>
+              <a:t>5/16/2024</a:t>
             </a:fld>
             <a:endParaRPr lang="en-US"/>
           </a:p>
@@ -2939,7 +3134,7 @@
           <a:p>
             <a:fld id="{67F9F019-D13C-4797-8A9F-7B02D5B8121E}" type="datetime1">
               <a:rPr lang="en-US" smtClean="0"/>
-              <a:t>4/30/2024</a:t>
+              <a:t>5/16/2024</a:t>
             </a:fld>
             <a:endParaRPr lang="en-US"/>
           </a:p>
@@ -3052,7 +3247,7 @@
           <a:p>
             <a:fld id="{FDA143B9-A6C4-436D-945A-FF5B3EA2EF39}" type="datetime1">
               <a:rPr lang="en-US" smtClean="0"/>
-              <a:t>4/30/2024</a:t>
+              <a:t>5/16/2024</a:t>
             </a:fld>
             <a:endParaRPr lang="en-US"/>
           </a:p>
@@ -3363,7 +3558,7 @@
           <a:p>
             <a:fld id="{457E18FE-B6F9-4F6A-835B-8251F04458A0}" type="datetime1">
               <a:rPr lang="en-US" smtClean="0"/>
-              <a:t>4/30/2024</a:t>
+              <a:t>5/16/2024</a:t>
             </a:fld>
             <a:endParaRPr lang="en-US"/>
           </a:p>
@@ -3651,7 +3846,7 @@
           <a:p>
             <a:fld id="{5F2690CE-112A-455B-AD5F-E26CEA6A5331}" type="datetime1">
               <a:rPr lang="en-US" smtClean="0"/>
-              <a:t>4/30/2024</a:t>
+              <a:t>5/16/2024</a:t>
             </a:fld>
             <a:endParaRPr lang="en-US"/>
           </a:p>
@@ -3892,7 +4087,7 @@
           <a:p>
             <a:fld id="{9C4E342D-98AB-407C-88D4-A20ED0F70E1C}" type="datetime1">
               <a:rPr lang="en-US" smtClean="0"/>
-              <a:t>4/30/2024</a:t>
+              <a:t>5/16/2024</a:t>
             </a:fld>
             <a:endParaRPr lang="en-US"/>
           </a:p>
@@ -4824,7 +5019,7 @@
           <a:p>
             <a:r>
               <a:rPr lang="en-US" sz="4000" dirty="0"/>
-              <a:t>Split and Join operators</a:t>
+              <a:t>Range operators</a:t>
             </a:r>
           </a:p>
         </p:txBody>
@@ -4844,7 +5039,7 @@
         <p:spPr>
           <a:xfrm>
             <a:off x="641097" y="1063756"/>
-            <a:ext cx="11227373" cy="4708981"/>
+            <a:ext cx="11227373" cy="5016758"/>
           </a:xfrm>
           <a:prstGeom prst="rect">
             <a:avLst/>
@@ -4857,19 +5052,19 @@
           </a:bodyPr>
           <a:lstStyle/>
           <a:p>
-            <a:pPr marL="342900" indent="-342900">
-              <a:buFont typeface="Arial" panose="020B0604020202020204" pitchFamily="34" charset="0"/>
-              <a:buChar char="•"/>
-            </a:pPr>
-            <a:r>
-              <a:rPr lang="en-US" sz="2000" dirty="0">
-                <a:latin typeface="Lucida Console" panose="020B0609040504020204" pitchFamily="49" charset="0"/>
-              </a:rPr>
-              <a:t>$s –split $d</a:t>
-            </a:r>
-            <a:r>
-              <a:rPr lang="en-US" sz="2000" dirty="0"/>
-              <a:t> </a:t>
+            <a:r>
+              <a:rPr lang="en-US" sz="2000" dirty="0"/>
+              <a:t>Use the range operator  </a:t>
+            </a:r>
+            <a:r>
+              <a:rPr lang="en-US" sz="2000" dirty="0">
+                <a:latin typeface="Lucida Console" panose="020B0609040504020204" pitchFamily="49" charset="0"/>
+              </a:rPr>
+              <a:t>..</a:t>
+            </a:r>
+            <a:r>
+              <a:rPr lang="en-US" sz="2000" dirty="0"/>
+              <a:t>  (two dots) to quickly create a sequenced array.</a:t>
             </a:r>
           </a:p>
           <a:p>
@@ -4878,18 +5073,20 @@
               <a:buChar char="•"/>
             </a:pPr>
             <a:r>
-              <a:rPr lang="en-US" sz="2000" dirty="0"/>
-              <a:t>splits a string into substrings, using </a:t>
-            </a:r>
-            <a:r>
-              <a:rPr lang="en-US" sz="2000" dirty="0">
-                <a:latin typeface="Lucida Console" panose="020B0609040504020204" pitchFamily="49" charset="0"/>
-              </a:rPr>
-              <a:t>$d</a:t>
-            </a:r>
-            <a:r>
-              <a:rPr lang="en-US" sz="2000" dirty="0"/>
-              <a:t> as the delimiter that separates the substrings.</a:t>
+              <a:rPr lang="en-US" sz="2000" dirty="0">
+                <a:latin typeface="Lucida Console" panose="020B0609040504020204" pitchFamily="49" charset="0"/>
+              </a:rPr>
+              <a:t>1 .. 9</a:t>
+            </a:r>
+            <a:r>
+              <a:rPr lang="en-US" sz="2000" dirty="0"/>
+              <a:t>    # returns the array  </a:t>
+            </a:r>
+            <a:r>
+              <a:rPr lang="en-US" sz="2000" dirty="0">
+                <a:latin typeface="Lucida Console" panose="020B0609040504020204" pitchFamily="49" charset="0"/>
+              </a:rPr>
+              <a:t>1, 2, 3, 4, 5, 6, 7, 8, 9</a:t>
             </a:r>
           </a:p>
           <a:p>
@@ -4898,8 +5095,49 @@
               <a:buChar char="•"/>
             </a:pPr>
             <a:r>
-              <a:rPr lang="en-US" sz="2000" dirty="0"/>
-              <a:t>Examples:</a:t>
+              <a:rPr lang="en-US" sz="2000" dirty="0">
+                <a:latin typeface="Lucida Console" panose="020B0609040504020204" pitchFamily="49" charset="0"/>
+              </a:rPr>
+              <a:t>-4..3</a:t>
+            </a:r>
+            <a:r>
+              <a:rPr lang="en-US" sz="2000" dirty="0"/>
+              <a:t>    # returns the array with eight elements  </a:t>
+            </a:r>
+            <a:r>
+              <a:rPr lang="en-US" sz="2000" dirty="0">
+                <a:latin typeface="Lucida Console" panose="020B0609040504020204" pitchFamily="49" charset="0"/>
+              </a:rPr>
+              <a:t>-4, -3, -2, -1, 0, 1, 2, 3</a:t>
+            </a:r>
+          </a:p>
+          <a:p>
+            <a:endParaRPr lang="en-US" sz="2000" dirty="0"/>
+          </a:p>
+          <a:p>
+            <a:r>
+              <a:rPr lang="en-US" sz="2000" dirty="0"/>
+              <a:t>A range can also be descending, and in PowerShell Core, can be a range of character objects.</a:t>
+            </a:r>
+          </a:p>
+          <a:p>
+            <a:pPr marL="800100" lvl="1" indent="-342900">
+              <a:buFont typeface="Arial" panose="020B0604020202020204" pitchFamily="34" charset="0"/>
+              <a:buChar char="•"/>
+            </a:pPr>
+            <a:r>
+              <a:rPr lang="en-US" sz="2000" dirty="0"/>
+              <a:t>Example using  </a:t>
+            </a:r>
+            <a:r>
+              <a:rPr lang="en-US" sz="2000" dirty="0" err="1">
+                <a:latin typeface="Lucida Console" panose="020B0609040504020204" pitchFamily="49" charset="0"/>
+              </a:rPr>
+              <a:t>pwsh</a:t>
+            </a:r>
+            <a:r>
+              <a:rPr lang="en-US" sz="2000" dirty="0"/>
+              <a:t>  (PowerShell Core):</a:t>
             </a:r>
           </a:p>
           <a:p>
@@ -4911,67 +5149,46 @@
               <a:rPr lang="en-US" sz="2000" dirty="0">
                 <a:latin typeface="Lucida Console" panose="020B0609040504020204" pitchFamily="49" charset="0"/>
               </a:rPr>
-              <a:t>$</a:t>
+              <a:t>'</a:t>
             </a:r>
             <a:r>
               <a:rPr lang="en-US" sz="2000" dirty="0" err="1">
                 <a:latin typeface="Lucida Console" panose="020B0609040504020204" pitchFamily="49" charset="0"/>
               </a:rPr>
-              <a:t>env:Path</a:t>
-            </a:r>
-            <a:r>
-              <a:rPr lang="en-US" sz="2000" dirty="0">
-                <a:latin typeface="Lucida Console" panose="020B0609040504020204" pitchFamily="49" charset="0"/>
-              </a:rPr>
-              <a:t> –split ';'</a:t>
-            </a:r>
-            <a:r>
-              <a:rPr lang="en-US" sz="2000" dirty="0"/>
-              <a:t>    # Try it!</a:t>
-            </a:r>
-            <a:endParaRPr lang="en-US" sz="2000" dirty="0">
-              <a:latin typeface="Lucida Console" panose="020B0609040504020204" pitchFamily="49" charset="0"/>
-            </a:endParaRPr>
-          </a:p>
-          <a:p>
-            <a:pPr marL="1257300" lvl="2" indent="-342900">
-              <a:buFont typeface="Arial" panose="020B0604020202020204" pitchFamily="34" charset="0"/>
-              <a:buChar char="•"/>
-            </a:pPr>
-            <a:r>
-              <a:rPr lang="en-US" sz="2000" dirty="0">
-                <a:latin typeface="Lucida Console" panose="020B0609040504020204" pitchFamily="49" charset="0"/>
-              </a:rPr>
-              <a:t>"query=1&amp;option=2" –split '&amp;'</a:t>
-            </a:r>
-            <a:r>
-              <a:rPr lang="en-US" sz="2000" dirty="0"/>
-              <a:t>    # Outputs an array with the two strings </a:t>
-            </a:r>
-            <a:r>
-              <a:rPr lang="en-US" sz="2000" dirty="0">
-                <a:latin typeface="Lucida Console" panose="020B0609040504020204" pitchFamily="49" charset="0"/>
-              </a:rPr>
-              <a:t>"query=1","option=2"</a:t>
-            </a:r>
-          </a:p>
-          <a:p>
-            <a:pPr marL="1257300" lvl="2" indent="-342900">
-              <a:buFont typeface="Arial" panose="020B0604020202020204" pitchFamily="34" charset="0"/>
-              <a:buChar char="•"/>
-            </a:pPr>
+              <a:t>z'..'v</a:t>
+            </a:r>
+            <a:r>
+              <a:rPr lang="en-US" dirty="0">
+                <a:latin typeface="Lucida Console" panose="020B0609040504020204" pitchFamily="49" charset="0"/>
+              </a:rPr>
+              <a:t>'</a:t>
+            </a:r>
+            <a:r>
+              <a:rPr lang="en-US" sz="2000" dirty="0"/>
+              <a:t>    # returns the array with five elements </a:t>
+            </a:r>
+            <a:r>
+              <a:rPr lang="en-US" sz="2000" dirty="0">
+                <a:latin typeface="Lucida Console" panose="020B0609040504020204" pitchFamily="49" charset="0"/>
+              </a:rPr>
+              <a:t>'z', 'y', 'x', 'w', 'v’</a:t>
+            </a:r>
+          </a:p>
+          <a:p>
             <a:endParaRPr lang="en-US" sz="2000" dirty="0"/>
           </a:p>
           <a:p>
-            <a:pPr marL="342900" indent="-342900">
-              <a:buFont typeface="Arial" panose="020B0604020202020204" pitchFamily="34" charset="0"/>
-              <a:buChar char="•"/>
-            </a:pPr>
-            <a:r>
-              <a:rPr lang="en-US" sz="2000" dirty="0">
-                <a:latin typeface="Lucida Console" panose="020B0609040504020204" pitchFamily="49" charset="0"/>
-              </a:rPr>
-              <a:t>$a –join $d</a:t>
+            <a:r>
+              <a:rPr lang="en-US" sz="2000" dirty="0"/>
+              <a:t>Otherwise, the range operator only works with integers, and we can’t make it count by twos, or threes, or any other step value except 1 or -1. However, we can pipe </a:t>
+            </a:r>
+            <a:r>
+              <a:rPr lang="en-US" sz="2000"/>
+              <a:t>the resulting </a:t>
+            </a:r>
+            <a:r>
+              <a:rPr lang="en-US" sz="2000" dirty="0"/>
+              <a:t>array into a formula to convert it into any other desired sequence. Examples:</a:t>
             </a:r>
           </a:p>
           <a:p>
@@ -4980,18 +5197,20 @@
               <a:buChar char="•"/>
             </a:pPr>
             <a:r>
-              <a:rPr lang="en-US" sz="2000" dirty="0"/>
-              <a:t>joins an array of substrings into one string, using </a:t>
-            </a:r>
-            <a:r>
-              <a:rPr lang="en-US" sz="2000" dirty="0">
-                <a:latin typeface="Lucida Console" panose="020B0609040504020204" pitchFamily="49" charset="0"/>
-              </a:rPr>
-              <a:t>$d</a:t>
-            </a:r>
-            <a:r>
-              <a:rPr lang="en-US" sz="2000" dirty="0"/>
-              <a:t> as the delimiter between the substrings.</a:t>
+              <a:rPr lang="en-US" sz="2000" dirty="0">
+                <a:latin typeface="Lucida Console" panose="020B0609040504020204" pitchFamily="49" charset="0"/>
+              </a:rPr>
+              <a:t>1..8 | % {$_*2}</a:t>
+            </a:r>
+            <a:r>
+              <a:rPr lang="en-US" sz="2000" dirty="0"/>
+              <a:t>    # returns a count-by-twos array: </a:t>
+            </a:r>
+            <a:r>
+              <a:rPr lang="en-US" sz="2000" dirty="0">
+                <a:latin typeface="Lucida Console" panose="020B0609040504020204" pitchFamily="49" charset="0"/>
+              </a:rPr>
+              <a:t>2, 4, 6, 8, 10, 12, 14, 16</a:t>
             </a:r>
           </a:p>
           <a:p>
@@ -5000,82 +5219,56 @@
               <a:buChar char="•"/>
             </a:pPr>
             <a:r>
-              <a:rPr lang="en-US" sz="2000" dirty="0"/>
-              <a:t>Example:</a:t>
-            </a:r>
-          </a:p>
-          <a:p>
-            <a:pPr marL="1257300" lvl="2" indent="-342900">
-              <a:buFont typeface="Arial" panose="020B0604020202020204" pitchFamily="34" charset="0"/>
-              <a:buChar char="•"/>
-            </a:pPr>
-            <a:r>
-              <a:rPr lang="en-US" sz="2000" dirty="0">
-                <a:latin typeface="Lucida Console" panose="020B0609040504020204" pitchFamily="49" charset="0"/>
-              </a:rPr>
-              <a:t>1..9 –join ','</a:t>
-            </a:r>
-            <a:r>
-              <a:rPr lang="en-US" sz="2000" dirty="0"/>
-              <a:t>    # Outputs the string </a:t>
-            </a:r>
-            <a:r>
-              <a:rPr lang="en-US" sz="2000" dirty="0">
-                <a:latin typeface="Lucida Console" panose="020B0609040504020204" pitchFamily="49" charset="0"/>
-              </a:rPr>
-              <a:t>"1,2,3,4,5,6,7,8,9"</a:t>
-            </a:r>
-          </a:p>
-          <a:p>
-            <a:endParaRPr lang="en-US" sz="2000" dirty="0">
-              <a:latin typeface="Lucida Console" panose="020B0609040504020204" pitchFamily="49" charset="0"/>
-            </a:endParaRPr>
-          </a:p>
-          <a:p>
-            <a:endParaRPr lang="en-US" sz="2000" dirty="0">
-              <a:latin typeface="Lucida Console" panose="020B0609040504020204" pitchFamily="49" charset="0"/>
-            </a:endParaRPr>
-          </a:p>
-          <a:p>
-            <a:r>
-              <a:rPr lang="en-US" sz="2000" dirty="0">
-                <a:latin typeface="Lucida Console" panose="020B0609040504020204" pitchFamily="49" charset="0"/>
-              </a:rPr>
-              <a:t>Get-Help </a:t>
-            </a:r>
-            <a:r>
-              <a:rPr lang="en-US" sz="2000" dirty="0" err="1">
-                <a:latin typeface="Lucida Console" panose="020B0609040504020204" pitchFamily="49" charset="0"/>
-              </a:rPr>
-              <a:t>about_Split</a:t>
-            </a:r>
-            <a:endParaRPr lang="en-US" sz="2000" dirty="0">
-              <a:latin typeface="Lucida Console" panose="020B0609040504020204" pitchFamily="49" charset="0"/>
-            </a:endParaRPr>
-          </a:p>
-          <a:p>
-            <a:r>
-              <a:rPr lang="en-US" sz="2000" dirty="0">
-                <a:latin typeface="Lucida Console" panose="020B0609040504020204" pitchFamily="49" charset="0"/>
-              </a:rPr>
-              <a:t>Get-Help </a:t>
-            </a:r>
-            <a:r>
-              <a:rPr lang="en-US" sz="2000" dirty="0" err="1">
-                <a:latin typeface="Lucida Console" panose="020B0609040504020204" pitchFamily="49" charset="0"/>
-              </a:rPr>
-              <a:t>about_Join</a:t>
-            </a:r>
-            <a:endParaRPr lang="en-US" sz="2000" dirty="0">
-              <a:latin typeface="Lucida Console" panose="020B0609040504020204" pitchFamily="49" charset="0"/>
-            </a:endParaRPr>
+              <a:rPr lang="en-US" sz="2000" dirty="0">
+                <a:latin typeface="Lucida Console" panose="020B0609040504020204" pitchFamily="49" charset="0"/>
+              </a:rPr>
+              <a:t>1..6 | % {[Math]::Pow(2,$_)}</a:t>
+            </a:r>
+            <a:r>
+              <a:rPr lang="en-US" sz="2000" dirty="0"/>
+              <a:t>    # returns the array  </a:t>
+            </a:r>
+            <a:r>
+              <a:rPr lang="en-US" sz="2000" dirty="0">
+                <a:latin typeface="Lucida Console" panose="020B0609040504020204" pitchFamily="49" charset="0"/>
+              </a:rPr>
+              <a:t>2, 4, 8, 16, 32, 64</a:t>
+            </a:r>
+          </a:p>
+          <a:p>
+            <a:pPr marL="800100" lvl="1" indent="-342900">
+              <a:buFont typeface="Arial" panose="020B0604020202020204" pitchFamily="34" charset="0"/>
+              <a:buChar char="•"/>
+            </a:pPr>
+            <a:r>
+              <a:rPr lang="en-US" sz="2000" dirty="0">
+                <a:latin typeface="Lucida Console" panose="020B0609040504020204" pitchFamily="49" charset="0"/>
+              </a:rPr>
+              <a:t>2..6 | % {7.0/$_}</a:t>
+            </a:r>
+            <a:r>
+              <a:rPr lang="en-US" sz="2000" dirty="0"/>
+              <a:t>    # returns the array  </a:t>
+            </a:r>
+            <a:r>
+              <a:rPr lang="en-US" sz="2000" dirty="0">
+                <a:latin typeface="Lucida Console" panose="020B0609040504020204" pitchFamily="49" charset="0"/>
+              </a:rPr>
+              <a:t>3.5, 2.333333, 1.75, 1.4, 1.166666</a:t>
+            </a:r>
+          </a:p>
+          <a:p>
+            <a:endParaRPr lang="en-US" sz="2000" dirty="0"/>
+          </a:p>
+          <a:p>
+            <a:endParaRPr lang="en-US" sz="2000" dirty="0"/>
           </a:p>
         </p:txBody>
       </p:sp>
     </p:spTree>
     <p:extLst>
       <p:ext uri="{BB962C8B-B14F-4D97-AF65-F5344CB8AC3E}">
-        <p14:creationId xmlns:p14="http://schemas.microsoft.com/office/powerpoint/2010/main" val="2966054478"/>
+        <p14:creationId xmlns:p14="http://schemas.microsoft.com/office/powerpoint/2010/main" val="993494312"/>
       </p:ext>
     </p:extLst>
   </p:cSld>
@@ -5127,7 +5320,7 @@
           <a:p>
             <a:r>
               <a:rPr lang="en-US" sz="4000" dirty="0"/>
-              <a:t>Redirection operators</a:t>
+              <a:t>Array operators revisited</a:t>
             </a:r>
           </a:p>
         </p:txBody>
@@ -5147,7 +5340,7 @@
         <p:spPr>
           <a:xfrm>
             <a:off x="641097" y="1063756"/>
-            <a:ext cx="11227373" cy="4708981"/>
+            <a:ext cx="11227373" cy="4401205"/>
           </a:xfrm>
           <a:prstGeom prst="rect">
             <a:avLst/>
@@ -5162,87 +5355,31 @@
           <a:p>
             <a:r>
               <a:rPr lang="en-US" sz="2000" dirty="0"/>
-              <a:t>Redirection operators:</a:t>
-            </a:r>
-          </a:p>
-          <a:p>
-            <a:pPr marL="342900" indent="-342900">
-              <a:buFont typeface="Arial" panose="020B0604020202020204" pitchFamily="34" charset="0"/>
-              <a:buChar char="•"/>
-            </a:pPr>
-            <a:r>
-              <a:rPr lang="en-US" sz="2000" dirty="0">
-                <a:latin typeface="Lucida Console" panose="020B0609040504020204" pitchFamily="49" charset="0"/>
-              </a:rPr>
-              <a:t>&gt;</a:t>
-            </a:r>
-            <a:r>
-              <a:rPr lang="en-US" sz="2000" dirty="0"/>
-              <a:t>  Send output of successful commands to a new file (erase whatever used to be in the file)</a:t>
-            </a:r>
-          </a:p>
-          <a:p>
-            <a:pPr marL="342900" indent="-342900">
-              <a:buFont typeface="Arial" panose="020B0604020202020204" pitchFamily="34" charset="0"/>
-              <a:buChar char="•"/>
-            </a:pPr>
-            <a:r>
-              <a:rPr lang="en-US" sz="2000" dirty="0">
-                <a:latin typeface="Lucida Console" panose="020B0609040504020204" pitchFamily="49" charset="0"/>
-              </a:rPr>
-              <a:t>&gt;&gt;</a:t>
-            </a:r>
-            <a:r>
-              <a:rPr lang="en-US" sz="2000" dirty="0"/>
-              <a:t>  Append output of successful commands to the end of an existing file (preserve previous contents)</a:t>
-            </a:r>
-          </a:p>
-          <a:p>
-            <a:pPr marL="342900" indent="-342900">
-              <a:buFont typeface="Arial" panose="020B0604020202020204" pitchFamily="34" charset="0"/>
-              <a:buChar char="•"/>
-            </a:pPr>
-            <a:r>
-              <a:rPr lang="en-US" sz="2000" dirty="0">
-                <a:latin typeface="Lucida Console" panose="020B0609040504020204" pitchFamily="49" charset="0"/>
-              </a:rPr>
-              <a:t>2&gt;</a:t>
-            </a:r>
-            <a:r>
-              <a:rPr lang="en-US" sz="2000" dirty="0"/>
-              <a:t>  Send error messages to a new file (erase whatever used to be in the file)</a:t>
-            </a:r>
-          </a:p>
-          <a:p>
-            <a:pPr marL="342900" indent="-342900">
-              <a:buFont typeface="Arial" panose="020B0604020202020204" pitchFamily="34" charset="0"/>
-              <a:buChar char="•"/>
-            </a:pPr>
-            <a:r>
-              <a:rPr lang="en-US" sz="2000" dirty="0">
-                <a:latin typeface="Lucida Console" panose="020B0609040504020204" pitchFamily="49" charset="0"/>
-              </a:rPr>
-              <a:t>2&gt;&gt;</a:t>
-            </a:r>
-            <a:r>
-              <a:rPr lang="en-US" sz="2000" dirty="0"/>
-              <a:t>  Append error messages to the end of an existing file (preserve previous contents)</a:t>
-            </a:r>
-          </a:p>
-          <a:p>
-            <a:pPr marL="342900" indent="-342900">
-              <a:buFont typeface="Arial" panose="020B0604020202020204" pitchFamily="34" charset="0"/>
-              <a:buChar char="•"/>
-            </a:pPr>
-            <a:r>
-              <a:rPr lang="en-US" sz="2000" dirty="0">
-                <a:latin typeface="Lucida Console" panose="020B0609040504020204" pitchFamily="49" charset="0"/>
-              </a:rPr>
-              <a:t>2&gt;&amp;1</a:t>
-            </a:r>
-            <a:r>
-              <a:rPr lang="en-US" sz="2000" dirty="0"/>
-              <a:t>  Combine error messages and successful command outputs into the same output stream.</a:t>
+              <a:t>Reminder: you can use the </a:t>
+            </a:r>
+            <a:r>
+              <a:rPr lang="en-US" sz="2000" i="1" dirty="0"/>
+              <a:t>comma</a:t>
+            </a:r>
+            <a:r>
+              <a:rPr lang="en-US" sz="2000" dirty="0"/>
+              <a:t> operator to create an array. Example:</a:t>
+            </a:r>
+          </a:p>
+          <a:p>
+            <a:pPr marL="800100" lvl="1" indent="-342900">
+              <a:buFont typeface="Arial" panose="020B0604020202020204" pitchFamily="34" charset="0"/>
+              <a:buChar char="•"/>
+            </a:pPr>
+            <a:r>
+              <a:rPr lang="en-US" sz="2000" dirty="0">
+                <a:latin typeface="Lucida Console" panose="020B0609040504020204" pitchFamily="49" charset="0"/>
+              </a:rPr>
+              <a:t>$a = 2,3,5,7,11,13,17,19</a:t>
+            </a:r>
+            <a:r>
+              <a:rPr lang="en-US" sz="2000" dirty="0"/>
+              <a:t> </a:t>
             </a:r>
           </a:p>
           <a:p>
@@ -5251,104 +5388,240 @@
           <a:p>
             <a:r>
               <a:rPr lang="en-US" sz="2000" dirty="0"/>
-              <a:t>Example:</a:t>
-            </a:r>
-          </a:p>
-          <a:p>
-            <a:pPr marL="342900" indent="-342900">
-              <a:buFont typeface="Arial" panose="020B0604020202020204" pitchFamily="34" charset="0"/>
-              <a:buChar char="•"/>
-            </a:pPr>
-            <a:r>
-              <a:rPr lang="en-US" sz="2000" dirty="0" err="1">
-                <a:latin typeface="Lucida Console" panose="020B0609040504020204" pitchFamily="49" charset="0"/>
-              </a:rPr>
-              <a:t>dir</a:t>
-            </a:r>
-            <a:r>
-              <a:rPr lang="en-US" sz="2000" dirty="0">
-                <a:latin typeface="Lucida Console" panose="020B0609040504020204" pitchFamily="49" charset="0"/>
-              </a:rPr>
+              <a:t>Reminder: use </a:t>
+            </a:r>
+            <a:r>
+              <a:rPr lang="en-US" sz="2000" i="1" dirty="0"/>
+              <a:t>indexes</a:t>
+            </a:r>
+            <a:r>
+              <a:rPr lang="en-US" sz="2000" dirty="0"/>
+              <a:t> (a.k.a. </a:t>
+            </a:r>
+            <a:r>
+              <a:rPr lang="en-US" sz="2000" i="1" dirty="0"/>
+              <a:t>indices</a:t>
+            </a:r>
+            <a:r>
+              <a:rPr lang="en-US" sz="2000" dirty="0"/>
+              <a:t>) in square brackets  </a:t>
+            </a:r>
+            <a:r>
+              <a:rPr lang="en-US" sz="2000" dirty="0">
+                <a:latin typeface="Lucida Console" panose="020B0609040504020204" pitchFamily="49" charset="0"/>
+              </a:rPr>
+              <a:t>[ ]</a:t>
+            </a:r>
+            <a:r>
+              <a:rPr lang="en-US" sz="2000" dirty="0"/>
+              <a:t>  to access items contained in an array.</a:t>
+            </a:r>
+          </a:p>
+          <a:p>
+            <a:pPr marL="800100" lvl="1" indent="-342900">
+              <a:buFont typeface="Arial" panose="020B0604020202020204" pitchFamily="34" charset="0"/>
+              <a:buChar char="•"/>
+            </a:pPr>
+            <a:r>
+              <a:rPr lang="en-US" sz="2000" dirty="0">
+                <a:latin typeface="Lucida Console" panose="020B0609040504020204" pitchFamily="49" charset="0"/>
+              </a:rPr>
+              <a:t>$a[0]</a:t>
+            </a:r>
+            <a:r>
+              <a:rPr lang="en-US" sz="2000" dirty="0"/>
+              <a:t>    # returns  </a:t>
+            </a:r>
+            <a:r>
+              <a:rPr lang="en-US" sz="2000" dirty="0">
+                <a:latin typeface="Lucida Console" panose="020B0609040504020204" pitchFamily="49" charset="0"/>
+              </a:rPr>
+              <a:t>2</a:t>
+            </a:r>
+            <a:r>
+              <a:rPr lang="en-US" sz="2000" dirty="0"/>
               <a:t> </a:t>
             </a:r>
-            <a:r>
-              <a:rPr lang="en-US" sz="1800" dirty="0">
-                <a:latin typeface="Lucida Console" panose="020B0609040504020204" pitchFamily="49" charset="0"/>
-              </a:rPr>
-              <a:t>'</a:t>
-            </a:r>
-            <a:r>
-              <a:rPr lang="en-US" sz="2000" dirty="0">
-                <a:latin typeface="Lucida Console" panose="020B0609040504020204" pitchFamily="49" charset="0"/>
-              </a:rPr>
-              <a:t>C:\', 'D:\</a:t>
-            </a:r>
-            <a:r>
-              <a:rPr lang="en-US" sz="2000" dirty="0" err="1">
-                <a:latin typeface="Lucida Console" panose="020B0609040504020204" pitchFamily="49" charset="0"/>
-              </a:rPr>
-              <a:t>NoSuchPath</a:t>
-            </a:r>
-            <a:r>
-              <a:rPr lang="en-US" sz="2000" dirty="0">
-                <a:latin typeface="Lucida Console" panose="020B0609040504020204" pitchFamily="49" charset="0"/>
-              </a:rPr>
-              <a:t>' 2&gt;&amp;1 &gt; dir.log</a:t>
-            </a:r>
-          </a:p>
-          <a:p>
-            <a:pPr marL="342900" indent="-342900">
-              <a:buFont typeface="Arial" panose="020B0604020202020204" pitchFamily="34" charset="0"/>
-              <a:buChar char="•"/>
-            </a:pPr>
-            <a:r>
-              <a:rPr lang="en-US" sz="2000" dirty="0">
-                <a:latin typeface="Lucida Console" panose="020B0609040504020204" pitchFamily="49" charset="0"/>
-              </a:rPr>
-              <a:t>Write-Output dir.log</a:t>
-            </a:r>
-          </a:p>
-          <a:p>
-            <a:endParaRPr lang="en-US" sz="2000" dirty="0"/>
-          </a:p>
-          <a:p>
-            <a:r>
-              <a:rPr lang="en-US" sz="2000" dirty="0"/>
-              <a:t>In this example, both the successful output (listing of </a:t>
-            </a:r>
-            <a:r>
-              <a:rPr lang="en-US" sz="2000" b="1" dirty="0"/>
-              <a:t>C:\</a:t>
-            </a:r>
-            <a:r>
-              <a:rPr lang="en-US" sz="2000" dirty="0"/>
-              <a:t>) and error message (failed attempt to list </a:t>
-            </a:r>
-            <a:r>
-              <a:rPr lang="en-US" sz="2000" b="1" dirty="0"/>
-              <a:t>D:\NoSuchPath</a:t>
-            </a:r>
-            <a:r>
-              <a:rPr lang="en-US" sz="2000" dirty="0"/>
-              <a:t>) are redirected into one output file named </a:t>
-            </a:r>
-            <a:r>
-              <a:rPr lang="en-US" sz="2000" dirty="0">
-                <a:latin typeface="Lucida Console" panose="020B0609040504020204" pitchFamily="49" charset="0"/>
-              </a:rPr>
-              <a:t>dir.log</a:t>
-            </a:r>
-            <a:r>
-              <a:rPr lang="en-US" sz="2000" dirty="0"/>
-              <a:t>.</a:t>
-            </a:r>
-          </a:p>
-          <a:p>
             <a:endParaRPr lang="en-US" sz="2000" dirty="0">
               <a:latin typeface="Lucida Console" panose="020B0609040504020204" pitchFamily="49" charset="0"/>
             </a:endParaRPr>
           </a:p>
           <a:p>
+            <a:pPr marL="800100" lvl="1" indent="-342900">
+              <a:buFont typeface="Arial" panose="020B0604020202020204" pitchFamily="34" charset="0"/>
+              <a:buChar char="•"/>
+            </a:pPr>
+            <a:r>
+              <a:rPr lang="en-US" sz="2000" dirty="0">
+                <a:latin typeface="Lucida Console" panose="020B0609040504020204" pitchFamily="49" charset="0"/>
+              </a:rPr>
+              <a:t>$a[1,5,7]</a:t>
+            </a:r>
+            <a:r>
+              <a:rPr lang="en-US" sz="2000" dirty="0"/>
+              <a:t>    # returns the smaller array  </a:t>
+            </a:r>
+            <a:r>
+              <a:rPr lang="en-US" sz="2000" dirty="0">
+                <a:latin typeface="Lucida Console" panose="020B0609040504020204" pitchFamily="49" charset="0"/>
+              </a:rPr>
+              <a:t>3, 13, 19</a:t>
+            </a:r>
+            <a:r>
+              <a:rPr lang="en-US" sz="2000" dirty="0"/>
+              <a:t>  according to an </a:t>
+            </a:r>
+            <a:r>
+              <a:rPr lang="en-US" sz="2000" i="1" dirty="0"/>
+              <a:t>array</a:t>
+            </a:r>
+            <a:r>
+              <a:rPr lang="en-US" sz="2000" dirty="0"/>
+              <a:t> of indexes</a:t>
+            </a:r>
+            <a:endParaRPr lang="en-US" sz="2000" dirty="0">
+              <a:latin typeface="Lucida Console" panose="020B0609040504020204" pitchFamily="49" charset="0"/>
+            </a:endParaRPr>
+          </a:p>
+          <a:p>
+            <a:pPr marL="800100" lvl="1" indent="-342900">
+              <a:buFont typeface="Arial" panose="020B0604020202020204" pitchFamily="34" charset="0"/>
+              <a:buChar char="•"/>
+            </a:pPr>
+            <a:r>
+              <a:rPr lang="en-US" sz="2000" dirty="0">
+                <a:latin typeface="Lucida Console" panose="020B0609040504020204" pitchFamily="49" charset="0"/>
+              </a:rPr>
+              <a:t>$a[2..4]</a:t>
+            </a:r>
+            <a:r>
+              <a:rPr lang="en-US" sz="2000" dirty="0"/>
+              <a:t>    # returns the smaller array  </a:t>
+            </a:r>
+            <a:r>
+              <a:rPr lang="en-US" sz="2000" dirty="0">
+                <a:latin typeface="Lucida Console" panose="020B0609040504020204" pitchFamily="49" charset="0"/>
+              </a:rPr>
+              <a:t>5, 7, 11</a:t>
+            </a:r>
+            <a:r>
+              <a:rPr lang="en-US" sz="2000" dirty="0"/>
+              <a:t>  that was “sliced” from the original array</a:t>
+            </a:r>
+            <a:endParaRPr lang="en-US" sz="2000" dirty="0">
+              <a:latin typeface="Lucida Console" panose="020B0609040504020204" pitchFamily="49" charset="0"/>
+            </a:endParaRPr>
+          </a:p>
+          <a:p>
+            <a:endParaRPr lang="en-US" sz="2000" dirty="0"/>
+          </a:p>
+          <a:p>
+            <a:r>
+              <a:rPr lang="en-US" sz="2000" dirty="0"/>
+              <a:t>Containment operators: </a:t>
+            </a:r>
+            <a:r>
+              <a:rPr lang="en-US" sz="2000" dirty="0">
+                <a:latin typeface="Lucida Console" panose="020B0609040504020204" pitchFamily="49" charset="0"/>
+              </a:rPr>
+              <a:t>-contains</a:t>
+            </a:r>
+            <a:r>
+              <a:rPr lang="en-US" sz="2000" dirty="0"/>
+              <a:t>, </a:t>
+            </a:r>
+            <a:r>
+              <a:rPr lang="en-US" sz="2000" dirty="0">
+                <a:latin typeface="Lucida Console" panose="020B0609040504020204" pitchFamily="49" charset="0"/>
+              </a:rPr>
+              <a:t>-</a:t>
+            </a:r>
+            <a:r>
+              <a:rPr lang="en-US" sz="2000" dirty="0" err="1">
+                <a:latin typeface="Lucida Console" panose="020B0609040504020204" pitchFamily="49" charset="0"/>
+              </a:rPr>
+              <a:t>notcontains</a:t>
+            </a:r>
+            <a:r>
+              <a:rPr lang="en-US" sz="2000" dirty="0"/>
+              <a:t>, </a:t>
+            </a:r>
+            <a:r>
+              <a:rPr lang="en-US" sz="2000" dirty="0">
+                <a:latin typeface="Lucida Console" panose="020B0609040504020204" pitchFamily="49" charset="0"/>
+              </a:rPr>
+              <a:t>-in</a:t>
+            </a:r>
+            <a:r>
+              <a:rPr lang="en-US" sz="2000" dirty="0"/>
+              <a:t>, </a:t>
+            </a:r>
+            <a:r>
+              <a:rPr lang="en-US" sz="2000" dirty="0">
+                <a:latin typeface="Lucida Console" panose="020B0609040504020204" pitchFamily="49" charset="0"/>
+              </a:rPr>
+              <a:t>-</a:t>
+            </a:r>
+            <a:r>
+              <a:rPr lang="en-US" sz="2000" dirty="0" err="1">
+                <a:latin typeface="Lucida Console" panose="020B0609040504020204" pitchFamily="49" charset="0"/>
+              </a:rPr>
+              <a:t>notin</a:t>
+            </a:r>
+            <a:endParaRPr lang="en-US" sz="2000" dirty="0">
+              <a:latin typeface="Lucida Console" panose="020B0609040504020204" pitchFamily="49" charset="0"/>
+            </a:endParaRPr>
+          </a:p>
+          <a:p>
+            <a:pPr marL="800100" lvl="1" indent="-342900">
+              <a:buFont typeface="Arial" panose="020B0604020202020204" pitchFamily="34" charset="0"/>
+              <a:buChar char="•"/>
+            </a:pPr>
+            <a:r>
+              <a:rPr lang="en-US" sz="2000" dirty="0">
+                <a:latin typeface="Lucida Console" panose="020B0609040504020204" pitchFamily="49" charset="0"/>
+              </a:rPr>
+              <a:t>$a –contains 17</a:t>
+            </a:r>
+            <a:r>
+              <a:rPr lang="en-US" sz="2000" dirty="0"/>
+              <a:t>    # returns  </a:t>
+            </a:r>
+            <a:r>
+              <a:rPr lang="en-US" sz="2000" dirty="0">
+                <a:latin typeface="Lucida Console" panose="020B0609040504020204" pitchFamily="49" charset="0"/>
+              </a:rPr>
+              <a:t>True</a:t>
+            </a:r>
+          </a:p>
+          <a:p>
+            <a:pPr marL="800100" lvl="1" indent="-342900">
+              <a:buFont typeface="Arial" panose="020B0604020202020204" pitchFamily="34" charset="0"/>
+              <a:buChar char="•"/>
+            </a:pPr>
+            <a:r>
+              <a:rPr lang="en-US" sz="2000" dirty="0">
+                <a:latin typeface="Lucida Console" panose="020B0609040504020204" pitchFamily="49" charset="0"/>
+              </a:rPr>
+              <a:t>23 –in $a</a:t>
+            </a:r>
+            <a:r>
+              <a:rPr lang="en-US" sz="2000" dirty="0"/>
+              <a:t>    # returns </a:t>
+            </a:r>
+            <a:r>
+              <a:rPr lang="en-US" sz="2000" dirty="0">
+                <a:latin typeface="Lucida Console" panose="020B0609040504020204" pitchFamily="49" charset="0"/>
+              </a:rPr>
+              <a:t>False</a:t>
+            </a:r>
+          </a:p>
+          <a:p>
+            <a:endParaRPr lang="en-US" sz="2000" dirty="0">
+              <a:latin typeface="Lucida Console" panose="020B0609040504020204" pitchFamily="49" charset="0"/>
+            </a:endParaRPr>
+          </a:p>
+          <a:p>
             <a:r>
               <a:rPr lang="en-US" sz="2000" dirty="0">
                 <a:latin typeface="Lucida Console" panose="020B0609040504020204" pitchFamily="49" charset="0"/>
@@ -5359,7 +5632,24 @@
               <a:rPr lang="en-US" sz="2000" dirty="0" err="1">
                 <a:latin typeface="Lucida Console" panose="020B0609040504020204" pitchFamily="49" charset="0"/>
               </a:rPr>
-              <a:t>about_Redirection</a:t>
+              <a:t>about_Arrays</a:t>
+            </a:r>
+            <a:endParaRPr lang="en-US" sz="2000" dirty="0">
+              <a:latin typeface="Lucida Console" panose="020B0609040504020204" pitchFamily="49" charset="0"/>
+            </a:endParaRPr>
+          </a:p>
+          <a:p>
+            <a:r>
+              <a:rPr lang="en-US" sz="2000" dirty="0">
+                <a:latin typeface="Lucida Console" panose="020B0609040504020204" pitchFamily="49" charset="0"/>
+              </a:rPr>
+              <a:t>Get-Help </a:t>
+            </a:r>
+            <a:r>
+              <a:rPr lang="en-US" sz="2000" dirty="0" err="1">
+                <a:latin typeface="Lucida Console" panose="020B0609040504020204" pitchFamily="49" charset="0"/>
+              </a:rPr>
+              <a:t>about_Comparison_Operators</a:t>
             </a:r>
             <a:endParaRPr lang="en-US" sz="2000" dirty="0">
               <a:latin typeface="Lucida Console" panose="020B0609040504020204" pitchFamily="49" charset="0"/>
@@ -5370,7 +5660,7 @@
     </p:spTree>
     <p:extLst>
       <p:ext uri="{BB962C8B-B14F-4D97-AF65-F5344CB8AC3E}">
-        <p14:creationId xmlns:p14="http://schemas.microsoft.com/office/powerpoint/2010/main" val="3689580349"/>
+        <p14:creationId xmlns:p14="http://schemas.microsoft.com/office/powerpoint/2010/main" val="1304576592"/>
       </p:ext>
     </p:extLst>
   </p:cSld>
@@ -5422,7 +5712,7 @@
           <a:p>
             <a:r>
               <a:rPr lang="en-US" sz="4000" dirty="0"/>
-              <a:t>Other operators (1)</a:t>
+              <a:t>Split and Join operators</a:t>
             </a:r>
           </a:p>
         </p:txBody>
@@ -5442,7 +5732,7 @@
         <p:spPr>
           <a:xfrm>
             <a:off x="641097" y="1063756"/>
-            <a:ext cx="11227373" cy="5324535"/>
+            <a:ext cx="11227373" cy="4708981"/>
           </a:xfrm>
           <a:prstGeom prst="rect">
             <a:avLst/>
@@ -5455,12 +5745,6 @@
           </a:bodyPr>
           <a:lstStyle/>
           <a:p>
-            <a:r>
-              <a:rPr lang="en-US" sz="2000" dirty="0"/>
-              <a:t>Use parentheses to group expressions and give them higher precedence. Examples:</a:t>
-            </a:r>
-          </a:p>
-          <a:p>
             <a:pPr marL="342900" indent="-342900">
               <a:buFont typeface="Arial" panose="020B0604020202020204" pitchFamily="34" charset="0"/>
               <a:buChar char="•"/>
@@ -5469,67 +5753,102 @@
               <a:rPr lang="en-US" sz="2000" dirty="0">
                 <a:latin typeface="Lucida Console" panose="020B0609040504020204" pitchFamily="49" charset="0"/>
               </a:rPr>
-              <a:t>1 + 2 * 3</a:t>
-            </a:r>
-            <a:r>
-              <a:rPr lang="en-US" sz="2000" dirty="0"/>
-              <a:t>    # returns </a:t>
-            </a:r>
-            <a:r>
-              <a:rPr lang="en-US" sz="2000" dirty="0">
-                <a:latin typeface="Lucida Console" panose="020B0609040504020204" pitchFamily="49" charset="0"/>
-              </a:rPr>
-              <a:t>7</a:t>
-            </a:r>
-          </a:p>
-          <a:p>
-            <a:pPr marL="342900" indent="-342900">
-              <a:buFont typeface="Arial" panose="020B0604020202020204" pitchFamily="34" charset="0"/>
-              <a:buChar char="•"/>
-            </a:pPr>
-            <a:r>
-              <a:rPr lang="en-US" sz="2000" dirty="0">
-                <a:latin typeface="Lucida Console" panose="020B0609040504020204" pitchFamily="49" charset="0"/>
-              </a:rPr>
-              <a:t>(1 + 2) *3</a:t>
-            </a:r>
-            <a:r>
-              <a:rPr lang="en-US" sz="2000" dirty="0"/>
-              <a:t>    # returns </a:t>
-            </a:r>
-            <a:r>
-              <a:rPr lang="en-US" sz="2000" dirty="0">
-                <a:latin typeface="Lucida Console" panose="020B0609040504020204" pitchFamily="49" charset="0"/>
-              </a:rPr>
-              <a:t>9</a:t>
-            </a:r>
-          </a:p>
-          <a:p>
+              <a:t>$s –split $d</a:t>
+            </a:r>
+            <a:r>
+              <a:rPr lang="en-US" sz="2000" dirty="0"/>
+              <a:t> </a:t>
+            </a:r>
+          </a:p>
+          <a:p>
+            <a:pPr marL="800100" lvl="1" indent="-342900">
+              <a:buFont typeface="Arial" panose="020B0604020202020204" pitchFamily="34" charset="0"/>
+              <a:buChar char="•"/>
+            </a:pPr>
+            <a:r>
+              <a:rPr lang="en-US" sz="2000" dirty="0"/>
+              <a:t>splits a string into substrings, using </a:t>
+            </a:r>
+            <a:r>
+              <a:rPr lang="en-US" sz="2000" dirty="0">
+                <a:latin typeface="Lucida Console" panose="020B0609040504020204" pitchFamily="49" charset="0"/>
+              </a:rPr>
+              <a:t>$d</a:t>
+            </a:r>
+            <a:r>
+              <a:rPr lang="en-US" sz="2000" dirty="0"/>
+              <a:t> as the delimiter that separates the substrings.</a:t>
+            </a:r>
+          </a:p>
+          <a:p>
+            <a:pPr marL="800100" lvl="1" indent="-342900">
+              <a:buFont typeface="Arial" panose="020B0604020202020204" pitchFamily="34" charset="0"/>
+              <a:buChar char="•"/>
+            </a:pPr>
+            <a:r>
+              <a:rPr lang="en-US" sz="2000" dirty="0"/>
+              <a:t>Examples:</a:t>
+            </a:r>
+          </a:p>
+          <a:p>
+            <a:pPr marL="1257300" lvl="2" indent="-342900">
+              <a:buFont typeface="Arial" panose="020B0604020202020204" pitchFamily="34" charset="0"/>
+              <a:buChar char="•"/>
+            </a:pPr>
+            <a:r>
+              <a:rPr lang="en-US" sz="2000" dirty="0">
+                <a:latin typeface="Lucida Console" panose="020B0609040504020204" pitchFamily="49" charset="0"/>
+              </a:rPr>
+              <a:t>$</a:t>
+            </a:r>
+            <a:r>
+              <a:rPr lang="en-US" sz="2000" dirty="0" err="1">
+                <a:latin typeface="Lucida Console" panose="020B0609040504020204" pitchFamily="49" charset="0"/>
+              </a:rPr>
+              <a:t>env:Path</a:t>
+            </a:r>
+            <a:r>
+              <a:rPr lang="en-US" sz="2000" dirty="0">
+                <a:latin typeface="Lucida Console" panose="020B0609040504020204" pitchFamily="49" charset="0"/>
+              </a:rPr>
+              <a:t> –split ';'</a:t>
+            </a:r>
+            <a:r>
+              <a:rPr lang="en-US" sz="2000" dirty="0"/>
+              <a:t>    # Try it!</a:t>
+            </a:r>
             <a:endParaRPr lang="en-US" sz="2000" dirty="0">
               <a:latin typeface="Lucida Console" panose="020B0609040504020204" pitchFamily="49" charset="0"/>
             </a:endParaRPr>
           </a:p>
           <a:p>
-            <a:r>
-              <a:rPr lang="en-US" sz="2000" dirty="0"/>
-              <a:t>Use  a dollar and parentheses to interpolate output of a </a:t>
-            </a:r>
-            <a:r>
-              <a:rPr lang="en-US" sz="2000" i="1" dirty="0"/>
-              <a:t>subexpression</a:t>
-            </a:r>
-            <a:r>
-              <a:rPr lang="en-US" sz="2000" dirty="0"/>
-              <a:t> into a </a:t>
-            </a:r>
-            <a:r>
-              <a:rPr lang="en-US" sz="2000" i="1" dirty="0"/>
-              <a:t>double-quoted</a:t>
-            </a:r>
-            <a:r>
-              <a:rPr lang="en-US" sz="2000" dirty="0"/>
-              <a:t> string. Example:</a:t>
-            </a:r>
+            <a:pPr marL="1257300" lvl="2" indent="-342900">
+              <a:buFont typeface="Arial" panose="020B0604020202020204" pitchFamily="34" charset="0"/>
+              <a:buChar char="•"/>
+            </a:pPr>
+            <a:r>
+              <a:rPr lang="en-US" sz="2000" dirty="0">
+                <a:latin typeface="Lucida Console" panose="020B0609040504020204" pitchFamily="49" charset="0"/>
+              </a:rPr>
+              <a:t>"query=1&amp;option=2" –split '&amp;'</a:t>
+            </a:r>
+            <a:r>
+              <a:rPr lang="en-US" sz="2000" dirty="0"/>
+              <a:t>    # Outputs an array with the two strings </a:t>
+            </a:r>
+            <a:r>
+              <a:rPr lang="en-US" sz="2000" dirty="0">
+                <a:latin typeface="Lucida Console" panose="020B0609040504020204" pitchFamily="49" charset="0"/>
+              </a:rPr>
+              <a:t>"query=1","option=2"</a:t>
+            </a:r>
+          </a:p>
+          <a:p>
+            <a:pPr marL="1257300" lvl="2" indent="-342900">
+              <a:buFont typeface="Arial" panose="020B0604020202020204" pitchFamily="34" charset="0"/>
+              <a:buChar char="•"/>
+            </a:pPr>
+            <a:endParaRPr lang="en-US" sz="2000" dirty="0"/>
           </a:p>
           <a:p>
             <a:pPr marL="342900" indent="-342900">
@@ -5540,19 +5859,7 @@
               <a:rPr lang="en-US" sz="2000" dirty="0">
                 <a:latin typeface="Lucida Console" panose="020B0609040504020204" pitchFamily="49" charset="0"/>
               </a:rPr>
-              <a:t>$a=5; "Value $a, type $($</a:t>
-            </a:r>
-            <a:r>
-              <a:rPr lang="en-US" sz="2000" dirty="0" err="1">
-                <a:latin typeface="Lucida Console" panose="020B0609040504020204" pitchFamily="49" charset="0"/>
-              </a:rPr>
-              <a:t>a.GetType</a:t>
-            </a:r>
-            <a:r>
-              <a:rPr lang="en-US" sz="2000" dirty="0">
-                <a:latin typeface="Lucida Console" panose="020B0609040504020204" pitchFamily="49" charset="0"/>
-              </a:rPr>
-              <a:t>().Name)"</a:t>
+              <a:t>$a –join $d</a:t>
             </a:r>
           </a:p>
           <a:p>
@@ -5562,13 +5869,49 @@
             </a:pPr>
             <a:r>
               <a:rPr lang="en-US" sz="2000" dirty="0"/>
-              <a:t># returns </a:t>
-            </a:r>
-            <a:r>
-              <a:rPr lang="en-US" sz="2000" dirty="0">
-                <a:latin typeface="Lucida Console" panose="020B0609040504020204" pitchFamily="49" charset="0"/>
-              </a:rPr>
-              <a:t>Value 5, type Int32</a:t>
+              <a:t>joins an array of substrings into one string, using </a:t>
+            </a:r>
+            <a:r>
+              <a:rPr lang="en-US" sz="2000" dirty="0">
+                <a:latin typeface="Lucida Console" panose="020B0609040504020204" pitchFamily="49" charset="0"/>
+              </a:rPr>
+              <a:t>$d</a:t>
+            </a:r>
+            <a:r>
+              <a:rPr lang="en-US" sz="2000" dirty="0"/>
+              <a:t> as the delimiter between the substrings.</a:t>
+            </a:r>
+          </a:p>
+          <a:p>
+            <a:pPr marL="800100" lvl="1" indent="-342900">
+              <a:buFont typeface="Arial" panose="020B0604020202020204" pitchFamily="34" charset="0"/>
+              <a:buChar char="•"/>
+            </a:pPr>
+            <a:r>
+              <a:rPr lang="en-US" sz="2000" dirty="0"/>
+              <a:t>Example:</a:t>
+            </a:r>
+          </a:p>
+          <a:p>
+            <a:pPr marL="1257300" lvl="2" indent="-342900">
+              <a:buFont typeface="Arial" panose="020B0604020202020204" pitchFamily="34" charset="0"/>
+              <a:buChar char="•"/>
+            </a:pPr>
+            <a:r>
+              <a:rPr lang="en-US" sz="2000" dirty="0">
+                <a:latin typeface="Lucida Console" panose="020B0609040504020204" pitchFamily="49" charset="0"/>
+              </a:rPr>
+              <a:t>1..9 –join ','</a:t>
+            </a:r>
+            <a:r>
+              <a:rPr lang="en-US" sz="2000" dirty="0"/>
+              <a:t>    # Outputs the string </a:t>
+            </a:r>
+            <a:r>
+              <a:rPr lang="en-US" sz="2000" dirty="0">
+                <a:latin typeface="Lucida Console" panose="020B0609040504020204" pitchFamily="49" charset="0"/>
+              </a:rPr>
+              <a:t>"1,2,3,4,5,6,7,8,9"</a:t>
             </a:r>
           </a:p>
           <a:p>
@@ -5577,117 +5920,40 @@
             </a:endParaRPr>
           </a:p>
           <a:p>
-            <a:r>
-              <a:rPr lang="en-US" sz="2000" dirty="0"/>
-              <a:t>Pipeline operator example:</a:t>
-            </a:r>
-          </a:p>
-          <a:p>
-            <a:pPr marL="342900" indent="-342900">
-              <a:buFont typeface="Arial" panose="020B0604020202020204" pitchFamily="34" charset="0"/>
-              <a:buChar char="•"/>
-            </a:pPr>
-            <a:r>
-              <a:rPr lang="en-US" sz="2000" dirty="0">
-                <a:latin typeface="Lucida Console" panose="020B0609040504020204" pitchFamily="49" charset="0"/>
-              </a:rPr>
-              <a:t>Get-Help </a:t>
-            </a:r>
-            <a:r>
-              <a:rPr lang="en-US" sz="2000" dirty="0" err="1">
-                <a:latin typeface="Lucida Console" panose="020B0609040504020204" pitchFamily="49" charset="0"/>
-              </a:rPr>
-              <a:t>Get-Help</a:t>
-            </a:r>
-            <a:r>
-              <a:rPr lang="en-US" sz="2000" dirty="0">
-                <a:latin typeface="Lucida Console" panose="020B0609040504020204" pitchFamily="49" charset="0"/>
-              </a:rPr>
-              <a:t> | more</a:t>
-            </a:r>
-            <a:r>
-              <a:rPr lang="en-US" sz="2000" dirty="0"/>
-              <a:t>    # output of left command becomes input to right command</a:t>
-            </a:r>
-          </a:p>
-          <a:p>
-            <a:pPr marL="342900" indent="-342900">
-              <a:buFont typeface="Arial" panose="020B0604020202020204" pitchFamily="34" charset="0"/>
-              <a:buChar char="•"/>
-            </a:pPr>
             <a:endParaRPr lang="en-US" sz="2000" dirty="0">
               <a:latin typeface="Lucida Console" panose="020B0609040504020204" pitchFamily="49" charset="0"/>
             </a:endParaRPr>
           </a:p>
           <a:p>
             <a:r>
-              <a:rPr lang="en-US" sz="2000" dirty="0"/>
-              <a:t>Conditional chained-pipeline operators, </a:t>
-            </a:r>
-            <a:r>
-              <a:rPr lang="en-US" sz="2000" dirty="0">
-                <a:latin typeface="Lucida Console" panose="020B0609040504020204" pitchFamily="49" charset="0"/>
-              </a:rPr>
-              <a:t>||</a:t>
-            </a:r>
-            <a:r>
-              <a:rPr lang="en-US" sz="2000" dirty="0"/>
-              <a:t> and </a:t>
-            </a:r>
-            <a:r>
-              <a:rPr lang="en-US" sz="2000" dirty="0">
-                <a:latin typeface="Lucida Console" panose="020B0609040504020204" pitchFamily="49" charset="0"/>
-              </a:rPr>
-              <a:t>&amp;&amp;</a:t>
-            </a:r>
-            <a:r>
-              <a:rPr lang="en-US" sz="2000" dirty="0"/>
-              <a:t>. Example:</a:t>
-            </a:r>
-          </a:p>
-          <a:p>
-            <a:pPr marL="342900" indent="-342900">
-              <a:buFont typeface="Arial" panose="020B0604020202020204" pitchFamily="34" charset="0"/>
-              <a:buChar char="•"/>
-            </a:pPr>
-            <a:r>
-              <a:rPr lang="en-US" sz="2000" dirty="0">
-                <a:latin typeface="Lucida Console" panose="020B0609040504020204" pitchFamily="49" charset="0"/>
-              </a:rPr>
-              <a:t>cd $path || New-Item –Type Directory $path &amp;&amp; cd $path</a:t>
-            </a:r>
-          </a:p>
-          <a:p>
-            <a:pPr marL="342900" indent="-342900">
-              <a:buFont typeface="Arial" panose="020B0604020202020204" pitchFamily="34" charset="0"/>
-              <a:buChar char="•"/>
-            </a:pPr>
-            <a:r>
-              <a:rPr lang="en-US" sz="2000" dirty="0"/>
-              <a:t>In this example, attempt to set the current filesystem location to </a:t>
-            </a:r>
-            <a:r>
-              <a:rPr lang="en-US" sz="2000" dirty="0">
-                <a:latin typeface="Lucida Console" panose="020B0609040504020204" pitchFamily="49" charset="0"/>
-              </a:rPr>
-              <a:t>$path</a:t>
-            </a:r>
-            <a:r>
-              <a:rPr lang="en-US" sz="2000" dirty="0"/>
-              <a:t>. If that fails, try to create a new filesystem directory at that </a:t>
-            </a:r>
-            <a:r>
-              <a:rPr lang="en-US" sz="2000" dirty="0">
-                <a:latin typeface="Lucida Console" panose="020B0609040504020204" pitchFamily="49" charset="0"/>
-              </a:rPr>
-              <a:t>$path</a:t>
-            </a:r>
-            <a:r>
-              <a:rPr lang="en-US" sz="2000" dirty="0"/>
-              <a:t>. If that succeeds, change to the newly created directory.</a:t>
-            </a:r>
-          </a:p>
-          <a:p>
+              <a:rPr lang="en-US" sz="2000" dirty="0">
+                <a:latin typeface="Lucida Console" panose="020B0609040504020204" pitchFamily="49" charset="0"/>
+              </a:rPr>
+              <a:t>Get-Help </a:t>
+            </a:r>
+            <a:r>
+              <a:rPr lang="en-US" sz="2000" dirty="0" err="1">
+                <a:latin typeface="Lucida Console" panose="020B0609040504020204" pitchFamily="49" charset="0"/>
+              </a:rPr>
+              <a:t>about_Split</a:t>
+            </a:r>
+            <a:endParaRPr lang="en-US" sz="2000" dirty="0">
+              <a:latin typeface="Lucida Console" panose="020B0609040504020204" pitchFamily="49" charset="0"/>
+            </a:endParaRPr>
+          </a:p>
+          <a:p>
+            <a:r>
+              <a:rPr lang="en-US" sz="2000" dirty="0">
+                <a:latin typeface="Lucida Console" panose="020B0609040504020204" pitchFamily="49" charset="0"/>
+              </a:rPr>
+              <a:t>Get-Help </a:t>
+            </a:r>
+            <a:r>
+              <a:rPr lang="en-US" sz="2000" dirty="0" err="1">
+                <a:latin typeface="Lucida Console" panose="020B0609040504020204" pitchFamily="49" charset="0"/>
+              </a:rPr>
+              <a:t>about_Join</a:t>
+            </a:r>
             <a:endParaRPr lang="en-US" sz="2000" dirty="0">
               <a:latin typeface="Lucida Console" panose="020B0609040504020204" pitchFamily="49" charset="0"/>
             </a:endParaRPr>
@@ -5697,7 +5963,7 @@
     </p:spTree>
     <p:extLst>
       <p:ext uri="{BB962C8B-B14F-4D97-AF65-F5344CB8AC3E}">
-        <p14:creationId xmlns:p14="http://schemas.microsoft.com/office/powerpoint/2010/main" val="852415543"/>
+        <p14:creationId xmlns:p14="http://schemas.microsoft.com/office/powerpoint/2010/main" val="2966054478"/>
       </p:ext>
     </p:extLst>
   </p:cSld>
@@ -5749,7 +6015,7 @@
           <a:p>
             <a:r>
               <a:rPr lang="en-US" sz="4000" dirty="0"/>
-              <a:t>Other operators (2)</a:t>
+              <a:t>Redirection operators</a:t>
             </a:r>
           </a:p>
         </p:txBody>
@@ -5784,17 +6050,7 @@
           <a:p>
             <a:r>
               <a:rPr lang="en-US" sz="2000" dirty="0"/>
-              <a:t>Quickly create arrays using the range operator, </a:t>
-            </a:r>
-            <a:r>
-              <a:rPr lang="en-US" sz="2000" dirty="0">
-                <a:latin typeface="Lucida Console" panose="020B0609040504020204" pitchFamily="49" charset="0"/>
-              </a:rPr>
-              <a:t>..</a:t>
-            </a:r>
-            <a:r>
-              <a:rPr lang="en-US" sz="2000" dirty="0"/>
-              <a:t> (two periods). Example:</a:t>
+              <a:t>Redirection operators:</a:t>
             </a:r>
           </a:p>
           <a:p>
@@ -5806,23 +6062,11 @@
               <a:rPr lang="en-US" sz="2000" dirty="0">
                 <a:latin typeface="Lucida Console" panose="020B0609040504020204" pitchFamily="49" charset="0"/>
               </a:rPr>
-              <a:t>-4..3</a:t>
-            </a:r>
-            <a:r>
-              <a:rPr lang="en-US" sz="2000" dirty="0"/>
-              <a:t>    # returns the array with eight elements: </a:t>
-            </a:r>
-            <a:r>
-              <a:rPr lang="en-US" sz="2000" dirty="0">
-                <a:latin typeface="Lucida Console" panose="020B0609040504020204" pitchFamily="49" charset="0"/>
-              </a:rPr>
-              <a:t>-4, -3, -2, -1, 0, 1, 2, 3</a:t>
-            </a:r>
-          </a:p>
-          <a:p>
-            <a:r>
-              <a:rPr lang="en-US" sz="2000" dirty="0"/>
-              <a:t>A range can also be descending, and in PowerShell Core, can be a range of characters. Example:</a:t>
+              <a:t>&gt;</a:t>
+            </a:r>
+            <a:r>
+              <a:rPr lang="en-US" sz="2000" dirty="0"/>
+              <a:t>  Send output of successful commands to a new file (erase whatever used to be in the file)</a:t>
             </a:r>
           </a:p>
           <a:p>
@@ -5834,29 +6078,157 @@
               <a:rPr lang="en-US" sz="2000" dirty="0">
                 <a:latin typeface="Lucida Console" panose="020B0609040504020204" pitchFamily="49" charset="0"/>
               </a:rPr>
+              <a:t>&gt;&gt;</a:t>
+            </a:r>
+            <a:r>
+              <a:rPr lang="en-US" sz="2000" dirty="0"/>
+              <a:t>  Append output of successful commands to the end of an existing file (preserve previous contents)</a:t>
+            </a:r>
+          </a:p>
+          <a:p>
+            <a:pPr marL="342900" indent="-342900">
+              <a:buFont typeface="Arial" panose="020B0604020202020204" pitchFamily="34" charset="0"/>
+              <a:buChar char="•"/>
+            </a:pPr>
+            <a:r>
+              <a:rPr lang="en-US" sz="2000" dirty="0">
+                <a:latin typeface="Lucida Console" panose="020B0609040504020204" pitchFamily="49" charset="0"/>
+              </a:rPr>
+              <a:t>2&gt;</a:t>
+            </a:r>
+            <a:r>
+              <a:rPr lang="en-US" sz="2000" dirty="0"/>
+              <a:t>  Send error messages to a new file (erase whatever used to be in the file)</a:t>
+            </a:r>
+          </a:p>
+          <a:p>
+            <a:pPr marL="342900" indent="-342900">
+              <a:buFont typeface="Arial" panose="020B0604020202020204" pitchFamily="34" charset="0"/>
+              <a:buChar char="•"/>
+            </a:pPr>
+            <a:r>
+              <a:rPr lang="en-US" sz="2000" dirty="0">
+                <a:latin typeface="Lucida Console" panose="020B0609040504020204" pitchFamily="49" charset="0"/>
+              </a:rPr>
+              <a:t>2&gt;&gt;</a:t>
+            </a:r>
+            <a:r>
+              <a:rPr lang="en-US" sz="2000" dirty="0"/>
+              <a:t>  Append error messages to the end of an existing file (preserve previous contents)</a:t>
+            </a:r>
+          </a:p>
+          <a:p>
+            <a:pPr marL="342900" indent="-342900">
+              <a:buFont typeface="Arial" panose="020B0604020202020204" pitchFamily="34" charset="0"/>
+              <a:buChar char="•"/>
+            </a:pPr>
+            <a:r>
+              <a:rPr lang="en-US" sz="2000" dirty="0">
+                <a:latin typeface="Lucida Console" panose="020B0609040504020204" pitchFamily="49" charset="0"/>
+              </a:rPr>
+              <a:t>2&gt;&amp;1</a:t>
+            </a:r>
+            <a:r>
+              <a:rPr lang="en-US" sz="2000" dirty="0"/>
+              <a:t>  Combine error messages and successful command outputs into the same output stream.</a:t>
+            </a:r>
+          </a:p>
+          <a:p>
+            <a:endParaRPr lang="en-US" sz="2000" dirty="0"/>
+          </a:p>
+          <a:p>
+            <a:r>
+              <a:rPr lang="en-US" sz="2000" dirty="0"/>
+              <a:t>Example:</a:t>
+            </a:r>
+          </a:p>
+          <a:p>
+            <a:pPr marL="342900" indent="-342900">
+              <a:buFont typeface="Arial" panose="020B0604020202020204" pitchFamily="34" charset="0"/>
+              <a:buChar char="•"/>
+            </a:pPr>
+            <a:r>
+              <a:rPr lang="en-US" sz="2000" dirty="0" err="1">
+                <a:latin typeface="Lucida Console" panose="020B0609040504020204" pitchFamily="49" charset="0"/>
+              </a:rPr>
+              <a:t>dir</a:t>
+            </a:r>
+            <a:r>
+              <a:rPr lang="en-US" sz="2000" dirty="0">
+                <a:latin typeface="Lucida Console" panose="020B0609040504020204" pitchFamily="49" charset="0"/>
+              </a:rPr>
+              <a:t> </a:t>
+            </a:r>
+            <a:r>
+              <a:rPr lang="en-US" sz="1800" dirty="0">
+                <a:latin typeface="Lucida Console" panose="020B0609040504020204" pitchFamily="49" charset="0"/>
+              </a:rPr>
               <a:t>'</a:t>
             </a:r>
             <a:r>
+              <a:rPr lang="en-US" sz="2000" dirty="0">
+                <a:latin typeface="Lucida Console" panose="020B0609040504020204" pitchFamily="49" charset="0"/>
+              </a:rPr>
+              <a:t>C:\', 'D:\</a:t>
+            </a:r>
+            <a:r>
               <a:rPr lang="en-US" sz="2000" dirty="0" err="1">
                 <a:latin typeface="Lucida Console" panose="020B0609040504020204" pitchFamily="49" charset="0"/>
               </a:rPr>
-              <a:t>z'..'w</a:t>
-            </a:r>
-            <a:r>
-              <a:rPr lang="en-US" sz="1800" dirty="0">
-                <a:latin typeface="Lucida Console" panose="020B0609040504020204" pitchFamily="49" charset="0"/>
-              </a:rPr>
-              <a:t>'</a:t>
-            </a:r>
-            <a:r>
-              <a:rPr lang="en-US" sz="2000" dirty="0"/>
-              <a:t>    # returns the array with four elements: </a:t>
-            </a:r>
-            <a:r>
-              <a:rPr lang="en-US" sz="2000" dirty="0">
-                <a:latin typeface="Lucida Console" panose="020B0609040504020204" pitchFamily="49" charset="0"/>
-              </a:rPr>
-              <a:t>'z', 'y', 'x', 'w'</a:t>
+              <a:t>NoSuchPath</a:t>
+            </a:r>
+            <a:r>
+              <a:rPr lang="en-US" sz="2000" dirty="0">
+                <a:latin typeface="Lucida Console" panose="020B0609040504020204" pitchFamily="49" charset="0"/>
+              </a:rPr>
+              <a:t>' 2&gt;&amp;1 &gt; dir.log</a:t>
+            </a:r>
+          </a:p>
+          <a:p>
+            <a:pPr marL="342900" indent="-342900">
+              <a:buFont typeface="Arial" panose="020B0604020202020204" pitchFamily="34" charset="0"/>
+              <a:buChar char="•"/>
+            </a:pPr>
+            <a:r>
+              <a:rPr lang="en-US" sz="2000" dirty="0">
+                <a:latin typeface="Lucida Console" panose="020B0609040504020204" pitchFamily="49" charset="0"/>
+              </a:rPr>
+              <a:t>Write-Output dir.log</a:t>
+            </a:r>
+          </a:p>
+          <a:p>
+            <a:endParaRPr lang="en-US" sz="2000" dirty="0"/>
+          </a:p>
+          <a:p>
+            <a:r>
+              <a:rPr lang="en-US" sz="2000" dirty="0"/>
+              <a:t>In this example, both the successful output (listing of </a:t>
+            </a:r>
+            <a:r>
+              <a:rPr lang="en-US" sz="2000" b="1" dirty="0"/>
+              <a:t>C:\</a:t>
+            </a:r>
+            <a:r>
+              <a:rPr lang="en-US" sz="2000" dirty="0"/>
+              <a:t>) and error message (failed attempt to list </a:t>
+            </a:r>
+            <a:r>
+              <a:rPr lang="en-US" sz="2000" b="1" dirty="0"/>
+              <a:t>D:\NoSuchPath</a:t>
+            </a:r>
+            <a:r>
+              <a:rPr lang="en-US" sz="2000" dirty="0"/>
+              <a:t>) are redirected into one output file named </a:t>
+            </a:r>
+            <a:r>
+              <a:rPr lang="en-US" sz="2000" dirty="0">
+                <a:latin typeface="Lucida Console" panose="020B0609040504020204" pitchFamily="49" charset="0"/>
+              </a:rPr>
+              <a:t>dir.log</a:t>
+            </a:r>
+            <a:r>
+              <a:rPr lang="en-US" sz="2000" dirty="0"/>
+              <a:t>.</a:t>
             </a:r>
           </a:p>
           <a:p>
@@ -5866,99 +6238,124 @@
           </a:p>
           <a:p>
             <a:r>
-              <a:rPr lang="en-US" sz="2000" dirty="0"/>
-              <a:t>Use a dot </a:t>
-            </a:r>
-            <a:r>
-              <a:rPr lang="en-US" sz="2000" dirty="0">
-                <a:latin typeface="Lucida Console" panose="020B0609040504020204" pitchFamily="49" charset="0"/>
-              </a:rPr>
-              <a:t>.</a:t>
-            </a:r>
-            <a:r>
-              <a:rPr lang="en-US" sz="2000" dirty="0"/>
-              <a:t> (one period) to access a property or method in an object. Example:</a:t>
-            </a:r>
-          </a:p>
-          <a:p>
-            <a:pPr marL="342900" indent="-342900">
-              <a:buFont typeface="Arial" panose="020B0604020202020204" pitchFamily="34" charset="0"/>
-              <a:buChar char="•"/>
-            </a:pPr>
-            <a:r>
-              <a:rPr lang="en-US" sz="2000" dirty="0">
-                <a:latin typeface="Lucida Console" panose="020B0609040504020204" pitchFamily="49" charset="0"/>
-              </a:rPr>
-              <a:t>$a="foo"; $</a:t>
+              <a:rPr lang="en-US" sz="2000" dirty="0">
+                <a:latin typeface="Lucida Console" panose="020B0609040504020204" pitchFamily="49" charset="0"/>
+              </a:rPr>
+              <a:t>Get-Help </a:t>
             </a:r>
             <a:r>
               <a:rPr lang="en-US" sz="2000" dirty="0" err="1">
                 <a:latin typeface="Lucida Console" panose="020B0609040504020204" pitchFamily="49" charset="0"/>
               </a:rPr>
-              <a:t>a.Length</a:t>
-            </a:r>
-            <a:r>
-              <a:rPr lang="en-US" sz="2000" dirty="0">
-                <a:latin typeface="Lucida Console" panose="020B0609040504020204" pitchFamily="49" charset="0"/>
-              </a:rPr>
-              <a:t>, $</a:t>
-            </a:r>
-            <a:r>
-              <a:rPr lang="en-US" sz="2000" dirty="0" err="1">
-                <a:latin typeface="Lucida Console" panose="020B0609040504020204" pitchFamily="49" charset="0"/>
-              </a:rPr>
-              <a:t>a.GetType</a:t>
-            </a:r>
-            <a:r>
-              <a:rPr lang="en-US" sz="2000" dirty="0">
-                <a:latin typeface="Lucida Console" panose="020B0609040504020204" pitchFamily="49" charset="0"/>
-              </a:rPr>
-              <a:t>().Name</a:t>
-            </a:r>
-          </a:p>
-          <a:p>
-            <a:pPr marL="800100" lvl="1" indent="-342900">
-              <a:buFont typeface="Arial" panose="020B0604020202020204" pitchFamily="34" charset="0"/>
-              <a:buChar char="•"/>
-            </a:pPr>
-            <a:r>
-              <a:rPr lang="en-US" sz="2000" dirty="0"/>
-              <a:t># returns </a:t>
-            </a:r>
-            <a:r>
-              <a:rPr lang="en-US" sz="2000" dirty="0">
-                <a:latin typeface="Lucida Console" panose="020B0609040504020204" pitchFamily="49" charset="0"/>
-              </a:rPr>
-              <a:t> 3, String</a:t>
-            </a:r>
-          </a:p>
-          <a:p>
+              <a:t>about_Redirection</a:t>
+            </a:r>
             <a:endParaRPr lang="en-US" sz="2000" dirty="0">
               <a:latin typeface="Lucida Console" panose="020B0609040504020204" pitchFamily="49" charset="0"/>
             </a:endParaRPr>
           </a:p>
-          <a:p>
-            <a:r>
-              <a:rPr lang="en-US" sz="2000" dirty="0"/>
-              <a:t>Use </a:t>
-            </a:r>
-            <a:r>
-              <a:rPr lang="en-US" sz="2000" dirty="0">
-                <a:latin typeface="Lucida Console" panose="020B0609040504020204" pitchFamily="49" charset="0"/>
-              </a:rPr>
-              <a:t>::</a:t>
-            </a:r>
-            <a:r>
-              <a:rPr lang="en-US" sz="2000" dirty="0"/>
-              <a:t> (two colons) to access a </a:t>
-            </a:r>
-            <a:r>
-              <a:rPr lang="en-US" sz="2000" i="1" dirty="0"/>
-              <a:t>static</a:t>
-            </a:r>
-            <a:r>
-              <a:rPr lang="en-US" sz="2000" dirty="0"/>
-              <a:t> property or method in a class. Examples:</a:t>
+        </p:txBody>
+      </p:sp>
+    </p:spTree>
+    <p:extLst>
+      <p:ext uri="{BB962C8B-B14F-4D97-AF65-F5344CB8AC3E}">
+        <p14:creationId xmlns:p14="http://schemas.microsoft.com/office/powerpoint/2010/main" val="3689580349"/>
+      </p:ext>
+    </p:extLst>
+  </p:cSld>
+  <p:clrMapOvr>
+    <a:masterClrMapping/>
+  </p:clrMapOvr>
+</p:sld>
+</file>
+
+<file path=ppt/slides/slide15.xml><?xml version="1.0" encoding="utf-8"?>
+<p:sld xmlns:a="http://schemas.openxmlformats.org/drawingml/2006/main" xmlns:r="http://schemas.openxmlformats.org/officeDocument/2006/relationships" xmlns:p="http://schemas.openxmlformats.org/presentationml/2006/main">
+  <p:cSld>
+    <p:spTree>
+      <p:nvGrpSpPr>
+        <p:cNvPr id="1" name=""/>
+        <p:cNvGrpSpPr/>
+        <p:nvPr/>
+      </p:nvGrpSpPr>
+      <p:grpSpPr>
+        <a:xfrm>
+          <a:off x="0" y="0"/>
+          <a:ext cx="0" cy="0"/>
+          <a:chOff x="0" y="0"/>
+          <a:chExt cx="0" cy="0"/>
+        </a:xfrm>
+      </p:grpSpPr>
+      <p:sp>
+        <p:nvSpPr>
+          <p:cNvPr id="2" name="Text Placeholder 1">
+            <a:extLst>
+              <a:ext uri="{FF2B5EF4-FFF2-40B4-BE49-F238E27FC236}">
+                <a16:creationId xmlns:a16="http://schemas.microsoft.com/office/drawing/2014/main" id="{264BAEB2-591D-DEE6-3C00-0BAAC69880F0}"/>
+              </a:ext>
+            </a:extLst>
+          </p:cNvPr>
+          <p:cNvSpPr>
+            <a:spLocks noGrp="1"/>
+          </p:cNvSpPr>
+          <p:nvPr>
+            <p:ph type="body" sz="quarter" idx="10"/>
+          </p:nvPr>
+        </p:nvSpPr>
+        <p:spPr/>
+        <p:txBody>
+          <a:bodyPr>
+            <a:normAutofit/>
+          </a:bodyPr>
+          <a:lstStyle/>
+          <a:p>
+            <a:r>
+              <a:rPr lang="en-US" sz="4000" dirty="0"/>
+              <a:t>So many operators…</a:t>
+            </a:r>
+          </a:p>
+        </p:txBody>
+      </p:sp>
+      <p:sp>
+        <p:nvSpPr>
+          <p:cNvPr id="3" name="TextBox 2">
+            <a:extLst>
+              <a:ext uri="{FF2B5EF4-FFF2-40B4-BE49-F238E27FC236}">
+                <a16:creationId xmlns:a16="http://schemas.microsoft.com/office/drawing/2014/main" id="{0620B8A1-699E-C7B4-0A32-7D9C4529CA27}"/>
+              </a:ext>
+            </a:extLst>
+          </p:cNvPr>
+          <p:cNvSpPr txBox="1"/>
+          <p:nvPr/>
+        </p:nvSpPr>
+        <p:spPr>
+          <a:xfrm>
+            <a:off x="641097" y="1063756"/>
+            <a:ext cx="11227373" cy="5324535"/>
+          </a:xfrm>
+          <a:prstGeom prst="rect">
+            <a:avLst/>
+          </a:prstGeom>
+          <a:noFill/>
+        </p:spPr>
+        <p:txBody>
+          <a:bodyPr wrap="square" rtlCol="0">
+            <a:spAutoFit/>
+          </a:bodyPr>
+          <a:lstStyle/>
+          <a:p>
+            <a:r>
+              <a:rPr lang="en-US" sz="2000" dirty="0"/>
+              <a:t>Use parentheses  </a:t>
+            </a:r>
+            <a:r>
+              <a:rPr lang="en-US" sz="2000" dirty="0">
+                <a:latin typeface="Lucida Console" panose="020B0609040504020204" pitchFamily="49" charset="0"/>
+              </a:rPr>
+              <a:t>( )</a:t>
+            </a:r>
+            <a:r>
+              <a:rPr lang="en-US" sz="2000" dirty="0"/>
+              <a:t>  to group expressions and give them higher precedence. Examples:</a:t>
             </a:r>
           </a:p>
           <a:p>
@@ -5970,52 +6367,140 @@
               <a:rPr lang="en-US" sz="2000" dirty="0">
                 <a:latin typeface="Lucida Console" panose="020B0609040504020204" pitchFamily="49" charset="0"/>
               </a:rPr>
-              <a:t>[</a:t>
-            </a:r>
-            <a:r>
-              <a:rPr lang="en-US" sz="2000" dirty="0" err="1">
-                <a:latin typeface="Lucida Console" panose="020B0609040504020204" pitchFamily="49" charset="0"/>
-              </a:rPr>
-              <a:t>System.AppDomain</a:t>
-            </a:r>
-            <a:r>
-              <a:rPr lang="en-US" sz="2000" dirty="0">
-                <a:latin typeface="Lucida Console" panose="020B0609040504020204" pitchFamily="49" charset="0"/>
-              </a:rPr>
-              <a:t>]::</a:t>
-            </a:r>
-            <a:r>
-              <a:rPr lang="en-US" sz="2000" dirty="0" err="1">
-                <a:latin typeface="Lucida Console" panose="020B0609040504020204" pitchFamily="49" charset="0"/>
-              </a:rPr>
-              <a:t>CurrentDomain</a:t>
-            </a:r>
+              <a:t>1 + 2 * 3</a:t>
+            </a:r>
+            <a:r>
+              <a:rPr lang="en-US" sz="2000" dirty="0"/>
+              <a:t>    # returns </a:t>
+            </a:r>
+            <a:r>
+              <a:rPr lang="en-US" sz="2000" dirty="0">
+                <a:latin typeface="Lucida Console" panose="020B0609040504020204" pitchFamily="49" charset="0"/>
+              </a:rPr>
+              <a:t>7</a:t>
+            </a:r>
+          </a:p>
+          <a:p>
+            <a:pPr marL="342900" indent="-342900">
+              <a:buFont typeface="Arial" panose="020B0604020202020204" pitchFamily="34" charset="0"/>
+              <a:buChar char="•"/>
+            </a:pPr>
+            <a:r>
+              <a:rPr lang="en-US" sz="2000" dirty="0">
+                <a:latin typeface="Lucida Console" panose="020B0609040504020204" pitchFamily="49" charset="0"/>
+              </a:rPr>
+              <a:t>(1 + 2) *3</a:t>
+            </a:r>
+            <a:r>
+              <a:rPr lang="en-US" sz="2000" dirty="0"/>
+              <a:t>    # returns </a:t>
+            </a:r>
+            <a:r>
+              <a:rPr lang="en-US" sz="2000" dirty="0">
+                <a:latin typeface="Lucida Console" panose="020B0609040504020204" pitchFamily="49" charset="0"/>
+              </a:rPr>
+              <a:t>9</a:t>
+            </a:r>
+          </a:p>
+          <a:p>
             <a:endParaRPr lang="en-US" sz="2000" dirty="0">
               <a:latin typeface="Lucida Console" panose="020B0609040504020204" pitchFamily="49" charset="0"/>
             </a:endParaRPr>
           </a:p>
           <a:p>
+            <a:r>
+              <a:rPr lang="en-US" sz="2000" dirty="0"/>
+              <a:t>Use a dollar and parentheses  </a:t>
+            </a:r>
+            <a:r>
+              <a:rPr lang="en-US" sz="2000" dirty="0">
+                <a:latin typeface="Lucida Console" panose="020B0609040504020204" pitchFamily="49" charset="0"/>
+              </a:rPr>
+              <a:t>$( )</a:t>
+            </a:r>
+            <a:r>
+              <a:rPr lang="en-US" sz="2000" dirty="0"/>
+              <a:t>  to interpolate output of a </a:t>
+            </a:r>
+            <a:r>
+              <a:rPr lang="en-US" sz="2000" i="1" dirty="0"/>
+              <a:t>subexpression</a:t>
+            </a:r>
+            <a:r>
+              <a:rPr lang="en-US" sz="2000" dirty="0"/>
+              <a:t> into a </a:t>
+            </a:r>
+            <a:r>
+              <a:rPr lang="en-US" sz="2000" i="1" dirty="0"/>
+              <a:t>double-quoted</a:t>
+            </a:r>
+            <a:r>
+              <a:rPr lang="en-US" sz="2000" dirty="0"/>
+              <a:t> string. Example:</a:t>
+            </a:r>
+          </a:p>
+          <a:p>
+            <a:pPr marL="342900" indent="-342900">
+              <a:buFont typeface="Arial" panose="020B0604020202020204" pitchFamily="34" charset="0"/>
+              <a:buChar char="•"/>
+            </a:pPr>
+            <a:r>
+              <a:rPr lang="en-US" sz="2000" dirty="0">
+                <a:latin typeface="Lucida Console" panose="020B0609040504020204" pitchFamily="49" charset="0"/>
+              </a:rPr>
+              <a:t>$a=5; "Value $a, type $($</a:t>
+            </a:r>
+            <a:r>
+              <a:rPr lang="en-US" sz="2000" dirty="0" err="1">
+                <a:latin typeface="Lucida Console" panose="020B0609040504020204" pitchFamily="49" charset="0"/>
+              </a:rPr>
+              <a:t>a.GetType</a:t>
+            </a:r>
+            <a:r>
+              <a:rPr lang="en-US" sz="2000" dirty="0">
+                <a:latin typeface="Lucida Console" panose="020B0609040504020204" pitchFamily="49" charset="0"/>
+              </a:rPr>
+              <a:t>().Name)"</a:t>
+            </a:r>
+          </a:p>
+          <a:p>
             <a:pPr marL="800100" lvl="1" indent="-342900">
               <a:buFont typeface="Arial" panose="020B0604020202020204" pitchFamily="34" charset="0"/>
               <a:buChar char="•"/>
             </a:pPr>
             <a:r>
               <a:rPr lang="en-US" sz="2000" dirty="0"/>
-              <a:t># returns an </a:t>
-            </a:r>
-            <a:r>
-              <a:rPr lang="en-US" sz="2000" dirty="0" err="1"/>
-              <a:t>AppDomain</a:t>
-            </a:r>
-            <a:r>
-              <a:rPr lang="en-US" sz="2000" dirty="0"/>
-              <a:t> object with some interesting properties of PowerShell itself.</a:t>
-            </a:r>
+              <a:t># returns </a:t>
+            </a:r>
+            <a:r>
+              <a:rPr lang="en-US" sz="2000" dirty="0">
+                <a:latin typeface="Lucida Console" panose="020B0609040504020204" pitchFamily="49" charset="0"/>
+              </a:rPr>
+              <a:t>Value 5, type Int32</a:t>
+            </a:r>
+          </a:p>
+          <a:p>
             <a:endParaRPr lang="en-US" sz="2000" dirty="0">
               <a:latin typeface="Lucida Console" panose="020B0609040504020204" pitchFamily="49" charset="0"/>
             </a:endParaRPr>
           </a:p>
           <a:p>
+            <a:r>
+              <a:rPr lang="en-US" sz="2000" dirty="0"/>
+              <a:t>Pipeline operator  </a:t>
+            </a:r>
+            <a:r>
+              <a:rPr lang="en-US" sz="2000" dirty="0">
+                <a:latin typeface="Lucida Console" panose="020B0609040504020204" pitchFamily="49" charset="0"/>
+              </a:rPr>
+              <a:t>|</a:t>
+            </a:r>
+            <a:r>
+              <a:rPr lang="en-US" sz="2000" dirty="0"/>
+              <a:t>  example:</a:t>
+            </a:r>
+          </a:p>
+          <a:p>
             <a:pPr marL="342900" indent="-342900">
               <a:buFont typeface="Arial" panose="020B0604020202020204" pitchFamily="34" charset="0"/>
               <a:buChar char="•"/>
@@ -6024,19 +6509,23 @@
               <a:rPr lang="en-US" sz="2000" dirty="0">
                 <a:latin typeface="Lucida Console" panose="020B0609040504020204" pitchFamily="49" charset="0"/>
               </a:rPr>
-              <a:t>[</a:t>
+              <a:t>Get-Help </a:t>
             </a:r>
             <a:r>
               <a:rPr lang="en-US" sz="2000" dirty="0" err="1">
                 <a:latin typeface="Lucida Console" panose="020B0609040504020204" pitchFamily="49" charset="0"/>
               </a:rPr>
-              <a:t>System.Object</a:t>
-            </a:r>
-            <a:r>
-              <a:rPr lang="en-US" sz="2000" dirty="0">
-                <a:latin typeface="Lucida Console" panose="020B0609040504020204" pitchFamily="49" charset="0"/>
-              </a:rPr>
-              <a:t>]::Equals($a, $s)</a:t>
+              <a:t>Get-Help</a:t>
+            </a:r>
+            <a:r>
+              <a:rPr lang="en-US" sz="2000" dirty="0">
+                <a:latin typeface="Lucida Console" panose="020B0609040504020204" pitchFamily="49" charset="0"/>
+              </a:rPr>
+              <a:t> | more</a:t>
+            </a:r>
+            <a:r>
+              <a:rPr lang="en-US" sz="2000" dirty="0"/>
+              <a:t>    # output of left command becomes input to right command</a:t>
             </a:r>
           </a:p>
           <a:p>
@@ -6051,20 +6540,371 @@
           <a:p>
             <a:r>
               <a:rPr lang="en-US" sz="2000" dirty="0"/>
-              <a:t>There are still many more!     </a:t>
-            </a:r>
-            <a:r>
-              <a:rPr lang="en-US" sz="2000" dirty="0">
-                <a:latin typeface="Lucida Console" panose="020B0609040504020204" pitchFamily="49" charset="0"/>
-              </a:rPr>
-              <a:t>Get-Help </a:t>
+              <a:t>Conditional chained-pipeline operators,  </a:t>
+            </a:r>
+            <a:r>
+              <a:rPr lang="en-US" sz="2000" dirty="0">
+                <a:latin typeface="Lucida Console" panose="020B0609040504020204" pitchFamily="49" charset="0"/>
+              </a:rPr>
+              <a:t>||</a:t>
+            </a:r>
+            <a:r>
+              <a:rPr lang="en-US" sz="2000" dirty="0"/>
+              <a:t>  and  </a:t>
+            </a:r>
+            <a:r>
+              <a:rPr lang="en-US" sz="2000" dirty="0">
+                <a:latin typeface="Lucida Console" panose="020B0609040504020204" pitchFamily="49" charset="0"/>
+              </a:rPr>
+              <a:t>&amp;&amp;</a:t>
+            </a:r>
+            <a:r>
+              <a:rPr lang="en-US" sz="2000" dirty="0"/>
+              <a:t>. Example:</a:t>
+            </a:r>
+          </a:p>
+          <a:p>
+            <a:pPr marL="342900" indent="-342900">
+              <a:buFont typeface="Arial" panose="020B0604020202020204" pitchFamily="34" charset="0"/>
+              <a:buChar char="•"/>
+            </a:pPr>
+            <a:r>
+              <a:rPr lang="en-US" sz="2000" dirty="0">
+                <a:latin typeface="Lucida Console" panose="020B0609040504020204" pitchFamily="49" charset="0"/>
+              </a:rPr>
+              <a:t>cd $path || New-Item –Type Directory $path &amp;&amp; cd $path</a:t>
+            </a:r>
+          </a:p>
+          <a:p>
+            <a:pPr marL="342900" indent="-342900">
+              <a:buFont typeface="Arial" panose="020B0604020202020204" pitchFamily="34" charset="0"/>
+              <a:buChar char="•"/>
+            </a:pPr>
+            <a:r>
+              <a:rPr lang="en-US" sz="2000" dirty="0"/>
+              <a:t>In this example, attempt to set the current filesystem location to </a:t>
+            </a:r>
+            <a:r>
+              <a:rPr lang="en-US" sz="2000" dirty="0">
+                <a:latin typeface="Lucida Console" panose="020B0609040504020204" pitchFamily="49" charset="0"/>
+              </a:rPr>
+              <a:t>$path</a:t>
+            </a:r>
+            <a:r>
+              <a:rPr lang="en-US" sz="2000" dirty="0"/>
+              <a:t>. If that fails, try to create a new filesystem directory at that </a:t>
+            </a:r>
+            <a:r>
+              <a:rPr lang="en-US" sz="2000" dirty="0">
+                <a:latin typeface="Lucida Console" panose="020B0609040504020204" pitchFamily="49" charset="0"/>
+              </a:rPr>
+              <a:t>$path</a:t>
+            </a:r>
+            <a:r>
+              <a:rPr lang="en-US" sz="2000" dirty="0"/>
+              <a:t>. If that succeeds, change to the newly created directory.</a:t>
+            </a:r>
+          </a:p>
+          <a:p>
+            <a:endParaRPr lang="en-US" sz="2000" dirty="0">
+              <a:latin typeface="Lucida Console" panose="020B0609040504020204" pitchFamily="49" charset="0"/>
+            </a:endParaRPr>
+          </a:p>
+        </p:txBody>
+      </p:sp>
+    </p:spTree>
+    <p:extLst>
+      <p:ext uri="{BB962C8B-B14F-4D97-AF65-F5344CB8AC3E}">
+        <p14:creationId xmlns:p14="http://schemas.microsoft.com/office/powerpoint/2010/main" val="852415543"/>
+      </p:ext>
+    </p:extLst>
+  </p:cSld>
+  <p:clrMapOvr>
+    <a:masterClrMapping/>
+  </p:clrMapOvr>
+</p:sld>
+</file>
+
+<file path=ppt/slides/slide16.xml><?xml version="1.0" encoding="utf-8"?>
+<p:sld xmlns:a="http://schemas.openxmlformats.org/drawingml/2006/main" xmlns:r="http://schemas.openxmlformats.org/officeDocument/2006/relationships" xmlns:p="http://schemas.openxmlformats.org/presentationml/2006/main">
+  <p:cSld>
+    <p:spTree>
+      <p:nvGrpSpPr>
+        <p:cNvPr id="1" name=""/>
+        <p:cNvGrpSpPr/>
+        <p:nvPr/>
+      </p:nvGrpSpPr>
+      <p:grpSpPr>
+        <a:xfrm>
+          <a:off x="0" y="0"/>
+          <a:ext cx="0" cy="0"/>
+          <a:chOff x="0" y="0"/>
+          <a:chExt cx="0" cy="0"/>
+        </a:xfrm>
+      </p:grpSpPr>
+      <p:sp>
+        <p:nvSpPr>
+          <p:cNvPr id="2" name="Text Placeholder 1">
+            <a:extLst>
+              <a:ext uri="{FF2B5EF4-FFF2-40B4-BE49-F238E27FC236}">
+                <a16:creationId xmlns:a16="http://schemas.microsoft.com/office/drawing/2014/main" id="{264BAEB2-591D-DEE6-3C00-0BAAC69880F0}"/>
+              </a:ext>
+            </a:extLst>
+          </p:cNvPr>
+          <p:cNvSpPr>
+            <a:spLocks noGrp="1"/>
+          </p:cNvSpPr>
+          <p:nvPr>
+            <p:ph type="body" sz="quarter" idx="10"/>
+          </p:nvPr>
+        </p:nvSpPr>
+        <p:spPr/>
+        <p:txBody>
+          <a:bodyPr>
+            <a:normAutofit/>
+          </a:bodyPr>
+          <a:lstStyle/>
+          <a:p>
+            <a:r>
+              <a:rPr lang="en-US" sz="4000" dirty="0"/>
+              <a:t>Object-Oriented operators (accessing members)</a:t>
+            </a:r>
+          </a:p>
+        </p:txBody>
+      </p:sp>
+      <p:sp>
+        <p:nvSpPr>
+          <p:cNvPr id="3" name="TextBox 2">
+            <a:extLst>
+              <a:ext uri="{FF2B5EF4-FFF2-40B4-BE49-F238E27FC236}">
+                <a16:creationId xmlns:a16="http://schemas.microsoft.com/office/drawing/2014/main" id="{0620B8A1-699E-C7B4-0A32-7D9C4529CA27}"/>
+              </a:ext>
+            </a:extLst>
+          </p:cNvPr>
+          <p:cNvSpPr txBox="1"/>
+          <p:nvPr/>
+        </p:nvSpPr>
+        <p:spPr>
+          <a:xfrm>
+            <a:off x="641097" y="1063756"/>
+            <a:ext cx="11227373" cy="4401205"/>
+          </a:xfrm>
+          <a:prstGeom prst="rect">
+            <a:avLst/>
+          </a:prstGeom>
+          <a:noFill/>
+        </p:spPr>
+        <p:txBody>
+          <a:bodyPr wrap="square" rtlCol="0">
+            <a:spAutoFit/>
+          </a:bodyPr>
+          <a:lstStyle/>
+          <a:p>
+            <a:endParaRPr lang="en-US" sz="2000" dirty="0">
+              <a:latin typeface="Lucida Console" panose="020B0609040504020204" pitchFamily="49" charset="0"/>
+            </a:endParaRPr>
+          </a:p>
+          <a:p>
+            <a:r>
+              <a:rPr lang="en-US" sz="2000" dirty="0"/>
+              <a:t>Use a dot  </a:t>
+            </a:r>
+            <a:r>
+              <a:rPr lang="en-US" sz="2000" dirty="0">
+                <a:latin typeface="Lucida Console" panose="020B0609040504020204" pitchFamily="49" charset="0"/>
+              </a:rPr>
+              <a:t>.</a:t>
+            </a:r>
+            <a:r>
+              <a:rPr lang="en-US" sz="2000" dirty="0"/>
+              <a:t>  (one period) to access a property or method in an object. Example:</a:t>
+            </a:r>
+          </a:p>
+          <a:p>
+            <a:endParaRPr lang="en-US" sz="2000" dirty="0"/>
+          </a:p>
+          <a:p>
+            <a:pPr marL="342900" indent="-342900">
+              <a:buFont typeface="Arial" panose="020B0604020202020204" pitchFamily="34" charset="0"/>
+              <a:buChar char="•"/>
+            </a:pPr>
+            <a:r>
+              <a:rPr lang="en-US" sz="2000" dirty="0">
+                <a:latin typeface="Lucida Console" panose="020B0609040504020204" pitchFamily="49" charset="0"/>
+              </a:rPr>
+              <a:t>$a="foo"; $</a:t>
             </a:r>
             <a:r>
               <a:rPr lang="en-US" sz="2000" dirty="0" err="1">
                 <a:latin typeface="Lucida Console" panose="020B0609040504020204" pitchFamily="49" charset="0"/>
               </a:rPr>
-              <a:t>about_Operators</a:t>
-            </a:r>
+              <a:t>a.Length</a:t>
+            </a:r>
+            <a:r>
+              <a:rPr lang="en-US" sz="2000" dirty="0">
+                <a:latin typeface="Lucida Console" panose="020B0609040504020204" pitchFamily="49" charset="0"/>
+              </a:rPr>
+              <a:t>, $</a:t>
+            </a:r>
+            <a:r>
+              <a:rPr lang="en-US" sz="2000" dirty="0" err="1">
+                <a:latin typeface="Lucida Console" panose="020B0609040504020204" pitchFamily="49" charset="0"/>
+              </a:rPr>
+              <a:t>a.GetType</a:t>
+            </a:r>
+            <a:r>
+              <a:rPr lang="en-US" sz="2000" dirty="0">
+                <a:latin typeface="Lucida Console" panose="020B0609040504020204" pitchFamily="49" charset="0"/>
+              </a:rPr>
+              <a:t>().Name</a:t>
+            </a:r>
+          </a:p>
+          <a:p>
+            <a:pPr marL="800100" lvl="1" indent="-342900">
+              <a:buFont typeface="Arial" panose="020B0604020202020204" pitchFamily="34" charset="0"/>
+              <a:buChar char="•"/>
+            </a:pPr>
+            <a:r>
+              <a:rPr lang="en-US" sz="2000" dirty="0"/>
+              <a:t># returns </a:t>
+            </a:r>
+            <a:r>
+              <a:rPr lang="en-US" sz="2000" dirty="0">
+                <a:latin typeface="Lucida Console" panose="020B0609040504020204" pitchFamily="49" charset="0"/>
+              </a:rPr>
+              <a:t> 3, String</a:t>
+            </a:r>
+          </a:p>
+          <a:p>
+            <a:endParaRPr lang="en-US" sz="2000" dirty="0">
+              <a:latin typeface="Lucida Console" panose="020B0609040504020204" pitchFamily="49" charset="0"/>
+            </a:endParaRPr>
+          </a:p>
+          <a:p>
+            <a:endParaRPr lang="en-US" sz="2000" dirty="0">
+              <a:latin typeface="Lucida Console" panose="020B0609040504020204" pitchFamily="49" charset="0"/>
+            </a:endParaRPr>
+          </a:p>
+          <a:p>
+            <a:r>
+              <a:rPr lang="en-US" sz="2000" dirty="0"/>
+              <a:t>Use  </a:t>
+            </a:r>
+            <a:r>
+              <a:rPr lang="en-US" sz="2000" dirty="0">
+                <a:latin typeface="Lucida Console" panose="020B0609040504020204" pitchFamily="49" charset="0"/>
+              </a:rPr>
+              <a:t>::</a:t>
+            </a:r>
+            <a:r>
+              <a:rPr lang="en-US" sz="2000" dirty="0"/>
+              <a:t>  (two colons) to access a </a:t>
+            </a:r>
+            <a:r>
+              <a:rPr lang="en-US" sz="2000" i="1" dirty="0"/>
+              <a:t>static</a:t>
+            </a:r>
+            <a:r>
+              <a:rPr lang="en-US" sz="2000" dirty="0"/>
+              <a:t> property or </a:t>
+            </a:r>
+            <a:r>
+              <a:rPr lang="en-US" sz="2000" i="1" dirty="0"/>
+              <a:t>static</a:t>
+            </a:r>
+            <a:r>
+              <a:rPr lang="en-US" sz="2000" dirty="0"/>
+              <a:t> method of a class. Examples:</a:t>
+            </a:r>
+          </a:p>
+          <a:p>
+            <a:endParaRPr lang="en-US" sz="2000" dirty="0"/>
+          </a:p>
+          <a:p>
+            <a:pPr marL="342900" indent="-342900">
+              <a:buFont typeface="Arial" panose="020B0604020202020204" pitchFamily="34" charset="0"/>
+              <a:buChar char="•"/>
+            </a:pPr>
+            <a:r>
+              <a:rPr lang="en-US" sz="2000" dirty="0">
+                <a:latin typeface="Lucida Console" panose="020B0609040504020204" pitchFamily="49" charset="0"/>
+              </a:rPr>
+              <a:t>[</a:t>
+            </a:r>
+            <a:r>
+              <a:rPr lang="en-US" sz="2000" dirty="0" err="1">
+                <a:latin typeface="Lucida Console" panose="020B0609040504020204" pitchFamily="49" charset="0"/>
+              </a:rPr>
+              <a:t>System.AppDomain</a:t>
+            </a:r>
+            <a:r>
+              <a:rPr lang="en-US" sz="2000" dirty="0">
+                <a:latin typeface="Lucida Console" panose="020B0609040504020204" pitchFamily="49" charset="0"/>
+              </a:rPr>
+              <a:t>]::</a:t>
+            </a:r>
+            <a:r>
+              <a:rPr lang="en-US" sz="2000" dirty="0" err="1">
+                <a:latin typeface="Lucida Console" panose="020B0609040504020204" pitchFamily="49" charset="0"/>
+              </a:rPr>
+              <a:t>CurrentDomain</a:t>
+            </a:r>
+            <a:endParaRPr lang="en-US" sz="2000" dirty="0">
+              <a:latin typeface="Lucida Console" panose="020B0609040504020204" pitchFamily="49" charset="0"/>
+            </a:endParaRPr>
+          </a:p>
+          <a:p>
+            <a:pPr marL="800100" lvl="1" indent="-342900">
+              <a:buFont typeface="Arial" panose="020B0604020202020204" pitchFamily="34" charset="0"/>
+              <a:buChar char="•"/>
+            </a:pPr>
+            <a:r>
+              <a:rPr lang="en-US" sz="2000" dirty="0"/>
+              <a:t># returns an </a:t>
+            </a:r>
+            <a:r>
+              <a:rPr lang="en-US" sz="2000" dirty="0" err="1"/>
+              <a:t>AppDomain</a:t>
+            </a:r>
+            <a:r>
+              <a:rPr lang="en-US" sz="2000" dirty="0"/>
+              <a:t> object with some interesting properties of PowerShell itself.</a:t>
+            </a:r>
+          </a:p>
+          <a:p>
+            <a:pPr marL="342900" indent="-342900">
+              <a:buFont typeface="Arial" panose="020B0604020202020204" pitchFamily="34" charset="0"/>
+              <a:buChar char="•"/>
+            </a:pPr>
+            <a:endParaRPr lang="en-US" sz="2000" dirty="0">
+              <a:latin typeface="Lucida Console" panose="020B0609040504020204" pitchFamily="49" charset="0"/>
+            </a:endParaRPr>
+          </a:p>
+          <a:p>
+            <a:pPr marL="342900" indent="-342900">
+              <a:buFont typeface="Arial" panose="020B0604020202020204" pitchFamily="34" charset="0"/>
+              <a:buChar char="•"/>
+            </a:pPr>
+            <a:r>
+              <a:rPr lang="en-US" sz="2000" dirty="0">
+                <a:latin typeface="Lucida Console" panose="020B0609040504020204" pitchFamily="49" charset="0"/>
+              </a:rPr>
+              <a:t>[</a:t>
+            </a:r>
+            <a:r>
+              <a:rPr lang="en-US" sz="2000" dirty="0" err="1">
+                <a:latin typeface="Lucida Console" panose="020B0609040504020204" pitchFamily="49" charset="0"/>
+              </a:rPr>
+              <a:t>System.Object</a:t>
+            </a:r>
+            <a:r>
+              <a:rPr lang="en-US" sz="2000" dirty="0">
+                <a:latin typeface="Lucida Console" panose="020B0609040504020204" pitchFamily="49" charset="0"/>
+              </a:rPr>
+              <a:t>]::Equals($a, $s)</a:t>
+            </a:r>
+          </a:p>
+          <a:p>
             <a:endParaRPr lang="en-US" sz="2000" dirty="0">
               <a:latin typeface="Lucida Console" panose="020B0609040504020204" pitchFamily="49" charset="0"/>
             </a:endParaRPr>
@@ -6084,7 +6924,693 @@
 </p:sld>
 </file>
 
-<file path=ppt/slides/slide15.xml><?xml version="1.0" encoding="utf-8"?>
+<file path=ppt/slides/slide17.xml><?xml version="1.0" encoding="utf-8"?>
+<p:sld xmlns:a="http://schemas.openxmlformats.org/drawingml/2006/main" xmlns:r="http://schemas.openxmlformats.org/officeDocument/2006/relationships" xmlns:p="http://schemas.openxmlformats.org/presentationml/2006/main">
+  <p:cSld>
+    <p:spTree>
+      <p:nvGrpSpPr>
+        <p:cNvPr id="1" name=""/>
+        <p:cNvGrpSpPr/>
+        <p:nvPr/>
+      </p:nvGrpSpPr>
+      <p:grpSpPr>
+        <a:xfrm>
+          <a:off x="0" y="0"/>
+          <a:ext cx="0" cy="0"/>
+          <a:chOff x="0" y="0"/>
+          <a:chExt cx="0" cy="0"/>
+        </a:xfrm>
+      </p:grpSpPr>
+      <p:sp>
+        <p:nvSpPr>
+          <p:cNvPr id="2" name="Text Placeholder 1">
+            <a:extLst>
+              <a:ext uri="{FF2B5EF4-FFF2-40B4-BE49-F238E27FC236}">
+                <a16:creationId xmlns:a16="http://schemas.microsoft.com/office/drawing/2014/main" id="{264BAEB2-591D-DEE6-3C00-0BAAC69880F0}"/>
+              </a:ext>
+            </a:extLst>
+          </p:cNvPr>
+          <p:cNvSpPr>
+            <a:spLocks noGrp="1"/>
+          </p:cNvSpPr>
+          <p:nvPr>
+            <p:ph type="body" sz="quarter" idx="10"/>
+          </p:nvPr>
+        </p:nvSpPr>
+        <p:spPr/>
+        <p:txBody>
+          <a:bodyPr>
+            <a:normAutofit/>
+          </a:bodyPr>
+          <a:lstStyle/>
+          <a:p>
+            <a:r>
+              <a:rPr lang="en-US" sz="4000" dirty="0"/>
+              <a:t>Object-Oriented operators (classes/types)</a:t>
+            </a:r>
+          </a:p>
+        </p:txBody>
+      </p:sp>
+      <p:sp>
+        <p:nvSpPr>
+          <p:cNvPr id="3" name="TextBox 2">
+            <a:extLst>
+              <a:ext uri="{FF2B5EF4-FFF2-40B4-BE49-F238E27FC236}">
+                <a16:creationId xmlns:a16="http://schemas.microsoft.com/office/drawing/2014/main" id="{0620B8A1-699E-C7B4-0A32-7D9C4529CA27}"/>
+              </a:ext>
+            </a:extLst>
+          </p:cNvPr>
+          <p:cNvSpPr txBox="1"/>
+          <p:nvPr/>
+        </p:nvSpPr>
+        <p:spPr>
+          <a:xfrm>
+            <a:off x="641097" y="1063756"/>
+            <a:ext cx="11227373" cy="4401205"/>
+          </a:xfrm>
+          <a:prstGeom prst="rect">
+            <a:avLst/>
+          </a:prstGeom>
+          <a:noFill/>
+        </p:spPr>
+        <p:txBody>
+          <a:bodyPr wrap="square" rtlCol="0">
+            <a:spAutoFit/>
+          </a:bodyPr>
+          <a:lstStyle/>
+          <a:p>
+            <a:endParaRPr lang="en-US" sz="2000" dirty="0">
+              <a:latin typeface="Lucida Console" panose="020B0609040504020204" pitchFamily="49" charset="0"/>
+            </a:endParaRPr>
+          </a:p>
+          <a:p>
+            <a:r>
+              <a:rPr lang="en-US" sz="2000" dirty="0"/>
+              <a:t>Use </a:t>
+            </a:r>
+            <a:r>
+              <a:rPr lang="en-US" sz="2000" dirty="0">
+                <a:latin typeface="Lucida Console" panose="020B0609040504020204" pitchFamily="49" charset="0"/>
+              </a:rPr>
+              <a:t>–is</a:t>
+            </a:r>
+            <a:r>
+              <a:rPr lang="en-US" sz="2000" dirty="0"/>
+              <a:t>, </a:t>
+            </a:r>
+            <a:r>
+              <a:rPr lang="en-US" sz="2000" dirty="0">
+                <a:latin typeface="Lucida Console" panose="020B0609040504020204" pitchFamily="49" charset="0"/>
+              </a:rPr>
+              <a:t>-</a:t>
+            </a:r>
+            <a:r>
+              <a:rPr lang="en-US" sz="2000" dirty="0" err="1">
+                <a:latin typeface="Lucida Console" panose="020B0609040504020204" pitchFamily="49" charset="0"/>
+              </a:rPr>
+              <a:t>isnot</a:t>
+            </a:r>
+            <a:r>
+              <a:rPr lang="en-US" sz="2000" dirty="0"/>
+              <a:t>  to check whether an object belongs to a particular class.</a:t>
+            </a:r>
+          </a:p>
+          <a:p>
+            <a:pPr marL="342900" indent="-342900">
+              <a:buFont typeface="Arial" panose="020B0604020202020204" pitchFamily="34" charset="0"/>
+              <a:buChar char="•"/>
+            </a:pPr>
+            <a:r>
+              <a:rPr lang="en-US" sz="2000" dirty="0">
+                <a:latin typeface="Lucida Console" panose="020B0609040504020204" pitchFamily="49" charset="0"/>
+              </a:rPr>
+              <a:t>$a = "foo"</a:t>
+            </a:r>
+          </a:p>
+          <a:p>
+            <a:pPr marL="342900" indent="-342900">
+              <a:buFont typeface="Arial" panose="020B0604020202020204" pitchFamily="34" charset="0"/>
+              <a:buChar char="•"/>
+            </a:pPr>
+            <a:r>
+              <a:rPr lang="en-US" sz="2000" dirty="0">
+                <a:latin typeface="Lucida Console" panose="020B0609040504020204" pitchFamily="49" charset="0"/>
+              </a:rPr>
+              <a:t>$a –is [string]</a:t>
+            </a:r>
+            <a:r>
+              <a:rPr lang="en-US" sz="2000" dirty="0"/>
+              <a:t>    # returns  </a:t>
+            </a:r>
+            <a:r>
+              <a:rPr lang="en-US" sz="2000" dirty="0">
+                <a:latin typeface="Lucida Console" panose="020B0609040504020204" pitchFamily="49" charset="0"/>
+              </a:rPr>
+              <a:t>True</a:t>
+            </a:r>
+          </a:p>
+          <a:p>
+            <a:pPr marL="342900" indent="-342900">
+              <a:buFont typeface="Arial" panose="020B0604020202020204" pitchFamily="34" charset="0"/>
+              <a:buChar char="•"/>
+            </a:pPr>
+            <a:r>
+              <a:rPr lang="en-US" sz="2000" dirty="0">
+                <a:latin typeface="Lucida Console" panose="020B0609040504020204" pitchFamily="49" charset="0"/>
+              </a:rPr>
+              <a:t>$a –</a:t>
+            </a:r>
+            <a:r>
+              <a:rPr lang="en-US" sz="2000" dirty="0" err="1">
+                <a:latin typeface="Lucida Console" panose="020B0609040504020204" pitchFamily="49" charset="0"/>
+              </a:rPr>
+              <a:t>isnot</a:t>
+            </a:r>
+            <a:r>
+              <a:rPr lang="en-US" sz="2000" dirty="0">
+                <a:latin typeface="Lucida Console" panose="020B0609040504020204" pitchFamily="49" charset="0"/>
+              </a:rPr>
+              <a:t> ("bar").</a:t>
+            </a:r>
+            <a:r>
+              <a:rPr lang="en-US" sz="2000" dirty="0" err="1">
+                <a:latin typeface="Lucida Console" panose="020B0609040504020204" pitchFamily="49" charset="0"/>
+              </a:rPr>
+              <a:t>GetType</a:t>
+            </a:r>
+            <a:r>
+              <a:rPr lang="en-US" sz="2000" dirty="0">
+                <a:latin typeface="Lucida Console" panose="020B0609040504020204" pitchFamily="49" charset="0"/>
+              </a:rPr>
+              <a:t>()</a:t>
+            </a:r>
+            <a:r>
+              <a:rPr lang="en-US" sz="2000" dirty="0"/>
+              <a:t>    # returns  </a:t>
+            </a:r>
+            <a:r>
+              <a:rPr lang="en-US" sz="2000" dirty="0">
+                <a:latin typeface="Lucida Console" panose="020B0609040504020204" pitchFamily="49" charset="0"/>
+              </a:rPr>
+              <a:t>False</a:t>
+            </a:r>
+            <a:r>
+              <a:rPr lang="en-US" sz="2000" dirty="0"/>
+              <a:t> </a:t>
+            </a:r>
+            <a:endParaRPr lang="en-US" sz="2000" dirty="0">
+              <a:latin typeface="Lucida Console" panose="020B0609040504020204" pitchFamily="49" charset="0"/>
+            </a:endParaRPr>
+          </a:p>
+          <a:p>
+            <a:endParaRPr lang="en-US" sz="2000" dirty="0"/>
+          </a:p>
+          <a:p>
+            <a:r>
+              <a:rPr lang="en-US" sz="2000" dirty="0"/>
+              <a:t>Use  </a:t>
+            </a:r>
+            <a:r>
+              <a:rPr lang="en-US" sz="2000" dirty="0">
+                <a:latin typeface="Lucida Console" panose="020B0609040504020204" pitchFamily="49" charset="0"/>
+              </a:rPr>
+              <a:t>–as</a:t>
+            </a:r>
+            <a:r>
+              <a:rPr lang="en-US" sz="2000" dirty="0"/>
+              <a:t>  to convert (a.k.a. </a:t>
+            </a:r>
+            <a:r>
+              <a:rPr lang="en-US" sz="2000" i="1" dirty="0"/>
+              <a:t>cast</a:t>
+            </a:r>
+            <a:r>
+              <a:rPr lang="en-US" sz="2000" dirty="0"/>
+              <a:t>) an object to a different type:</a:t>
+            </a:r>
+          </a:p>
+          <a:p>
+            <a:pPr marL="342900" indent="-342900">
+              <a:buFont typeface="Arial" panose="020B0604020202020204" pitchFamily="34" charset="0"/>
+              <a:buChar char="•"/>
+            </a:pPr>
+            <a:r>
+              <a:rPr lang="en-US" sz="2000" dirty="0">
+                <a:latin typeface="Lucida Console" panose="020B0609040504020204" pitchFamily="49" charset="0"/>
+              </a:rPr>
+              <a:t>$a = 85</a:t>
+            </a:r>
+          </a:p>
+          <a:p>
+            <a:pPr marL="342900" indent="-342900">
+              <a:buFont typeface="Arial" panose="020B0604020202020204" pitchFamily="34" charset="0"/>
+              <a:buChar char="•"/>
+            </a:pPr>
+            <a:r>
+              <a:rPr lang="en-US" sz="2000" dirty="0">
+                <a:latin typeface="Lucida Console" panose="020B0609040504020204" pitchFamily="49" charset="0"/>
+              </a:rPr>
+              <a:t>$a –as [string]</a:t>
+            </a:r>
+            <a:r>
+              <a:rPr lang="en-US" sz="2000" dirty="0"/>
+              <a:t>    # returns the string </a:t>
+            </a:r>
+            <a:r>
+              <a:rPr lang="en-US" sz="2000" dirty="0">
+                <a:latin typeface="Lucida Console" panose="020B0609040504020204" pitchFamily="49" charset="0"/>
+              </a:rPr>
+              <a:t>"85"</a:t>
+            </a:r>
+            <a:r>
+              <a:rPr lang="en-US" sz="2000" dirty="0"/>
+              <a:t>  ---  same result as </a:t>
+            </a:r>
+            <a:r>
+              <a:rPr lang="en-US" sz="2000" dirty="0">
+                <a:latin typeface="Lucida Console" panose="020B0609040504020204" pitchFamily="49" charset="0"/>
+              </a:rPr>
+              <a:t>[string]$a</a:t>
+            </a:r>
+            <a:r>
+              <a:rPr lang="en-US" sz="2000" dirty="0"/>
+              <a:t>  </a:t>
+            </a:r>
+            <a:endParaRPr lang="en-US" sz="2000" dirty="0">
+              <a:latin typeface="Lucida Console" panose="020B0609040504020204" pitchFamily="49" charset="0"/>
+            </a:endParaRPr>
+          </a:p>
+          <a:p>
+            <a:pPr marL="342900" indent="-342900">
+              <a:buFont typeface="Arial" panose="020B0604020202020204" pitchFamily="34" charset="0"/>
+              <a:buChar char="•"/>
+            </a:pPr>
+            <a:r>
+              <a:rPr lang="en-US" sz="2000" dirty="0">
+                <a:latin typeface="Lucida Console" panose="020B0609040504020204" pitchFamily="49" charset="0"/>
+              </a:rPr>
+              <a:t>$a = "192.168.85.85"</a:t>
+            </a:r>
+            <a:r>
+              <a:rPr lang="en-US" sz="2000" dirty="0"/>
+              <a:t> </a:t>
+            </a:r>
+            <a:endParaRPr lang="en-US" sz="2000" dirty="0">
+              <a:latin typeface="Lucida Console" panose="020B0609040504020204" pitchFamily="49" charset="0"/>
+            </a:endParaRPr>
+          </a:p>
+          <a:p>
+            <a:pPr marL="342900" indent="-342900">
+              <a:buFont typeface="Arial" panose="020B0604020202020204" pitchFamily="34" charset="0"/>
+              <a:buChar char="•"/>
+            </a:pPr>
+            <a:r>
+              <a:rPr lang="en-US" sz="2000" dirty="0">
+                <a:latin typeface="Lucida Console" panose="020B0609040504020204" pitchFamily="49" charset="0"/>
+              </a:rPr>
+              <a:t>$a –as [</a:t>
+            </a:r>
+            <a:r>
+              <a:rPr lang="en-US" sz="2000" dirty="0" err="1">
+                <a:latin typeface="Lucida Console" panose="020B0609040504020204" pitchFamily="49" charset="0"/>
+              </a:rPr>
+              <a:t>IPAddress</a:t>
+            </a:r>
+            <a:r>
+              <a:rPr lang="en-US" sz="2000" dirty="0">
+                <a:latin typeface="Lucida Console" panose="020B0609040504020204" pitchFamily="49" charset="0"/>
+              </a:rPr>
+              <a:t>]</a:t>
+            </a:r>
+            <a:r>
+              <a:rPr lang="en-US" sz="2000" dirty="0"/>
+              <a:t>    # same result as  </a:t>
+            </a:r>
+            <a:r>
+              <a:rPr lang="en-US" sz="2000" dirty="0">
+                <a:latin typeface="Lucida Console" panose="020B0609040504020204" pitchFamily="49" charset="0"/>
+              </a:rPr>
+              <a:t>[</a:t>
+            </a:r>
+            <a:r>
+              <a:rPr lang="en-US" sz="2000" dirty="0" err="1">
+                <a:latin typeface="Lucida Console" panose="020B0609040504020204" pitchFamily="49" charset="0"/>
+              </a:rPr>
+              <a:t>IPAddress</a:t>
+            </a:r>
+            <a:r>
+              <a:rPr lang="en-US" sz="2000" dirty="0">
+                <a:latin typeface="Lucida Console" panose="020B0609040504020204" pitchFamily="49" charset="0"/>
+              </a:rPr>
+              <a:t>] $a</a:t>
+            </a:r>
+            <a:r>
+              <a:rPr lang="en-US" sz="2000" dirty="0"/>
+              <a:t> </a:t>
+            </a:r>
+            <a:endParaRPr lang="en-US" sz="2000" dirty="0">
+              <a:latin typeface="Lucida Console" panose="020B0609040504020204" pitchFamily="49" charset="0"/>
+            </a:endParaRPr>
+          </a:p>
+          <a:p>
+            <a:endParaRPr lang="en-US" sz="2000" dirty="0"/>
+          </a:p>
+          <a:p>
+            <a:endParaRPr lang="en-US" sz="2000" dirty="0"/>
+          </a:p>
+          <a:p>
+            <a:r>
+              <a:rPr lang="en-US" sz="2000" dirty="0">
+                <a:latin typeface="Lucida Console" panose="020B0609040504020204" pitchFamily="49" charset="0"/>
+              </a:rPr>
+              <a:t>Get-Help </a:t>
+            </a:r>
+            <a:r>
+              <a:rPr lang="en-US" sz="2000" dirty="0" err="1">
+                <a:latin typeface="Lucida Console" panose="020B0609040504020204" pitchFamily="49" charset="0"/>
+              </a:rPr>
+              <a:t>about_Type_Operators</a:t>
+            </a:r>
+            <a:endParaRPr lang="en-US" sz="2000" dirty="0">
+              <a:latin typeface="Lucida Console" panose="020B0609040504020204" pitchFamily="49" charset="0"/>
+            </a:endParaRPr>
+          </a:p>
+        </p:txBody>
+      </p:sp>
+    </p:spTree>
+    <p:extLst>
+      <p:ext uri="{BB962C8B-B14F-4D97-AF65-F5344CB8AC3E}">
+        <p14:creationId xmlns:p14="http://schemas.microsoft.com/office/powerpoint/2010/main" val="2076427204"/>
+      </p:ext>
+    </p:extLst>
+  </p:cSld>
+  <p:clrMapOvr>
+    <a:masterClrMapping/>
+  </p:clrMapOvr>
+</p:sld>
+</file>
+
+<file path=ppt/slides/slide18.xml><?xml version="1.0" encoding="utf-8"?>
+<p:sld xmlns:a="http://schemas.openxmlformats.org/drawingml/2006/main" xmlns:r="http://schemas.openxmlformats.org/officeDocument/2006/relationships" xmlns:p="http://schemas.openxmlformats.org/presentationml/2006/main">
+  <p:cSld>
+    <p:spTree>
+      <p:nvGrpSpPr>
+        <p:cNvPr id="1" name=""/>
+        <p:cNvGrpSpPr/>
+        <p:nvPr/>
+      </p:nvGrpSpPr>
+      <p:grpSpPr>
+        <a:xfrm>
+          <a:off x="0" y="0"/>
+          <a:ext cx="0" cy="0"/>
+          <a:chOff x="0" y="0"/>
+          <a:chExt cx="0" cy="0"/>
+        </a:xfrm>
+      </p:grpSpPr>
+      <p:sp>
+        <p:nvSpPr>
+          <p:cNvPr id="2" name="Text Placeholder 1">
+            <a:extLst>
+              <a:ext uri="{FF2B5EF4-FFF2-40B4-BE49-F238E27FC236}">
+                <a16:creationId xmlns:a16="http://schemas.microsoft.com/office/drawing/2014/main" id="{264BAEB2-591D-DEE6-3C00-0BAAC69880F0}"/>
+              </a:ext>
+            </a:extLst>
+          </p:cNvPr>
+          <p:cNvSpPr>
+            <a:spLocks noGrp="1"/>
+          </p:cNvSpPr>
+          <p:nvPr>
+            <p:ph type="body" sz="quarter" idx="10"/>
+          </p:nvPr>
+        </p:nvSpPr>
+        <p:spPr/>
+        <p:txBody>
+          <a:bodyPr>
+            <a:normAutofit/>
+          </a:bodyPr>
+          <a:lstStyle/>
+          <a:p>
+            <a:r>
+              <a:rPr lang="en-US" sz="4000" dirty="0"/>
+              <a:t>What types (classes) are available?</a:t>
+            </a:r>
+          </a:p>
+        </p:txBody>
+      </p:sp>
+      <p:sp>
+        <p:nvSpPr>
+          <p:cNvPr id="3" name="TextBox 2">
+            <a:extLst>
+              <a:ext uri="{FF2B5EF4-FFF2-40B4-BE49-F238E27FC236}">
+                <a16:creationId xmlns:a16="http://schemas.microsoft.com/office/drawing/2014/main" id="{0620B8A1-699E-C7B4-0A32-7D9C4529CA27}"/>
+              </a:ext>
+            </a:extLst>
+          </p:cNvPr>
+          <p:cNvSpPr txBox="1"/>
+          <p:nvPr/>
+        </p:nvSpPr>
+        <p:spPr>
+          <a:xfrm>
+            <a:off x="641097" y="1063756"/>
+            <a:ext cx="11227373" cy="3477875"/>
+          </a:xfrm>
+          <a:prstGeom prst="rect">
+            <a:avLst/>
+          </a:prstGeom>
+          <a:noFill/>
+        </p:spPr>
+        <p:txBody>
+          <a:bodyPr wrap="square" rtlCol="0">
+            <a:spAutoFit/>
+          </a:bodyPr>
+          <a:lstStyle/>
+          <a:p>
+            <a:endParaRPr lang="en-US" sz="2000" dirty="0">
+              <a:latin typeface="Lucida Console" panose="020B0609040504020204" pitchFamily="49" charset="0"/>
+            </a:endParaRPr>
+          </a:p>
+          <a:p>
+            <a:r>
+              <a:rPr lang="en-US" sz="2000" dirty="0"/>
+              <a:t>List types:</a:t>
+            </a:r>
+          </a:p>
+          <a:p>
+            <a:pPr marL="342900" indent="-342900">
+              <a:buFont typeface="Arial" panose="020B0604020202020204" pitchFamily="34" charset="0"/>
+              <a:buChar char="•"/>
+            </a:pPr>
+            <a:r>
+              <a:rPr lang="en-US" sz="2000" dirty="0">
+                <a:latin typeface="Lucida Console" panose="020B0609040504020204" pitchFamily="49" charset="0"/>
+              </a:rPr>
+              <a:t>[</a:t>
+            </a:r>
+            <a:r>
+              <a:rPr lang="en-US" sz="2000" dirty="0" err="1">
+                <a:latin typeface="Lucida Console" panose="020B0609040504020204" pitchFamily="49" charset="0"/>
+              </a:rPr>
+              <a:t>System.AppDomain</a:t>
+            </a:r>
+            <a:r>
+              <a:rPr lang="en-US" sz="2000" dirty="0">
+                <a:latin typeface="Lucida Console" panose="020B0609040504020204" pitchFamily="49" charset="0"/>
+              </a:rPr>
+              <a:t>]::</a:t>
+            </a:r>
+            <a:r>
+              <a:rPr lang="en-US" sz="2000" dirty="0" err="1">
+                <a:latin typeface="Lucida Console" panose="020B0609040504020204" pitchFamily="49" charset="0"/>
+              </a:rPr>
+              <a:t>CurrentDomain.GetAssemblies</a:t>
+            </a:r>
+            <a:r>
+              <a:rPr lang="en-US" sz="2000" dirty="0">
+                <a:latin typeface="Lucida Console" panose="020B0609040504020204" pitchFamily="49" charset="0"/>
+              </a:rPr>
+              <a:t>().</a:t>
+            </a:r>
+            <a:r>
+              <a:rPr lang="en-US" sz="2000" dirty="0" err="1">
+                <a:latin typeface="Lucida Console" panose="020B0609040504020204" pitchFamily="49" charset="0"/>
+              </a:rPr>
+              <a:t>GetTypes</a:t>
+            </a:r>
+            <a:r>
+              <a:rPr lang="en-US" sz="2000" dirty="0">
+                <a:latin typeface="Lucida Console" panose="020B0609040504020204" pitchFamily="49" charset="0"/>
+              </a:rPr>
+              <a:t>()</a:t>
+            </a:r>
+          </a:p>
+          <a:p>
+            <a:endParaRPr lang="en-US" sz="2000" dirty="0">
+              <a:latin typeface="Lucida Console" panose="020B0609040504020204" pitchFamily="49" charset="0"/>
+            </a:endParaRPr>
+          </a:p>
+          <a:p>
+            <a:r>
+              <a:rPr lang="en-US" sz="2000" dirty="0"/>
+              <a:t>Count them: </a:t>
+            </a:r>
+          </a:p>
+          <a:p>
+            <a:pPr marL="342900" indent="-342900">
+              <a:buFont typeface="Arial" panose="020B0604020202020204" pitchFamily="34" charset="0"/>
+              <a:buChar char="•"/>
+            </a:pPr>
+            <a:r>
+              <a:rPr lang="en-US" sz="2000" dirty="0">
+                <a:latin typeface="Lucida Console" panose="020B0609040504020204" pitchFamily="49" charset="0"/>
+              </a:rPr>
+              <a:t>[</a:t>
+            </a:r>
+            <a:r>
+              <a:rPr lang="en-US" sz="2000" dirty="0" err="1">
+                <a:latin typeface="Lucida Console" panose="020B0609040504020204" pitchFamily="49" charset="0"/>
+              </a:rPr>
+              <a:t>System.AppDomain</a:t>
+            </a:r>
+            <a:r>
+              <a:rPr lang="en-US" sz="2000" dirty="0">
+                <a:latin typeface="Lucida Console" panose="020B0609040504020204" pitchFamily="49" charset="0"/>
+              </a:rPr>
+              <a:t>]::</a:t>
+            </a:r>
+            <a:r>
+              <a:rPr lang="en-US" sz="2000" dirty="0" err="1">
+                <a:latin typeface="Lucida Console" panose="020B0609040504020204" pitchFamily="49" charset="0"/>
+              </a:rPr>
+              <a:t>CurrentDomain.GetAssemblies</a:t>
+            </a:r>
+            <a:r>
+              <a:rPr lang="en-US" sz="2000" dirty="0">
+                <a:latin typeface="Lucida Console" panose="020B0609040504020204" pitchFamily="49" charset="0"/>
+              </a:rPr>
+              <a:t>().</a:t>
+            </a:r>
+            <a:r>
+              <a:rPr lang="en-US" sz="2000" dirty="0" err="1">
+                <a:latin typeface="Lucida Console" panose="020B0609040504020204" pitchFamily="49" charset="0"/>
+              </a:rPr>
+              <a:t>GetTypes</a:t>
+            </a:r>
+            <a:r>
+              <a:rPr lang="en-US" sz="2000" dirty="0">
+                <a:latin typeface="Lucida Console" panose="020B0609040504020204" pitchFamily="49" charset="0"/>
+              </a:rPr>
+              <a:t>().Count</a:t>
+            </a:r>
+          </a:p>
+          <a:p>
+            <a:endParaRPr lang="en-US" sz="2000" dirty="0">
+              <a:latin typeface="Lucida Console" panose="020B0609040504020204" pitchFamily="49" charset="0"/>
+            </a:endParaRPr>
+          </a:p>
+          <a:p>
+            <a:r>
+              <a:rPr lang="en-US" sz="2000" dirty="0"/>
+              <a:t>Which types contain the string ‘</a:t>
+            </a:r>
+            <a:r>
+              <a:rPr lang="en-US" sz="2000" dirty="0" err="1"/>
+              <a:t>DateTime</a:t>
+            </a:r>
+            <a:r>
+              <a:rPr lang="en-US" sz="2000" dirty="0"/>
+              <a:t>?’ </a:t>
+            </a:r>
+          </a:p>
+          <a:p>
+            <a:pPr marL="342900" indent="-342900">
+              <a:buFont typeface="Arial" panose="020B0604020202020204" pitchFamily="34" charset="0"/>
+              <a:buChar char="•"/>
+            </a:pPr>
+            <a:r>
+              <a:rPr lang="en-US" sz="2000" dirty="0">
+                <a:latin typeface="Lucida Console" panose="020B0609040504020204" pitchFamily="49" charset="0"/>
+              </a:rPr>
+              <a:t>$types = [</a:t>
+            </a:r>
+            <a:r>
+              <a:rPr lang="en-US" sz="2000" dirty="0" err="1">
+                <a:latin typeface="Lucida Console" panose="020B0609040504020204" pitchFamily="49" charset="0"/>
+              </a:rPr>
+              <a:t>System.AppDomain</a:t>
+            </a:r>
+            <a:r>
+              <a:rPr lang="en-US" sz="2000" dirty="0">
+                <a:latin typeface="Lucida Console" panose="020B0609040504020204" pitchFamily="49" charset="0"/>
+              </a:rPr>
+              <a:t>]::</a:t>
+            </a:r>
+            <a:r>
+              <a:rPr lang="en-US" sz="2000" dirty="0" err="1">
+                <a:latin typeface="Lucida Console" panose="020B0609040504020204" pitchFamily="49" charset="0"/>
+              </a:rPr>
+              <a:t>CurrentDomain.GetAssemblies</a:t>
+            </a:r>
+            <a:r>
+              <a:rPr lang="en-US" sz="2000" dirty="0">
+                <a:latin typeface="Lucida Console" panose="020B0609040504020204" pitchFamily="49" charset="0"/>
+              </a:rPr>
+              <a:t>().</a:t>
+            </a:r>
+            <a:r>
+              <a:rPr lang="en-US" sz="2000" dirty="0" err="1">
+                <a:latin typeface="Lucida Console" panose="020B0609040504020204" pitchFamily="49" charset="0"/>
+              </a:rPr>
+              <a:t>GetTypes</a:t>
+            </a:r>
+            <a:r>
+              <a:rPr lang="en-US" sz="2000" dirty="0">
+                <a:latin typeface="Lucida Console" panose="020B0609040504020204" pitchFamily="49" charset="0"/>
+              </a:rPr>
+              <a:t>()</a:t>
+            </a:r>
+          </a:p>
+          <a:p>
+            <a:pPr marL="342900" indent="-342900">
+              <a:buFont typeface="Arial" panose="020B0604020202020204" pitchFamily="34" charset="0"/>
+              <a:buChar char="•"/>
+            </a:pPr>
+            <a:r>
+              <a:rPr lang="en-US" sz="2000" dirty="0">
+                <a:latin typeface="Lucida Console" panose="020B0609040504020204" pitchFamily="49" charset="0"/>
+              </a:rPr>
+              <a:t>$types | Select-String </a:t>
+            </a:r>
+            <a:r>
+              <a:rPr lang="en-US" sz="2000" dirty="0" err="1">
+                <a:latin typeface="Lucida Console" panose="020B0609040504020204" pitchFamily="49" charset="0"/>
+              </a:rPr>
+              <a:t>DateTime</a:t>
+            </a:r>
+            <a:endParaRPr lang="en-US" sz="2000" dirty="0">
+              <a:latin typeface="Lucida Console" panose="020B0609040504020204" pitchFamily="49" charset="0"/>
+            </a:endParaRPr>
+          </a:p>
+          <a:p>
+            <a:endParaRPr lang="en-US" sz="2000" dirty="0">
+              <a:latin typeface="Lucida Console" panose="020B0609040504020204" pitchFamily="49" charset="0"/>
+            </a:endParaRPr>
+          </a:p>
+        </p:txBody>
+      </p:sp>
+    </p:spTree>
+    <p:extLst>
+      <p:ext uri="{BB962C8B-B14F-4D97-AF65-F5344CB8AC3E}">
+        <p14:creationId xmlns:p14="http://schemas.microsoft.com/office/powerpoint/2010/main" val="4243071024"/>
+      </p:ext>
+    </p:extLst>
+  </p:cSld>
+  <p:clrMapOvr>
+    <a:masterClrMapping/>
+  </p:clrMapOvr>
+</p:sld>
+</file>
+
+<file path=ppt/slides/slide19.xml><?xml version="1.0" encoding="utf-8"?>
 <p:sld xmlns:a="http://schemas.openxmlformats.org/drawingml/2006/main" xmlns:r="http://schemas.openxmlformats.org/officeDocument/2006/relationships" xmlns:p="http://schemas.openxmlformats.org/presentationml/2006/main">
   <p:cSld>
     <p:spTree>
@@ -6146,7 +7672,7 @@
         <p:spPr>
           <a:xfrm>
             <a:off x="1268392" y="1054728"/>
-            <a:ext cx="9655207" cy="400110"/>
+            <a:ext cx="9655207" cy="3785652"/>
           </a:xfrm>
           <a:prstGeom prst="rect">
             <a:avLst/>
@@ -6161,15 +7687,100 @@
           <a:p>
             <a:r>
               <a:rPr lang="en-US" sz="2000" dirty="0"/>
-              <a:t>Your next </a:t>
-            </a:r>
-            <a:r>
-              <a:rPr lang="en-US" sz="2000"/>
-              <a:t>exercises are </a:t>
-            </a:r>
-            <a:r>
-              <a:rPr lang="en-US" sz="2000" dirty="0"/>
-              <a:t>short drills using operators.</a:t>
+              <a:t>You’ll find several exercises with short drills using operators.</a:t>
+            </a:r>
+          </a:p>
+          <a:p>
+            <a:endParaRPr lang="en-US" sz="2000" dirty="0"/>
+          </a:p>
+          <a:p>
+            <a:r>
+              <a:rPr lang="en-US" sz="2000" dirty="0"/>
+              <a:t>But wait, there are still other operators!</a:t>
+            </a:r>
+          </a:p>
+          <a:p>
+            <a:pPr marL="342900" indent="-342900">
+              <a:buFont typeface="Arial" panose="020B0604020202020204" pitchFamily="34" charset="0"/>
+              <a:buChar char="•"/>
+            </a:pPr>
+            <a:r>
+              <a:rPr lang="en-US" sz="2000" dirty="0">
+                <a:latin typeface="Lucida Console" panose="020B0609040504020204" pitchFamily="49" charset="0"/>
+              </a:rPr>
+              <a:t>Get-Help </a:t>
+            </a:r>
+            <a:r>
+              <a:rPr lang="en-US" sz="2000" dirty="0" err="1">
+                <a:latin typeface="Lucida Console" panose="020B0609040504020204" pitchFamily="49" charset="0"/>
+              </a:rPr>
+              <a:t>about_Operators</a:t>
+            </a:r>
+            <a:endParaRPr lang="en-US" sz="2000" dirty="0"/>
+          </a:p>
+          <a:p>
+            <a:endParaRPr lang="en-US" sz="2000" dirty="0"/>
+          </a:p>
+          <a:p>
+            <a:r>
+              <a:rPr lang="en-US" sz="2000" dirty="0"/>
+              <a:t>For example, there’s a fun string formatting operator  </a:t>
+            </a:r>
+            <a:r>
+              <a:rPr lang="en-US" sz="2000" dirty="0">
+                <a:latin typeface="Lucida Console" panose="020B0609040504020204" pitchFamily="49" charset="0"/>
+              </a:rPr>
+              <a:t>–f</a:t>
+            </a:r>
+            <a:r>
+              <a:rPr lang="en-US" sz="2000" dirty="0"/>
+              <a:t>  that wasn’t introduced nor explained here. One of your exercises explores this format operator. Challenge yourself to learn it on your own, using:</a:t>
+            </a:r>
+          </a:p>
+          <a:p>
+            <a:endParaRPr lang="en-US" sz="2000" dirty="0"/>
+          </a:p>
+          <a:p>
+            <a:pPr marL="342900" indent="-342900">
+              <a:buFont typeface="Arial" panose="020B0604020202020204" pitchFamily="34" charset="0"/>
+              <a:buChar char="•"/>
+            </a:pPr>
+            <a:r>
+              <a:rPr lang="en-US" sz="2000" dirty="0"/>
+              <a:t> </a:t>
+            </a:r>
+            <a:r>
+              <a:rPr lang="en-US" sz="2000" dirty="0">
+                <a:latin typeface="Lucida Console" panose="020B0609040504020204" pitchFamily="49" charset="0"/>
+              </a:rPr>
+              <a:t>Get-Help</a:t>
+            </a:r>
+            <a:r>
+              <a:rPr lang="en-US" sz="2000" dirty="0"/>
+              <a:t>, </a:t>
+            </a:r>
+            <a:endParaRPr lang="en-US" sz="2000" dirty="0">
+              <a:latin typeface="Lucida Console" panose="020B0609040504020204" pitchFamily="49" charset="0"/>
+            </a:endParaRPr>
+          </a:p>
+          <a:p>
+            <a:pPr marL="342900" indent="-342900">
+              <a:buFont typeface="Arial" panose="020B0604020202020204" pitchFamily="34" charset="0"/>
+              <a:buChar char="•"/>
+            </a:pPr>
+            <a:r>
+              <a:rPr lang="en-US" sz="2000" dirty="0"/>
+              <a:t> your favorite search engines, and</a:t>
+            </a:r>
+          </a:p>
+          <a:p>
+            <a:pPr marL="342900" indent="-342900">
+              <a:buFont typeface="Arial" panose="020B0604020202020204" pitchFamily="34" charset="0"/>
+              <a:buChar char="•"/>
+            </a:pPr>
+            <a:r>
+              <a:rPr lang="en-US" sz="2000" dirty="0"/>
+              <a:t> your favorite generative AI LLM chatbots.</a:t>
             </a:r>
           </a:p>
         </p:txBody>
@@ -8278,13 +9889,8 @@
           <a:p>
             <a:r>
               <a:rPr lang="en-US" sz="4000" dirty="0"/>
-              <a:t>Bitwise arithmetic </a:t>
-            </a:r>
-            <a:r>
-              <a:rPr lang="en-US" sz="4000" dirty="0" err="1"/>
-              <a:t>applicaiton</a:t>
-            </a:r>
-            <a:endParaRPr lang="en-US" sz="4000" dirty="0"/>
+              <a:t>Bitwise arithmetic application</a:t>
+            </a:r>
           </a:p>
         </p:txBody>
       </p:sp>
@@ -9611,7 +11217,7 @@
             </a:r>
             <a:r>
               <a:rPr lang="en-US" sz="2000" dirty="0"/>
-              <a:t>    # returns </a:t>
+              <a:t>    # returns  </a:t>
             </a:r>
             <a:r>
               <a:rPr lang="en-US" sz="2000" dirty="0">

--- a/CYBER360-2.2-2.6-Operators.pptx
+++ b/CYBER360-2.2-2.6-Operators.pptx
@@ -140,6 +140,99 @@
 
 <file path=ppt/changesInfos/changesInfo1.xml><?xml version="1.0" encoding="utf-8"?>
 <pc:chgInfo xmlns:a="http://schemas.openxmlformats.org/drawingml/2006/main" xmlns:r="http://schemas.openxmlformats.org/officeDocument/2006/relationships" xmlns:ac="http://schemas.microsoft.com/office/drawing/2013/main/command" xmlns:pc="http://schemas.microsoft.com/office/powerpoint/2013/main/command">
+  <pc:docChgLst>
+    <pc:chgData name="Gibbons, Carl" userId="d2b037bc-8fb4-4222-845c-61440543a456" providerId="ADAL" clId="{C1E6ABF6-BAED-4B26-97DB-20A1E8B7A1A4}"/>
+    <pc:docChg chg="custSel modSld">
+      <pc:chgData name="Gibbons, Carl" userId="d2b037bc-8fb4-4222-845c-61440543a456" providerId="ADAL" clId="{C1E6ABF6-BAED-4B26-97DB-20A1E8B7A1A4}" dt="2023-12-06T02:23:48.337" v="274" actId="20577"/>
+      <pc:docMkLst>
+        <pc:docMk/>
+      </pc:docMkLst>
+      <pc:sldChg chg="modSp mod">
+        <pc:chgData name="Gibbons, Carl" userId="d2b037bc-8fb4-4222-845c-61440543a456" providerId="ADAL" clId="{C1E6ABF6-BAED-4B26-97DB-20A1E8B7A1A4}" dt="2023-11-21T16:22:17.597" v="97" actId="20577"/>
+        <pc:sldMkLst>
+          <pc:docMk/>
+          <pc:sldMk cId="3308175748" sldId="256"/>
+        </pc:sldMkLst>
+        <pc:spChg chg="mod">
+          <ac:chgData name="Gibbons, Carl" userId="d2b037bc-8fb4-4222-845c-61440543a456" providerId="ADAL" clId="{C1E6ABF6-BAED-4B26-97DB-20A1E8B7A1A4}" dt="2023-11-21T05:49:34.464" v="2"/>
+          <ac:spMkLst>
+            <pc:docMk/>
+            <pc:sldMk cId="3308175748" sldId="256"/>
+            <ac:spMk id="2" creationId="{ACEA2649-DC6B-3373-A7E6-7F0E103D8B8B}"/>
+          </ac:spMkLst>
+        </pc:spChg>
+        <pc:spChg chg="mod">
+          <ac:chgData name="Gibbons, Carl" userId="d2b037bc-8fb4-4222-845c-61440543a456" providerId="ADAL" clId="{C1E6ABF6-BAED-4B26-97DB-20A1E8B7A1A4}" dt="2023-11-21T16:22:17.597" v="97" actId="20577"/>
+          <ac:spMkLst>
+            <pc:docMk/>
+            <pc:sldMk cId="3308175748" sldId="256"/>
+            <ac:spMk id="3" creationId="{EEC4D41B-E776-05F2-BE0B-89BB339485AB}"/>
+          </ac:spMkLst>
+        </pc:spChg>
+        <pc:spChg chg="mod">
+          <ac:chgData name="Gibbons, Carl" userId="d2b037bc-8fb4-4222-845c-61440543a456" providerId="ADAL" clId="{C1E6ABF6-BAED-4B26-97DB-20A1E8B7A1A4}" dt="2023-11-21T05:49:34.464" v="2"/>
+          <ac:spMkLst>
+            <pc:docMk/>
+            <pc:sldMk cId="3308175748" sldId="256"/>
+            <ac:spMk id="4" creationId="{4664ABB7-0B55-0242-2E51-B3286EE7B5EB}"/>
+          </ac:spMkLst>
+        </pc:spChg>
+      </pc:sldChg>
+      <pc:sldChg chg="modSp">
+        <pc:chgData name="Gibbons, Carl" userId="d2b037bc-8fb4-4222-845c-61440543a456" providerId="ADAL" clId="{C1E6ABF6-BAED-4B26-97DB-20A1E8B7A1A4}" dt="2023-11-21T05:49:34.464" v="2"/>
+        <pc:sldMkLst>
+          <pc:docMk/>
+          <pc:sldMk cId="2312486803" sldId="261"/>
+        </pc:sldMkLst>
+        <pc:spChg chg="mod">
+          <ac:chgData name="Gibbons, Carl" userId="d2b037bc-8fb4-4222-845c-61440543a456" providerId="ADAL" clId="{C1E6ABF6-BAED-4B26-97DB-20A1E8B7A1A4}" dt="2023-11-21T05:49:34.464" v="2"/>
+          <ac:spMkLst>
+            <pc:docMk/>
+            <pc:sldMk cId="2312486803" sldId="261"/>
+            <ac:spMk id="2" creationId="{31B75992-5098-A283-4925-2CCEBB801DC5}"/>
+          </ac:spMkLst>
+        </pc:spChg>
+      </pc:sldChg>
+      <pc:sldChg chg="modSp mod">
+        <pc:chgData name="Gibbons, Carl" userId="d2b037bc-8fb4-4222-845c-61440543a456" providerId="ADAL" clId="{C1E6ABF6-BAED-4B26-97DB-20A1E8B7A1A4}" dt="2023-11-21T07:48:19.790" v="77" actId="20577"/>
+        <pc:sldMkLst>
+          <pc:docMk/>
+          <pc:sldMk cId="378743348" sldId="270"/>
+        </pc:sldMkLst>
+        <pc:spChg chg="mod">
+          <ac:chgData name="Gibbons, Carl" userId="d2b037bc-8fb4-4222-845c-61440543a456" providerId="ADAL" clId="{C1E6ABF6-BAED-4B26-97DB-20A1E8B7A1A4}" dt="2023-11-21T07:48:19.790" v="77" actId="20577"/>
+          <ac:spMkLst>
+            <pc:docMk/>
+            <pc:sldMk cId="378743348" sldId="270"/>
+            <ac:spMk id="3" creationId="{80041865-9773-290D-EB35-F8AF8BFC505C}"/>
+          </ac:spMkLst>
+        </pc:spChg>
+      </pc:sldChg>
+      <pc:sldChg chg="modSp mod">
+        <pc:chgData name="Gibbons, Carl" userId="d2b037bc-8fb4-4222-845c-61440543a456" providerId="ADAL" clId="{C1E6ABF6-BAED-4B26-97DB-20A1E8B7A1A4}" dt="2023-12-06T02:23:48.337" v="274" actId="20577"/>
+        <pc:sldMkLst>
+          <pc:docMk/>
+          <pc:sldMk cId="657795359" sldId="277"/>
+        </pc:sldMkLst>
+        <pc:spChg chg="mod">
+          <ac:chgData name="Gibbons, Carl" userId="d2b037bc-8fb4-4222-845c-61440543a456" providerId="ADAL" clId="{C1E6ABF6-BAED-4B26-97DB-20A1E8B7A1A4}" dt="2023-11-21T05:49:34.464" v="2"/>
+          <ac:spMkLst>
+            <pc:docMk/>
+            <pc:sldMk cId="657795359" sldId="277"/>
+            <ac:spMk id="2" creationId="{1862E903-3C56-BB42-2361-009F2336475A}"/>
+          </ac:spMkLst>
+        </pc:spChg>
+        <pc:spChg chg="mod">
+          <ac:chgData name="Gibbons, Carl" userId="d2b037bc-8fb4-4222-845c-61440543a456" providerId="ADAL" clId="{C1E6ABF6-BAED-4B26-97DB-20A1E8B7A1A4}" dt="2023-12-06T02:23:48.337" v="274" actId="20577"/>
+          <ac:spMkLst>
+            <pc:docMk/>
+            <pc:sldMk cId="657795359" sldId="277"/>
+            <ac:spMk id="3" creationId="{90179172-96B3-95D0-A137-257770BE7642}"/>
+          </ac:spMkLst>
+        </pc:spChg>
+      </pc:sldChg>
+    </pc:docChg>
+  </pc:docChgLst>
   <pc:docChgLst>
     <pc:chgData name="Gibbons, Carl" userId="d2b037bc-8fb4-4222-845c-61440543a456" providerId="ADAL" clId="{C6C3D023-EB00-479C-8165-7C60F9B629BD}"/>
     <pc:docChg chg="undo custSel addSld delSld modSld sldOrd">
@@ -372,99 +465,6 @@
             <pc:docMk/>
             <pc:sldMk cId="1304576592" sldId="299"/>
             <ac:spMk id="3" creationId="{0620B8A1-699E-C7B4-0A32-7D9C4529CA27}"/>
-          </ac:spMkLst>
-        </pc:spChg>
-      </pc:sldChg>
-    </pc:docChg>
-  </pc:docChgLst>
-  <pc:docChgLst>
-    <pc:chgData name="Gibbons, Carl" userId="d2b037bc-8fb4-4222-845c-61440543a456" providerId="ADAL" clId="{C1E6ABF6-BAED-4B26-97DB-20A1E8B7A1A4}"/>
-    <pc:docChg chg="custSel modSld">
-      <pc:chgData name="Gibbons, Carl" userId="d2b037bc-8fb4-4222-845c-61440543a456" providerId="ADAL" clId="{C1E6ABF6-BAED-4B26-97DB-20A1E8B7A1A4}" dt="2023-12-06T02:23:48.337" v="274" actId="20577"/>
-      <pc:docMkLst>
-        <pc:docMk/>
-      </pc:docMkLst>
-      <pc:sldChg chg="modSp mod">
-        <pc:chgData name="Gibbons, Carl" userId="d2b037bc-8fb4-4222-845c-61440543a456" providerId="ADAL" clId="{C1E6ABF6-BAED-4B26-97DB-20A1E8B7A1A4}" dt="2023-11-21T16:22:17.597" v="97" actId="20577"/>
-        <pc:sldMkLst>
-          <pc:docMk/>
-          <pc:sldMk cId="3308175748" sldId="256"/>
-        </pc:sldMkLst>
-        <pc:spChg chg="mod">
-          <ac:chgData name="Gibbons, Carl" userId="d2b037bc-8fb4-4222-845c-61440543a456" providerId="ADAL" clId="{C1E6ABF6-BAED-4B26-97DB-20A1E8B7A1A4}" dt="2023-11-21T05:49:34.464" v="2"/>
-          <ac:spMkLst>
-            <pc:docMk/>
-            <pc:sldMk cId="3308175748" sldId="256"/>
-            <ac:spMk id="2" creationId="{ACEA2649-DC6B-3373-A7E6-7F0E103D8B8B}"/>
-          </ac:spMkLst>
-        </pc:spChg>
-        <pc:spChg chg="mod">
-          <ac:chgData name="Gibbons, Carl" userId="d2b037bc-8fb4-4222-845c-61440543a456" providerId="ADAL" clId="{C1E6ABF6-BAED-4B26-97DB-20A1E8B7A1A4}" dt="2023-11-21T16:22:17.597" v="97" actId="20577"/>
-          <ac:spMkLst>
-            <pc:docMk/>
-            <pc:sldMk cId="3308175748" sldId="256"/>
-            <ac:spMk id="3" creationId="{EEC4D41B-E776-05F2-BE0B-89BB339485AB}"/>
-          </ac:spMkLst>
-        </pc:spChg>
-        <pc:spChg chg="mod">
-          <ac:chgData name="Gibbons, Carl" userId="d2b037bc-8fb4-4222-845c-61440543a456" providerId="ADAL" clId="{C1E6ABF6-BAED-4B26-97DB-20A1E8B7A1A4}" dt="2023-11-21T05:49:34.464" v="2"/>
-          <ac:spMkLst>
-            <pc:docMk/>
-            <pc:sldMk cId="3308175748" sldId="256"/>
-            <ac:spMk id="4" creationId="{4664ABB7-0B55-0242-2E51-B3286EE7B5EB}"/>
-          </ac:spMkLst>
-        </pc:spChg>
-      </pc:sldChg>
-      <pc:sldChg chg="modSp">
-        <pc:chgData name="Gibbons, Carl" userId="d2b037bc-8fb4-4222-845c-61440543a456" providerId="ADAL" clId="{C1E6ABF6-BAED-4B26-97DB-20A1E8B7A1A4}" dt="2023-11-21T05:49:34.464" v="2"/>
-        <pc:sldMkLst>
-          <pc:docMk/>
-          <pc:sldMk cId="2312486803" sldId="261"/>
-        </pc:sldMkLst>
-        <pc:spChg chg="mod">
-          <ac:chgData name="Gibbons, Carl" userId="d2b037bc-8fb4-4222-845c-61440543a456" providerId="ADAL" clId="{C1E6ABF6-BAED-4B26-97DB-20A1E8B7A1A4}" dt="2023-11-21T05:49:34.464" v="2"/>
-          <ac:spMkLst>
-            <pc:docMk/>
-            <pc:sldMk cId="2312486803" sldId="261"/>
-            <ac:spMk id="2" creationId="{31B75992-5098-A283-4925-2CCEBB801DC5}"/>
-          </ac:spMkLst>
-        </pc:spChg>
-      </pc:sldChg>
-      <pc:sldChg chg="modSp mod">
-        <pc:chgData name="Gibbons, Carl" userId="d2b037bc-8fb4-4222-845c-61440543a456" providerId="ADAL" clId="{C1E6ABF6-BAED-4B26-97DB-20A1E8B7A1A4}" dt="2023-11-21T07:48:19.790" v="77" actId="20577"/>
-        <pc:sldMkLst>
-          <pc:docMk/>
-          <pc:sldMk cId="378743348" sldId="270"/>
-        </pc:sldMkLst>
-        <pc:spChg chg="mod">
-          <ac:chgData name="Gibbons, Carl" userId="d2b037bc-8fb4-4222-845c-61440543a456" providerId="ADAL" clId="{C1E6ABF6-BAED-4B26-97DB-20A1E8B7A1A4}" dt="2023-11-21T07:48:19.790" v="77" actId="20577"/>
-          <ac:spMkLst>
-            <pc:docMk/>
-            <pc:sldMk cId="378743348" sldId="270"/>
-            <ac:spMk id="3" creationId="{80041865-9773-290D-EB35-F8AF8BFC505C}"/>
-          </ac:spMkLst>
-        </pc:spChg>
-      </pc:sldChg>
-      <pc:sldChg chg="modSp mod">
-        <pc:chgData name="Gibbons, Carl" userId="d2b037bc-8fb4-4222-845c-61440543a456" providerId="ADAL" clId="{C1E6ABF6-BAED-4B26-97DB-20A1E8B7A1A4}" dt="2023-12-06T02:23:48.337" v="274" actId="20577"/>
-        <pc:sldMkLst>
-          <pc:docMk/>
-          <pc:sldMk cId="657795359" sldId="277"/>
-        </pc:sldMkLst>
-        <pc:spChg chg="mod">
-          <ac:chgData name="Gibbons, Carl" userId="d2b037bc-8fb4-4222-845c-61440543a456" providerId="ADAL" clId="{C1E6ABF6-BAED-4B26-97DB-20A1E8B7A1A4}" dt="2023-11-21T05:49:34.464" v="2"/>
-          <ac:spMkLst>
-            <pc:docMk/>
-            <pc:sldMk cId="657795359" sldId="277"/>
-            <ac:spMk id="2" creationId="{1862E903-3C56-BB42-2361-009F2336475A}"/>
-          </ac:spMkLst>
-        </pc:spChg>
-        <pc:spChg chg="mod">
-          <ac:chgData name="Gibbons, Carl" userId="d2b037bc-8fb4-4222-845c-61440543a456" providerId="ADAL" clId="{C1E6ABF6-BAED-4B26-97DB-20A1E8B7A1A4}" dt="2023-12-06T02:23:48.337" v="274" actId="20577"/>
-          <ac:spMkLst>
-            <pc:docMk/>
-            <pc:sldMk cId="657795359" sldId="277"/>
-            <ac:spMk id="3" creationId="{90179172-96B3-95D0-A137-257770BE7642}"/>
           </ac:spMkLst>
         </pc:spChg>
       </pc:sldChg>
@@ -1356,7 +1356,7 @@
           <a:p>
             <a:fld id="{421996D4-4A1C-4BBC-AA2B-FD5B7FC395A0}" type="datetime1">
               <a:rPr lang="en-US" smtClean="0"/>
-              <a:t>5/16/2024</a:t>
+              <a:t>10/10/2024</a:t>
             </a:fld>
             <a:endParaRPr lang="en-US"/>
           </a:p>
@@ -1554,7 +1554,7 @@
           <a:p>
             <a:fld id="{CB43818D-5554-4105-BE04-CEE32DEBDA0A}" type="datetime1">
               <a:rPr lang="en-US" smtClean="0"/>
-              <a:t>5/16/2024</a:t>
+              <a:t>10/10/2024</a:t>
             </a:fld>
             <a:endParaRPr lang="en-US"/>
           </a:p>
@@ -1762,7 +1762,7 @@
           <a:p>
             <a:fld id="{AFAC11C6-1708-41BC-9474-3D7842023D96}" type="datetime1">
               <a:rPr lang="en-US" smtClean="0"/>
-              <a:t>5/16/2024</a:t>
+              <a:t>10/10/2024</a:t>
             </a:fld>
             <a:endParaRPr lang="en-US"/>
           </a:p>
@@ -2041,7 +2041,7 @@
           <a:p>
             <a:fld id="{490605F8-8C86-41F5-9F5E-04EDB8C2540B}" type="datetime1">
               <a:rPr lang="en-US" smtClean="0"/>
-              <a:t>5/16/2024</a:t>
+              <a:t>10/10/2024</a:t>
             </a:fld>
             <a:endParaRPr lang="en-US"/>
           </a:p>
@@ -2316,7 +2316,7 @@
           <a:p>
             <a:fld id="{CA355DA2-1E89-41CC-B722-CBFC08F260AE}" type="datetime1">
               <a:rPr lang="en-US" smtClean="0"/>
-              <a:t>5/16/2024</a:t>
+              <a:t>10/10/2024</a:t>
             </a:fld>
             <a:endParaRPr lang="en-US"/>
           </a:p>
@@ -2581,7 +2581,7 @@
           <a:p>
             <a:fld id="{7F6AFD48-C472-404E-B7B5-BA44CCF2F55D}" type="datetime1">
               <a:rPr lang="en-US" smtClean="0"/>
-              <a:t>5/16/2024</a:t>
+              <a:t>10/10/2024</a:t>
             </a:fld>
             <a:endParaRPr lang="en-US"/>
           </a:p>
@@ -2993,7 +2993,7 @@
           <a:p>
             <a:fld id="{B33F52E9-9255-4CAF-909C-660126F1B079}" type="datetime1">
               <a:rPr lang="en-US" smtClean="0"/>
-              <a:t>5/16/2024</a:t>
+              <a:t>10/10/2024</a:t>
             </a:fld>
             <a:endParaRPr lang="en-US"/>
           </a:p>
@@ -3134,7 +3134,7 @@
           <a:p>
             <a:fld id="{67F9F019-D13C-4797-8A9F-7B02D5B8121E}" type="datetime1">
               <a:rPr lang="en-US" smtClean="0"/>
-              <a:t>5/16/2024</a:t>
+              <a:t>10/10/2024</a:t>
             </a:fld>
             <a:endParaRPr lang="en-US"/>
           </a:p>
@@ -3247,7 +3247,7 @@
           <a:p>
             <a:fld id="{FDA143B9-A6C4-436D-945A-FF5B3EA2EF39}" type="datetime1">
               <a:rPr lang="en-US" smtClean="0"/>
-              <a:t>5/16/2024</a:t>
+              <a:t>10/10/2024</a:t>
             </a:fld>
             <a:endParaRPr lang="en-US"/>
           </a:p>
@@ -3558,7 +3558,7 @@
           <a:p>
             <a:fld id="{457E18FE-B6F9-4F6A-835B-8251F04458A0}" type="datetime1">
               <a:rPr lang="en-US" smtClean="0"/>
-              <a:t>5/16/2024</a:t>
+              <a:t>10/10/2024</a:t>
             </a:fld>
             <a:endParaRPr lang="en-US"/>
           </a:p>
@@ -3846,7 +3846,7 @@
           <a:p>
             <a:fld id="{5F2690CE-112A-455B-AD5F-E26CEA6A5331}" type="datetime1">
               <a:rPr lang="en-US" smtClean="0"/>
-              <a:t>5/16/2024</a:t>
+              <a:t>10/10/2024</a:t>
             </a:fld>
             <a:endParaRPr lang="en-US"/>
           </a:p>
@@ -4087,7 +4087,7 @@
           <a:p>
             <a:fld id="{9C4E342D-98AB-407C-88D4-A20ED0F70E1C}" type="datetime1">
               <a:rPr lang="en-US" smtClean="0"/>
-              <a:t>5/16/2024</a:t>
+              <a:t>10/10/2024</a:t>
             </a:fld>
             <a:endParaRPr lang="en-US"/>
           </a:p>

--- a/CYBER360-2.2-2.6-Operators.pptx
+++ b/CYBER360-2.2-2.6-Operators.pptx
@@ -2,28 +2,28 @@
 <file path=ppt/presentation.xml><?xml version="1.0" encoding="utf-8"?>
 <p:presentation xmlns:a="http://schemas.openxmlformats.org/drawingml/2006/main" xmlns:r="http://schemas.openxmlformats.org/officeDocument/2006/relationships" xmlns:p="http://schemas.openxmlformats.org/presentationml/2006/main" saveSubsetFonts="1">
   <p:sldMasterIdLst>
-    <p:sldMasterId id="2147483712" r:id="rId1"/>
+    <p:sldMasterId id="2147483648" r:id="rId1"/>
   </p:sldMasterIdLst>
   <p:sldIdLst>
-    <p:sldId id="256" r:id="rId2"/>
-    <p:sldId id="261" r:id="rId3"/>
-    <p:sldId id="292" r:id="rId4"/>
-    <p:sldId id="290" r:id="rId5"/>
-    <p:sldId id="287" r:id="rId6"/>
-    <p:sldId id="288" r:id="rId7"/>
-    <p:sldId id="286" r:id="rId8"/>
-    <p:sldId id="283" r:id="rId9"/>
-    <p:sldId id="284" r:id="rId10"/>
-    <p:sldId id="285" r:id="rId11"/>
-    <p:sldId id="295" r:id="rId12"/>
-    <p:sldId id="299" r:id="rId13"/>
-    <p:sldId id="289" r:id="rId14"/>
-    <p:sldId id="291" r:id="rId15"/>
-    <p:sldId id="293" r:id="rId16"/>
-    <p:sldId id="294" r:id="rId17"/>
-    <p:sldId id="298" r:id="rId18"/>
-    <p:sldId id="296" r:id="rId19"/>
-    <p:sldId id="277" r:id="rId20"/>
+    <p:sldId id="257" r:id="rId2"/>
+    <p:sldId id="258" r:id="rId3"/>
+    <p:sldId id="259" r:id="rId4"/>
+    <p:sldId id="260" r:id="rId5"/>
+    <p:sldId id="261" r:id="rId6"/>
+    <p:sldId id="262" r:id="rId7"/>
+    <p:sldId id="263" r:id="rId8"/>
+    <p:sldId id="264" r:id="rId9"/>
+    <p:sldId id="265" r:id="rId10"/>
+    <p:sldId id="266" r:id="rId11"/>
+    <p:sldId id="267" r:id="rId12"/>
+    <p:sldId id="268" r:id="rId13"/>
+    <p:sldId id="269" r:id="rId14"/>
+    <p:sldId id="270" r:id="rId15"/>
+    <p:sldId id="271" r:id="rId16"/>
+    <p:sldId id="272" r:id="rId17"/>
+    <p:sldId id="273" r:id="rId18"/>
+    <p:sldId id="274" r:id="rId19"/>
+    <p:sldId id="275" r:id="rId20"/>
   </p:sldIdLst>
   <p:sldSz cx="12192000" cy="6858000"/>
   <p:notesSz cx="6858000" cy="9144000"/>
@@ -133,7 +133,7 @@
 <file path=ppt/revisionInfo.xml><?xml version="1.0" encoding="utf-8"?>
 <p1510:revInfo xmlns:a="http://schemas.openxmlformats.org/drawingml/2006/main" xmlns:r="http://schemas.openxmlformats.org/officeDocument/2006/relationships" xmlns:p1510="http://schemas.microsoft.com/office/powerpoint/2015/10/main">
   <p1510:revLst>
-    <p1510:client id="{C6C3D023-EB00-479C-8165-7C60F9B629BD}" v="8" dt="2024-05-16T23:21:08.117"/>
+    <p1510:client id="{71DE48EA-F2CE-4BA2-967F-2E8A24B9D2A6}" v="1" dt="2024-11-22T19:46:37.771"/>
   </p1510:revLst>
 </p1510:revInfo>
 </file>
@@ -141,1066 +141,479 @@
 <file path=ppt/changesInfos/changesInfo1.xml><?xml version="1.0" encoding="utf-8"?>
 <pc:chgInfo xmlns:a="http://schemas.openxmlformats.org/drawingml/2006/main" xmlns:r="http://schemas.openxmlformats.org/officeDocument/2006/relationships" xmlns:ac="http://schemas.microsoft.com/office/drawing/2013/main/command" xmlns:pc="http://schemas.microsoft.com/office/powerpoint/2013/main/command">
   <pc:docChgLst>
-    <pc:chgData name="Gibbons, Carl" userId="d2b037bc-8fb4-4222-845c-61440543a456" providerId="ADAL" clId="{C1E6ABF6-BAED-4B26-97DB-20A1E8B7A1A4}"/>
-    <pc:docChg chg="custSel modSld">
-      <pc:chgData name="Gibbons, Carl" userId="d2b037bc-8fb4-4222-845c-61440543a456" providerId="ADAL" clId="{C1E6ABF6-BAED-4B26-97DB-20A1E8B7A1A4}" dt="2023-12-06T02:23:48.337" v="274" actId="20577"/>
+    <pc:chgData name="Talbert, Matthew" userId="877a4118-3f16-4ac9-a72c-5dd2c7b28c85" providerId="ADAL" clId="{71DE48EA-F2CE-4BA2-967F-2E8A24B9D2A6}"/>
+    <pc:docChg chg="undo custSel modSld">
+      <pc:chgData name="Talbert, Matthew" userId="877a4118-3f16-4ac9-a72c-5dd2c7b28c85" providerId="ADAL" clId="{71DE48EA-F2CE-4BA2-967F-2E8A24B9D2A6}" dt="2024-11-22T21:17:10.402" v="519" actId="12788"/>
       <pc:docMkLst>
         <pc:docMk/>
       </pc:docMkLst>
       <pc:sldChg chg="modSp mod">
-        <pc:chgData name="Gibbons, Carl" userId="d2b037bc-8fb4-4222-845c-61440543a456" providerId="ADAL" clId="{C1E6ABF6-BAED-4B26-97DB-20A1E8B7A1A4}" dt="2023-11-21T16:22:17.597" v="97" actId="20577"/>
+        <pc:chgData name="Talbert, Matthew" userId="877a4118-3f16-4ac9-a72c-5dd2c7b28c85" providerId="ADAL" clId="{71DE48EA-F2CE-4BA2-967F-2E8A24B9D2A6}" dt="2024-11-22T19:43:56.615" v="88" actId="12788"/>
         <pc:sldMkLst>
           <pc:docMk/>
-          <pc:sldMk cId="3308175748" sldId="256"/>
+          <pc:sldMk cId="2312486803" sldId="258"/>
         </pc:sldMkLst>
         <pc:spChg chg="mod">
-          <ac:chgData name="Gibbons, Carl" userId="d2b037bc-8fb4-4222-845c-61440543a456" providerId="ADAL" clId="{C1E6ABF6-BAED-4B26-97DB-20A1E8B7A1A4}" dt="2023-11-21T05:49:34.464" v="2"/>
+          <ac:chgData name="Talbert, Matthew" userId="877a4118-3f16-4ac9-a72c-5dd2c7b28c85" providerId="ADAL" clId="{71DE48EA-F2CE-4BA2-967F-2E8A24B9D2A6}" dt="2024-11-22T19:43:56.615" v="88" actId="12788"/>
           <ac:spMkLst>
             <pc:docMk/>
-            <pc:sldMk cId="3308175748" sldId="256"/>
-            <ac:spMk id="2" creationId="{ACEA2649-DC6B-3373-A7E6-7F0E103D8B8B}"/>
+            <pc:sldMk cId="2312486803" sldId="258"/>
+            <ac:spMk id="2" creationId="{31B75992-5098-A283-4925-2CCEBB801DC5}"/>
           </ac:spMkLst>
         </pc:spChg>
         <pc:spChg chg="mod">
-          <ac:chgData name="Gibbons, Carl" userId="d2b037bc-8fb4-4222-845c-61440543a456" providerId="ADAL" clId="{C1E6ABF6-BAED-4B26-97DB-20A1E8B7A1A4}" dt="2023-11-21T16:22:17.597" v="97" actId="20577"/>
+          <ac:chgData name="Talbert, Matthew" userId="877a4118-3f16-4ac9-a72c-5dd2c7b28c85" providerId="ADAL" clId="{71DE48EA-F2CE-4BA2-967F-2E8A24B9D2A6}" dt="2024-11-22T19:43:56.615" v="88" actId="12788"/>
           <ac:spMkLst>
             <pc:docMk/>
-            <pc:sldMk cId="3308175748" sldId="256"/>
-            <ac:spMk id="3" creationId="{EEC4D41B-E776-05F2-BE0B-89BB339485AB}"/>
-          </ac:spMkLst>
-        </pc:spChg>
-        <pc:spChg chg="mod">
-          <ac:chgData name="Gibbons, Carl" userId="d2b037bc-8fb4-4222-845c-61440543a456" providerId="ADAL" clId="{C1E6ABF6-BAED-4B26-97DB-20A1E8B7A1A4}" dt="2023-11-21T05:49:34.464" v="2"/>
-          <ac:spMkLst>
-            <pc:docMk/>
-            <pc:sldMk cId="3308175748" sldId="256"/>
-            <ac:spMk id="4" creationId="{4664ABB7-0B55-0242-2E51-B3286EE7B5EB}"/>
-          </ac:spMkLst>
-        </pc:spChg>
-      </pc:sldChg>
-      <pc:sldChg chg="modSp">
-        <pc:chgData name="Gibbons, Carl" userId="d2b037bc-8fb4-4222-845c-61440543a456" providerId="ADAL" clId="{C1E6ABF6-BAED-4B26-97DB-20A1E8B7A1A4}" dt="2023-11-21T05:49:34.464" v="2"/>
-        <pc:sldMkLst>
-          <pc:docMk/>
-          <pc:sldMk cId="2312486803" sldId="261"/>
-        </pc:sldMkLst>
-        <pc:spChg chg="mod">
-          <ac:chgData name="Gibbons, Carl" userId="d2b037bc-8fb4-4222-845c-61440543a456" providerId="ADAL" clId="{C1E6ABF6-BAED-4B26-97DB-20A1E8B7A1A4}" dt="2023-11-21T05:49:34.464" v="2"/>
-          <ac:spMkLst>
-            <pc:docMk/>
-            <pc:sldMk cId="2312486803" sldId="261"/>
-            <ac:spMk id="2" creationId="{31B75992-5098-A283-4925-2CCEBB801DC5}"/>
+            <pc:sldMk cId="2312486803" sldId="258"/>
+            <ac:spMk id="3" creationId="{B5924E0F-A977-1710-779D-EEB74261AF34}"/>
           </ac:spMkLst>
         </pc:spChg>
       </pc:sldChg>
       <pc:sldChg chg="modSp mod">
-        <pc:chgData name="Gibbons, Carl" userId="d2b037bc-8fb4-4222-845c-61440543a456" providerId="ADAL" clId="{C1E6ABF6-BAED-4B26-97DB-20A1E8B7A1A4}" dt="2023-11-21T07:48:19.790" v="77" actId="20577"/>
+        <pc:chgData name="Talbert, Matthew" userId="877a4118-3f16-4ac9-a72c-5dd2c7b28c85" providerId="ADAL" clId="{71DE48EA-F2CE-4BA2-967F-2E8A24B9D2A6}" dt="2024-11-22T19:43:57.997" v="89" actId="12788"/>
         <pc:sldMkLst>
           <pc:docMk/>
-          <pc:sldMk cId="378743348" sldId="270"/>
+          <pc:sldMk cId="2738411615" sldId="259"/>
         </pc:sldMkLst>
         <pc:spChg chg="mod">
-          <ac:chgData name="Gibbons, Carl" userId="d2b037bc-8fb4-4222-845c-61440543a456" providerId="ADAL" clId="{C1E6ABF6-BAED-4B26-97DB-20A1E8B7A1A4}" dt="2023-11-21T07:48:19.790" v="77" actId="20577"/>
+          <ac:chgData name="Talbert, Matthew" userId="877a4118-3f16-4ac9-a72c-5dd2c7b28c85" providerId="ADAL" clId="{71DE48EA-F2CE-4BA2-967F-2E8A24B9D2A6}" dt="2024-11-22T19:43:57.997" v="89" actId="12788"/>
           <ac:spMkLst>
             <pc:docMk/>
-            <pc:sldMk cId="378743348" sldId="270"/>
-            <ac:spMk id="3" creationId="{80041865-9773-290D-EB35-F8AF8BFC505C}"/>
+            <pc:sldMk cId="2738411615" sldId="259"/>
+            <ac:spMk id="2" creationId="{31B75992-5098-A283-4925-2CCEBB801DC5}"/>
+          </ac:spMkLst>
+        </pc:spChg>
+        <pc:spChg chg="mod">
+          <ac:chgData name="Talbert, Matthew" userId="877a4118-3f16-4ac9-a72c-5dd2c7b28c85" providerId="ADAL" clId="{71DE48EA-F2CE-4BA2-967F-2E8A24B9D2A6}" dt="2024-11-22T19:43:57.997" v="89" actId="12788"/>
+          <ac:spMkLst>
+            <pc:docMk/>
+            <pc:sldMk cId="2738411615" sldId="259"/>
+            <ac:spMk id="3" creationId="{B5924E0F-A977-1710-779D-EEB74261AF34}"/>
           </ac:spMkLst>
         </pc:spChg>
       </pc:sldChg>
       <pc:sldChg chg="modSp mod">
-        <pc:chgData name="Gibbons, Carl" userId="d2b037bc-8fb4-4222-845c-61440543a456" providerId="ADAL" clId="{C1E6ABF6-BAED-4B26-97DB-20A1E8B7A1A4}" dt="2023-12-06T02:23:48.337" v="274" actId="20577"/>
+        <pc:chgData name="Talbert, Matthew" userId="877a4118-3f16-4ac9-a72c-5dd2c7b28c85" providerId="ADAL" clId="{71DE48EA-F2CE-4BA2-967F-2E8A24B9D2A6}" dt="2024-11-22T19:44:00.374" v="90" actId="12788"/>
         <pc:sldMkLst>
           <pc:docMk/>
-          <pc:sldMk cId="657795359" sldId="277"/>
+          <pc:sldMk cId="1014272238" sldId="260"/>
         </pc:sldMkLst>
         <pc:spChg chg="mod">
-          <ac:chgData name="Gibbons, Carl" userId="d2b037bc-8fb4-4222-845c-61440543a456" providerId="ADAL" clId="{C1E6ABF6-BAED-4B26-97DB-20A1E8B7A1A4}" dt="2023-11-21T05:49:34.464" v="2"/>
+          <ac:chgData name="Talbert, Matthew" userId="877a4118-3f16-4ac9-a72c-5dd2c7b28c85" providerId="ADAL" clId="{71DE48EA-F2CE-4BA2-967F-2E8A24B9D2A6}" dt="2024-11-22T19:44:00.374" v="90" actId="12788"/>
           <ac:spMkLst>
             <pc:docMk/>
-            <pc:sldMk cId="657795359" sldId="277"/>
-            <ac:spMk id="2" creationId="{1862E903-3C56-BB42-2361-009F2336475A}"/>
+            <pc:sldMk cId="1014272238" sldId="260"/>
+            <ac:spMk id="2" creationId="{31B75992-5098-A283-4925-2CCEBB801DC5}"/>
           </ac:spMkLst>
         </pc:spChg>
         <pc:spChg chg="mod">
-          <ac:chgData name="Gibbons, Carl" userId="d2b037bc-8fb4-4222-845c-61440543a456" providerId="ADAL" clId="{C1E6ABF6-BAED-4B26-97DB-20A1E8B7A1A4}" dt="2023-12-06T02:23:48.337" v="274" actId="20577"/>
+          <ac:chgData name="Talbert, Matthew" userId="877a4118-3f16-4ac9-a72c-5dd2c7b28c85" providerId="ADAL" clId="{71DE48EA-F2CE-4BA2-967F-2E8A24B9D2A6}" dt="2024-11-22T19:44:00.374" v="90" actId="12788"/>
           <ac:spMkLst>
             <pc:docMk/>
-            <pc:sldMk cId="657795359" sldId="277"/>
-            <ac:spMk id="3" creationId="{90179172-96B3-95D0-A137-257770BE7642}"/>
-          </ac:spMkLst>
-        </pc:spChg>
-      </pc:sldChg>
-    </pc:docChg>
-  </pc:docChgLst>
-  <pc:docChgLst>
-    <pc:chgData name="Gibbons, Carl" userId="d2b037bc-8fb4-4222-845c-61440543a456" providerId="ADAL" clId="{C6C3D023-EB00-479C-8165-7C60F9B629BD}"/>
-    <pc:docChg chg="undo custSel addSld delSld modSld sldOrd">
-      <pc:chgData name="Gibbons, Carl" userId="d2b037bc-8fb4-4222-845c-61440543a456" providerId="ADAL" clId="{C6C3D023-EB00-479C-8165-7C60F9B629BD}" dt="2024-05-16T23:46:39.410" v="5623" actId="20577"/>
-      <pc:docMkLst>
-        <pc:docMk/>
-      </pc:docMkLst>
-      <pc:sldChg chg="modSp mod">
-        <pc:chgData name="Gibbons, Carl" userId="d2b037bc-8fb4-4222-845c-61440543a456" providerId="ADAL" clId="{C6C3D023-EB00-479C-8165-7C60F9B629BD}" dt="2024-04-30T14:47:27.250" v="18" actId="20577"/>
-        <pc:sldMkLst>
-          <pc:docMk/>
-          <pc:sldMk cId="3308175748" sldId="256"/>
-        </pc:sldMkLst>
-        <pc:spChg chg="mod">
-          <ac:chgData name="Gibbons, Carl" userId="d2b037bc-8fb4-4222-845c-61440543a456" providerId="ADAL" clId="{C6C3D023-EB00-479C-8165-7C60F9B629BD}" dt="2024-04-30T14:47:27.250" v="18" actId="20577"/>
-          <ac:spMkLst>
-            <pc:docMk/>
-            <pc:sldMk cId="3308175748" sldId="256"/>
-            <ac:spMk id="3" creationId="{EEC4D41B-E776-05F2-BE0B-89BB339485AB}"/>
+            <pc:sldMk cId="1014272238" sldId="260"/>
+            <ac:spMk id="3" creationId="{B5924E0F-A977-1710-779D-EEB74261AF34}"/>
           </ac:spMkLst>
         </pc:spChg>
       </pc:sldChg>
       <pc:sldChg chg="modSp mod">
-        <pc:chgData name="Gibbons, Carl" userId="d2b037bc-8fb4-4222-845c-61440543a456" providerId="ADAL" clId="{C6C3D023-EB00-479C-8165-7C60F9B629BD}" dt="2024-05-16T22:07:18.980" v="4043" actId="20577"/>
+        <pc:chgData name="Talbert, Matthew" userId="877a4118-3f16-4ac9-a72c-5dd2c7b28c85" providerId="ADAL" clId="{71DE48EA-F2CE-4BA2-967F-2E8A24B9D2A6}" dt="2024-11-22T19:44:02.034" v="91" actId="12788"/>
         <pc:sldMkLst>
           <pc:docMk/>
-          <pc:sldMk cId="657795359" sldId="277"/>
+          <pc:sldMk cId="2614091779" sldId="261"/>
         </pc:sldMkLst>
         <pc:spChg chg="mod">
-          <ac:chgData name="Gibbons, Carl" userId="d2b037bc-8fb4-4222-845c-61440543a456" providerId="ADAL" clId="{C6C3D023-EB00-479C-8165-7C60F9B629BD}" dt="2024-05-16T22:07:18.980" v="4043" actId="20577"/>
+          <ac:chgData name="Talbert, Matthew" userId="877a4118-3f16-4ac9-a72c-5dd2c7b28c85" providerId="ADAL" clId="{71DE48EA-F2CE-4BA2-967F-2E8A24B9D2A6}" dt="2024-11-22T19:44:02.034" v="91" actId="12788"/>
           <ac:spMkLst>
             <pc:docMk/>
-            <pc:sldMk cId="657795359" sldId="277"/>
-            <ac:spMk id="3" creationId="{90179172-96B3-95D0-A137-257770BE7642}"/>
+            <pc:sldMk cId="2614091779" sldId="261"/>
+            <ac:spMk id="2" creationId="{31B75992-5098-A283-4925-2CCEBB801DC5}"/>
+          </ac:spMkLst>
+        </pc:spChg>
+        <pc:spChg chg="mod">
+          <ac:chgData name="Talbert, Matthew" userId="877a4118-3f16-4ac9-a72c-5dd2c7b28c85" providerId="ADAL" clId="{71DE48EA-F2CE-4BA2-967F-2E8A24B9D2A6}" dt="2024-11-22T19:44:02.034" v="91" actId="12788"/>
+          <ac:spMkLst>
+            <pc:docMk/>
+            <pc:sldMk cId="2614091779" sldId="261"/>
+            <ac:spMk id="3" creationId="{B5924E0F-A977-1710-779D-EEB74261AF34}"/>
+          </ac:spMkLst>
+        </pc:spChg>
+        <pc:graphicFrameChg chg="mod">
+          <ac:chgData name="Talbert, Matthew" userId="877a4118-3f16-4ac9-a72c-5dd2c7b28c85" providerId="ADAL" clId="{71DE48EA-F2CE-4BA2-967F-2E8A24B9D2A6}" dt="2024-11-22T19:44:02.034" v="91" actId="12788"/>
+          <ac:graphicFrameMkLst>
+            <pc:docMk/>
+            <pc:sldMk cId="2614091779" sldId="261"/>
+            <ac:graphicFrameMk id="4" creationId="{3CFEF9C3-22C7-2157-EBC8-9116E36A6081}"/>
+          </ac:graphicFrameMkLst>
+        </pc:graphicFrameChg>
+      </pc:sldChg>
+      <pc:sldChg chg="modSp mod">
+        <pc:chgData name="Talbert, Matthew" userId="877a4118-3f16-4ac9-a72c-5dd2c7b28c85" providerId="ADAL" clId="{71DE48EA-F2CE-4BA2-967F-2E8A24B9D2A6}" dt="2024-11-22T19:44:04.624" v="92" actId="12788"/>
+        <pc:sldMkLst>
+          <pc:docMk/>
+          <pc:sldMk cId="1341659426" sldId="262"/>
+        </pc:sldMkLst>
+        <pc:spChg chg="mod">
+          <ac:chgData name="Talbert, Matthew" userId="877a4118-3f16-4ac9-a72c-5dd2c7b28c85" providerId="ADAL" clId="{71DE48EA-F2CE-4BA2-967F-2E8A24B9D2A6}" dt="2024-11-22T19:44:04.624" v="92" actId="12788"/>
+          <ac:spMkLst>
+            <pc:docMk/>
+            <pc:sldMk cId="1341659426" sldId="262"/>
+            <ac:spMk id="2" creationId="{31B75992-5098-A283-4925-2CCEBB801DC5}"/>
+          </ac:spMkLst>
+        </pc:spChg>
+        <pc:spChg chg="mod">
+          <ac:chgData name="Talbert, Matthew" userId="877a4118-3f16-4ac9-a72c-5dd2c7b28c85" providerId="ADAL" clId="{71DE48EA-F2CE-4BA2-967F-2E8A24B9D2A6}" dt="2024-11-22T19:44:04.624" v="92" actId="12788"/>
+          <ac:spMkLst>
+            <pc:docMk/>
+            <pc:sldMk cId="1341659426" sldId="262"/>
+            <ac:spMk id="3" creationId="{B5924E0F-A977-1710-779D-EEB74261AF34}"/>
           </ac:spMkLst>
         </pc:spChg>
       </pc:sldChg>
       <pc:sldChg chg="modSp mod">
-        <pc:chgData name="Gibbons, Carl" userId="d2b037bc-8fb4-4222-845c-61440543a456" providerId="ADAL" clId="{C6C3D023-EB00-479C-8165-7C60F9B629BD}" dt="2024-05-16T21:31:32.069" v="2473" actId="20577"/>
+        <pc:chgData name="Talbert, Matthew" userId="877a4118-3f16-4ac9-a72c-5dd2c7b28c85" providerId="ADAL" clId="{71DE48EA-F2CE-4BA2-967F-2E8A24B9D2A6}" dt="2024-11-22T19:46:28.205" v="208" actId="12788"/>
         <pc:sldMkLst>
           <pc:docMk/>
-          <pc:sldMk cId="2959024232" sldId="283"/>
+          <pc:sldMk cId="954591853" sldId="263"/>
         </pc:sldMkLst>
         <pc:spChg chg="mod">
-          <ac:chgData name="Gibbons, Carl" userId="d2b037bc-8fb4-4222-845c-61440543a456" providerId="ADAL" clId="{C6C3D023-EB00-479C-8165-7C60F9B629BD}" dt="2024-04-30T15:17:20.684" v="19" actId="20577"/>
+          <ac:chgData name="Talbert, Matthew" userId="877a4118-3f16-4ac9-a72c-5dd2c7b28c85" providerId="ADAL" clId="{71DE48EA-F2CE-4BA2-967F-2E8A24B9D2A6}" dt="2024-11-22T19:46:28.205" v="208" actId="12788"/>
           <ac:spMkLst>
             <pc:docMk/>
-            <pc:sldMk cId="2959024232" sldId="283"/>
+            <pc:sldMk cId="954591853" sldId="263"/>
+            <ac:spMk id="2" creationId="{31B75992-5098-A283-4925-2CCEBB801DC5}"/>
+          </ac:spMkLst>
+        </pc:spChg>
+        <pc:spChg chg="mod">
+          <ac:chgData name="Talbert, Matthew" userId="877a4118-3f16-4ac9-a72c-5dd2c7b28c85" providerId="ADAL" clId="{71DE48EA-F2CE-4BA2-967F-2E8A24B9D2A6}" dt="2024-11-22T19:46:28.205" v="208" actId="12788"/>
+          <ac:spMkLst>
+            <pc:docMk/>
+            <pc:sldMk cId="954591853" sldId="263"/>
+            <ac:spMk id="3" creationId="{B5924E0F-A977-1710-779D-EEB74261AF34}"/>
+          </ac:spMkLst>
+        </pc:spChg>
+        <pc:spChg chg="mod">
+          <ac:chgData name="Talbert, Matthew" userId="877a4118-3f16-4ac9-a72c-5dd2c7b28c85" providerId="ADAL" clId="{71DE48EA-F2CE-4BA2-967F-2E8A24B9D2A6}" dt="2024-11-22T19:46:28.205" v="208" actId="12788"/>
+          <ac:spMkLst>
+            <pc:docMk/>
+            <pc:sldMk cId="954591853" sldId="263"/>
+            <ac:spMk id="5" creationId="{746F0B3D-627C-BF49-CF83-A524927EBEDE}"/>
+          </ac:spMkLst>
+        </pc:spChg>
+      </pc:sldChg>
+      <pc:sldChg chg="addSp modSp mod">
+        <pc:chgData name="Talbert, Matthew" userId="877a4118-3f16-4ac9-a72c-5dd2c7b28c85" providerId="ADAL" clId="{71DE48EA-F2CE-4BA2-967F-2E8A24B9D2A6}" dt="2024-11-22T19:46:40.089" v="212" actId="12788"/>
+        <pc:sldMkLst>
+          <pc:docMk/>
+          <pc:sldMk cId="2959024232" sldId="264"/>
+        </pc:sldMkLst>
+        <pc:spChg chg="mod">
+          <ac:chgData name="Talbert, Matthew" userId="877a4118-3f16-4ac9-a72c-5dd2c7b28c85" providerId="ADAL" clId="{71DE48EA-F2CE-4BA2-967F-2E8A24B9D2A6}" dt="2024-11-22T19:46:40.089" v="212" actId="12788"/>
+          <ac:spMkLst>
+            <pc:docMk/>
+            <pc:sldMk cId="2959024232" sldId="264"/>
+            <ac:spMk id="2" creationId="{31B75992-5098-A283-4925-2CCEBB801DC5}"/>
+          </ac:spMkLst>
+        </pc:spChg>
+        <pc:spChg chg="mod">
+          <ac:chgData name="Talbert, Matthew" userId="877a4118-3f16-4ac9-a72c-5dd2c7b28c85" providerId="ADAL" clId="{71DE48EA-F2CE-4BA2-967F-2E8A24B9D2A6}" dt="2024-11-22T19:46:37.771" v="211" actId="164"/>
+          <ac:spMkLst>
+            <pc:docMk/>
+            <pc:sldMk cId="2959024232" sldId="264"/>
+            <ac:spMk id="3" creationId="{B5924E0F-A977-1710-779D-EEB74261AF34}"/>
+          </ac:spMkLst>
+        </pc:spChg>
+        <pc:spChg chg="mod">
+          <ac:chgData name="Talbert, Matthew" userId="877a4118-3f16-4ac9-a72c-5dd2c7b28c85" providerId="ADAL" clId="{71DE48EA-F2CE-4BA2-967F-2E8A24B9D2A6}" dt="2024-11-22T19:46:37.771" v="211" actId="164"/>
+          <ac:spMkLst>
+            <pc:docMk/>
+            <pc:sldMk cId="2959024232" sldId="264"/>
             <ac:spMk id="4" creationId="{6B5EF911-ED83-01C5-8F00-FD1AD80E90D2}"/>
           </ac:spMkLst>
         </pc:spChg>
         <pc:spChg chg="mod">
-          <ac:chgData name="Gibbons, Carl" userId="d2b037bc-8fb4-4222-845c-61440543a456" providerId="ADAL" clId="{C6C3D023-EB00-479C-8165-7C60F9B629BD}" dt="2024-05-16T21:31:32.069" v="2473" actId="20577"/>
+          <ac:chgData name="Talbert, Matthew" userId="877a4118-3f16-4ac9-a72c-5dd2c7b28c85" providerId="ADAL" clId="{71DE48EA-F2CE-4BA2-967F-2E8A24B9D2A6}" dt="2024-11-22T19:46:40.089" v="212" actId="12788"/>
           <ac:spMkLst>
             <pc:docMk/>
-            <pc:sldMk cId="2959024232" sldId="283"/>
+            <pc:sldMk cId="2959024232" sldId="264"/>
+            <ac:spMk id="5" creationId="{746F0B3D-627C-BF49-CF83-A524927EBEDE}"/>
+          </ac:spMkLst>
+        </pc:spChg>
+        <pc:grpChg chg="add mod">
+          <ac:chgData name="Talbert, Matthew" userId="877a4118-3f16-4ac9-a72c-5dd2c7b28c85" providerId="ADAL" clId="{71DE48EA-F2CE-4BA2-967F-2E8A24B9D2A6}" dt="2024-11-22T19:46:40.089" v="212" actId="12788"/>
+          <ac:grpSpMkLst>
+            <pc:docMk/>
+            <pc:sldMk cId="2959024232" sldId="264"/>
+            <ac:grpSpMk id="6" creationId="{4FDE1583-9CBC-D690-576C-CEE2A20C210F}"/>
+          </ac:grpSpMkLst>
+        </pc:grpChg>
+      </pc:sldChg>
+      <pc:sldChg chg="modSp mod">
+        <pc:chgData name="Talbert, Matthew" userId="877a4118-3f16-4ac9-a72c-5dd2c7b28c85" providerId="ADAL" clId="{71DE48EA-F2CE-4BA2-967F-2E8A24B9D2A6}" dt="2024-11-22T19:46:43.449" v="213" actId="12788"/>
+        <pc:sldMkLst>
+          <pc:docMk/>
+          <pc:sldMk cId="3114675387" sldId="265"/>
+        </pc:sldMkLst>
+        <pc:spChg chg="mod">
+          <ac:chgData name="Talbert, Matthew" userId="877a4118-3f16-4ac9-a72c-5dd2c7b28c85" providerId="ADAL" clId="{71DE48EA-F2CE-4BA2-967F-2E8A24B9D2A6}" dt="2024-11-22T19:46:43.449" v="213" actId="12788"/>
+          <ac:spMkLst>
+            <pc:docMk/>
+            <pc:sldMk cId="3114675387" sldId="265"/>
+            <ac:spMk id="2" creationId="{31B75992-5098-A283-4925-2CCEBB801DC5}"/>
+          </ac:spMkLst>
+        </pc:spChg>
+        <pc:spChg chg="mod">
+          <ac:chgData name="Talbert, Matthew" userId="877a4118-3f16-4ac9-a72c-5dd2c7b28c85" providerId="ADAL" clId="{71DE48EA-F2CE-4BA2-967F-2E8A24B9D2A6}" dt="2024-11-22T19:46:43.449" v="213" actId="12788"/>
+          <ac:spMkLst>
+            <pc:docMk/>
+            <pc:sldMk cId="3114675387" sldId="265"/>
+            <ac:spMk id="3" creationId="{B5924E0F-A977-1710-779D-EEB74261AF34}"/>
+          </ac:spMkLst>
+        </pc:spChg>
+        <pc:spChg chg="mod">
+          <ac:chgData name="Talbert, Matthew" userId="877a4118-3f16-4ac9-a72c-5dd2c7b28c85" providerId="ADAL" clId="{71DE48EA-F2CE-4BA2-967F-2E8A24B9D2A6}" dt="2024-11-22T19:46:43.449" v="213" actId="12788"/>
+          <ac:spMkLst>
+            <pc:docMk/>
+            <pc:sldMk cId="3114675387" sldId="265"/>
             <ac:spMk id="5" creationId="{746F0B3D-627C-BF49-CF83-A524927EBEDE}"/>
           </ac:spMkLst>
         </pc:spChg>
       </pc:sldChg>
       <pc:sldChg chg="modSp mod">
-        <pc:chgData name="Gibbons, Carl" userId="d2b037bc-8fb4-4222-845c-61440543a456" providerId="ADAL" clId="{C6C3D023-EB00-479C-8165-7C60F9B629BD}" dt="2024-05-16T23:16:26.567" v="4045" actId="313"/>
+        <pc:chgData name="Talbert, Matthew" userId="877a4118-3f16-4ac9-a72c-5dd2c7b28c85" providerId="ADAL" clId="{71DE48EA-F2CE-4BA2-967F-2E8A24B9D2A6}" dt="2024-11-22T19:46:46.037" v="214" actId="12788"/>
         <pc:sldMkLst>
           <pc:docMk/>
-          <pc:sldMk cId="1341659426" sldId="288"/>
+          <pc:sldMk cId="1243134729" sldId="266"/>
         </pc:sldMkLst>
         <pc:spChg chg="mod">
-          <ac:chgData name="Gibbons, Carl" userId="d2b037bc-8fb4-4222-845c-61440543a456" providerId="ADAL" clId="{C6C3D023-EB00-479C-8165-7C60F9B629BD}" dt="2024-05-16T23:16:26.567" v="4045" actId="313"/>
+          <ac:chgData name="Talbert, Matthew" userId="877a4118-3f16-4ac9-a72c-5dd2c7b28c85" providerId="ADAL" clId="{71DE48EA-F2CE-4BA2-967F-2E8A24B9D2A6}" dt="2024-11-22T19:46:46.037" v="214" actId="12788"/>
           <ac:spMkLst>
             <pc:docMk/>
-            <pc:sldMk cId="1341659426" sldId="288"/>
+            <pc:sldMk cId="1243134729" sldId="266"/>
             <ac:spMk id="2" creationId="{31B75992-5098-A283-4925-2CCEBB801DC5}"/>
+          </ac:spMkLst>
+        </pc:spChg>
+        <pc:spChg chg="mod">
+          <ac:chgData name="Talbert, Matthew" userId="877a4118-3f16-4ac9-a72c-5dd2c7b28c85" providerId="ADAL" clId="{71DE48EA-F2CE-4BA2-967F-2E8A24B9D2A6}" dt="2024-11-22T19:46:46.037" v="214" actId="12788"/>
+          <ac:spMkLst>
+            <pc:docMk/>
+            <pc:sldMk cId="1243134729" sldId="266"/>
+            <ac:spMk id="3" creationId="{B5924E0F-A977-1710-779D-EEB74261AF34}"/>
+          </ac:spMkLst>
+        </pc:spChg>
+        <pc:spChg chg="mod">
+          <ac:chgData name="Talbert, Matthew" userId="877a4118-3f16-4ac9-a72c-5dd2c7b28c85" providerId="ADAL" clId="{71DE48EA-F2CE-4BA2-967F-2E8A24B9D2A6}" dt="2024-11-22T19:46:46.037" v="214" actId="12788"/>
+          <ac:spMkLst>
+            <pc:docMk/>
+            <pc:sldMk cId="1243134729" sldId="266"/>
+            <ac:spMk id="5" creationId="{746F0B3D-627C-BF49-CF83-A524927EBEDE}"/>
           </ac:spMkLst>
         </pc:spChg>
       </pc:sldChg>
       <pc:sldChg chg="modSp mod">
-        <pc:chgData name="Gibbons, Carl" userId="d2b037bc-8fb4-4222-845c-61440543a456" providerId="ADAL" clId="{C6C3D023-EB00-479C-8165-7C60F9B629BD}" dt="2024-05-16T21:27:58.929" v="2398" actId="20577"/>
+        <pc:chgData name="Talbert, Matthew" userId="877a4118-3f16-4ac9-a72c-5dd2c7b28c85" providerId="ADAL" clId="{71DE48EA-F2CE-4BA2-967F-2E8A24B9D2A6}" dt="2024-11-22T19:47:05.568" v="247" actId="12788"/>
         <pc:sldMkLst>
           <pc:docMk/>
-          <pc:sldMk cId="852415543" sldId="293"/>
+          <pc:sldMk cId="993494312" sldId="267"/>
         </pc:sldMkLst>
         <pc:spChg chg="mod">
-          <ac:chgData name="Gibbons, Carl" userId="d2b037bc-8fb4-4222-845c-61440543a456" providerId="ADAL" clId="{C6C3D023-EB00-479C-8165-7C60F9B629BD}" dt="2024-05-16T21:26:52.112" v="2377" actId="5793"/>
+          <ac:chgData name="Talbert, Matthew" userId="877a4118-3f16-4ac9-a72c-5dd2c7b28c85" providerId="ADAL" clId="{71DE48EA-F2CE-4BA2-967F-2E8A24B9D2A6}" dt="2024-11-22T19:47:05.568" v="247" actId="12788"/>
           <ac:spMkLst>
             <pc:docMk/>
-            <pc:sldMk cId="852415543" sldId="293"/>
+            <pc:sldMk cId="993494312" sldId="267"/>
             <ac:spMk id="2" creationId="{264BAEB2-591D-DEE6-3C00-0BAAC69880F0}"/>
           </ac:spMkLst>
         </pc:spChg>
         <pc:spChg chg="mod">
-          <ac:chgData name="Gibbons, Carl" userId="d2b037bc-8fb4-4222-845c-61440543a456" providerId="ADAL" clId="{C6C3D023-EB00-479C-8165-7C60F9B629BD}" dt="2024-05-16T21:27:58.929" v="2398" actId="20577"/>
+          <ac:chgData name="Talbert, Matthew" userId="877a4118-3f16-4ac9-a72c-5dd2c7b28c85" providerId="ADAL" clId="{71DE48EA-F2CE-4BA2-967F-2E8A24B9D2A6}" dt="2024-11-22T19:47:05.568" v="247" actId="12788"/>
           <ac:spMkLst>
             <pc:docMk/>
-            <pc:sldMk cId="852415543" sldId="293"/>
+            <pc:sldMk cId="993494312" sldId="267"/>
             <ac:spMk id="3" creationId="{0620B8A1-699E-C7B4-0A32-7D9C4529CA27}"/>
           </ac:spMkLst>
         </pc:spChg>
       </pc:sldChg>
       <pc:sldChg chg="modSp mod">
-        <pc:chgData name="Gibbons, Carl" userId="d2b037bc-8fb4-4222-845c-61440543a456" providerId="ADAL" clId="{C6C3D023-EB00-479C-8165-7C60F9B629BD}" dt="2024-05-16T21:59:52.777" v="3687" actId="14"/>
+        <pc:chgData name="Talbert, Matthew" userId="877a4118-3f16-4ac9-a72c-5dd2c7b28c85" providerId="ADAL" clId="{71DE48EA-F2CE-4BA2-967F-2E8A24B9D2A6}" dt="2024-11-22T19:47:02.726" v="246" actId="12788"/>
         <pc:sldMkLst>
           <pc:docMk/>
-          <pc:sldMk cId="3419337763" sldId="294"/>
+          <pc:sldMk cId="1304576592" sldId="268"/>
         </pc:sldMkLst>
         <pc:spChg chg="mod">
-          <ac:chgData name="Gibbons, Carl" userId="d2b037bc-8fb4-4222-845c-61440543a456" providerId="ADAL" clId="{C6C3D023-EB00-479C-8165-7C60F9B629BD}" dt="2024-05-16T21:40:27.741" v="3170" actId="20577"/>
+          <ac:chgData name="Talbert, Matthew" userId="877a4118-3f16-4ac9-a72c-5dd2c7b28c85" providerId="ADAL" clId="{71DE48EA-F2CE-4BA2-967F-2E8A24B9D2A6}" dt="2024-11-22T19:47:02.726" v="246" actId="12788"/>
           <ac:spMkLst>
             <pc:docMk/>
-            <pc:sldMk cId="3419337763" sldId="294"/>
+            <pc:sldMk cId="1304576592" sldId="268"/>
             <ac:spMk id="2" creationId="{264BAEB2-591D-DEE6-3C00-0BAAC69880F0}"/>
           </ac:spMkLst>
         </pc:spChg>
         <pc:spChg chg="mod">
-          <ac:chgData name="Gibbons, Carl" userId="d2b037bc-8fb4-4222-845c-61440543a456" providerId="ADAL" clId="{C6C3D023-EB00-479C-8165-7C60F9B629BD}" dt="2024-05-16T21:59:52.777" v="3687" actId="14"/>
+          <ac:chgData name="Talbert, Matthew" userId="877a4118-3f16-4ac9-a72c-5dd2c7b28c85" providerId="ADAL" clId="{71DE48EA-F2CE-4BA2-967F-2E8A24B9D2A6}" dt="2024-11-22T19:47:02.726" v="246" actId="12788"/>
           <ac:spMkLst>
             <pc:docMk/>
-            <pc:sldMk cId="3419337763" sldId="294"/>
+            <pc:sldMk cId="1304576592" sldId="268"/>
             <ac:spMk id="3" creationId="{0620B8A1-699E-C7B4-0A32-7D9C4529CA27}"/>
           </ac:spMkLst>
         </pc:spChg>
       </pc:sldChg>
       <pc:sldChg chg="modSp mod">
-        <pc:chgData name="Gibbons, Carl" userId="d2b037bc-8fb4-4222-845c-61440543a456" providerId="ADAL" clId="{C6C3D023-EB00-479C-8165-7C60F9B629BD}" dt="2024-05-16T23:46:39.410" v="5623" actId="20577"/>
+        <pc:chgData name="Talbert, Matthew" userId="877a4118-3f16-4ac9-a72c-5dd2c7b28c85" providerId="ADAL" clId="{71DE48EA-F2CE-4BA2-967F-2E8A24B9D2A6}" dt="2024-11-22T19:47:21.683" v="277" actId="12788"/>
         <pc:sldMkLst>
           <pc:docMk/>
-          <pc:sldMk cId="993494312" sldId="295"/>
+          <pc:sldMk cId="2966054478" sldId="269"/>
         </pc:sldMkLst>
         <pc:spChg chg="mod">
-          <ac:chgData name="Gibbons, Carl" userId="d2b037bc-8fb4-4222-845c-61440543a456" providerId="ADAL" clId="{C6C3D023-EB00-479C-8165-7C60F9B629BD}" dt="2024-05-16T23:21:54.369" v="4085" actId="20577"/>
+          <ac:chgData name="Talbert, Matthew" userId="877a4118-3f16-4ac9-a72c-5dd2c7b28c85" providerId="ADAL" clId="{71DE48EA-F2CE-4BA2-967F-2E8A24B9D2A6}" dt="2024-11-22T19:47:21.683" v="277" actId="12788"/>
           <ac:spMkLst>
             <pc:docMk/>
-            <pc:sldMk cId="993494312" sldId="295"/>
+            <pc:sldMk cId="2966054478" sldId="269"/>
             <ac:spMk id="2" creationId="{264BAEB2-591D-DEE6-3C00-0BAAC69880F0}"/>
           </ac:spMkLst>
         </pc:spChg>
         <pc:spChg chg="mod">
-          <ac:chgData name="Gibbons, Carl" userId="d2b037bc-8fb4-4222-845c-61440543a456" providerId="ADAL" clId="{C6C3D023-EB00-479C-8165-7C60F9B629BD}" dt="2024-05-16T23:46:39.410" v="5623" actId="20577"/>
+          <ac:chgData name="Talbert, Matthew" userId="877a4118-3f16-4ac9-a72c-5dd2c7b28c85" providerId="ADAL" clId="{71DE48EA-F2CE-4BA2-967F-2E8A24B9D2A6}" dt="2024-11-22T19:47:21.683" v="277" actId="12788"/>
           <ac:spMkLst>
             <pc:docMk/>
-            <pc:sldMk cId="993494312" sldId="295"/>
-            <ac:spMk id="3" creationId="{0620B8A1-699E-C7B4-0A32-7D9C4529CA27}"/>
-          </ac:spMkLst>
-        </pc:spChg>
-      </pc:sldChg>
-      <pc:sldChg chg="modSp add mod">
-        <pc:chgData name="Gibbons, Carl" userId="d2b037bc-8fb4-4222-845c-61440543a456" providerId="ADAL" clId="{C6C3D023-EB00-479C-8165-7C60F9B629BD}" dt="2024-05-16T20:53:56.209" v="2275" actId="20577"/>
-        <pc:sldMkLst>
-          <pc:docMk/>
-          <pc:sldMk cId="4243071024" sldId="296"/>
-        </pc:sldMkLst>
-        <pc:spChg chg="mod">
-          <ac:chgData name="Gibbons, Carl" userId="d2b037bc-8fb4-4222-845c-61440543a456" providerId="ADAL" clId="{C6C3D023-EB00-479C-8165-7C60F9B629BD}" dt="2024-05-16T20:48:46.661" v="1739" actId="20577"/>
-          <ac:spMkLst>
-            <pc:docMk/>
-            <pc:sldMk cId="4243071024" sldId="296"/>
-            <ac:spMk id="2" creationId="{264BAEB2-591D-DEE6-3C00-0BAAC69880F0}"/>
-          </ac:spMkLst>
-        </pc:spChg>
-        <pc:spChg chg="mod">
-          <ac:chgData name="Gibbons, Carl" userId="d2b037bc-8fb4-4222-845c-61440543a456" providerId="ADAL" clId="{C6C3D023-EB00-479C-8165-7C60F9B629BD}" dt="2024-05-16T20:53:56.209" v="2275" actId="20577"/>
-          <ac:spMkLst>
-            <pc:docMk/>
-            <pc:sldMk cId="4243071024" sldId="296"/>
-            <ac:spMk id="3" creationId="{0620B8A1-699E-C7B4-0A32-7D9C4529CA27}"/>
-          </ac:spMkLst>
-        </pc:spChg>
-      </pc:sldChg>
-      <pc:sldChg chg="add del">
-        <pc:chgData name="Gibbons, Carl" userId="d2b037bc-8fb4-4222-845c-61440543a456" providerId="ADAL" clId="{C6C3D023-EB00-479C-8165-7C60F9B629BD}" dt="2024-05-16T20:49:39.371" v="1864" actId="47"/>
-        <pc:sldMkLst>
-          <pc:docMk/>
-          <pc:sldMk cId="1135533105" sldId="297"/>
-        </pc:sldMkLst>
-      </pc:sldChg>
-      <pc:sldChg chg="modSp add del mod ord">
-        <pc:chgData name="Gibbons, Carl" userId="d2b037bc-8fb4-4222-845c-61440543a456" providerId="ADAL" clId="{C6C3D023-EB00-479C-8165-7C60F9B629BD}" dt="2024-05-16T22:10:34.533" v="4044" actId="2696"/>
-        <pc:sldMkLst>
-          <pc:docMk/>
-          <pc:sldMk cId="2728485538" sldId="297"/>
-        </pc:sldMkLst>
-        <pc:spChg chg="mod">
-          <ac:chgData name="Gibbons, Carl" userId="d2b037bc-8fb4-4222-845c-61440543a456" providerId="ADAL" clId="{C6C3D023-EB00-479C-8165-7C60F9B629BD}" dt="2024-05-16T21:33:57.790" v="2614" actId="20577"/>
-          <ac:spMkLst>
-            <pc:docMk/>
-            <pc:sldMk cId="2728485538" sldId="297"/>
-            <ac:spMk id="2" creationId="{264BAEB2-591D-DEE6-3C00-0BAAC69880F0}"/>
-          </ac:spMkLst>
-        </pc:spChg>
-      </pc:sldChg>
-      <pc:sldChg chg="modSp mod">
-        <pc:chgData name="Gibbons, Carl" userId="d2b037bc-8fb4-4222-845c-61440543a456" providerId="ADAL" clId="{C6C3D023-EB00-479C-8165-7C60F9B629BD}" dt="2024-05-16T21:59:01.775" v="3679" actId="20577"/>
-        <pc:sldMkLst>
-          <pc:docMk/>
-          <pc:sldMk cId="2076427204" sldId="298"/>
-        </pc:sldMkLst>
-        <pc:spChg chg="mod">
-          <ac:chgData name="Gibbons, Carl" userId="d2b037bc-8fb4-4222-845c-61440543a456" providerId="ADAL" clId="{C6C3D023-EB00-479C-8165-7C60F9B629BD}" dt="2024-05-16T21:41:17.666" v="3204" actId="20577"/>
-          <ac:spMkLst>
-            <pc:docMk/>
-            <pc:sldMk cId="2076427204" sldId="298"/>
-            <ac:spMk id="2" creationId="{264BAEB2-591D-DEE6-3C00-0BAAC69880F0}"/>
-          </ac:spMkLst>
-        </pc:spChg>
-        <pc:spChg chg="mod">
-          <ac:chgData name="Gibbons, Carl" userId="d2b037bc-8fb4-4222-845c-61440543a456" providerId="ADAL" clId="{C6C3D023-EB00-479C-8165-7C60F9B629BD}" dt="2024-05-16T21:59:01.775" v="3679" actId="20577"/>
-          <ac:spMkLst>
-            <pc:docMk/>
-            <pc:sldMk cId="2076427204" sldId="298"/>
+            <pc:sldMk cId="2966054478" sldId="269"/>
             <ac:spMk id="3" creationId="{0620B8A1-699E-C7B4-0A32-7D9C4529CA27}"/>
           </ac:spMkLst>
         </pc:spChg>
       </pc:sldChg>
       <pc:sldChg chg="modSp mod">
-        <pc:chgData name="Gibbons, Carl" userId="d2b037bc-8fb4-4222-845c-61440543a456" providerId="ADAL" clId="{C6C3D023-EB00-479C-8165-7C60F9B629BD}" dt="2024-05-16T23:45:14.092" v="5563" actId="20577"/>
+        <pc:chgData name="Talbert, Matthew" userId="877a4118-3f16-4ac9-a72c-5dd2c7b28c85" providerId="ADAL" clId="{71DE48EA-F2CE-4BA2-967F-2E8A24B9D2A6}" dt="2024-11-22T19:47:54.799" v="323" actId="12788"/>
         <pc:sldMkLst>
           <pc:docMk/>
-          <pc:sldMk cId="1304576592" sldId="299"/>
+          <pc:sldMk cId="3689580349" sldId="270"/>
         </pc:sldMkLst>
         <pc:spChg chg="mod">
-          <ac:chgData name="Gibbons, Carl" userId="d2b037bc-8fb4-4222-845c-61440543a456" providerId="ADAL" clId="{C6C3D023-EB00-479C-8165-7C60F9B629BD}" dt="2024-05-16T23:21:48.997" v="4075" actId="20577"/>
+          <ac:chgData name="Talbert, Matthew" userId="877a4118-3f16-4ac9-a72c-5dd2c7b28c85" providerId="ADAL" clId="{71DE48EA-F2CE-4BA2-967F-2E8A24B9D2A6}" dt="2024-11-22T19:47:54.799" v="323" actId="12788"/>
           <ac:spMkLst>
             <pc:docMk/>
-            <pc:sldMk cId="1304576592" sldId="299"/>
+            <pc:sldMk cId="3689580349" sldId="270"/>
             <ac:spMk id="2" creationId="{264BAEB2-591D-DEE6-3C00-0BAAC69880F0}"/>
           </ac:spMkLst>
         </pc:spChg>
         <pc:spChg chg="mod">
-          <ac:chgData name="Gibbons, Carl" userId="d2b037bc-8fb4-4222-845c-61440543a456" providerId="ADAL" clId="{C6C3D023-EB00-479C-8165-7C60F9B629BD}" dt="2024-05-16T23:45:14.092" v="5563" actId="20577"/>
+          <ac:chgData name="Talbert, Matthew" userId="877a4118-3f16-4ac9-a72c-5dd2c7b28c85" providerId="ADAL" clId="{71DE48EA-F2CE-4BA2-967F-2E8A24B9D2A6}" dt="2024-11-22T19:47:54.799" v="323" actId="12788"/>
           <ac:spMkLst>
             <pc:docMk/>
-            <pc:sldMk cId="1304576592" sldId="299"/>
-            <ac:spMk id="3" creationId="{0620B8A1-699E-C7B4-0A32-7D9C4529CA27}"/>
-          </ac:spMkLst>
-        </pc:spChg>
-      </pc:sldChg>
-    </pc:docChg>
-  </pc:docChgLst>
-  <pc:docChgLst>
-    <pc:chgData name="Gibbons, Carl" userId="d2b037bc-8fb4-4222-845c-61440543a456" providerId="ADAL" clId="{3CE3119B-1917-4F7B-A5AD-6C146E3F914B}"/>
-    <pc:docChg chg="undo custSel addSld delSld modSld sldOrd">
-      <pc:chgData name="Gibbons, Carl" userId="d2b037bc-8fb4-4222-845c-61440543a456" providerId="ADAL" clId="{3CE3119B-1917-4F7B-A5AD-6C146E3F914B}" dt="2024-01-02T22:58:30.214" v="14836" actId="114"/>
-      <pc:docMkLst>
-        <pc:docMk/>
-      </pc:docMkLst>
-      <pc:sldChg chg="modSp mod">
-        <pc:chgData name="Gibbons, Carl" userId="d2b037bc-8fb4-4222-845c-61440543a456" providerId="ADAL" clId="{3CE3119B-1917-4F7B-A5AD-6C146E3F914B}" dt="2024-01-02T20:23:43.983" v="14704" actId="20577"/>
-        <pc:sldMkLst>
-          <pc:docMk/>
-          <pc:sldMk cId="3308175748" sldId="256"/>
-        </pc:sldMkLst>
-        <pc:spChg chg="mod">
-          <ac:chgData name="Gibbons, Carl" userId="d2b037bc-8fb4-4222-845c-61440543a456" providerId="ADAL" clId="{3CE3119B-1917-4F7B-A5AD-6C146E3F914B}" dt="2024-01-02T20:23:43.983" v="14704" actId="20577"/>
-          <ac:spMkLst>
-            <pc:docMk/>
-            <pc:sldMk cId="3308175748" sldId="256"/>
-            <ac:spMk id="3" creationId="{EEC4D41B-E776-05F2-BE0B-89BB339485AB}"/>
-          </ac:spMkLst>
-        </pc:spChg>
-      </pc:sldChg>
-      <pc:sldChg chg="del">
-        <pc:chgData name="Gibbons, Carl" userId="d2b037bc-8fb4-4222-845c-61440543a456" providerId="ADAL" clId="{3CE3119B-1917-4F7B-A5AD-6C146E3F914B}" dt="2023-12-24T04:15:13.652" v="2206" actId="47"/>
-        <pc:sldMkLst>
-          <pc:docMk/>
-          <pc:sldMk cId="519357719" sldId="260"/>
-        </pc:sldMkLst>
-      </pc:sldChg>
-      <pc:sldChg chg="delSp modSp mod">
-        <pc:chgData name="Gibbons, Carl" userId="d2b037bc-8fb4-4222-845c-61440543a456" providerId="ADAL" clId="{3CE3119B-1917-4F7B-A5AD-6C146E3F914B}" dt="2024-01-02T20:25:11.914" v="14747" actId="20577"/>
-        <pc:sldMkLst>
-          <pc:docMk/>
-          <pc:sldMk cId="2312486803" sldId="261"/>
-        </pc:sldMkLst>
-        <pc:spChg chg="mod">
-          <ac:chgData name="Gibbons, Carl" userId="d2b037bc-8fb4-4222-845c-61440543a456" providerId="ADAL" clId="{3CE3119B-1917-4F7B-A5AD-6C146E3F914B}" dt="2023-12-24T03:44:40.577" v="592" actId="20577"/>
-          <ac:spMkLst>
-            <pc:docMk/>
-            <pc:sldMk cId="2312486803" sldId="261"/>
-            <ac:spMk id="2" creationId="{31B75992-5098-A283-4925-2CCEBB801DC5}"/>
-          </ac:spMkLst>
-        </pc:spChg>
-        <pc:spChg chg="mod">
-          <ac:chgData name="Gibbons, Carl" userId="d2b037bc-8fb4-4222-845c-61440543a456" providerId="ADAL" clId="{3CE3119B-1917-4F7B-A5AD-6C146E3F914B}" dt="2024-01-02T20:25:11.914" v="14747" actId="20577"/>
-          <ac:spMkLst>
-            <pc:docMk/>
-            <pc:sldMk cId="2312486803" sldId="261"/>
-            <ac:spMk id="3" creationId="{B5924E0F-A977-1710-779D-EEB74261AF34}"/>
-          </ac:spMkLst>
-        </pc:spChg>
-        <pc:picChg chg="del">
-          <ac:chgData name="Gibbons, Carl" userId="d2b037bc-8fb4-4222-845c-61440543a456" providerId="ADAL" clId="{3CE3119B-1917-4F7B-A5AD-6C146E3F914B}" dt="2023-12-24T03:25:42.885" v="18" actId="478"/>
-          <ac:picMkLst>
-            <pc:docMk/>
-            <pc:sldMk cId="2312486803" sldId="261"/>
-            <ac:picMk id="5" creationId="{95F1B758-8221-A28F-F68D-1A79ADBC274D}"/>
-          </ac:picMkLst>
-        </pc:picChg>
-      </pc:sldChg>
-      <pc:sldChg chg="del">
-        <pc:chgData name="Gibbons, Carl" userId="d2b037bc-8fb4-4222-845c-61440543a456" providerId="ADAL" clId="{3CE3119B-1917-4F7B-A5AD-6C146E3F914B}" dt="2023-12-24T04:15:12.349" v="2205" actId="47"/>
-        <pc:sldMkLst>
-          <pc:docMk/>
-          <pc:sldMk cId="378743348" sldId="270"/>
-        </pc:sldMkLst>
-      </pc:sldChg>
-      <pc:sldChg chg="modSp mod">
-        <pc:chgData name="Gibbons, Carl" userId="d2b037bc-8fb4-4222-845c-61440543a456" providerId="ADAL" clId="{3CE3119B-1917-4F7B-A5AD-6C146E3F914B}" dt="2023-12-28T21:57:42.900" v="13126" actId="20577"/>
-        <pc:sldMkLst>
-          <pc:docMk/>
-          <pc:sldMk cId="657795359" sldId="277"/>
-        </pc:sldMkLst>
-        <pc:spChg chg="mod">
-          <ac:chgData name="Gibbons, Carl" userId="d2b037bc-8fb4-4222-845c-61440543a456" providerId="ADAL" clId="{3CE3119B-1917-4F7B-A5AD-6C146E3F914B}" dt="2023-12-28T21:57:42.900" v="13126" actId="20577"/>
-          <ac:spMkLst>
-            <pc:docMk/>
-            <pc:sldMk cId="657795359" sldId="277"/>
-            <ac:spMk id="2" creationId="{1862E903-3C56-BB42-2361-009F2336475A}"/>
-          </ac:spMkLst>
-        </pc:spChg>
-        <pc:spChg chg="mod">
-          <ac:chgData name="Gibbons, Carl" userId="d2b037bc-8fb4-4222-845c-61440543a456" providerId="ADAL" clId="{3CE3119B-1917-4F7B-A5AD-6C146E3F914B}" dt="2023-12-28T21:57:39.566" v="13125" actId="20577"/>
-          <ac:spMkLst>
-            <pc:docMk/>
-            <pc:sldMk cId="657795359" sldId="277"/>
-            <ac:spMk id="3" creationId="{90179172-96B3-95D0-A137-257770BE7642}"/>
-          </ac:spMkLst>
-        </pc:spChg>
-      </pc:sldChg>
-      <pc:sldChg chg="del">
-        <pc:chgData name="Gibbons, Carl" userId="d2b037bc-8fb4-4222-845c-61440543a456" providerId="ADAL" clId="{3CE3119B-1917-4F7B-A5AD-6C146E3F914B}" dt="2023-12-24T04:15:14.863" v="2207" actId="47"/>
-        <pc:sldMkLst>
-          <pc:docMk/>
-          <pc:sldMk cId="376509629" sldId="278"/>
-        </pc:sldMkLst>
-      </pc:sldChg>
-      <pc:sldChg chg="del">
-        <pc:chgData name="Gibbons, Carl" userId="d2b037bc-8fb4-4222-845c-61440543a456" providerId="ADAL" clId="{3CE3119B-1917-4F7B-A5AD-6C146E3F914B}" dt="2023-12-24T04:15:16.084" v="2208" actId="47"/>
-        <pc:sldMkLst>
-          <pc:docMk/>
-          <pc:sldMk cId="3153831418" sldId="279"/>
-        </pc:sldMkLst>
-      </pc:sldChg>
-      <pc:sldChg chg="del">
-        <pc:chgData name="Gibbons, Carl" userId="d2b037bc-8fb4-4222-845c-61440543a456" providerId="ADAL" clId="{3CE3119B-1917-4F7B-A5AD-6C146E3F914B}" dt="2023-12-24T04:15:16.999" v="2209" actId="47"/>
-        <pc:sldMkLst>
-          <pc:docMk/>
-          <pc:sldMk cId="1730491475" sldId="280"/>
-        </pc:sldMkLst>
-      </pc:sldChg>
-      <pc:sldChg chg="del">
-        <pc:chgData name="Gibbons, Carl" userId="d2b037bc-8fb4-4222-845c-61440543a456" providerId="ADAL" clId="{3CE3119B-1917-4F7B-A5AD-6C146E3F914B}" dt="2023-12-24T04:15:17.902" v="2210" actId="47"/>
-        <pc:sldMkLst>
-          <pc:docMk/>
-          <pc:sldMk cId="2142935958" sldId="281"/>
-        </pc:sldMkLst>
-      </pc:sldChg>
-      <pc:sldChg chg="del">
-        <pc:chgData name="Gibbons, Carl" userId="d2b037bc-8fb4-4222-845c-61440543a456" providerId="ADAL" clId="{3CE3119B-1917-4F7B-A5AD-6C146E3F914B}" dt="2023-12-24T04:15:18.904" v="2211" actId="47"/>
-        <pc:sldMkLst>
-          <pc:docMk/>
-          <pc:sldMk cId="1371681654" sldId="282"/>
-        </pc:sldMkLst>
-      </pc:sldChg>
-      <pc:sldChg chg="addSp modSp mod">
-        <pc:chgData name="Gibbons, Carl" userId="d2b037bc-8fb4-4222-845c-61440543a456" providerId="ADAL" clId="{3CE3119B-1917-4F7B-A5AD-6C146E3F914B}" dt="2024-01-02T20:33:25.738" v="14807" actId="20577"/>
-        <pc:sldMkLst>
-          <pc:docMk/>
-          <pc:sldMk cId="2959024232" sldId="283"/>
-        </pc:sldMkLst>
-        <pc:spChg chg="mod">
-          <ac:chgData name="Gibbons, Carl" userId="d2b037bc-8fb4-4222-845c-61440543a456" providerId="ADAL" clId="{3CE3119B-1917-4F7B-A5AD-6C146E3F914B}" dt="2024-01-02T20:31:47.903" v="14798" actId="20577"/>
-          <ac:spMkLst>
-            <pc:docMk/>
-            <pc:sldMk cId="2959024232" sldId="283"/>
-            <ac:spMk id="2" creationId="{31B75992-5098-A283-4925-2CCEBB801DC5}"/>
-          </ac:spMkLst>
-        </pc:spChg>
-        <pc:spChg chg="mod">
-          <ac:chgData name="Gibbons, Carl" userId="d2b037bc-8fb4-4222-845c-61440543a456" providerId="ADAL" clId="{3CE3119B-1917-4F7B-A5AD-6C146E3F914B}" dt="2023-12-24T03:50:43.198" v="773" actId="20577"/>
-          <ac:spMkLst>
-            <pc:docMk/>
-            <pc:sldMk cId="2959024232" sldId="283"/>
-            <ac:spMk id="3" creationId="{B5924E0F-A977-1710-779D-EEB74261AF34}"/>
-          </ac:spMkLst>
-        </pc:spChg>
-        <pc:spChg chg="add mod">
-          <ac:chgData name="Gibbons, Carl" userId="d2b037bc-8fb4-4222-845c-61440543a456" providerId="ADAL" clId="{3CE3119B-1917-4F7B-A5AD-6C146E3F914B}" dt="2023-12-24T03:51:05.835" v="812" actId="20577"/>
-          <ac:spMkLst>
-            <pc:docMk/>
-            <pc:sldMk cId="2959024232" sldId="283"/>
-            <ac:spMk id="4" creationId="{6B5EF911-ED83-01C5-8F00-FD1AD80E90D2}"/>
-          </ac:spMkLst>
-        </pc:spChg>
-        <pc:spChg chg="add mod">
-          <ac:chgData name="Gibbons, Carl" userId="d2b037bc-8fb4-4222-845c-61440543a456" providerId="ADAL" clId="{3CE3119B-1917-4F7B-A5AD-6C146E3F914B}" dt="2024-01-02T20:33:25.738" v="14807" actId="20577"/>
-          <ac:spMkLst>
-            <pc:docMk/>
-            <pc:sldMk cId="2959024232" sldId="283"/>
-            <ac:spMk id="5" creationId="{746F0B3D-627C-BF49-CF83-A524927EBEDE}"/>
-          </ac:spMkLst>
-        </pc:spChg>
-      </pc:sldChg>
-      <pc:sldChg chg="delSp modSp mod">
-        <pc:chgData name="Gibbons, Carl" userId="d2b037bc-8fb4-4222-845c-61440543a456" providerId="ADAL" clId="{3CE3119B-1917-4F7B-A5AD-6C146E3F914B}" dt="2024-01-02T20:31:35.597" v="14780" actId="20577"/>
-        <pc:sldMkLst>
-          <pc:docMk/>
-          <pc:sldMk cId="3114675387" sldId="284"/>
-        </pc:sldMkLst>
-        <pc:spChg chg="mod">
-          <ac:chgData name="Gibbons, Carl" userId="d2b037bc-8fb4-4222-845c-61440543a456" providerId="ADAL" clId="{3CE3119B-1917-4F7B-A5AD-6C146E3F914B}" dt="2024-01-02T20:31:35.597" v="14780" actId="20577"/>
-          <ac:spMkLst>
-            <pc:docMk/>
-            <pc:sldMk cId="3114675387" sldId="284"/>
-            <ac:spMk id="2" creationId="{31B75992-5098-A283-4925-2CCEBB801DC5}"/>
-          </ac:spMkLst>
-        </pc:spChg>
-        <pc:spChg chg="mod">
-          <ac:chgData name="Gibbons, Carl" userId="d2b037bc-8fb4-4222-845c-61440543a456" providerId="ADAL" clId="{3CE3119B-1917-4F7B-A5AD-6C146E3F914B}" dt="2023-12-28T21:03:44.041" v="10649" actId="20577"/>
-          <ac:spMkLst>
-            <pc:docMk/>
-            <pc:sldMk cId="3114675387" sldId="284"/>
-            <ac:spMk id="3" creationId="{B5924E0F-A977-1710-779D-EEB74261AF34}"/>
-          </ac:spMkLst>
-        </pc:spChg>
-        <pc:spChg chg="del mod">
-          <ac:chgData name="Gibbons, Carl" userId="d2b037bc-8fb4-4222-845c-61440543a456" providerId="ADAL" clId="{3CE3119B-1917-4F7B-A5AD-6C146E3F914B}" dt="2023-12-24T04:17:34.876" v="2369" actId="478"/>
-          <ac:spMkLst>
-            <pc:docMk/>
-            <pc:sldMk cId="3114675387" sldId="284"/>
-            <ac:spMk id="4" creationId="{6B5EF911-ED83-01C5-8F00-FD1AD80E90D2}"/>
-          </ac:spMkLst>
-        </pc:spChg>
-        <pc:spChg chg="mod">
-          <ac:chgData name="Gibbons, Carl" userId="d2b037bc-8fb4-4222-845c-61440543a456" providerId="ADAL" clId="{3CE3119B-1917-4F7B-A5AD-6C146E3F914B}" dt="2023-12-24T04:25:41.312" v="2946" actId="20577"/>
-          <ac:spMkLst>
-            <pc:docMk/>
-            <pc:sldMk cId="3114675387" sldId="284"/>
-            <ac:spMk id="5" creationId="{746F0B3D-627C-BF49-CF83-A524927EBEDE}"/>
-          </ac:spMkLst>
-        </pc:spChg>
-      </pc:sldChg>
-      <pc:sldChg chg="modSp mod">
-        <pc:chgData name="Gibbons, Carl" userId="d2b037bc-8fb4-4222-845c-61440543a456" providerId="ADAL" clId="{3CE3119B-1917-4F7B-A5AD-6C146E3F914B}" dt="2023-12-28T20:27:51.520" v="8472" actId="20577"/>
-        <pc:sldMkLst>
-          <pc:docMk/>
-          <pc:sldMk cId="1243134729" sldId="285"/>
-        </pc:sldMkLst>
-        <pc:spChg chg="mod">
-          <ac:chgData name="Gibbons, Carl" userId="d2b037bc-8fb4-4222-845c-61440543a456" providerId="ADAL" clId="{3CE3119B-1917-4F7B-A5AD-6C146E3F914B}" dt="2023-12-28T18:55:00.802" v="3019" actId="20577"/>
-          <ac:spMkLst>
-            <pc:docMk/>
-            <pc:sldMk cId="1243134729" sldId="285"/>
-            <ac:spMk id="2" creationId="{31B75992-5098-A283-4925-2CCEBB801DC5}"/>
-          </ac:spMkLst>
-        </pc:spChg>
-        <pc:spChg chg="mod">
-          <ac:chgData name="Gibbons, Carl" userId="d2b037bc-8fb4-4222-845c-61440543a456" providerId="ADAL" clId="{3CE3119B-1917-4F7B-A5AD-6C146E3F914B}" dt="2023-12-28T19:11:28.137" v="4139" actId="20577"/>
-          <ac:spMkLst>
-            <pc:docMk/>
-            <pc:sldMk cId="1243134729" sldId="285"/>
-            <ac:spMk id="3" creationId="{B5924E0F-A977-1710-779D-EEB74261AF34}"/>
-          </ac:spMkLst>
-        </pc:spChg>
-        <pc:spChg chg="mod">
-          <ac:chgData name="Gibbons, Carl" userId="d2b037bc-8fb4-4222-845c-61440543a456" providerId="ADAL" clId="{3CE3119B-1917-4F7B-A5AD-6C146E3F914B}" dt="2023-12-28T20:27:51.520" v="8472" actId="20577"/>
-          <ac:spMkLst>
-            <pc:docMk/>
-            <pc:sldMk cId="1243134729" sldId="285"/>
-            <ac:spMk id="5" creationId="{746F0B3D-627C-BF49-CF83-A524927EBEDE}"/>
-          </ac:spMkLst>
-        </pc:spChg>
-      </pc:sldChg>
-      <pc:sldChg chg="modSp mod ord">
-        <pc:chgData name="Gibbons, Carl" userId="d2b037bc-8fb4-4222-845c-61440543a456" providerId="ADAL" clId="{3CE3119B-1917-4F7B-A5AD-6C146E3F914B}" dt="2023-12-29T02:26:19.580" v="14325" actId="114"/>
-        <pc:sldMkLst>
-          <pc:docMk/>
-          <pc:sldMk cId="954591853" sldId="286"/>
-        </pc:sldMkLst>
-        <pc:spChg chg="mod">
-          <ac:chgData name="Gibbons, Carl" userId="d2b037bc-8fb4-4222-845c-61440543a456" providerId="ADAL" clId="{3CE3119B-1917-4F7B-A5AD-6C146E3F914B}" dt="2023-12-28T19:12:25.523" v="4250" actId="20577"/>
-          <ac:spMkLst>
-            <pc:docMk/>
-            <pc:sldMk cId="954591853" sldId="286"/>
-            <ac:spMk id="2" creationId="{31B75992-5098-A283-4925-2CCEBB801DC5}"/>
-          </ac:spMkLst>
-        </pc:spChg>
-        <pc:spChg chg="mod">
-          <ac:chgData name="Gibbons, Carl" userId="d2b037bc-8fb4-4222-845c-61440543a456" providerId="ADAL" clId="{3CE3119B-1917-4F7B-A5AD-6C146E3F914B}" dt="2023-12-29T02:26:19.580" v="14325" actId="114"/>
-          <ac:spMkLst>
-            <pc:docMk/>
-            <pc:sldMk cId="954591853" sldId="286"/>
-            <ac:spMk id="3" creationId="{B5924E0F-A977-1710-779D-EEB74261AF34}"/>
-          </ac:spMkLst>
-        </pc:spChg>
-        <pc:spChg chg="mod">
-          <ac:chgData name="Gibbons, Carl" userId="d2b037bc-8fb4-4222-845c-61440543a456" providerId="ADAL" clId="{3CE3119B-1917-4F7B-A5AD-6C146E3F914B}" dt="2023-12-28T20:26:55.852" v="8407" actId="20577"/>
-          <ac:spMkLst>
-            <pc:docMk/>
-            <pc:sldMk cId="954591853" sldId="286"/>
-            <ac:spMk id="5" creationId="{746F0B3D-627C-BF49-CF83-A524927EBEDE}"/>
-          </ac:spMkLst>
-        </pc:spChg>
-      </pc:sldChg>
-      <pc:sldChg chg="addSp modSp mod">
-        <pc:chgData name="Gibbons, Carl" userId="d2b037bc-8fb4-4222-845c-61440543a456" providerId="ADAL" clId="{3CE3119B-1917-4F7B-A5AD-6C146E3F914B}" dt="2023-12-29T02:25:22.529" v="14321" actId="20577"/>
-        <pc:sldMkLst>
-          <pc:docMk/>
-          <pc:sldMk cId="2614091779" sldId="287"/>
-        </pc:sldMkLst>
-        <pc:spChg chg="mod">
-          <ac:chgData name="Gibbons, Carl" userId="d2b037bc-8fb4-4222-845c-61440543a456" providerId="ADAL" clId="{3CE3119B-1917-4F7B-A5AD-6C146E3F914B}" dt="2023-12-29T02:25:22.529" v="14321" actId="20577"/>
-          <ac:spMkLst>
-            <pc:docMk/>
-            <pc:sldMk cId="2614091779" sldId="287"/>
-            <ac:spMk id="2" creationId="{31B75992-5098-A283-4925-2CCEBB801DC5}"/>
-          </ac:spMkLst>
-        </pc:spChg>
-        <pc:spChg chg="mod">
-          <ac:chgData name="Gibbons, Carl" userId="d2b037bc-8fb4-4222-845c-61440543a456" providerId="ADAL" clId="{3CE3119B-1917-4F7B-A5AD-6C146E3F914B}" dt="2023-12-29T02:24:11.267" v="14265" actId="20577"/>
-          <ac:spMkLst>
-            <pc:docMk/>
-            <pc:sldMk cId="2614091779" sldId="287"/>
-            <ac:spMk id="3" creationId="{B5924E0F-A977-1710-779D-EEB74261AF34}"/>
-          </ac:spMkLst>
-        </pc:spChg>
-        <pc:graphicFrameChg chg="add mod modGraphic">
-          <ac:chgData name="Gibbons, Carl" userId="d2b037bc-8fb4-4222-845c-61440543a456" providerId="ADAL" clId="{3CE3119B-1917-4F7B-A5AD-6C146E3F914B}" dt="2023-12-28T20:10:30.792" v="7202" actId="122"/>
-          <ac:graphicFrameMkLst>
-            <pc:docMk/>
-            <pc:sldMk cId="2614091779" sldId="287"/>
-            <ac:graphicFrameMk id="4" creationId="{3CFEF9C3-22C7-2157-EBC8-9116E36A6081}"/>
-          </ac:graphicFrameMkLst>
-        </pc:graphicFrameChg>
-      </pc:sldChg>
-      <pc:sldChg chg="delSp modSp mod">
-        <pc:chgData name="Gibbons, Carl" userId="d2b037bc-8fb4-4222-845c-61440543a456" providerId="ADAL" clId="{3CE3119B-1917-4F7B-A5AD-6C146E3F914B}" dt="2024-01-02T20:26:29.367" v="14755" actId="20577"/>
-        <pc:sldMkLst>
-          <pc:docMk/>
-          <pc:sldMk cId="1341659426" sldId="288"/>
-        </pc:sldMkLst>
-        <pc:spChg chg="mod">
-          <ac:chgData name="Gibbons, Carl" userId="d2b037bc-8fb4-4222-845c-61440543a456" providerId="ADAL" clId="{3CE3119B-1917-4F7B-A5AD-6C146E3F914B}" dt="2023-12-29T02:24:38.450" v="14286" actId="20577"/>
-          <ac:spMkLst>
-            <pc:docMk/>
-            <pc:sldMk cId="1341659426" sldId="288"/>
-            <ac:spMk id="2" creationId="{31B75992-5098-A283-4925-2CCEBB801DC5}"/>
-          </ac:spMkLst>
-        </pc:spChg>
-        <pc:spChg chg="mod">
-          <ac:chgData name="Gibbons, Carl" userId="d2b037bc-8fb4-4222-845c-61440543a456" providerId="ADAL" clId="{3CE3119B-1917-4F7B-A5AD-6C146E3F914B}" dt="2024-01-02T20:26:29.367" v="14755" actId="20577"/>
-          <ac:spMkLst>
-            <pc:docMk/>
-            <pc:sldMk cId="1341659426" sldId="288"/>
-            <ac:spMk id="3" creationId="{B5924E0F-A977-1710-779D-EEB74261AF34}"/>
-          </ac:spMkLst>
-        </pc:spChg>
-        <pc:graphicFrameChg chg="del modGraphic">
-          <ac:chgData name="Gibbons, Carl" userId="d2b037bc-8fb4-4222-845c-61440543a456" providerId="ADAL" clId="{3CE3119B-1917-4F7B-A5AD-6C146E3F914B}" dt="2023-12-28T19:53:27.454" v="5818" actId="21"/>
-          <ac:graphicFrameMkLst>
-            <pc:docMk/>
-            <pc:sldMk cId="1341659426" sldId="288"/>
-            <ac:graphicFrameMk id="4" creationId="{3CFEF9C3-22C7-2157-EBC8-9116E36A6081}"/>
-          </ac:graphicFrameMkLst>
-        </pc:graphicFrameChg>
-      </pc:sldChg>
-      <pc:sldChg chg="addSp modSp new mod">
-        <pc:chgData name="Gibbons, Carl" userId="d2b037bc-8fb4-4222-845c-61440543a456" providerId="ADAL" clId="{3CE3119B-1917-4F7B-A5AD-6C146E3F914B}" dt="2023-12-29T02:27:53.985" v="14337" actId="20577"/>
-        <pc:sldMkLst>
-          <pc:docMk/>
-          <pc:sldMk cId="2966054478" sldId="289"/>
-        </pc:sldMkLst>
-        <pc:spChg chg="mod">
-          <ac:chgData name="Gibbons, Carl" userId="d2b037bc-8fb4-4222-845c-61440543a456" providerId="ADAL" clId="{3CE3119B-1917-4F7B-A5AD-6C146E3F914B}" dt="2023-12-28T21:20:58.470" v="11391" actId="27636"/>
-          <ac:spMkLst>
-            <pc:docMk/>
-            <pc:sldMk cId="2966054478" sldId="289"/>
-            <ac:spMk id="2" creationId="{264BAEB2-591D-DEE6-3C00-0BAAC69880F0}"/>
-          </ac:spMkLst>
-        </pc:spChg>
-        <pc:spChg chg="add mod">
-          <ac:chgData name="Gibbons, Carl" userId="d2b037bc-8fb4-4222-845c-61440543a456" providerId="ADAL" clId="{3CE3119B-1917-4F7B-A5AD-6C146E3F914B}" dt="2023-12-29T02:27:53.985" v="14337" actId="20577"/>
-          <ac:spMkLst>
-            <pc:docMk/>
-            <pc:sldMk cId="2966054478" sldId="289"/>
+            <pc:sldMk cId="3689580349" sldId="270"/>
             <ac:spMk id="3" creationId="{0620B8A1-699E-C7B4-0A32-7D9C4529CA27}"/>
           </ac:spMkLst>
         </pc:spChg>
       </pc:sldChg>
       <pc:sldChg chg="modSp mod">
-        <pc:chgData name="Gibbons, Carl" userId="d2b037bc-8fb4-4222-845c-61440543a456" providerId="ADAL" clId="{3CE3119B-1917-4F7B-A5AD-6C146E3F914B}" dt="2023-12-29T02:23:01.724" v="14191" actId="20577"/>
+        <pc:chgData name="Talbert, Matthew" userId="877a4118-3f16-4ac9-a72c-5dd2c7b28c85" providerId="ADAL" clId="{71DE48EA-F2CE-4BA2-967F-2E8A24B9D2A6}" dt="2024-11-22T21:17:10.402" v="519" actId="12788"/>
         <pc:sldMkLst>
           <pc:docMk/>
-          <pc:sldMk cId="1014272238" sldId="290"/>
+          <pc:sldMk cId="852415543" sldId="271"/>
         </pc:sldMkLst>
         <pc:spChg chg="mod">
-          <ac:chgData name="Gibbons, Carl" userId="d2b037bc-8fb4-4222-845c-61440543a456" providerId="ADAL" clId="{3CE3119B-1917-4F7B-A5AD-6C146E3F914B}" dt="2023-12-28T20:14:14.888" v="7303" actId="20577"/>
+          <ac:chgData name="Talbert, Matthew" userId="877a4118-3f16-4ac9-a72c-5dd2c7b28c85" providerId="ADAL" clId="{71DE48EA-F2CE-4BA2-967F-2E8A24B9D2A6}" dt="2024-11-22T21:17:10.402" v="519" actId="12788"/>
           <ac:spMkLst>
             <pc:docMk/>
-            <pc:sldMk cId="1014272238" sldId="290"/>
-            <ac:spMk id="2" creationId="{31B75992-5098-A283-4925-2CCEBB801DC5}"/>
-          </ac:spMkLst>
-        </pc:spChg>
-        <pc:spChg chg="mod">
-          <ac:chgData name="Gibbons, Carl" userId="d2b037bc-8fb4-4222-845c-61440543a456" providerId="ADAL" clId="{3CE3119B-1917-4F7B-A5AD-6C146E3F914B}" dt="2023-12-29T02:23:01.724" v="14191" actId="20577"/>
-          <ac:spMkLst>
-            <pc:docMk/>
-            <pc:sldMk cId="1014272238" sldId="290"/>
-            <ac:spMk id="3" creationId="{B5924E0F-A977-1710-779D-EEB74261AF34}"/>
-          </ac:spMkLst>
-        </pc:spChg>
-      </pc:sldChg>
-      <pc:sldChg chg="modSp mod">
-        <pc:chgData name="Gibbons, Carl" userId="d2b037bc-8fb4-4222-845c-61440543a456" providerId="ADAL" clId="{3CE3119B-1917-4F7B-A5AD-6C146E3F914B}" dt="2023-12-28T21:21:03.949" v="11393" actId="27636"/>
-        <pc:sldMkLst>
-          <pc:docMk/>
-          <pc:sldMk cId="3689580349" sldId="291"/>
-        </pc:sldMkLst>
-        <pc:spChg chg="mod">
-          <ac:chgData name="Gibbons, Carl" userId="d2b037bc-8fb4-4222-845c-61440543a456" providerId="ADAL" clId="{3CE3119B-1917-4F7B-A5AD-6C146E3F914B}" dt="2023-12-28T21:21:03.949" v="11393" actId="27636"/>
-          <ac:spMkLst>
-            <pc:docMk/>
-            <pc:sldMk cId="3689580349" sldId="291"/>
+            <pc:sldMk cId="852415543" sldId="271"/>
             <ac:spMk id="2" creationId="{264BAEB2-591D-DEE6-3C00-0BAAC69880F0}"/>
           </ac:spMkLst>
         </pc:spChg>
         <pc:spChg chg="mod">
-          <ac:chgData name="Gibbons, Carl" userId="d2b037bc-8fb4-4222-845c-61440543a456" providerId="ADAL" clId="{3CE3119B-1917-4F7B-A5AD-6C146E3F914B}" dt="2023-12-28T21:02:59.174" v="10621" actId="20577"/>
+          <ac:chgData name="Talbert, Matthew" userId="877a4118-3f16-4ac9-a72c-5dd2c7b28c85" providerId="ADAL" clId="{71DE48EA-F2CE-4BA2-967F-2E8A24B9D2A6}" dt="2024-11-22T21:17:10.402" v="519" actId="12788"/>
           <ac:spMkLst>
             <pc:docMk/>
-            <pc:sldMk cId="3689580349" sldId="291"/>
+            <pc:sldMk cId="852415543" sldId="271"/>
             <ac:spMk id="3" creationId="{0620B8A1-699E-C7B4-0A32-7D9C4529CA27}"/>
           </ac:spMkLst>
         </pc:spChg>
       </pc:sldChg>
       <pc:sldChg chg="modSp mod">
-        <pc:chgData name="Gibbons, Carl" userId="d2b037bc-8fb4-4222-845c-61440543a456" providerId="ADAL" clId="{3CE3119B-1917-4F7B-A5AD-6C146E3F914B}" dt="2024-01-02T20:24:33.430" v="14730" actId="20577"/>
+        <pc:chgData name="Talbert, Matthew" userId="877a4118-3f16-4ac9-a72c-5dd2c7b28c85" providerId="ADAL" clId="{71DE48EA-F2CE-4BA2-967F-2E8A24B9D2A6}" dt="2024-11-22T21:17:08.559" v="518" actId="12788"/>
         <pc:sldMkLst>
           <pc:docMk/>
-          <pc:sldMk cId="2738411615" sldId="292"/>
+          <pc:sldMk cId="3419337763" sldId="272"/>
         </pc:sldMkLst>
         <pc:spChg chg="mod">
-          <ac:chgData name="Gibbons, Carl" userId="d2b037bc-8fb4-4222-845c-61440543a456" providerId="ADAL" clId="{3CE3119B-1917-4F7B-A5AD-6C146E3F914B}" dt="2024-01-02T20:24:04.061" v="14719" actId="20577"/>
+          <ac:chgData name="Talbert, Matthew" userId="877a4118-3f16-4ac9-a72c-5dd2c7b28c85" providerId="ADAL" clId="{71DE48EA-F2CE-4BA2-967F-2E8A24B9D2A6}" dt="2024-11-22T21:17:08.559" v="518" actId="12788"/>
           <ac:spMkLst>
             <pc:docMk/>
-            <pc:sldMk cId="2738411615" sldId="292"/>
-            <ac:spMk id="2" creationId="{31B75992-5098-A283-4925-2CCEBB801DC5}"/>
-          </ac:spMkLst>
-        </pc:spChg>
-        <pc:spChg chg="mod">
-          <ac:chgData name="Gibbons, Carl" userId="d2b037bc-8fb4-4222-845c-61440543a456" providerId="ADAL" clId="{3CE3119B-1917-4F7B-A5AD-6C146E3F914B}" dt="2024-01-02T20:24:33.430" v="14730" actId="20577"/>
-          <ac:spMkLst>
-            <pc:docMk/>
-            <pc:sldMk cId="2738411615" sldId="292"/>
-            <ac:spMk id="3" creationId="{B5924E0F-A977-1710-779D-EEB74261AF34}"/>
-          </ac:spMkLst>
-        </pc:spChg>
-      </pc:sldChg>
-      <pc:sldChg chg="modSp mod">
-        <pc:chgData name="Gibbons, Carl" userId="d2b037bc-8fb4-4222-845c-61440543a456" providerId="ADAL" clId="{3CE3119B-1917-4F7B-A5AD-6C146E3F914B}" dt="2024-01-02T22:58:30.214" v="14836" actId="114"/>
-        <pc:sldMkLst>
-          <pc:docMk/>
-          <pc:sldMk cId="852415543" sldId="293"/>
-        </pc:sldMkLst>
-        <pc:spChg chg="mod">
-          <ac:chgData name="Gibbons, Carl" userId="d2b037bc-8fb4-4222-845c-61440543a456" providerId="ADAL" clId="{3CE3119B-1917-4F7B-A5AD-6C146E3F914B}" dt="2023-12-28T22:58:19.107" v="13130" actId="20577"/>
-          <ac:spMkLst>
-            <pc:docMk/>
-            <pc:sldMk cId="852415543" sldId="293"/>
+            <pc:sldMk cId="3419337763" sldId="272"/>
             <ac:spMk id="2" creationId="{264BAEB2-591D-DEE6-3C00-0BAAC69880F0}"/>
           </ac:spMkLst>
         </pc:spChg>
         <pc:spChg chg="mod">
-          <ac:chgData name="Gibbons, Carl" userId="d2b037bc-8fb4-4222-845c-61440543a456" providerId="ADAL" clId="{3CE3119B-1917-4F7B-A5AD-6C146E3F914B}" dt="2024-01-02T22:58:30.214" v="14836" actId="114"/>
+          <ac:chgData name="Talbert, Matthew" userId="877a4118-3f16-4ac9-a72c-5dd2c7b28c85" providerId="ADAL" clId="{71DE48EA-F2CE-4BA2-967F-2E8A24B9D2A6}" dt="2024-11-22T21:17:08.559" v="518" actId="12788"/>
           <ac:spMkLst>
             <pc:docMk/>
-            <pc:sldMk cId="852415543" sldId="293"/>
+            <pc:sldMk cId="3419337763" sldId="272"/>
             <ac:spMk id="3" creationId="{0620B8A1-699E-C7B4-0A32-7D9C4529CA27}"/>
           </ac:spMkLst>
         </pc:spChg>
       </pc:sldChg>
       <pc:sldChg chg="modSp mod">
-        <pc:chgData name="Gibbons, Carl" userId="d2b037bc-8fb4-4222-845c-61440543a456" providerId="ADAL" clId="{3CE3119B-1917-4F7B-A5AD-6C146E3F914B}" dt="2024-01-02T22:56:54.151" v="14818" actId="20577"/>
+        <pc:chgData name="Talbert, Matthew" userId="877a4118-3f16-4ac9-a72c-5dd2c7b28c85" providerId="ADAL" clId="{71DE48EA-F2CE-4BA2-967F-2E8A24B9D2A6}" dt="2024-11-22T21:17:06.133" v="517" actId="12788"/>
         <pc:sldMkLst>
           <pc:docMk/>
-          <pc:sldMk cId="3419337763" sldId="294"/>
+          <pc:sldMk cId="2076427204" sldId="273"/>
         </pc:sldMkLst>
         <pc:spChg chg="mod">
-          <ac:chgData name="Gibbons, Carl" userId="d2b037bc-8fb4-4222-845c-61440543a456" providerId="ADAL" clId="{3CE3119B-1917-4F7B-A5AD-6C146E3F914B}" dt="2023-12-28T22:58:32.298" v="13132" actId="20577"/>
+          <ac:chgData name="Talbert, Matthew" userId="877a4118-3f16-4ac9-a72c-5dd2c7b28c85" providerId="ADAL" clId="{71DE48EA-F2CE-4BA2-967F-2E8A24B9D2A6}" dt="2024-11-22T21:17:06.133" v="517" actId="12788"/>
           <ac:spMkLst>
             <pc:docMk/>
-            <pc:sldMk cId="3419337763" sldId="294"/>
+            <pc:sldMk cId="2076427204" sldId="273"/>
             <ac:spMk id="2" creationId="{264BAEB2-591D-DEE6-3C00-0BAAC69880F0}"/>
           </ac:spMkLst>
         </pc:spChg>
         <pc:spChg chg="mod">
-          <ac:chgData name="Gibbons, Carl" userId="d2b037bc-8fb4-4222-845c-61440543a456" providerId="ADAL" clId="{3CE3119B-1917-4F7B-A5AD-6C146E3F914B}" dt="2024-01-02T22:56:54.151" v="14818" actId="20577"/>
+          <ac:chgData name="Talbert, Matthew" userId="877a4118-3f16-4ac9-a72c-5dd2c7b28c85" providerId="ADAL" clId="{71DE48EA-F2CE-4BA2-967F-2E8A24B9D2A6}" dt="2024-11-22T21:17:06.133" v="517" actId="12788"/>
           <ac:spMkLst>
             <pc:docMk/>
-            <pc:sldMk cId="3419337763" sldId="294"/>
+            <pc:sldMk cId="2076427204" sldId="273"/>
             <ac:spMk id="3" creationId="{0620B8A1-699E-C7B4-0A32-7D9C4529CA27}"/>
           </ac:spMkLst>
         </pc:spChg>
       </pc:sldChg>
-      <pc:sldMasterChg chg="delSldLayout">
-        <pc:chgData name="Gibbons, Carl" userId="d2b037bc-8fb4-4222-845c-61440543a456" providerId="ADAL" clId="{3CE3119B-1917-4F7B-A5AD-6C146E3F914B}" dt="2023-12-24T04:15:18.904" v="2211" actId="47"/>
-        <pc:sldMasterMkLst>
-          <pc:docMk/>
-          <pc:sldMasterMk cId="3616380004" sldId="2147483712"/>
-        </pc:sldMasterMkLst>
-        <pc:sldLayoutChg chg="del">
-          <pc:chgData name="Gibbons, Carl" userId="d2b037bc-8fb4-4222-845c-61440543a456" providerId="ADAL" clId="{3CE3119B-1917-4F7B-A5AD-6C146E3F914B}" dt="2023-12-24T04:15:18.904" v="2211" actId="47"/>
-          <pc:sldLayoutMkLst>
-            <pc:docMk/>
-            <pc:sldMasterMk cId="3616380004" sldId="2147483712"/>
-            <pc:sldLayoutMk cId="2633931619" sldId="2147483725"/>
-          </pc:sldLayoutMkLst>
-        </pc:sldLayoutChg>
-      </pc:sldMasterChg>
-    </pc:docChg>
-  </pc:docChgLst>
-  <pc:docChgLst>
-    <pc:chgData name="Gibbons, Carl" userId="d2b037bc-8fb4-4222-845c-61440543a456" providerId="ADAL" clId="{3D73FC3D-A932-426E-A7E0-475220CAB957}"/>
-    <pc:docChg chg="undo redo custSel addSld delSld modSld">
-      <pc:chgData name="Gibbons, Carl" userId="d2b037bc-8fb4-4222-845c-61440543a456" providerId="ADAL" clId="{3D73FC3D-A932-426E-A7E0-475220CAB957}" dt="2023-12-24T03:24:28.415" v="11663" actId="20577"/>
-      <pc:docMkLst>
-        <pc:docMk/>
-      </pc:docMkLst>
       <pc:sldChg chg="modSp mod">
-        <pc:chgData name="Gibbons, Carl" userId="d2b037bc-8fb4-4222-845c-61440543a456" providerId="ADAL" clId="{3D73FC3D-A932-426E-A7E0-475220CAB957}" dt="2023-12-23T23:38:20.022" v="49" actId="20577"/>
+        <pc:chgData name="Talbert, Matthew" userId="877a4118-3f16-4ac9-a72c-5dd2c7b28c85" providerId="ADAL" clId="{71DE48EA-F2CE-4BA2-967F-2E8A24B9D2A6}" dt="2024-11-22T21:17:04.351" v="516" actId="12788"/>
         <pc:sldMkLst>
           <pc:docMk/>
-          <pc:sldMk cId="3308175748" sldId="256"/>
+          <pc:sldMk cId="4243071024" sldId="274"/>
         </pc:sldMkLst>
         <pc:spChg chg="mod">
-          <ac:chgData name="Gibbons, Carl" userId="d2b037bc-8fb4-4222-845c-61440543a456" providerId="ADAL" clId="{3D73FC3D-A932-426E-A7E0-475220CAB957}" dt="2023-12-23T23:38:20.022" v="49" actId="20577"/>
+          <ac:chgData name="Talbert, Matthew" userId="877a4118-3f16-4ac9-a72c-5dd2c7b28c85" providerId="ADAL" clId="{71DE48EA-F2CE-4BA2-967F-2E8A24B9D2A6}" dt="2024-11-22T21:17:04.351" v="516" actId="12788"/>
           <ac:spMkLst>
             <pc:docMk/>
-            <pc:sldMk cId="3308175748" sldId="256"/>
-            <ac:spMk id="3" creationId="{EEC4D41B-E776-05F2-BE0B-89BB339485AB}"/>
+            <pc:sldMk cId="4243071024" sldId="274"/>
+            <ac:spMk id="2" creationId="{264BAEB2-591D-DEE6-3C00-0BAAC69880F0}"/>
+          </ac:spMkLst>
+        </pc:spChg>
+        <pc:spChg chg="mod">
+          <ac:chgData name="Talbert, Matthew" userId="877a4118-3f16-4ac9-a72c-5dd2c7b28c85" providerId="ADAL" clId="{71DE48EA-F2CE-4BA2-967F-2E8A24B9D2A6}" dt="2024-11-22T21:17:04.351" v="516" actId="12788"/>
+          <ac:spMkLst>
+            <pc:docMk/>
+            <pc:sldMk cId="4243071024" sldId="274"/>
+            <ac:spMk id="3" creationId="{0620B8A1-699E-C7B4-0A32-7D9C4529CA27}"/>
           </ac:spMkLst>
         </pc:spChg>
       </pc:sldChg>
       <pc:sldChg chg="modSp mod">
-        <pc:chgData name="Gibbons, Carl" userId="d2b037bc-8fb4-4222-845c-61440543a456" providerId="ADAL" clId="{3D73FC3D-A932-426E-A7E0-475220CAB957}" dt="2023-12-24T01:13:09.893" v="3743" actId="20577"/>
+        <pc:chgData name="Talbert, Matthew" userId="877a4118-3f16-4ac9-a72c-5dd2c7b28c85" providerId="ADAL" clId="{71DE48EA-F2CE-4BA2-967F-2E8A24B9D2A6}" dt="2024-11-22T21:16:45.164" v="512" actId="12788"/>
         <pc:sldMkLst>
           <pc:docMk/>
-          <pc:sldMk cId="519357719" sldId="260"/>
+          <pc:sldMk cId="657795359" sldId="275"/>
         </pc:sldMkLst>
         <pc:spChg chg="mod">
-          <ac:chgData name="Gibbons, Carl" userId="d2b037bc-8fb4-4222-845c-61440543a456" providerId="ADAL" clId="{3D73FC3D-A932-426E-A7E0-475220CAB957}" dt="2023-12-24T00:45:38.249" v="1787" actId="20577"/>
+          <ac:chgData name="Talbert, Matthew" userId="877a4118-3f16-4ac9-a72c-5dd2c7b28c85" providerId="ADAL" clId="{71DE48EA-F2CE-4BA2-967F-2E8A24B9D2A6}" dt="2024-11-22T21:16:45.164" v="512" actId="12788"/>
           <ac:spMkLst>
             <pc:docMk/>
-            <pc:sldMk cId="519357719" sldId="260"/>
-            <ac:spMk id="2" creationId="{E8E7C5B6-3D55-D6F8-C2DE-9B6E32C23A9C}"/>
-          </ac:spMkLst>
-        </pc:spChg>
-        <pc:spChg chg="mod">
-          <ac:chgData name="Gibbons, Carl" userId="d2b037bc-8fb4-4222-845c-61440543a456" providerId="ADAL" clId="{3D73FC3D-A932-426E-A7E0-475220CAB957}" dt="2023-12-24T01:13:09.893" v="3743" actId="20577"/>
-          <ac:spMkLst>
-            <pc:docMk/>
-            <pc:sldMk cId="519357719" sldId="260"/>
-            <ac:spMk id="3" creationId="{17D02A72-79B4-B4A1-5F2B-4922B2F25909}"/>
-          </ac:spMkLst>
-        </pc:spChg>
-      </pc:sldChg>
-      <pc:sldChg chg="addSp modSp mod">
-        <pc:chgData name="Gibbons, Carl" userId="d2b037bc-8fb4-4222-845c-61440543a456" providerId="ADAL" clId="{3D73FC3D-A932-426E-A7E0-475220CAB957}" dt="2023-12-24T00:00:09.105" v="711" actId="20577"/>
-        <pc:sldMkLst>
-          <pc:docMk/>
-          <pc:sldMk cId="2312486803" sldId="261"/>
-        </pc:sldMkLst>
-        <pc:spChg chg="mod">
-          <ac:chgData name="Gibbons, Carl" userId="d2b037bc-8fb4-4222-845c-61440543a456" providerId="ADAL" clId="{3D73FC3D-A932-426E-A7E0-475220CAB957}" dt="2023-12-23T23:50:04.782" v="85" actId="20577"/>
-          <ac:spMkLst>
-            <pc:docMk/>
-            <pc:sldMk cId="2312486803" sldId="261"/>
-            <ac:spMk id="2" creationId="{31B75992-5098-A283-4925-2CCEBB801DC5}"/>
-          </ac:spMkLst>
-        </pc:spChg>
-        <pc:spChg chg="mod">
-          <ac:chgData name="Gibbons, Carl" userId="d2b037bc-8fb4-4222-845c-61440543a456" providerId="ADAL" clId="{3D73FC3D-A932-426E-A7E0-475220CAB957}" dt="2023-12-24T00:00:09.105" v="711" actId="20577"/>
-          <ac:spMkLst>
-            <pc:docMk/>
-            <pc:sldMk cId="2312486803" sldId="261"/>
-            <ac:spMk id="3" creationId="{B5924E0F-A977-1710-779D-EEB74261AF34}"/>
-          </ac:spMkLst>
-        </pc:spChg>
-        <pc:picChg chg="add mod">
-          <ac:chgData name="Gibbons, Carl" userId="d2b037bc-8fb4-4222-845c-61440543a456" providerId="ADAL" clId="{3D73FC3D-A932-426E-A7E0-475220CAB957}" dt="2023-12-23T23:51:02.278" v="91" actId="1076"/>
-          <ac:picMkLst>
-            <pc:docMk/>
-            <pc:sldMk cId="2312486803" sldId="261"/>
-            <ac:picMk id="5" creationId="{95F1B758-8221-A28F-F68D-1A79ADBC274D}"/>
-          </ac:picMkLst>
-        </pc:picChg>
-      </pc:sldChg>
-      <pc:sldChg chg="modSp mod">
-        <pc:chgData name="Gibbons, Carl" userId="d2b037bc-8fb4-4222-845c-61440543a456" providerId="ADAL" clId="{3D73FC3D-A932-426E-A7E0-475220CAB957}" dt="2023-12-24T00:44:00.546" v="1681" actId="20577"/>
-        <pc:sldMkLst>
-          <pc:docMk/>
-          <pc:sldMk cId="378743348" sldId="270"/>
-        </pc:sldMkLst>
-        <pc:spChg chg="mod">
-          <ac:chgData name="Gibbons, Carl" userId="d2b037bc-8fb4-4222-845c-61440543a456" providerId="ADAL" clId="{3D73FC3D-A932-426E-A7E0-475220CAB957}" dt="2023-12-24T00:42:29.049" v="1647" actId="114"/>
-          <ac:spMkLst>
-            <pc:docMk/>
-            <pc:sldMk cId="378743348" sldId="270"/>
-            <ac:spMk id="2" creationId="{C5822466-AC61-5579-F313-7B8A3FE65CC8}"/>
-          </ac:spMkLst>
-        </pc:spChg>
-        <pc:spChg chg="mod">
-          <ac:chgData name="Gibbons, Carl" userId="d2b037bc-8fb4-4222-845c-61440543a456" providerId="ADAL" clId="{3D73FC3D-A932-426E-A7E0-475220CAB957}" dt="2023-12-24T00:44:00.546" v="1681" actId="20577"/>
-          <ac:spMkLst>
-            <pc:docMk/>
-            <pc:sldMk cId="378743348" sldId="270"/>
-            <ac:spMk id="3" creationId="{80041865-9773-290D-EB35-F8AF8BFC505C}"/>
-          </ac:spMkLst>
-        </pc:spChg>
-      </pc:sldChg>
-      <pc:sldChg chg="modSp mod">
-        <pc:chgData name="Gibbons, Carl" userId="d2b037bc-8fb4-4222-845c-61440543a456" providerId="ADAL" clId="{3D73FC3D-A932-426E-A7E0-475220CAB957}" dt="2023-12-24T03:24:28.415" v="11663" actId="20577"/>
-        <pc:sldMkLst>
-          <pc:docMk/>
-          <pc:sldMk cId="657795359" sldId="277"/>
-        </pc:sldMkLst>
-        <pc:spChg chg="mod">
-          <ac:chgData name="Gibbons, Carl" userId="d2b037bc-8fb4-4222-845c-61440543a456" providerId="ADAL" clId="{3D73FC3D-A932-426E-A7E0-475220CAB957}" dt="2023-12-24T03:22:59.669" v="11407" actId="20577"/>
-          <ac:spMkLst>
-            <pc:docMk/>
-            <pc:sldMk cId="657795359" sldId="277"/>
+            <pc:sldMk cId="657795359" sldId="275"/>
             <ac:spMk id="2" creationId="{1862E903-3C56-BB42-2361-009F2336475A}"/>
           </ac:spMkLst>
         </pc:spChg>
         <pc:spChg chg="mod">
-          <ac:chgData name="Gibbons, Carl" userId="d2b037bc-8fb4-4222-845c-61440543a456" providerId="ADAL" clId="{3D73FC3D-A932-426E-A7E0-475220CAB957}" dt="2023-12-24T03:24:28.415" v="11663" actId="20577"/>
+          <ac:chgData name="Talbert, Matthew" userId="877a4118-3f16-4ac9-a72c-5dd2c7b28c85" providerId="ADAL" clId="{71DE48EA-F2CE-4BA2-967F-2E8A24B9D2A6}" dt="2024-11-22T21:16:45.164" v="512" actId="12788"/>
           <ac:spMkLst>
             <pc:docMk/>
-            <pc:sldMk cId="657795359" sldId="277"/>
+            <pc:sldMk cId="657795359" sldId="275"/>
             <ac:spMk id="3" creationId="{90179172-96B3-95D0-A137-257770BE7642}"/>
-          </ac:spMkLst>
-        </pc:spChg>
-      </pc:sldChg>
-      <pc:sldChg chg="modSp mod">
-        <pc:chgData name="Gibbons, Carl" userId="d2b037bc-8fb4-4222-845c-61440543a456" providerId="ADAL" clId="{3D73FC3D-A932-426E-A7E0-475220CAB957}" dt="2023-12-24T01:34:56.666" v="4550" actId="20577"/>
-        <pc:sldMkLst>
-          <pc:docMk/>
-          <pc:sldMk cId="376509629" sldId="278"/>
-        </pc:sldMkLst>
-        <pc:spChg chg="mod">
-          <ac:chgData name="Gibbons, Carl" userId="d2b037bc-8fb4-4222-845c-61440543a456" providerId="ADAL" clId="{3D73FC3D-A932-426E-A7E0-475220CAB957}" dt="2023-12-24T01:29:35.543" v="4429" actId="20577"/>
-          <ac:spMkLst>
-            <pc:docMk/>
-            <pc:sldMk cId="376509629" sldId="278"/>
-            <ac:spMk id="2" creationId="{E8E7C5B6-3D55-D6F8-C2DE-9B6E32C23A9C}"/>
-          </ac:spMkLst>
-        </pc:spChg>
-        <pc:spChg chg="mod">
-          <ac:chgData name="Gibbons, Carl" userId="d2b037bc-8fb4-4222-845c-61440543a456" providerId="ADAL" clId="{3D73FC3D-A932-426E-A7E0-475220CAB957}" dt="2023-12-24T01:34:56.666" v="4550" actId="20577"/>
-          <ac:spMkLst>
-            <pc:docMk/>
-            <pc:sldMk cId="376509629" sldId="278"/>
-            <ac:spMk id="3" creationId="{17D02A72-79B4-B4A1-5F2B-4922B2F25909}"/>
-          </ac:spMkLst>
-        </pc:spChg>
-      </pc:sldChg>
-      <pc:sldChg chg="modSp add mod">
-        <pc:chgData name="Gibbons, Carl" userId="d2b037bc-8fb4-4222-845c-61440543a456" providerId="ADAL" clId="{3D73FC3D-A932-426E-A7E0-475220CAB957}" dt="2023-12-24T01:50:22.304" v="5579" actId="20577"/>
-        <pc:sldMkLst>
-          <pc:docMk/>
-          <pc:sldMk cId="3153831418" sldId="279"/>
-        </pc:sldMkLst>
-        <pc:spChg chg="mod">
-          <ac:chgData name="Gibbons, Carl" userId="d2b037bc-8fb4-4222-845c-61440543a456" providerId="ADAL" clId="{3D73FC3D-A932-426E-A7E0-475220CAB957}" dt="2023-12-24T01:36:49.541" v="4576" actId="20577"/>
-          <ac:spMkLst>
-            <pc:docMk/>
-            <pc:sldMk cId="3153831418" sldId="279"/>
-            <ac:spMk id="2" creationId="{E8E7C5B6-3D55-D6F8-C2DE-9B6E32C23A9C}"/>
-          </ac:spMkLst>
-        </pc:spChg>
-        <pc:spChg chg="mod">
-          <ac:chgData name="Gibbons, Carl" userId="d2b037bc-8fb4-4222-845c-61440543a456" providerId="ADAL" clId="{3D73FC3D-A932-426E-A7E0-475220CAB957}" dt="2023-12-24T01:50:22.304" v="5579" actId="20577"/>
-          <ac:spMkLst>
-            <pc:docMk/>
-            <pc:sldMk cId="3153831418" sldId="279"/>
-            <ac:spMk id="3" creationId="{17D02A72-79B4-B4A1-5F2B-4922B2F25909}"/>
-          </ac:spMkLst>
-        </pc:spChg>
-      </pc:sldChg>
-      <pc:sldChg chg="del">
-        <pc:chgData name="Gibbons, Carl" userId="d2b037bc-8fb4-4222-845c-61440543a456" providerId="ADAL" clId="{3D73FC3D-A932-426E-A7E0-475220CAB957}" dt="2023-12-24T01:36:36.846" v="4551"/>
-        <pc:sldMkLst>
-          <pc:docMk/>
-          <pc:sldMk cId="3319441950" sldId="279"/>
-        </pc:sldMkLst>
-      </pc:sldChg>
-      <pc:sldChg chg="addSp delSp modSp mod">
-        <pc:chgData name="Gibbons, Carl" userId="d2b037bc-8fb4-4222-845c-61440543a456" providerId="ADAL" clId="{3D73FC3D-A932-426E-A7E0-475220CAB957}" dt="2023-12-24T02:38:37.357" v="8076" actId="22"/>
-        <pc:sldMkLst>
-          <pc:docMk/>
-          <pc:sldMk cId="1730491475" sldId="280"/>
-        </pc:sldMkLst>
-        <pc:spChg chg="mod">
-          <ac:chgData name="Gibbons, Carl" userId="d2b037bc-8fb4-4222-845c-61440543a456" providerId="ADAL" clId="{3D73FC3D-A932-426E-A7E0-475220CAB957}" dt="2023-12-24T01:50:32.554" v="5581" actId="20577"/>
-          <ac:spMkLst>
-            <pc:docMk/>
-            <pc:sldMk cId="1730491475" sldId="280"/>
-            <ac:spMk id="2" creationId="{E8E7C5B6-3D55-D6F8-C2DE-9B6E32C23A9C}"/>
-          </ac:spMkLst>
-        </pc:spChg>
-        <pc:spChg chg="mod">
-          <ac:chgData name="Gibbons, Carl" userId="d2b037bc-8fb4-4222-845c-61440543a456" providerId="ADAL" clId="{3D73FC3D-A932-426E-A7E0-475220CAB957}" dt="2023-12-24T02:35:28.836" v="8074" actId="12"/>
-          <ac:spMkLst>
-            <pc:docMk/>
-            <pc:sldMk cId="1730491475" sldId="280"/>
-            <ac:spMk id="3" creationId="{17D02A72-79B4-B4A1-5F2B-4922B2F25909}"/>
-          </ac:spMkLst>
-        </pc:spChg>
-        <pc:spChg chg="add del">
-          <ac:chgData name="Gibbons, Carl" userId="d2b037bc-8fb4-4222-845c-61440543a456" providerId="ADAL" clId="{3D73FC3D-A932-426E-A7E0-475220CAB957}" dt="2023-12-24T02:38:37.357" v="8076" actId="22"/>
-          <ac:spMkLst>
-            <pc:docMk/>
-            <pc:sldMk cId="1730491475" sldId="280"/>
-            <ac:spMk id="5" creationId="{8BB9020B-ED8A-501F-CC80-C270A0022D15}"/>
-          </ac:spMkLst>
-        </pc:spChg>
-      </pc:sldChg>
-      <pc:sldChg chg="modSp mod">
-        <pc:chgData name="Gibbons, Carl" userId="d2b037bc-8fb4-4222-845c-61440543a456" providerId="ADAL" clId="{3D73FC3D-A932-426E-A7E0-475220CAB957}" dt="2023-12-24T03:05:20.109" v="10364" actId="20577"/>
-        <pc:sldMkLst>
-          <pc:docMk/>
-          <pc:sldMk cId="2142935958" sldId="281"/>
-        </pc:sldMkLst>
-        <pc:spChg chg="mod">
-          <ac:chgData name="Gibbons, Carl" userId="d2b037bc-8fb4-4222-845c-61440543a456" providerId="ADAL" clId="{3D73FC3D-A932-426E-A7E0-475220CAB957}" dt="2023-12-24T02:43:01.996" v="8436" actId="20577"/>
-          <ac:spMkLst>
-            <pc:docMk/>
-            <pc:sldMk cId="2142935958" sldId="281"/>
-            <ac:spMk id="2" creationId="{E8E7C5B6-3D55-D6F8-C2DE-9B6E32C23A9C}"/>
-          </ac:spMkLst>
-        </pc:spChg>
-        <pc:spChg chg="mod">
-          <ac:chgData name="Gibbons, Carl" userId="d2b037bc-8fb4-4222-845c-61440543a456" providerId="ADAL" clId="{3D73FC3D-A932-426E-A7E0-475220CAB957}" dt="2023-12-24T03:05:20.109" v="10364" actId="20577"/>
-          <ac:spMkLst>
-            <pc:docMk/>
-            <pc:sldMk cId="2142935958" sldId="281"/>
-            <ac:spMk id="3" creationId="{17D02A72-79B4-B4A1-5F2B-4922B2F25909}"/>
-          </ac:spMkLst>
-        </pc:spChg>
-      </pc:sldChg>
-      <pc:sldChg chg="modSp mod">
-        <pc:chgData name="Gibbons, Carl" userId="d2b037bc-8fb4-4222-845c-61440543a456" providerId="ADAL" clId="{3D73FC3D-A932-426E-A7E0-475220CAB957}" dt="2023-12-24T03:22:15.893" v="11397" actId="2711"/>
-        <pc:sldMkLst>
-          <pc:docMk/>
-          <pc:sldMk cId="1371681654" sldId="282"/>
-        </pc:sldMkLst>
-        <pc:spChg chg="mod">
-          <ac:chgData name="Gibbons, Carl" userId="d2b037bc-8fb4-4222-845c-61440543a456" providerId="ADAL" clId="{3D73FC3D-A932-426E-A7E0-475220CAB957}" dt="2023-12-24T03:12:22.296" v="10563" actId="1036"/>
-          <ac:spMkLst>
-            <pc:docMk/>
-            <pc:sldMk cId="1371681654" sldId="282"/>
-            <ac:spMk id="2" creationId="{E8E7C5B6-3D55-D6F8-C2DE-9B6E32C23A9C}"/>
-          </ac:spMkLst>
-        </pc:spChg>
-        <pc:spChg chg="mod">
-          <ac:chgData name="Gibbons, Carl" userId="d2b037bc-8fb4-4222-845c-61440543a456" providerId="ADAL" clId="{3D73FC3D-A932-426E-A7E0-475220CAB957}" dt="2023-12-24T03:22:15.893" v="11397" actId="2711"/>
-          <ac:spMkLst>
-            <pc:docMk/>
-            <pc:sldMk cId="1371681654" sldId="282"/>
-            <ac:spMk id="3" creationId="{17D02A72-79B4-B4A1-5F2B-4922B2F25909}"/>
           </ac:spMkLst>
         </pc:spChg>
       </pc:sldChg>
@@ -1210,6 +623,512 @@
 </file>
 
 <file path=ppt/slideLayouts/slideLayout1.xml><?xml version="1.0" encoding="utf-8"?>
+<p:sldLayout xmlns:a="http://schemas.openxmlformats.org/drawingml/2006/main" xmlns:r="http://schemas.openxmlformats.org/officeDocument/2006/relationships" xmlns:p="http://schemas.openxmlformats.org/presentationml/2006/main" preserve="1" userDrawn="1">
+  <p:cSld name="Title Slide">
+    <p:spTree>
+      <p:nvGrpSpPr>
+        <p:cNvPr id="1" name=""/>
+        <p:cNvGrpSpPr/>
+        <p:nvPr/>
+      </p:nvGrpSpPr>
+      <p:grpSpPr>
+        <a:xfrm>
+          <a:off x="0" y="0"/>
+          <a:ext cx="0" cy="0"/>
+          <a:chOff x="0" y="0"/>
+          <a:chExt cx="0" cy="0"/>
+        </a:xfrm>
+      </p:grpSpPr>
+    </p:spTree>
+    <p:extLst>
+      <p:ext uri="{BB962C8B-B14F-4D97-AF65-F5344CB8AC3E}">
+        <p14:creationId xmlns:p14="http://schemas.microsoft.com/office/powerpoint/2010/main" val="2903089904"/>
+      </p:ext>
+    </p:extLst>
+  </p:cSld>
+  <p:clrMapOvr>
+    <a:masterClrMapping/>
+  </p:clrMapOvr>
+</p:sldLayout>
+</file>
+
+<file path=ppt/slideLayouts/slideLayout10.xml><?xml version="1.0" encoding="utf-8"?>
+<p:sldLayout xmlns:a="http://schemas.openxmlformats.org/drawingml/2006/main" xmlns:r="http://schemas.openxmlformats.org/officeDocument/2006/relationships" xmlns:p="http://schemas.openxmlformats.org/presentationml/2006/main" type="vertTx" preserve="1">
+  <p:cSld name="Title and Vertical Text">
+    <p:spTree>
+      <p:nvGrpSpPr>
+        <p:cNvPr id="1" name=""/>
+        <p:cNvGrpSpPr/>
+        <p:nvPr/>
+      </p:nvGrpSpPr>
+      <p:grpSpPr>
+        <a:xfrm>
+          <a:off x="0" y="0"/>
+          <a:ext cx="0" cy="0"/>
+          <a:chOff x="0" y="0"/>
+          <a:chExt cx="0" cy="0"/>
+        </a:xfrm>
+      </p:grpSpPr>
+      <p:sp>
+        <p:nvSpPr>
+          <p:cNvPr id="2" name="Title 1">
+            <a:extLst>
+              <a:ext uri="{FF2B5EF4-FFF2-40B4-BE49-F238E27FC236}">
+                <a16:creationId xmlns:a16="http://schemas.microsoft.com/office/drawing/2014/main" id="{A2992E9E-93C1-7E84-A4D5-EA127AB4BDC1}"/>
+              </a:ext>
+            </a:extLst>
+          </p:cNvPr>
+          <p:cNvSpPr>
+            <a:spLocks noGrp="1"/>
+          </p:cNvSpPr>
+          <p:nvPr>
+            <p:ph type="title"/>
+          </p:nvPr>
+        </p:nvSpPr>
+        <p:spPr>
+          <a:xfrm>
+            <a:off x="602787" y="1498382"/>
+            <a:ext cx="10515600" cy="1325563"/>
+          </a:xfrm>
+          <a:prstGeom prst="rect">
+            <a:avLst/>
+          </a:prstGeom>
+        </p:spPr>
+        <p:txBody>
+          <a:bodyPr/>
+          <a:lstStyle/>
+          <a:p>
+            <a:r>
+              <a:rPr lang="en-US"/>
+              <a:t>Click to edit Master title style</a:t>
+            </a:r>
+          </a:p>
+        </p:txBody>
+      </p:sp>
+      <p:sp>
+        <p:nvSpPr>
+          <p:cNvPr id="3" name="Vertical Text Placeholder 2">
+            <a:extLst>
+              <a:ext uri="{FF2B5EF4-FFF2-40B4-BE49-F238E27FC236}">
+                <a16:creationId xmlns:a16="http://schemas.microsoft.com/office/drawing/2014/main" id="{FBFF1E9B-EE9D-9A7E-EE97-87C838D9BB2F}"/>
+              </a:ext>
+            </a:extLst>
+          </p:cNvPr>
+          <p:cNvSpPr>
+            <a:spLocks noGrp="1"/>
+          </p:cNvSpPr>
+          <p:nvPr>
+            <p:ph type="body" orient="vert" idx="1"/>
+          </p:nvPr>
+        </p:nvSpPr>
+        <p:spPr>
+          <a:xfrm>
+            <a:off x="838200" y="1825625"/>
+            <a:ext cx="10515600" cy="4351338"/>
+          </a:xfrm>
+          <a:prstGeom prst="rect">
+            <a:avLst/>
+          </a:prstGeom>
+        </p:spPr>
+        <p:txBody>
+          <a:bodyPr vert="eaVert"/>
+          <a:lstStyle/>
+          <a:p>
+            <a:pPr lvl="0"/>
+            <a:r>
+              <a:rPr lang="en-US"/>
+              <a:t>Click to edit Master text styles</a:t>
+            </a:r>
+          </a:p>
+          <a:p>
+            <a:pPr lvl="1"/>
+            <a:r>
+              <a:rPr lang="en-US"/>
+              <a:t>Second level</a:t>
+            </a:r>
+          </a:p>
+          <a:p>
+            <a:pPr lvl="2"/>
+            <a:r>
+              <a:rPr lang="en-US"/>
+              <a:t>Third level</a:t>
+            </a:r>
+          </a:p>
+          <a:p>
+            <a:pPr lvl="3"/>
+            <a:r>
+              <a:rPr lang="en-US"/>
+              <a:t>Fourth level</a:t>
+            </a:r>
+          </a:p>
+          <a:p>
+            <a:pPr lvl="4"/>
+            <a:r>
+              <a:rPr lang="en-US"/>
+              <a:t>Fifth level</a:t>
+            </a:r>
+          </a:p>
+        </p:txBody>
+      </p:sp>
+      <p:sp>
+        <p:nvSpPr>
+          <p:cNvPr id="4" name="Date Placeholder 3">
+            <a:extLst>
+              <a:ext uri="{FF2B5EF4-FFF2-40B4-BE49-F238E27FC236}">
+                <a16:creationId xmlns:a16="http://schemas.microsoft.com/office/drawing/2014/main" id="{450DA212-C93A-3075-FD32-156F351E64D4}"/>
+              </a:ext>
+            </a:extLst>
+          </p:cNvPr>
+          <p:cNvSpPr>
+            <a:spLocks noGrp="1"/>
+          </p:cNvSpPr>
+          <p:nvPr>
+            <p:ph type="dt" sz="half" idx="10"/>
+          </p:nvPr>
+        </p:nvSpPr>
+        <p:spPr>
+          <a:xfrm>
+            <a:off x="838200" y="6445249"/>
+            <a:ext cx="2743200" cy="365125"/>
+          </a:xfrm>
+          <a:prstGeom prst="rect">
+            <a:avLst/>
+          </a:prstGeom>
+        </p:spPr>
+        <p:txBody>
+          <a:bodyPr/>
+          <a:lstStyle/>
+          <a:p>
+            <a:fld id="{71087A05-F855-4434-8DDE-39A8542098A6}" type="datetimeFigureOut">
+              <a:rPr lang="en-US" smtClean="0"/>
+              <a:t>11/21/2024</a:t>
+            </a:fld>
+            <a:endParaRPr lang="en-US"/>
+          </a:p>
+        </p:txBody>
+      </p:sp>
+      <p:sp>
+        <p:nvSpPr>
+          <p:cNvPr id="5" name="Footer Placeholder 4">
+            <a:extLst>
+              <a:ext uri="{FF2B5EF4-FFF2-40B4-BE49-F238E27FC236}">
+                <a16:creationId xmlns:a16="http://schemas.microsoft.com/office/drawing/2014/main" id="{D6AA4E94-35D9-7831-A0BB-9A28BFA422BE}"/>
+              </a:ext>
+            </a:extLst>
+          </p:cNvPr>
+          <p:cNvSpPr>
+            <a:spLocks noGrp="1"/>
+          </p:cNvSpPr>
+          <p:nvPr>
+            <p:ph type="ftr" sz="quarter" idx="11"/>
+          </p:nvPr>
+        </p:nvSpPr>
+        <p:spPr>
+          <a:xfrm>
+            <a:off x="4038600" y="6356350"/>
+            <a:ext cx="4114800" cy="365125"/>
+          </a:xfrm>
+          <a:prstGeom prst="rect">
+            <a:avLst/>
+          </a:prstGeom>
+        </p:spPr>
+        <p:txBody>
+          <a:bodyPr/>
+          <a:lstStyle/>
+          <a:p>
+            <a:endParaRPr lang="en-US"/>
+          </a:p>
+        </p:txBody>
+      </p:sp>
+      <p:sp>
+        <p:nvSpPr>
+          <p:cNvPr id="6" name="Slide Number Placeholder 5">
+            <a:extLst>
+              <a:ext uri="{FF2B5EF4-FFF2-40B4-BE49-F238E27FC236}">
+                <a16:creationId xmlns:a16="http://schemas.microsoft.com/office/drawing/2014/main" id="{2E0B5BE5-01BB-5041-6101-F169276B2397}"/>
+              </a:ext>
+            </a:extLst>
+          </p:cNvPr>
+          <p:cNvSpPr>
+            <a:spLocks noGrp="1"/>
+          </p:cNvSpPr>
+          <p:nvPr>
+            <p:ph type="sldNum" sz="quarter" idx="12"/>
+          </p:nvPr>
+        </p:nvSpPr>
+        <p:spPr>
+          <a:xfrm>
+            <a:off x="8610600" y="6356350"/>
+            <a:ext cx="2743200" cy="365125"/>
+          </a:xfrm>
+          <a:prstGeom prst="rect">
+            <a:avLst/>
+          </a:prstGeom>
+        </p:spPr>
+        <p:txBody>
+          <a:bodyPr/>
+          <a:lstStyle/>
+          <a:p>
+            <a:fld id="{6C0014F0-3D1D-4459-A530-32E6C19AE461}" type="slidenum">
+              <a:rPr lang="en-US" smtClean="0"/>
+              <a:t>‹#›</a:t>
+            </a:fld>
+            <a:endParaRPr lang="en-US"/>
+          </a:p>
+        </p:txBody>
+      </p:sp>
+    </p:spTree>
+    <p:extLst>
+      <p:ext uri="{BB962C8B-B14F-4D97-AF65-F5344CB8AC3E}">
+        <p14:creationId xmlns:p14="http://schemas.microsoft.com/office/powerpoint/2010/main" val="3058523283"/>
+      </p:ext>
+    </p:extLst>
+  </p:cSld>
+  <p:clrMapOvr>
+    <a:masterClrMapping/>
+  </p:clrMapOvr>
+</p:sldLayout>
+</file>
+
+<file path=ppt/slideLayouts/slideLayout11.xml><?xml version="1.0" encoding="utf-8"?>
+<p:sldLayout xmlns:a="http://schemas.openxmlformats.org/drawingml/2006/main" xmlns:r="http://schemas.openxmlformats.org/officeDocument/2006/relationships" xmlns:p="http://schemas.openxmlformats.org/presentationml/2006/main" type="vertTitleAndTx" preserve="1">
+  <p:cSld name="Vertical Title and Text">
+    <p:spTree>
+      <p:nvGrpSpPr>
+        <p:cNvPr id="1" name=""/>
+        <p:cNvGrpSpPr/>
+        <p:nvPr/>
+      </p:nvGrpSpPr>
+      <p:grpSpPr>
+        <a:xfrm>
+          <a:off x="0" y="0"/>
+          <a:ext cx="0" cy="0"/>
+          <a:chOff x="0" y="0"/>
+          <a:chExt cx="0" cy="0"/>
+        </a:xfrm>
+      </p:grpSpPr>
+      <p:sp>
+        <p:nvSpPr>
+          <p:cNvPr id="2" name="Vertical Title 1">
+            <a:extLst>
+              <a:ext uri="{FF2B5EF4-FFF2-40B4-BE49-F238E27FC236}">
+                <a16:creationId xmlns:a16="http://schemas.microsoft.com/office/drawing/2014/main" id="{B7D370E5-4104-4DF4-CE6F-43777E948DFD}"/>
+              </a:ext>
+            </a:extLst>
+          </p:cNvPr>
+          <p:cNvSpPr>
+            <a:spLocks noGrp="1"/>
+          </p:cNvSpPr>
+          <p:nvPr>
+            <p:ph type="title" orient="vert"/>
+          </p:nvPr>
+        </p:nvSpPr>
+        <p:spPr>
+          <a:xfrm>
+            <a:off x="8724900" y="365125"/>
+            <a:ext cx="2628900" cy="5811838"/>
+          </a:xfrm>
+          <a:prstGeom prst="rect">
+            <a:avLst/>
+          </a:prstGeom>
+        </p:spPr>
+        <p:txBody>
+          <a:bodyPr vert="eaVert"/>
+          <a:lstStyle/>
+          <a:p>
+            <a:r>
+              <a:rPr lang="en-US"/>
+              <a:t>Click to edit Master title style</a:t>
+            </a:r>
+          </a:p>
+        </p:txBody>
+      </p:sp>
+      <p:sp>
+        <p:nvSpPr>
+          <p:cNvPr id="3" name="Vertical Text Placeholder 2">
+            <a:extLst>
+              <a:ext uri="{FF2B5EF4-FFF2-40B4-BE49-F238E27FC236}">
+                <a16:creationId xmlns:a16="http://schemas.microsoft.com/office/drawing/2014/main" id="{3CEA6D81-DFD1-D8AC-EC26-DC0557526EE4}"/>
+              </a:ext>
+            </a:extLst>
+          </p:cNvPr>
+          <p:cNvSpPr>
+            <a:spLocks noGrp="1"/>
+          </p:cNvSpPr>
+          <p:nvPr>
+            <p:ph type="body" orient="vert" idx="1"/>
+          </p:nvPr>
+        </p:nvSpPr>
+        <p:spPr>
+          <a:xfrm>
+            <a:off x="838200" y="365125"/>
+            <a:ext cx="7734300" cy="5811838"/>
+          </a:xfrm>
+          <a:prstGeom prst="rect">
+            <a:avLst/>
+          </a:prstGeom>
+        </p:spPr>
+        <p:txBody>
+          <a:bodyPr vert="eaVert"/>
+          <a:lstStyle/>
+          <a:p>
+            <a:pPr lvl="0"/>
+            <a:r>
+              <a:rPr lang="en-US"/>
+              <a:t>Click to edit Master text styles</a:t>
+            </a:r>
+          </a:p>
+          <a:p>
+            <a:pPr lvl="1"/>
+            <a:r>
+              <a:rPr lang="en-US"/>
+              <a:t>Second level</a:t>
+            </a:r>
+          </a:p>
+          <a:p>
+            <a:pPr lvl="2"/>
+            <a:r>
+              <a:rPr lang="en-US"/>
+              <a:t>Third level</a:t>
+            </a:r>
+          </a:p>
+          <a:p>
+            <a:pPr lvl="3"/>
+            <a:r>
+              <a:rPr lang="en-US"/>
+              <a:t>Fourth level</a:t>
+            </a:r>
+          </a:p>
+          <a:p>
+            <a:pPr lvl="4"/>
+            <a:r>
+              <a:rPr lang="en-US"/>
+              <a:t>Fifth level</a:t>
+            </a:r>
+          </a:p>
+        </p:txBody>
+      </p:sp>
+      <p:sp>
+        <p:nvSpPr>
+          <p:cNvPr id="4" name="Date Placeholder 3">
+            <a:extLst>
+              <a:ext uri="{FF2B5EF4-FFF2-40B4-BE49-F238E27FC236}">
+                <a16:creationId xmlns:a16="http://schemas.microsoft.com/office/drawing/2014/main" id="{60E27890-E421-871D-9D4F-F7E5B558B71E}"/>
+              </a:ext>
+            </a:extLst>
+          </p:cNvPr>
+          <p:cNvSpPr>
+            <a:spLocks noGrp="1"/>
+          </p:cNvSpPr>
+          <p:nvPr>
+            <p:ph type="dt" sz="half" idx="10"/>
+          </p:nvPr>
+        </p:nvSpPr>
+        <p:spPr>
+          <a:xfrm>
+            <a:off x="838200" y="6445249"/>
+            <a:ext cx="2743200" cy="365125"/>
+          </a:xfrm>
+          <a:prstGeom prst="rect">
+            <a:avLst/>
+          </a:prstGeom>
+        </p:spPr>
+        <p:txBody>
+          <a:bodyPr/>
+          <a:lstStyle/>
+          <a:p>
+            <a:fld id="{71087A05-F855-4434-8DDE-39A8542098A6}" type="datetimeFigureOut">
+              <a:rPr lang="en-US" smtClean="0"/>
+              <a:t>11/21/2024</a:t>
+            </a:fld>
+            <a:endParaRPr lang="en-US"/>
+          </a:p>
+        </p:txBody>
+      </p:sp>
+      <p:sp>
+        <p:nvSpPr>
+          <p:cNvPr id="5" name="Footer Placeholder 4">
+            <a:extLst>
+              <a:ext uri="{FF2B5EF4-FFF2-40B4-BE49-F238E27FC236}">
+                <a16:creationId xmlns:a16="http://schemas.microsoft.com/office/drawing/2014/main" id="{B7A93CF4-905B-F31B-69BD-9BEBF9008D86}"/>
+              </a:ext>
+            </a:extLst>
+          </p:cNvPr>
+          <p:cNvSpPr>
+            <a:spLocks noGrp="1"/>
+          </p:cNvSpPr>
+          <p:nvPr>
+            <p:ph type="ftr" sz="quarter" idx="11"/>
+          </p:nvPr>
+        </p:nvSpPr>
+        <p:spPr>
+          <a:xfrm>
+            <a:off x="4038600" y="6356350"/>
+            <a:ext cx="4114800" cy="365125"/>
+          </a:xfrm>
+          <a:prstGeom prst="rect">
+            <a:avLst/>
+          </a:prstGeom>
+        </p:spPr>
+        <p:txBody>
+          <a:bodyPr/>
+          <a:lstStyle/>
+          <a:p>
+            <a:endParaRPr lang="en-US"/>
+          </a:p>
+        </p:txBody>
+      </p:sp>
+      <p:sp>
+        <p:nvSpPr>
+          <p:cNvPr id="6" name="Slide Number Placeholder 5">
+            <a:extLst>
+              <a:ext uri="{FF2B5EF4-FFF2-40B4-BE49-F238E27FC236}">
+                <a16:creationId xmlns:a16="http://schemas.microsoft.com/office/drawing/2014/main" id="{B9BD2B1C-442A-F5C9-9AEB-F9DE0158660F}"/>
+              </a:ext>
+            </a:extLst>
+          </p:cNvPr>
+          <p:cNvSpPr>
+            <a:spLocks noGrp="1"/>
+          </p:cNvSpPr>
+          <p:nvPr>
+            <p:ph type="sldNum" sz="quarter" idx="12"/>
+          </p:nvPr>
+        </p:nvSpPr>
+        <p:spPr>
+          <a:xfrm>
+            <a:off x="8610600" y="6356350"/>
+            <a:ext cx="2743200" cy="365125"/>
+          </a:xfrm>
+          <a:prstGeom prst="rect">
+            <a:avLst/>
+          </a:prstGeom>
+        </p:spPr>
+        <p:txBody>
+          <a:bodyPr/>
+          <a:lstStyle/>
+          <a:p>
+            <a:fld id="{6C0014F0-3D1D-4459-A530-32E6C19AE461}" type="slidenum">
+              <a:rPr lang="en-US" smtClean="0"/>
+              <a:t>‹#›</a:t>
+            </a:fld>
+            <a:endParaRPr lang="en-US"/>
+          </a:p>
+        </p:txBody>
+      </p:sp>
+    </p:spTree>
+    <p:extLst>
+      <p:ext uri="{BB962C8B-B14F-4D97-AF65-F5344CB8AC3E}">
+        <p14:creationId xmlns:p14="http://schemas.microsoft.com/office/powerpoint/2010/main" val="4080666653"/>
+      </p:ext>
+    </p:extLst>
+  </p:cSld>
+  <p:clrMapOvr>
+    <a:masterClrMapping/>
+  </p:clrMapOvr>
+</p:sldLayout>
+</file>
+
+<file path=ppt/slideLayouts/slideLayout12.xml><?xml version="1.0" encoding="utf-8"?>
 <p:sldLayout xmlns:a="http://schemas.openxmlformats.org/drawingml/2006/main" xmlns:r="http://schemas.openxmlformats.org/officeDocument/2006/relationships" xmlns:p="http://schemas.openxmlformats.org/presentationml/2006/main" type="title" preserve="1">
   <p:cSld name="Title Slide">
     <p:spTree>
@@ -1356,7 +1275,7 @@
           <a:p>
             <a:fld id="{421996D4-4A1C-4BBC-AA2B-FD5B7FC395A0}" type="datetime1">
               <a:rPr lang="en-US" smtClean="0"/>
-              <a:t>10/10/2024</a:t>
+              <a:t>11/21/2024</a:t>
             </a:fld>
             <a:endParaRPr lang="en-US"/>
           </a:p>
@@ -1419,7 +1338,7 @@
     </p:spTree>
     <p:extLst>
       <p:ext uri="{BB962C8B-B14F-4D97-AF65-F5344CB8AC3E}">
-        <p14:creationId xmlns:p14="http://schemas.microsoft.com/office/powerpoint/2010/main" val="4169122874"/>
+        <p14:creationId xmlns:p14="http://schemas.microsoft.com/office/powerpoint/2010/main" val="2416304581"/>
       </p:ext>
     </p:extLst>
   </p:cSld>
@@ -1429,413 +1348,7 @@
 </p:sldLayout>
 </file>
 
-<file path=ppt/slideLayouts/slideLayout10.xml><?xml version="1.0" encoding="utf-8"?>
-<p:sldLayout xmlns:a="http://schemas.openxmlformats.org/drawingml/2006/main" xmlns:r="http://schemas.openxmlformats.org/officeDocument/2006/relationships" xmlns:p="http://schemas.openxmlformats.org/presentationml/2006/main" type="vertTx" preserve="1">
-  <p:cSld name="Title and Vertical Text">
-    <p:spTree>
-      <p:nvGrpSpPr>
-        <p:cNvPr id="1" name=""/>
-        <p:cNvGrpSpPr/>
-        <p:nvPr/>
-      </p:nvGrpSpPr>
-      <p:grpSpPr>
-        <a:xfrm>
-          <a:off x="0" y="0"/>
-          <a:ext cx="0" cy="0"/>
-          <a:chOff x="0" y="0"/>
-          <a:chExt cx="0" cy="0"/>
-        </a:xfrm>
-      </p:grpSpPr>
-      <p:sp>
-        <p:nvSpPr>
-          <p:cNvPr id="2" name="Title 1">
-            <a:extLst>
-              <a:ext uri="{FF2B5EF4-FFF2-40B4-BE49-F238E27FC236}">
-                <a16:creationId xmlns:a16="http://schemas.microsoft.com/office/drawing/2014/main" id="{D6AD2E5E-D555-7E2B-7E3F-7520CC1D227E}"/>
-              </a:ext>
-            </a:extLst>
-          </p:cNvPr>
-          <p:cNvSpPr>
-            <a:spLocks noGrp="1"/>
-          </p:cNvSpPr>
-          <p:nvPr>
-            <p:ph type="title"/>
-          </p:nvPr>
-        </p:nvSpPr>
-        <p:spPr/>
-        <p:txBody>
-          <a:bodyPr/>
-          <a:lstStyle/>
-          <a:p>
-            <a:r>
-              <a:rPr lang="en-US"/>
-              <a:t>Click to edit Master title style</a:t>
-            </a:r>
-          </a:p>
-        </p:txBody>
-      </p:sp>
-      <p:sp>
-        <p:nvSpPr>
-          <p:cNvPr id="3" name="Vertical Text Placeholder 2">
-            <a:extLst>
-              <a:ext uri="{FF2B5EF4-FFF2-40B4-BE49-F238E27FC236}">
-                <a16:creationId xmlns:a16="http://schemas.microsoft.com/office/drawing/2014/main" id="{21BCA2AE-5C6A-0627-55FB-1213E6BA2F01}"/>
-              </a:ext>
-            </a:extLst>
-          </p:cNvPr>
-          <p:cNvSpPr>
-            <a:spLocks noGrp="1"/>
-          </p:cNvSpPr>
-          <p:nvPr>
-            <p:ph type="body" orient="vert" idx="1"/>
-          </p:nvPr>
-        </p:nvSpPr>
-        <p:spPr/>
-        <p:txBody>
-          <a:bodyPr vert="eaVert"/>
-          <a:lstStyle/>
-          <a:p>
-            <a:pPr lvl="0"/>
-            <a:r>
-              <a:rPr lang="en-US"/>
-              <a:t>Click to edit Master text styles</a:t>
-            </a:r>
-          </a:p>
-          <a:p>
-            <a:pPr lvl="1"/>
-            <a:r>
-              <a:rPr lang="en-US"/>
-              <a:t>Second level</a:t>
-            </a:r>
-          </a:p>
-          <a:p>
-            <a:pPr lvl="2"/>
-            <a:r>
-              <a:rPr lang="en-US"/>
-              <a:t>Third level</a:t>
-            </a:r>
-          </a:p>
-          <a:p>
-            <a:pPr lvl="3"/>
-            <a:r>
-              <a:rPr lang="en-US"/>
-              <a:t>Fourth level</a:t>
-            </a:r>
-          </a:p>
-          <a:p>
-            <a:pPr lvl="4"/>
-            <a:r>
-              <a:rPr lang="en-US"/>
-              <a:t>Fifth level</a:t>
-            </a:r>
-          </a:p>
-        </p:txBody>
-      </p:sp>
-      <p:sp>
-        <p:nvSpPr>
-          <p:cNvPr id="4" name="Date Placeholder 3">
-            <a:extLst>
-              <a:ext uri="{FF2B5EF4-FFF2-40B4-BE49-F238E27FC236}">
-                <a16:creationId xmlns:a16="http://schemas.microsoft.com/office/drawing/2014/main" id="{5107EDAF-37A2-AD0D-A11E-C6E412B7CD68}"/>
-              </a:ext>
-            </a:extLst>
-          </p:cNvPr>
-          <p:cNvSpPr>
-            <a:spLocks noGrp="1"/>
-          </p:cNvSpPr>
-          <p:nvPr>
-            <p:ph type="dt" sz="half" idx="10"/>
-          </p:nvPr>
-        </p:nvSpPr>
-        <p:spPr/>
-        <p:txBody>
-          <a:bodyPr/>
-          <a:lstStyle/>
-          <a:p>
-            <a:fld id="{CB43818D-5554-4105-BE04-CEE32DEBDA0A}" type="datetime1">
-              <a:rPr lang="en-US" smtClean="0"/>
-              <a:t>10/10/2024</a:t>
-            </a:fld>
-            <a:endParaRPr lang="en-US"/>
-          </a:p>
-        </p:txBody>
-      </p:sp>
-      <p:sp>
-        <p:nvSpPr>
-          <p:cNvPr id="5" name="Footer Placeholder 4">
-            <a:extLst>
-              <a:ext uri="{FF2B5EF4-FFF2-40B4-BE49-F238E27FC236}">
-                <a16:creationId xmlns:a16="http://schemas.microsoft.com/office/drawing/2014/main" id="{17AABE0A-6316-1BFF-88AA-1E305E3595C5}"/>
-              </a:ext>
-            </a:extLst>
-          </p:cNvPr>
-          <p:cNvSpPr>
-            <a:spLocks noGrp="1"/>
-          </p:cNvSpPr>
-          <p:nvPr>
-            <p:ph type="ftr" sz="quarter" idx="11"/>
-          </p:nvPr>
-        </p:nvSpPr>
-        <p:spPr/>
-        <p:txBody>
-          <a:bodyPr/>
-          <a:lstStyle/>
-          <a:p>
-            <a:endParaRPr lang="en-US"/>
-          </a:p>
-        </p:txBody>
-      </p:sp>
-      <p:sp>
-        <p:nvSpPr>
-          <p:cNvPr id="6" name="Slide Number Placeholder 5">
-            <a:extLst>
-              <a:ext uri="{FF2B5EF4-FFF2-40B4-BE49-F238E27FC236}">
-                <a16:creationId xmlns:a16="http://schemas.microsoft.com/office/drawing/2014/main" id="{FC568FF5-9BB0-1800-E4BA-438F3408E54B}"/>
-              </a:ext>
-            </a:extLst>
-          </p:cNvPr>
-          <p:cNvSpPr>
-            <a:spLocks noGrp="1"/>
-          </p:cNvSpPr>
-          <p:nvPr>
-            <p:ph type="sldNum" sz="quarter" idx="12"/>
-          </p:nvPr>
-        </p:nvSpPr>
-        <p:spPr/>
-        <p:txBody>
-          <a:bodyPr/>
-          <a:lstStyle/>
-          <a:p>
-            <a:fld id="{B46E5E13-EE34-439C-B49B-F0CB75B28E1B}" type="slidenum">
-              <a:rPr lang="en-US" smtClean="0"/>
-              <a:t>‹#›</a:t>
-            </a:fld>
-            <a:endParaRPr lang="en-US"/>
-          </a:p>
-        </p:txBody>
-      </p:sp>
-    </p:spTree>
-    <p:extLst>
-      <p:ext uri="{BB962C8B-B14F-4D97-AF65-F5344CB8AC3E}">
-        <p14:creationId xmlns:p14="http://schemas.microsoft.com/office/powerpoint/2010/main" val="3088053719"/>
-      </p:ext>
-    </p:extLst>
-  </p:cSld>
-  <p:clrMapOvr>
-    <a:masterClrMapping/>
-  </p:clrMapOvr>
-</p:sldLayout>
-</file>
-
-<file path=ppt/slideLayouts/slideLayout11.xml><?xml version="1.0" encoding="utf-8"?>
-<p:sldLayout xmlns:a="http://schemas.openxmlformats.org/drawingml/2006/main" xmlns:r="http://schemas.openxmlformats.org/officeDocument/2006/relationships" xmlns:p="http://schemas.openxmlformats.org/presentationml/2006/main" type="vertTitleAndTx" preserve="1">
-  <p:cSld name="Vertical Title and Text">
-    <p:spTree>
-      <p:nvGrpSpPr>
-        <p:cNvPr id="1" name=""/>
-        <p:cNvGrpSpPr/>
-        <p:nvPr/>
-      </p:nvGrpSpPr>
-      <p:grpSpPr>
-        <a:xfrm>
-          <a:off x="0" y="0"/>
-          <a:ext cx="0" cy="0"/>
-          <a:chOff x="0" y="0"/>
-          <a:chExt cx="0" cy="0"/>
-        </a:xfrm>
-      </p:grpSpPr>
-      <p:sp>
-        <p:nvSpPr>
-          <p:cNvPr id="2" name="Vertical Title 1">
-            <a:extLst>
-              <a:ext uri="{FF2B5EF4-FFF2-40B4-BE49-F238E27FC236}">
-                <a16:creationId xmlns:a16="http://schemas.microsoft.com/office/drawing/2014/main" id="{AAE8DA51-17B9-3E3B-6597-C3149EC564E7}"/>
-              </a:ext>
-            </a:extLst>
-          </p:cNvPr>
-          <p:cNvSpPr>
-            <a:spLocks noGrp="1"/>
-          </p:cNvSpPr>
-          <p:nvPr>
-            <p:ph type="title" orient="vert"/>
-          </p:nvPr>
-        </p:nvSpPr>
-        <p:spPr>
-          <a:xfrm>
-            <a:off x="8724900" y="365125"/>
-            <a:ext cx="2628900" cy="5811838"/>
-          </a:xfrm>
-        </p:spPr>
-        <p:txBody>
-          <a:bodyPr vert="eaVert"/>
-          <a:lstStyle/>
-          <a:p>
-            <a:r>
-              <a:rPr lang="en-US"/>
-              <a:t>Click to edit Master title style</a:t>
-            </a:r>
-          </a:p>
-        </p:txBody>
-      </p:sp>
-      <p:sp>
-        <p:nvSpPr>
-          <p:cNvPr id="3" name="Vertical Text Placeholder 2">
-            <a:extLst>
-              <a:ext uri="{FF2B5EF4-FFF2-40B4-BE49-F238E27FC236}">
-                <a16:creationId xmlns:a16="http://schemas.microsoft.com/office/drawing/2014/main" id="{C43333B4-9DAF-48B6-30CB-E3B610BEF084}"/>
-              </a:ext>
-            </a:extLst>
-          </p:cNvPr>
-          <p:cNvSpPr>
-            <a:spLocks noGrp="1"/>
-          </p:cNvSpPr>
-          <p:nvPr>
-            <p:ph type="body" orient="vert" idx="1"/>
-          </p:nvPr>
-        </p:nvSpPr>
-        <p:spPr>
-          <a:xfrm>
-            <a:off x="838200" y="365125"/>
-            <a:ext cx="7734300" cy="5811838"/>
-          </a:xfrm>
-        </p:spPr>
-        <p:txBody>
-          <a:bodyPr vert="eaVert"/>
-          <a:lstStyle/>
-          <a:p>
-            <a:pPr lvl="0"/>
-            <a:r>
-              <a:rPr lang="en-US"/>
-              <a:t>Click to edit Master text styles</a:t>
-            </a:r>
-          </a:p>
-          <a:p>
-            <a:pPr lvl="1"/>
-            <a:r>
-              <a:rPr lang="en-US"/>
-              <a:t>Second level</a:t>
-            </a:r>
-          </a:p>
-          <a:p>
-            <a:pPr lvl="2"/>
-            <a:r>
-              <a:rPr lang="en-US"/>
-              <a:t>Third level</a:t>
-            </a:r>
-          </a:p>
-          <a:p>
-            <a:pPr lvl="3"/>
-            <a:r>
-              <a:rPr lang="en-US"/>
-              <a:t>Fourth level</a:t>
-            </a:r>
-          </a:p>
-          <a:p>
-            <a:pPr lvl="4"/>
-            <a:r>
-              <a:rPr lang="en-US"/>
-              <a:t>Fifth level</a:t>
-            </a:r>
-          </a:p>
-        </p:txBody>
-      </p:sp>
-      <p:sp>
-        <p:nvSpPr>
-          <p:cNvPr id="4" name="Date Placeholder 3">
-            <a:extLst>
-              <a:ext uri="{FF2B5EF4-FFF2-40B4-BE49-F238E27FC236}">
-                <a16:creationId xmlns:a16="http://schemas.microsoft.com/office/drawing/2014/main" id="{6086BDD1-83F5-3D7A-8DD5-DF362A8AD1E7}"/>
-              </a:ext>
-            </a:extLst>
-          </p:cNvPr>
-          <p:cNvSpPr>
-            <a:spLocks noGrp="1"/>
-          </p:cNvSpPr>
-          <p:nvPr>
-            <p:ph type="dt" sz="half" idx="10"/>
-          </p:nvPr>
-        </p:nvSpPr>
-        <p:spPr/>
-        <p:txBody>
-          <a:bodyPr/>
-          <a:lstStyle/>
-          <a:p>
-            <a:fld id="{AFAC11C6-1708-41BC-9474-3D7842023D96}" type="datetime1">
-              <a:rPr lang="en-US" smtClean="0"/>
-              <a:t>10/10/2024</a:t>
-            </a:fld>
-            <a:endParaRPr lang="en-US"/>
-          </a:p>
-        </p:txBody>
-      </p:sp>
-      <p:sp>
-        <p:nvSpPr>
-          <p:cNvPr id="5" name="Footer Placeholder 4">
-            <a:extLst>
-              <a:ext uri="{FF2B5EF4-FFF2-40B4-BE49-F238E27FC236}">
-                <a16:creationId xmlns:a16="http://schemas.microsoft.com/office/drawing/2014/main" id="{4CD22109-0E78-0957-7BBE-F0B6D89EFBB0}"/>
-              </a:ext>
-            </a:extLst>
-          </p:cNvPr>
-          <p:cNvSpPr>
-            <a:spLocks noGrp="1"/>
-          </p:cNvSpPr>
-          <p:nvPr>
-            <p:ph type="ftr" sz="quarter" idx="11"/>
-          </p:nvPr>
-        </p:nvSpPr>
-        <p:spPr/>
-        <p:txBody>
-          <a:bodyPr/>
-          <a:lstStyle/>
-          <a:p>
-            <a:endParaRPr lang="en-US"/>
-          </a:p>
-        </p:txBody>
-      </p:sp>
-      <p:sp>
-        <p:nvSpPr>
-          <p:cNvPr id="6" name="Slide Number Placeholder 5">
-            <a:extLst>
-              <a:ext uri="{FF2B5EF4-FFF2-40B4-BE49-F238E27FC236}">
-                <a16:creationId xmlns:a16="http://schemas.microsoft.com/office/drawing/2014/main" id="{292DE250-FF35-6AD5-3A95-9CDBFE6C2373}"/>
-              </a:ext>
-            </a:extLst>
-          </p:cNvPr>
-          <p:cNvSpPr>
-            <a:spLocks noGrp="1"/>
-          </p:cNvSpPr>
-          <p:nvPr>
-            <p:ph type="sldNum" sz="quarter" idx="12"/>
-          </p:nvPr>
-        </p:nvSpPr>
-        <p:spPr/>
-        <p:txBody>
-          <a:bodyPr/>
-          <a:lstStyle/>
-          <a:p>
-            <a:fld id="{B46E5E13-EE34-439C-B49B-F0CB75B28E1B}" type="slidenum">
-              <a:rPr lang="en-US" smtClean="0"/>
-              <a:t>‹#›</a:t>
-            </a:fld>
-            <a:endParaRPr lang="en-US"/>
-          </a:p>
-        </p:txBody>
-      </p:sp>
-    </p:spTree>
-    <p:extLst>
-      <p:ext uri="{BB962C8B-B14F-4D97-AF65-F5344CB8AC3E}">
-        <p14:creationId xmlns:p14="http://schemas.microsoft.com/office/powerpoint/2010/main" val="3295637468"/>
-      </p:ext>
-    </p:extLst>
-  </p:cSld>
-  <p:clrMapOvr>
-    <a:masterClrMapping/>
-  </p:clrMapOvr>
-</p:sldLayout>
-</file>
-
-<file path=ppt/slideLayouts/slideLayout12.xml><?xml version="1.0" encoding="utf-8"?>
+<file path=ppt/slideLayouts/slideLayout13.xml><?xml version="1.0" encoding="utf-8"?>
 <p:sldLayout xmlns:a="http://schemas.openxmlformats.org/drawingml/2006/main" xmlns:r="http://schemas.openxmlformats.org/officeDocument/2006/relationships" xmlns:p="http://schemas.openxmlformats.org/presentationml/2006/main">
   <p:cSld name="Contents slide layout">
     <p:spTree>
@@ -1906,7 +1419,7 @@
     </p:spTree>
     <p:extLst>
       <p:ext uri="{BB962C8B-B14F-4D97-AF65-F5344CB8AC3E}">
-        <p14:creationId xmlns:p14="http://schemas.microsoft.com/office/powerpoint/2010/main" val="2488198393"/>
+        <p14:creationId xmlns:p14="http://schemas.microsoft.com/office/powerpoint/2010/main" val="135557882"/>
       </p:ext>
     </p:extLst>
   </p:cSld>
@@ -1938,7 +1451,7 @@
           <p:cNvPr id="2" name="Title 1">
             <a:extLst>
               <a:ext uri="{FF2B5EF4-FFF2-40B4-BE49-F238E27FC236}">
-                <a16:creationId xmlns:a16="http://schemas.microsoft.com/office/drawing/2014/main" id="{9B53F3F8-E052-488D-90D0-D947B99C4AE2}"/>
+                <a16:creationId xmlns:a16="http://schemas.microsoft.com/office/drawing/2014/main" id="{6A54579A-6906-4E6D-591C-C727DF060739}"/>
               </a:ext>
             </a:extLst>
           </p:cNvPr>
@@ -1949,7 +1462,15 @@
             <p:ph type="title"/>
           </p:nvPr>
         </p:nvSpPr>
-        <p:spPr/>
+        <p:spPr>
+          <a:xfrm>
+            <a:off x="602787" y="1498382"/>
+            <a:ext cx="10515600" cy="1325563"/>
+          </a:xfrm>
+          <a:prstGeom prst="rect">
+            <a:avLst/>
+          </a:prstGeom>
+        </p:spPr>
         <p:txBody>
           <a:bodyPr/>
           <a:lstStyle/>
@@ -1966,7 +1487,7 @@
           <p:cNvPr id="3" name="Content Placeholder 2">
             <a:extLst>
               <a:ext uri="{FF2B5EF4-FFF2-40B4-BE49-F238E27FC236}">
-                <a16:creationId xmlns:a16="http://schemas.microsoft.com/office/drawing/2014/main" id="{EDD73720-466D-068E-61C9-BDF9BF686AF3}"/>
+                <a16:creationId xmlns:a16="http://schemas.microsoft.com/office/drawing/2014/main" id="{9C426EAA-227D-5ECA-282E-3A3B3C8AE97C}"/>
               </a:ext>
             </a:extLst>
           </p:cNvPr>
@@ -1977,7 +1498,15 @@
             <p:ph idx="1"/>
           </p:nvPr>
         </p:nvSpPr>
-        <p:spPr/>
+        <p:spPr>
+          <a:xfrm>
+            <a:off x="838200" y="1825625"/>
+            <a:ext cx="10515600" cy="4351338"/>
+          </a:xfrm>
+          <a:prstGeom prst="rect">
+            <a:avLst/>
+          </a:prstGeom>
+        </p:spPr>
         <p:txBody>
           <a:bodyPr/>
           <a:lstStyle/>
@@ -2023,7 +1552,7 @@
           <p:cNvPr id="4" name="Date Placeholder 3">
             <a:extLst>
               <a:ext uri="{FF2B5EF4-FFF2-40B4-BE49-F238E27FC236}">
-                <a16:creationId xmlns:a16="http://schemas.microsoft.com/office/drawing/2014/main" id="{86D8B675-57D5-D89F-01F5-209268AB9E4B}"/>
+                <a16:creationId xmlns:a16="http://schemas.microsoft.com/office/drawing/2014/main" id="{7F651069-7D1F-49B9-3F01-D52A9F3A60B7}"/>
               </a:ext>
             </a:extLst>
           </p:cNvPr>
@@ -2034,14 +1563,22 @@
             <p:ph type="dt" sz="half" idx="10"/>
           </p:nvPr>
         </p:nvSpPr>
-        <p:spPr/>
+        <p:spPr>
+          <a:xfrm>
+            <a:off x="838200" y="6445249"/>
+            <a:ext cx="2743200" cy="365125"/>
+          </a:xfrm>
+          <a:prstGeom prst="rect">
+            <a:avLst/>
+          </a:prstGeom>
+        </p:spPr>
         <p:txBody>
           <a:bodyPr/>
           <a:lstStyle/>
           <a:p>
-            <a:fld id="{490605F8-8C86-41F5-9F5E-04EDB8C2540B}" type="datetime1">
+            <a:fld id="{71087A05-F855-4434-8DDE-39A8542098A6}" type="datetimeFigureOut">
               <a:rPr lang="en-US" smtClean="0"/>
-              <a:t>10/10/2024</a:t>
+              <a:t>11/21/2024</a:t>
             </a:fld>
             <a:endParaRPr lang="en-US"/>
           </a:p>
@@ -2052,7 +1589,7 @@
           <p:cNvPr id="5" name="Footer Placeholder 4">
             <a:extLst>
               <a:ext uri="{FF2B5EF4-FFF2-40B4-BE49-F238E27FC236}">
-                <a16:creationId xmlns:a16="http://schemas.microsoft.com/office/drawing/2014/main" id="{7053F998-E2CB-02E4-49BF-97696F865F45}"/>
+                <a16:creationId xmlns:a16="http://schemas.microsoft.com/office/drawing/2014/main" id="{5756067D-C727-84C7-612B-F665F36170EE}"/>
               </a:ext>
             </a:extLst>
           </p:cNvPr>
@@ -2063,7 +1600,15 @@
             <p:ph type="ftr" sz="quarter" idx="11"/>
           </p:nvPr>
         </p:nvSpPr>
-        <p:spPr/>
+        <p:spPr>
+          <a:xfrm>
+            <a:off x="4038600" y="6356350"/>
+            <a:ext cx="4114800" cy="365125"/>
+          </a:xfrm>
+          <a:prstGeom prst="rect">
+            <a:avLst/>
+          </a:prstGeom>
+        </p:spPr>
         <p:txBody>
           <a:bodyPr/>
           <a:lstStyle/>
@@ -2077,7 +1622,7 @@
           <p:cNvPr id="6" name="Slide Number Placeholder 5">
             <a:extLst>
               <a:ext uri="{FF2B5EF4-FFF2-40B4-BE49-F238E27FC236}">
-                <a16:creationId xmlns:a16="http://schemas.microsoft.com/office/drawing/2014/main" id="{FED59867-B8CC-A6E9-DDC7-43729DA70B76}"/>
+                <a16:creationId xmlns:a16="http://schemas.microsoft.com/office/drawing/2014/main" id="{A3C64F88-1C59-3F79-931F-4F91F22F14D3}"/>
               </a:ext>
             </a:extLst>
           </p:cNvPr>
@@ -2088,12 +1633,20 @@
             <p:ph type="sldNum" sz="quarter" idx="12"/>
           </p:nvPr>
         </p:nvSpPr>
-        <p:spPr/>
+        <p:spPr>
+          <a:xfrm>
+            <a:off x="8610600" y="6356350"/>
+            <a:ext cx="2743200" cy="365125"/>
+          </a:xfrm>
+          <a:prstGeom prst="rect">
+            <a:avLst/>
+          </a:prstGeom>
+        </p:spPr>
         <p:txBody>
           <a:bodyPr/>
           <a:lstStyle/>
           <a:p>
-            <a:fld id="{B46E5E13-EE34-439C-B49B-F0CB75B28E1B}" type="slidenum">
+            <a:fld id="{6C0014F0-3D1D-4459-A530-32E6C19AE461}" type="slidenum">
               <a:rPr lang="en-US" smtClean="0"/>
               <a:t>‹#›</a:t>
             </a:fld>
@@ -2104,7 +1657,7 @@
     </p:spTree>
     <p:extLst>
       <p:ext uri="{BB962C8B-B14F-4D97-AF65-F5344CB8AC3E}">
-        <p14:creationId xmlns:p14="http://schemas.microsoft.com/office/powerpoint/2010/main" val="810322467"/>
+        <p14:creationId xmlns:p14="http://schemas.microsoft.com/office/powerpoint/2010/main" val="3412372441"/>
       </p:ext>
     </p:extLst>
   </p:cSld>
@@ -2136,7 +1689,7 @@
           <p:cNvPr id="2" name="Title 1">
             <a:extLst>
               <a:ext uri="{FF2B5EF4-FFF2-40B4-BE49-F238E27FC236}">
-                <a16:creationId xmlns:a16="http://schemas.microsoft.com/office/drawing/2014/main" id="{24562E59-A35F-2B41-2BE7-EC4592347134}"/>
+                <a16:creationId xmlns:a16="http://schemas.microsoft.com/office/drawing/2014/main" id="{C2E67B73-4EBE-86E7-DEDC-379A7358D71A}"/>
               </a:ext>
             </a:extLst>
           </p:cNvPr>
@@ -2152,6 +1705,9 @@
             <a:off x="831850" y="1709738"/>
             <a:ext cx="10515600" cy="2852737"/>
           </a:xfrm>
+          <a:prstGeom prst="rect">
+            <a:avLst/>
+          </a:prstGeom>
         </p:spPr>
         <p:txBody>
           <a:bodyPr anchor="b"/>
@@ -2173,7 +1729,7 @@
           <p:cNvPr id="3" name="Text Placeholder 2">
             <a:extLst>
               <a:ext uri="{FF2B5EF4-FFF2-40B4-BE49-F238E27FC236}">
-                <a16:creationId xmlns:a16="http://schemas.microsoft.com/office/drawing/2014/main" id="{6CB88CFD-8D25-CDFD-1F9A-6A5BAFD86DD9}"/>
+                <a16:creationId xmlns:a16="http://schemas.microsoft.com/office/drawing/2014/main" id="{39DC486F-4B2F-BAA7-822D-AF77A301C3EF}"/>
               </a:ext>
             </a:extLst>
           </p:cNvPr>
@@ -2189,6 +1745,9 @@
             <a:off x="831850" y="4589463"/>
             <a:ext cx="10515600" cy="1500187"/>
           </a:xfrm>
+          <a:prstGeom prst="rect">
+            <a:avLst/>
+          </a:prstGeom>
         </p:spPr>
         <p:txBody>
           <a:bodyPr/>
@@ -2198,7 +1757,7 @@
               <a:defRPr sz="2400">
                 <a:solidFill>
                   <a:schemeClr val="tx1">
-                    <a:tint val="75000"/>
+                    <a:tint val="82000"/>
                   </a:schemeClr>
                 </a:solidFill>
               </a:defRPr>
@@ -2208,7 +1767,7 @@
               <a:defRPr sz="2000">
                 <a:solidFill>
                   <a:schemeClr val="tx1">
-                    <a:tint val="75000"/>
+                    <a:tint val="82000"/>
                   </a:schemeClr>
                 </a:solidFill>
               </a:defRPr>
@@ -2218,7 +1777,7 @@
               <a:defRPr sz="1800">
                 <a:solidFill>
                   <a:schemeClr val="tx1">
-                    <a:tint val="75000"/>
+                    <a:tint val="82000"/>
                   </a:schemeClr>
                 </a:solidFill>
               </a:defRPr>
@@ -2228,7 +1787,7 @@
               <a:defRPr sz="1600">
                 <a:solidFill>
                   <a:schemeClr val="tx1">
-                    <a:tint val="75000"/>
+                    <a:tint val="82000"/>
                   </a:schemeClr>
                 </a:solidFill>
               </a:defRPr>
@@ -2238,7 +1797,7 @@
               <a:defRPr sz="1600">
                 <a:solidFill>
                   <a:schemeClr val="tx1">
-                    <a:tint val="75000"/>
+                    <a:tint val="82000"/>
                   </a:schemeClr>
                 </a:solidFill>
               </a:defRPr>
@@ -2248,7 +1807,7 @@
               <a:defRPr sz="1600">
                 <a:solidFill>
                   <a:schemeClr val="tx1">
-                    <a:tint val="75000"/>
+                    <a:tint val="82000"/>
                   </a:schemeClr>
                 </a:solidFill>
               </a:defRPr>
@@ -2258,7 +1817,7 @@
               <a:defRPr sz="1600">
                 <a:solidFill>
                   <a:schemeClr val="tx1">
-                    <a:tint val="75000"/>
+                    <a:tint val="82000"/>
                   </a:schemeClr>
                 </a:solidFill>
               </a:defRPr>
@@ -2268,7 +1827,7 @@
               <a:defRPr sz="1600">
                 <a:solidFill>
                   <a:schemeClr val="tx1">
-                    <a:tint val="75000"/>
+                    <a:tint val="82000"/>
                   </a:schemeClr>
                 </a:solidFill>
               </a:defRPr>
@@ -2278,7 +1837,7 @@
               <a:defRPr sz="1600">
                 <a:solidFill>
                   <a:schemeClr val="tx1">
-                    <a:tint val="75000"/>
+                    <a:tint val="82000"/>
                   </a:schemeClr>
                 </a:solidFill>
               </a:defRPr>
@@ -2298,7 +1857,7 @@
           <p:cNvPr id="4" name="Date Placeholder 3">
             <a:extLst>
               <a:ext uri="{FF2B5EF4-FFF2-40B4-BE49-F238E27FC236}">
-                <a16:creationId xmlns:a16="http://schemas.microsoft.com/office/drawing/2014/main" id="{5DC2235C-EA94-C1E9-D4DB-83056BF4C68F}"/>
+                <a16:creationId xmlns:a16="http://schemas.microsoft.com/office/drawing/2014/main" id="{AC1AB7C3-5E85-3B9F-4177-A1AF2AB486D8}"/>
               </a:ext>
             </a:extLst>
           </p:cNvPr>
@@ -2309,14 +1868,22 @@
             <p:ph type="dt" sz="half" idx="10"/>
           </p:nvPr>
         </p:nvSpPr>
-        <p:spPr/>
+        <p:spPr>
+          <a:xfrm>
+            <a:off x="838200" y="6445249"/>
+            <a:ext cx="2743200" cy="365125"/>
+          </a:xfrm>
+          <a:prstGeom prst="rect">
+            <a:avLst/>
+          </a:prstGeom>
+        </p:spPr>
         <p:txBody>
           <a:bodyPr/>
           <a:lstStyle/>
           <a:p>
-            <a:fld id="{CA355DA2-1E89-41CC-B722-CBFC08F260AE}" type="datetime1">
+            <a:fld id="{71087A05-F855-4434-8DDE-39A8542098A6}" type="datetimeFigureOut">
               <a:rPr lang="en-US" smtClean="0"/>
-              <a:t>10/10/2024</a:t>
+              <a:t>11/21/2024</a:t>
             </a:fld>
             <a:endParaRPr lang="en-US"/>
           </a:p>
@@ -2327,7 +1894,7 @@
           <p:cNvPr id="5" name="Footer Placeholder 4">
             <a:extLst>
               <a:ext uri="{FF2B5EF4-FFF2-40B4-BE49-F238E27FC236}">
-                <a16:creationId xmlns:a16="http://schemas.microsoft.com/office/drawing/2014/main" id="{E178E07A-E8A4-2767-2911-D824C588F20D}"/>
+                <a16:creationId xmlns:a16="http://schemas.microsoft.com/office/drawing/2014/main" id="{8950E3CD-02DB-7A08-79DC-74CA926DE70F}"/>
               </a:ext>
             </a:extLst>
           </p:cNvPr>
@@ -2338,7 +1905,15 @@
             <p:ph type="ftr" sz="quarter" idx="11"/>
           </p:nvPr>
         </p:nvSpPr>
-        <p:spPr/>
+        <p:spPr>
+          <a:xfrm>
+            <a:off x="4038600" y="6356350"/>
+            <a:ext cx="4114800" cy="365125"/>
+          </a:xfrm>
+          <a:prstGeom prst="rect">
+            <a:avLst/>
+          </a:prstGeom>
+        </p:spPr>
         <p:txBody>
           <a:bodyPr/>
           <a:lstStyle/>
@@ -2352,7 +1927,7 @@
           <p:cNvPr id="6" name="Slide Number Placeholder 5">
             <a:extLst>
               <a:ext uri="{FF2B5EF4-FFF2-40B4-BE49-F238E27FC236}">
-                <a16:creationId xmlns:a16="http://schemas.microsoft.com/office/drawing/2014/main" id="{6D865987-67F3-82BA-9FFE-7A512551887E}"/>
+                <a16:creationId xmlns:a16="http://schemas.microsoft.com/office/drawing/2014/main" id="{78D6A67F-8469-E8AB-D35D-DEC64EA01BF9}"/>
               </a:ext>
             </a:extLst>
           </p:cNvPr>
@@ -2363,12 +1938,20 @@
             <p:ph type="sldNum" sz="quarter" idx="12"/>
           </p:nvPr>
         </p:nvSpPr>
-        <p:spPr/>
+        <p:spPr>
+          <a:xfrm>
+            <a:off x="8610600" y="6356350"/>
+            <a:ext cx="2743200" cy="365125"/>
+          </a:xfrm>
+          <a:prstGeom prst="rect">
+            <a:avLst/>
+          </a:prstGeom>
+        </p:spPr>
         <p:txBody>
           <a:bodyPr/>
           <a:lstStyle/>
           <a:p>
-            <a:fld id="{B46E5E13-EE34-439C-B49B-F0CB75B28E1B}" type="slidenum">
+            <a:fld id="{6C0014F0-3D1D-4459-A530-32E6C19AE461}" type="slidenum">
               <a:rPr lang="en-US" smtClean="0"/>
               <a:t>‹#›</a:t>
             </a:fld>
@@ -2379,7 +1962,7 @@
     </p:spTree>
     <p:extLst>
       <p:ext uri="{BB962C8B-B14F-4D97-AF65-F5344CB8AC3E}">
-        <p14:creationId xmlns:p14="http://schemas.microsoft.com/office/powerpoint/2010/main" val="3397068280"/>
+        <p14:creationId xmlns:p14="http://schemas.microsoft.com/office/powerpoint/2010/main" val="2389875780"/>
       </p:ext>
     </p:extLst>
   </p:cSld>
@@ -2411,7 +1994,7 @@
           <p:cNvPr id="2" name="Title 1">
             <a:extLst>
               <a:ext uri="{FF2B5EF4-FFF2-40B4-BE49-F238E27FC236}">
-                <a16:creationId xmlns:a16="http://schemas.microsoft.com/office/drawing/2014/main" id="{D7417273-9D16-5639-8844-46262C7A214A}"/>
+                <a16:creationId xmlns:a16="http://schemas.microsoft.com/office/drawing/2014/main" id="{BFB01EF5-6F0D-8686-CDD5-7DB43C9F613E}"/>
               </a:ext>
             </a:extLst>
           </p:cNvPr>
@@ -2422,7 +2005,15 @@
             <p:ph type="title"/>
           </p:nvPr>
         </p:nvSpPr>
-        <p:spPr/>
+        <p:spPr>
+          <a:xfrm>
+            <a:off x="602787" y="1498382"/>
+            <a:ext cx="10515600" cy="1325563"/>
+          </a:xfrm>
+          <a:prstGeom prst="rect">
+            <a:avLst/>
+          </a:prstGeom>
+        </p:spPr>
         <p:txBody>
           <a:bodyPr/>
           <a:lstStyle/>
@@ -2439,7 +2030,7 @@
           <p:cNvPr id="3" name="Content Placeholder 2">
             <a:extLst>
               <a:ext uri="{FF2B5EF4-FFF2-40B4-BE49-F238E27FC236}">
-                <a16:creationId xmlns:a16="http://schemas.microsoft.com/office/drawing/2014/main" id="{B0CB97D0-5920-4A0C-455B-784B34D523CD}"/>
+                <a16:creationId xmlns:a16="http://schemas.microsoft.com/office/drawing/2014/main" id="{2ED595E2-3C65-7E01-6223-574BF8FB8119}"/>
               </a:ext>
             </a:extLst>
           </p:cNvPr>
@@ -2455,6 +2046,9 @@
             <a:off x="838200" y="1825625"/>
             <a:ext cx="5181600" cy="4351338"/>
           </a:xfrm>
+          <a:prstGeom prst="rect">
+            <a:avLst/>
+          </a:prstGeom>
         </p:spPr>
         <p:txBody>
           <a:bodyPr/>
@@ -2501,7 +2095,7 @@
           <p:cNvPr id="4" name="Content Placeholder 3">
             <a:extLst>
               <a:ext uri="{FF2B5EF4-FFF2-40B4-BE49-F238E27FC236}">
-                <a16:creationId xmlns:a16="http://schemas.microsoft.com/office/drawing/2014/main" id="{49C5FDBC-D200-7F14-85E8-2B208477DAF9}"/>
+                <a16:creationId xmlns:a16="http://schemas.microsoft.com/office/drawing/2014/main" id="{DFDA5243-FD59-824D-9801-C6A7FC40AD32}"/>
               </a:ext>
             </a:extLst>
           </p:cNvPr>
@@ -2517,6 +2111,9 @@
             <a:off x="6172200" y="1825625"/>
             <a:ext cx="5181600" cy="4351338"/>
           </a:xfrm>
+          <a:prstGeom prst="rect">
+            <a:avLst/>
+          </a:prstGeom>
         </p:spPr>
         <p:txBody>
           <a:bodyPr/>
@@ -2563,7 +2160,7 @@
           <p:cNvPr id="5" name="Date Placeholder 4">
             <a:extLst>
               <a:ext uri="{FF2B5EF4-FFF2-40B4-BE49-F238E27FC236}">
-                <a16:creationId xmlns:a16="http://schemas.microsoft.com/office/drawing/2014/main" id="{9C0A7D34-EDD4-2B7C-7597-31E5AE2E8BD6}"/>
+                <a16:creationId xmlns:a16="http://schemas.microsoft.com/office/drawing/2014/main" id="{BB0B0631-5586-E8EE-C280-1DC0A64D54C9}"/>
               </a:ext>
             </a:extLst>
           </p:cNvPr>
@@ -2574,14 +2171,22 @@
             <p:ph type="dt" sz="half" idx="10"/>
           </p:nvPr>
         </p:nvSpPr>
-        <p:spPr/>
+        <p:spPr>
+          <a:xfrm>
+            <a:off x="838200" y="6445249"/>
+            <a:ext cx="2743200" cy="365125"/>
+          </a:xfrm>
+          <a:prstGeom prst="rect">
+            <a:avLst/>
+          </a:prstGeom>
+        </p:spPr>
         <p:txBody>
           <a:bodyPr/>
           <a:lstStyle/>
           <a:p>
-            <a:fld id="{7F6AFD48-C472-404E-B7B5-BA44CCF2F55D}" type="datetime1">
+            <a:fld id="{71087A05-F855-4434-8DDE-39A8542098A6}" type="datetimeFigureOut">
               <a:rPr lang="en-US" smtClean="0"/>
-              <a:t>10/10/2024</a:t>
+              <a:t>11/21/2024</a:t>
             </a:fld>
             <a:endParaRPr lang="en-US"/>
           </a:p>
@@ -2592,7 +2197,7 @@
           <p:cNvPr id="6" name="Footer Placeholder 5">
             <a:extLst>
               <a:ext uri="{FF2B5EF4-FFF2-40B4-BE49-F238E27FC236}">
-                <a16:creationId xmlns:a16="http://schemas.microsoft.com/office/drawing/2014/main" id="{001C50E6-D64B-52FC-1719-552ED73B243D}"/>
+                <a16:creationId xmlns:a16="http://schemas.microsoft.com/office/drawing/2014/main" id="{4C7022BC-4356-2E12-5FFC-95893C9539C6}"/>
               </a:ext>
             </a:extLst>
           </p:cNvPr>
@@ -2603,7 +2208,15 @@
             <p:ph type="ftr" sz="quarter" idx="11"/>
           </p:nvPr>
         </p:nvSpPr>
-        <p:spPr/>
+        <p:spPr>
+          <a:xfrm>
+            <a:off x="4038600" y="6356350"/>
+            <a:ext cx="4114800" cy="365125"/>
+          </a:xfrm>
+          <a:prstGeom prst="rect">
+            <a:avLst/>
+          </a:prstGeom>
+        </p:spPr>
         <p:txBody>
           <a:bodyPr/>
           <a:lstStyle/>
@@ -2617,7 +2230,7 @@
           <p:cNvPr id="7" name="Slide Number Placeholder 6">
             <a:extLst>
               <a:ext uri="{FF2B5EF4-FFF2-40B4-BE49-F238E27FC236}">
-                <a16:creationId xmlns:a16="http://schemas.microsoft.com/office/drawing/2014/main" id="{159CBFED-25BE-7153-12B4-D0E8588920D3}"/>
+                <a16:creationId xmlns:a16="http://schemas.microsoft.com/office/drawing/2014/main" id="{2F6F0616-5185-D339-BFDE-0E16B9960312}"/>
               </a:ext>
             </a:extLst>
           </p:cNvPr>
@@ -2628,12 +2241,20 @@
             <p:ph type="sldNum" sz="quarter" idx="12"/>
           </p:nvPr>
         </p:nvSpPr>
-        <p:spPr/>
+        <p:spPr>
+          <a:xfrm>
+            <a:off x="8610600" y="6356350"/>
+            <a:ext cx="2743200" cy="365125"/>
+          </a:xfrm>
+          <a:prstGeom prst="rect">
+            <a:avLst/>
+          </a:prstGeom>
+        </p:spPr>
         <p:txBody>
           <a:bodyPr/>
           <a:lstStyle/>
           <a:p>
-            <a:fld id="{B46E5E13-EE34-439C-B49B-F0CB75B28E1B}" type="slidenum">
+            <a:fld id="{6C0014F0-3D1D-4459-A530-32E6C19AE461}" type="slidenum">
               <a:rPr lang="en-US" smtClean="0"/>
               <a:t>‹#›</a:t>
             </a:fld>
@@ -2644,7 +2265,7 @@
     </p:spTree>
     <p:extLst>
       <p:ext uri="{BB962C8B-B14F-4D97-AF65-F5344CB8AC3E}">
-        <p14:creationId xmlns:p14="http://schemas.microsoft.com/office/powerpoint/2010/main" val="239742289"/>
+        <p14:creationId xmlns:p14="http://schemas.microsoft.com/office/powerpoint/2010/main" val="1597145891"/>
       </p:ext>
     </p:extLst>
   </p:cSld>
@@ -2676,7 +2297,7 @@
           <p:cNvPr id="2" name="Title 1">
             <a:extLst>
               <a:ext uri="{FF2B5EF4-FFF2-40B4-BE49-F238E27FC236}">
-                <a16:creationId xmlns:a16="http://schemas.microsoft.com/office/drawing/2014/main" id="{4EC51817-320C-EB58-D57C-AAA586C0053E}"/>
+                <a16:creationId xmlns:a16="http://schemas.microsoft.com/office/drawing/2014/main" id="{0AADFFED-E59B-6D4E-6B64-0F5B746DEB96}"/>
               </a:ext>
             </a:extLst>
           </p:cNvPr>
@@ -2692,6 +2313,9 @@
             <a:off x="839788" y="365125"/>
             <a:ext cx="10515600" cy="1325563"/>
           </a:xfrm>
+          <a:prstGeom prst="rect">
+            <a:avLst/>
+          </a:prstGeom>
         </p:spPr>
         <p:txBody>
           <a:bodyPr/>
@@ -2709,7 +2333,7 @@
           <p:cNvPr id="3" name="Text Placeholder 2">
             <a:extLst>
               <a:ext uri="{FF2B5EF4-FFF2-40B4-BE49-F238E27FC236}">
-                <a16:creationId xmlns:a16="http://schemas.microsoft.com/office/drawing/2014/main" id="{21FF1CDE-5ED1-45BC-1BBF-82DBA76868F4}"/>
+                <a16:creationId xmlns:a16="http://schemas.microsoft.com/office/drawing/2014/main" id="{1D25BBE6-1C38-6614-EF63-AF608E55C235}"/>
               </a:ext>
             </a:extLst>
           </p:cNvPr>
@@ -2725,6 +2349,9 @@
             <a:off x="839788" y="1681163"/>
             <a:ext cx="5157787" cy="823912"/>
           </a:xfrm>
+          <a:prstGeom prst="rect">
+            <a:avLst/>
+          </a:prstGeom>
         </p:spPr>
         <p:txBody>
           <a:bodyPr anchor="b"/>
@@ -2780,7 +2407,7 @@
           <p:cNvPr id="4" name="Content Placeholder 3">
             <a:extLst>
               <a:ext uri="{FF2B5EF4-FFF2-40B4-BE49-F238E27FC236}">
-                <a16:creationId xmlns:a16="http://schemas.microsoft.com/office/drawing/2014/main" id="{CB45744E-8CC8-1B85-F492-6648EB8A9996}"/>
+                <a16:creationId xmlns:a16="http://schemas.microsoft.com/office/drawing/2014/main" id="{D639AC2E-A378-9E93-69F7-FF92F43FC3A8}"/>
               </a:ext>
             </a:extLst>
           </p:cNvPr>
@@ -2796,6 +2423,9 @@
             <a:off x="839788" y="2505075"/>
             <a:ext cx="5157787" cy="3684588"/>
           </a:xfrm>
+          <a:prstGeom prst="rect">
+            <a:avLst/>
+          </a:prstGeom>
         </p:spPr>
         <p:txBody>
           <a:bodyPr/>
@@ -2842,7 +2472,7 @@
           <p:cNvPr id="5" name="Text Placeholder 4">
             <a:extLst>
               <a:ext uri="{FF2B5EF4-FFF2-40B4-BE49-F238E27FC236}">
-                <a16:creationId xmlns:a16="http://schemas.microsoft.com/office/drawing/2014/main" id="{E073266C-0D92-527A-30E1-7ECDD28C0F91}"/>
+                <a16:creationId xmlns:a16="http://schemas.microsoft.com/office/drawing/2014/main" id="{E57BF240-C80B-E670-B12B-8BCBA850E04F}"/>
               </a:ext>
             </a:extLst>
           </p:cNvPr>
@@ -2858,6 +2488,9 @@
             <a:off x="6172200" y="1681163"/>
             <a:ext cx="5183188" cy="823912"/>
           </a:xfrm>
+          <a:prstGeom prst="rect">
+            <a:avLst/>
+          </a:prstGeom>
         </p:spPr>
         <p:txBody>
           <a:bodyPr anchor="b"/>
@@ -2913,7 +2546,7 @@
           <p:cNvPr id="6" name="Content Placeholder 5">
             <a:extLst>
               <a:ext uri="{FF2B5EF4-FFF2-40B4-BE49-F238E27FC236}">
-                <a16:creationId xmlns:a16="http://schemas.microsoft.com/office/drawing/2014/main" id="{1E10B574-E76B-4DE3-3CFA-1190E252BA61}"/>
+                <a16:creationId xmlns:a16="http://schemas.microsoft.com/office/drawing/2014/main" id="{6AB0FB7E-A75F-AB8B-3217-710BBB592FB3}"/>
               </a:ext>
             </a:extLst>
           </p:cNvPr>
@@ -2929,6 +2562,9 @@
             <a:off x="6172200" y="2505075"/>
             <a:ext cx="5183188" cy="3684588"/>
           </a:xfrm>
+          <a:prstGeom prst="rect">
+            <a:avLst/>
+          </a:prstGeom>
         </p:spPr>
         <p:txBody>
           <a:bodyPr/>
@@ -2975,7 +2611,7 @@
           <p:cNvPr id="7" name="Date Placeholder 6">
             <a:extLst>
               <a:ext uri="{FF2B5EF4-FFF2-40B4-BE49-F238E27FC236}">
-                <a16:creationId xmlns:a16="http://schemas.microsoft.com/office/drawing/2014/main" id="{B22F13C7-15CB-D0AD-592A-4574F62CF3CA}"/>
+                <a16:creationId xmlns:a16="http://schemas.microsoft.com/office/drawing/2014/main" id="{BBAC691C-E8A1-E4A4-391E-3EA19AE5DF7A}"/>
               </a:ext>
             </a:extLst>
           </p:cNvPr>
@@ -2986,14 +2622,22 @@
             <p:ph type="dt" sz="half" idx="10"/>
           </p:nvPr>
         </p:nvSpPr>
-        <p:spPr/>
+        <p:spPr>
+          <a:xfrm>
+            <a:off x="838200" y="6445249"/>
+            <a:ext cx="2743200" cy="365125"/>
+          </a:xfrm>
+          <a:prstGeom prst="rect">
+            <a:avLst/>
+          </a:prstGeom>
+        </p:spPr>
         <p:txBody>
           <a:bodyPr/>
           <a:lstStyle/>
           <a:p>
-            <a:fld id="{B33F52E9-9255-4CAF-909C-660126F1B079}" type="datetime1">
+            <a:fld id="{71087A05-F855-4434-8DDE-39A8542098A6}" type="datetimeFigureOut">
               <a:rPr lang="en-US" smtClean="0"/>
-              <a:t>10/10/2024</a:t>
+              <a:t>11/21/2024</a:t>
             </a:fld>
             <a:endParaRPr lang="en-US"/>
           </a:p>
@@ -3004,7 +2648,7 @@
           <p:cNvPr id="8" name="Footer Placeholder 7">
             <a:extLst>
               <a:ext uri="{FF2B5EF4-FFF2-40B4-BE49-F238E27FC236}">
-                <a16:creationId xmlns:a16="http://schemas.microsoft.com/office/drawing/2014/main" id="{2F5F3798-7B61-5530-4CE3-C6CC264D0CAB}"/>
+                <a16:creationId xmlns:a16="http://schemas.microsoft.com/office/drawing/2014/main" id="{A5742DC8-1560-8BC0-2128-ACBD57240165}"/>
               </a:ext>
             </a:extLst>
           </p:cNvPr>
@@ -3015,7 +2659,15 @@
             <p:ph type="ftr" sz="quarter" idx="11"/>
           </p:nvPr>
         </p:nvSpPr>
-        <p:spPr/>
+        <p:spPr>
+          <a:xfrm>
+            <a:off x="4038600" y="6356350"/>
+            <a:ext cx="4114800" cy="365125"/>
+          </a:xfrm>
+          <a:prstGeom prst="rect">
+            <a:avLst/>
+          </a:prstGeom>
+        </p:spPr>
         <p:txBody>
           <a:bodyPr/>
           <a:lstStyle/>
@@ -3029,7 +2681,7 @@
           <p:cNvPr id="9" name="Slide Number Placeholder 8">
             <a:extLst>
               <a:ext uri="{FF2B5EF4-FFF2-40B4-BE49-F238E27FC236}">
-                <a16:creationId xmlns:a16="http://schemas.microsoft.com/office/drawing/2014/main" id="{DEA57831-0ADE-7493-7182-6249F4413808}"/>
+                <a16:creationId xmlns:a16="http://schemas.microsoft.com/office/drawing/2014/main" id="{589CBA34-0EA5-98FC-EEAA-0C1A44BA1CB5}"/>
               </a:ext>
             </a:extLst>
           </p:cNvPr>
@@ -3040,12 +2692,20 @@
             <p:ph type="sldNum" sz="quarter" idx="12"/>
           </p:nvPr>
         </p:nvSpPr>
-        <p:spPr/>
+        <p:spPr>
+          <a:xfrm>
+            <a:off x="8610600" y="6356350"/>
+            <a:ext cx="2743200" cy="365125"/>
+          </a:xfrm>
+          <a:prstGeom prst="rect">
+            <a:avLst/>
+          </a:prstGeom>
+        </p:spPr>
         <p:txBody>
           <a:bodyPr/>
           <a:lstStyle/>
           <a:p>
-            <a:fld id="{B46E5E13-EE34-439C-B49B-F0CB75B28E1B}" type="slidenum">
+            <a:fld id="{6C0014F0-3D1D-4459-A530-32E6C19AE461}" type="slidenum">
               <a:rPr lang="en-US" smtClean="0"/>
               <a:t>‹#›</a:t>
             </a:fld>
@@ -3056,7 +2716,7 @@
     </p:spTree>
     <p:extLst>
       <p:ext uri="{BB962C8B-B14F-4D97-AF65-F5344CB8AC3E}">
-        <p14:creationId xmlns:p14="http://schemas.microsoft.com/office/powerpoint/2010/main" val="847567891"/>
+        <p14:creationId xmlns:p14="http://schemas.microsoft.com/office/powerpoint/2010/main" val="205957926"/>
       </p:ext>
     </p:extLst>
   </p:cSld>
@@ -3088,7 +2748,7 @@
           <p:cNvPr id="2" name="Title 1">
             <a:extLst>
               <a:ext uri="{FF2B5EF4-FFF2-40B4-BE49-F238E27FC236}">
-                <a16:creationId xmlns:a16="http://schemas.microsoft.com/office/drawing/2014/main" id="{C51D6B86-2F64-08CA-8DAC-2D6D1CA3880D}"/>
+                <a16:creationId xmlns:a16="http://schemas.microsoft.com/office/drawing/2014/main" id="{DB1F5818-3C7C-015C-2483-1875C395B0BF}"/>
               </a:ext>
             </a:extLst>
           </p:cNvPr>
@@ -3099,7 +2759,15 @@
             <p:ph type="title"/>
           </p:nvPr>
         </p:nvSpPr>
-        <p:spPr/>
+        <p:spPr>
+          <a:xfrm>
+            <a:off x="602787" y="1498382"/>
+            <a:ext cx="10515600" cy="1325563"/>
+          </a:xfrm>
+          <a:prstGeom prst="rect">
+            <a:avLst/>
+          </a:prstGeom>
+        </p:spPr>
         <p:txBody>
           <a:bodyPr/>
           <a:lstStyle/>
@@ -3116,7 +2784,7 @@
           <p:cNvPr id="3" name="Date Placeholder 2">
             <a:extLst>
               <a:ext uri="{FF2B5EF4-FFF2-40B4-BE49-F238E27FC236}">
-                <a16:creationId xmlns:a16="http://schemas.microsoft.com/office/drawing/2014/main" id="{03C4A398-4A9D-A2A3-6474-1E420261434B}"/>
+                <a16:creationId xmlns:a16="http://schemas.microsoft.com/office/drawing/2014/main" id="{F223477C-97F9-76B1-065E-300F62DDCF99}"/>
               </a:ext>
             </a:extLst>
           </p:cNvPr>
@@ -3127,14 +2795,22 @@
             <p:ph type="dt" sz="half" idx="10"/>
           </p:nvPr>
         </p:nvSpPr>
-        <p:spPr/>
+        <p:spPr>
+          <a:xfrm>
+            <a:off x="838200" y="6445249"/>
+            <a:ext cx="2743200" cy="365125"/>
+          </a:xfrm>
+          <a:prstGeom prst="rect">
+            <a:avLst/>
+          </a:prstGeom>
+        </p:spPr>
         <p:txBody>
           <a:bodyPr/>
           <a:lstStyle/>
           <a:p>
-            <a:fld id="{67F9F019-D13C-4797-8A9F-7B02D5B8121E}" type="datetime1">
+            <a:fld id="{71087A05-F855-4434-8DDE-39A8542098A6}" type="datetimeFigureOut">
               <a:rPr lang="en-US" smtClean="0"/>
-              <a:t>10/10/2024</a:t>
+              <a:t>11/21/2024</a:t>
             </a:fld>
             <a:endParaRPr lang="en-US"/>
           </a:p>
@@ -3145,7 +2821,7 @@
           <p:cNvPr id="4" name="Footer Placeholder 3">
             <a:extLst>
               <a:ext uri="{FF2B5EF4-FFF2-40B4-BE49-F238E27FC236}">
-                <a16:creationId xmlns:a16="http://schemas.microsoft.com/office/drawing/2014/main" id="{1B329954-395E-06FF-D638-EC31477B4B60}"/>
+                <a16:creationId xmlns:a16="http://schemas.microsoft.com/office/drawing/2014/main" id="{725CCAE4-3361-9867-C2CA-9F8A178ED41C}"/>
               </a:ext>
             </a:extLst>
           </p:cNvPr>
@@ -3156,7 +2832,15 @@
             <p:ph type="ftr" sz="quarter" idx="11"/>
           </p:nvPr>
         </p:nvSpPr>
-        <p:spPr/>
+        <p:spPr>
+          <a:xfrm>
+            <a:off x="4038600" y="6356350"/>
+            <a:ext cx="4114800" cy="365125"/>
+          </a:xfrm>
+          <a:prstGeom prst="rect">
+            <a:avLst/>
+          </a:prstGeom>
+        </p:spPr>
         <p:txBody>
           <a:bodyPr/>
           <a:lstStyle/>
@@ -3170,7 +2854,7 @@
           <p:cNvPr id="5" name="Slide Number Placeholder 4">
             <a:extLst>
               <a:ext uri="{FF2B5EF4-FFF2-40B4-BE49-F238E27FC236}">
-                <a16:creationId xmlns:a16="http://schemas.microsoft.com/office/drawing/2014/main" id="{26A16BE0-3CF4-0FFF-42E9-C2ABCD5E1AB3}"/>
+                <a16:creationId xmlns:a16="http://schemas.microsoft.com/office/drawing/2014/main" id="{E42ECABF-B7A6-37FC-1091-0A6AE97D6725}"/>
               </a:ext>
             </a:extLst>
           </p:cNvPr>
@@ -3181,12 +2865,20 @@
             <p:ph type="sldNum" sz="quarter" idx="12"/>
           </p:nvPr>
         </p:nvSpPr>
-        <p:spPr/>
+        <p:spPr>
+          <a:xfrm>
+            <a:off x="8610600" y="6356350"/>
+            <a:ext cx="2743200" cy="365125"/>
+          </a:xfrm>
+          <a:prstGeom prst="rect">
+            <a:avLst/>
+          </a:prstGeom>
+        </p:spPr>
         <p:txBody>
           <a:bodyPr/>
           <a:lstStyle/>
           <a:p>
-            <a:fld id="{B46E5E13-EE34-439C-B49B-F0CB75B28E1B}" type="slidenum">
+            <a:fld id="{6C0014F0-3D1D-4459-A530-32E6C19AE461}" type="slidenum">
               <a:rPr lang="en-US" smtClean="0"/>
               <a:t>‹#›</a:t>
             </a:fld>
@@ -3197,7 +2889,7 @@
     </p:spTree>
     <p:extLst>
       <p:ext uri="{BB962C8B-B14F-4D97-AF65-F5344CB8AC3E}">
-        <p14:creationId xmlns:p14="http://schemas.microsoft.com/office/powerpoint/2010/main" val="2594811457"/>
+        <p14:creationId xmlns:p14="http://schemas.microsoft.com/office/powerpoint/2010/main" val="2477561557"/>
       </p:ext>
     </p:extLst>
   </p:cSld>
@@ -3229,7 +2921,7 @@
           <p:cNvPr id="2" name="Date Placeholder 1">
             <a:extLst>
               <a:ext uri="{FF2B5EF4-FFF2-40B4-BE49-F238E27FC236}">
-                <a16:creationId xmlns:a16="http://schemas.microsoft.com/office/drawing/2014/main" id="{AA5B9B0A-FA71-5C03-A207-2398589F58E9}"/>
+                <a16:creationId xmlns:a16="http://schemas.microsoft.com/office/drawing/2014/main" id="{E2C2A218-2D68-399E-5303-823F32D18A0A}"/>
               </a:ext>
             </a:extLst>
           </p:cNvPr>
@@ -3240,14 +2932,22 @@
             <p:ph type="dt" sz="half" idx="10"/>
           </p:nvPr>
         </p:nvSpPr>
-        <p:spPr/>
+        <p:spPr>
+          <a:xfrm>
+            <a:off x="838200" y="6445249"/>
+            <a:ext cx="2743200" cy="365125"/>
+          </a:xfrm>
+          <a:prstGeom prst="rect">
+            <a:avLst/>
+          </a:prstGeom>
+        </p:spPr>
         <p:txBody>
           <a:bodyPr/>
           <a:lstStyle/>
           <a:p>
-            <a:fld id="{FDA143B9-A6C4-436D-945A-FF5B3EA2EF39}" type="datetime1">
+            <a:fld id="{71087A05-F855-4434-8DDE-39A8542098A6}" type="datetimeFigureOut">
               <a:rPr lang="en-US" smtClean="0"/>
-              <a:t>10/10/2024</a:t>
+              <a:t>11/21/2024</a:t>
             </a:fld>
             <a:endParaRPr lang="en-US"/>
           </a:p>
@@ -3258,7 +2958,7 @@
           <p:cNvPr id="3" name="Footer Placeholder 2">
             <a:extLst>
               <a:ext uri="{FF2B5EF4-FFF2-40B4-BE49-F238E27FC236}">
-                <a16:creationId xmlns:a16="http://schemas.microsoft.com/office/drawing/2014/main" id="{5EEC7B99-A534-1835-A5BF-8993DDBD237D}"/>
+                <a16:creationId xmlns:a16="http://schemas.microsoft.com/office/drawing/2014/main" id="{41BB3505-96AE-D8F2-469A-F36E9DD155D5}"/>
               </a:ext>
             </a:extLst>
           </p:cNvPr>
@@ -3269,7 +2969,15 @@
             <p:ph type="ftr" sz="quarter" idx="11"/>
           </p:nvPr>
         </p:nvSpPr>
-        <p:spPr/>
+        <p:spPr>
+          <a:xfrm>
+            <a:off x="4038600" y="6356350"/>
+            <a:ext cx="4114800" cy="365125"/>
+          </a:xfrm>
+          <a:prstGeom prst="rect">
+            <a:avLst/>
+          </a:prstGeom>
+        </p:spPr>
         <p:txBody>
           <a:bodyPr/>
           <a:lstStyle/>
@@ -3283,7 +2991,7 @@
           <p:cNvPr id="4" name="Slide Number Placeholder 3">
             <a:extLst>
               <a:ext uri="{FF2B5EF4-FFF2-40B4-BE49-F238E27FC236}">
-                <a16:creationId xmlns:a16="http://schemas.microsoft.com/office/drawing/2014/main" id="{6E001977-30BB-D5A2-E565-94C0467FE0FD}"/>
+                <a16:creationId xmlns:a16="http://schemas.microsoft.com/office/drawing/2014/main" id="{47BA2558-EB65-5F2B-4DEB-5E332CDDC572}"/>
               </a:ext>
             </a:extLst>
           </p:cNvPr>
@@ -3294,12 +3002,20 @@
             <p:ph type="sldNum" sz="quarter" idx="12"/>
           </p:nvPr>
         </p:nvSpPr>
-        <p:spPr/>
+        <p:spPr>
+          <a:xfrm>
+            <a:off x="8610600" y="6356350"/>
+            <a:ext cx="2743200" cy="365125"/>
+          </a:xfrm>
+          <a:prstGeom prst="rect">
+            <a:avLst/>
+          </a:prstGeom>
+        </p:spPr>
         <p:txBody>
           <a:bodyPr/>
           <a:lstStyle/>
           <a:p>
-            <a:fld id="{B46E5E13-EE34-439C-B49B-F0CB75B28E1B}" type="slidenum">
+            <a:fld id="{6C0014F0-3D1D-4459-A530-32E6C19AE461}" type="slidenum">
               <a:rPr lang="en-US" smtClean="0"/>
               <a:t>‹#›</a:t>
             </a:fld>
@@ -3310,7 +3026,7 @@
     </p:spTree>
     <p:extLst>
       <p:ext uri="{BB962C8B-B14F-4D97-AF65-F5344CB8AC3E}">
-        <p14:creationId xmlns:p14="http://schemas.microsoft.com/office/powerpoint/2010/main" val="3457119493"/>
+        <p14:creationId xmlns:p14="http://schemas.microsoft.com/office/powerpoint/2010/main" val="632191323"/>
       </p:ext>
     </p:extLst>
   </p:cSld>
@@ -3342,7 +3058,7 @@
           <p:cNvPr id="2" name="Title 1">
             <a:extLst>
               <a:ext uri="{FF2B5EF4-FFF2-40B4-BE49-F238E27FC236}">
-                <a16:creationId xmlns:a16="http://schemas.microsoft.com/office/drawing/2014/main" id="{AC38A989-6857-707E-A17F-8A83A6144698}"/>
+                <a16:creationId xmlns:a16="http://schemas.microsoft.com/office/drawing/2014/main" id="{E731290A-4FEE-1487-F6FC-152481239225}"/>
               </a:ext>
             </a:extLst>
           </p:cNvPr>
@@ -3358,6 +3074,9 @@
             <a:off x="839788" y="457200"/>
             <a:ext cx="3932237" cy="1600200"/>
           </a:xfrm>
+          <a:prstGeom prst="rect">
+            <a:avLst/>
+          </a:prstGeom>
         </p:spPr>
         <p:txBody>
           <a:bodyPr anchor="b"/>
@@ -3379,7 +3098,7 @@
           <p:cNvPr id="3" name="Content Placeholder 2">
             <a:extLst>
               <a:ext uri="{FF2B5EF4-FFF2-40B4-BE49-F238E27FC236}">
-                <a16:creationId xmlns:a16="http://schemas.microsoft.com/office/drawing/2014/main" id="{D3A3E0C8-FA9B-6F55-E988-D7B8ADBC9C21}"/>
+                <a16:creationId xmlns:a16="http://schemas.microsoft.com/office/drawing/2014/main" id="{3FD49862-968E-6027-1E22-A84213937FC4}"/>
               </a:ext>
             </a:extLst>
           </p:cNvPr>
@@ -3395,6 +3114,9 @@
             <a:off x="5183188" y="987425"/>
             <a:ext cx="6172200" cy="4873625"/>
           </a:xfrm>
+          <a:prstGeom prst="rect">
+            <a:avLst/>
+          </a:prstGeom>
         </p:spPr>
         <p:txBody>
           <a:bodyPr/>
@@ -3469,7 +3191,7 @@
           <p:cNvPr id="4" name="Text Placeholder 3">
             <a:extLst>
               <a:ext uri="{FF2B5EF4-FFF2-40B4-BE49-F238E27FC236}">
-                <a16:creationId xmlns:a16="http://schemas.microsoft.com/office/drawing/2014/main" id="{FC649A31-16E4-3C58-CFAF-870BE9A231C8}"/>
+                <a16:creationId xmlns:a16="http://schemas.microsoft.com/office/drawing/2014/main" id="{DDD75452-B3CD-E4D7-2EEB-4D8E7A55BA47}"/>
               </a:ext>
             </a:extLst>
           </p:cNvPr>
@@ -3485,6 +3207,9 @@
             <a:off x="839788" y="2057400"/>
             <a:ext cx="3932237" cy="3811588"/>
           </a:xfrm>
+          <a:prstGeom prst="rect">
+            <a:avLst/>
+          </a:prstGeom>
         </p:spPr>
         <p:txBody>
           <a:bodyPr/>
@@ -3540,7 +3265,7 @@
           <p:cNvPr id="5" name="Date Placeholder 4">
             <a:extLst>
               <a:ext uri="{FF2B5EF4-FFF2-40B4-BE49-F238E27FC236}">
-                <a16:creationId xmlns:a16="http://schemas.microsoft.com/office/drawing/2014/main" id="{5999608F-F9E6-C047-FAFD-5BD962E36788}"/>
+                <a16:creationId xmlns:a16="http://schemas.microsoft.com/office/drawing/2014/main" id="{E910F3D6-85F4-16D5-02EC-B52A50D1363C}"/>
               </a:ext>
             </a:extLst>
           </p:cNvPr>
@@ -3551,14 +3276,22 @@
             <p:ph type="dt" sz="half" idx="10"/>
           </p:nvPr>
         </p:nvSpPr>
-        <p:spPr/>
+        <p:spPr>
+          <a:xfrm>
+            <a:off x="838200" y="6445249"/>
+            <a:ext cx="2743200" cy="365125"/>
+          </a:xfrm>
+          <a:prstGeom prst="rect">
+            <a:avLst/>
+          </a:prstGeom>
+        </p:spPr>
         <p:txBody>
           <a:bodyPr/>
           <a:lstStyle/>
           <a:p>
-            <a:fld id="{457E18FE-B6F9-4F6A-835B-8251F04458A0}" type="datetime1">
+            <a:fld id="{71087A05-F855-4434-8DDE-39A8542098A6}" type="datetimeFigureOut">
               <a:rPr lang="en-US" smtClean="0"/>
-              <a:t>10/10/2024</a:t>
+              <a:t>11/21/2024</a:t>
             </a:fld>
             <a:endParaRPr lang="en-US"/>
           </a:p>
@@ -3569,7 +3302,7 @@
           <p:cNvPr id="6" name="Footer Placeholder 5">
             <a:extLst>
               <a:ext uri="{FF2B5EF4-FFF2-40B4-BE49-F238E27FC236}">
-                <a16:creationId xmlns:a16="http://schemas.microsoft.com/office/drawing/2014/main" id="{E1D5DC43-2068-E43E-0C96-6105FF141340}"/>
+                <a16:creationId xmlns:a16="http://schemas.microsoft.com/office/drawing/2014/main" id="{FA7DC6C8-71E8-B7D5-9A82-0FA963F35B00}"/>
               </a:ext>
             </a:extLst>
           </p:cNvPr>
@@ -3580,7 +3313,15 @@
             <p:ph type="ftr" sz="quarter" idx="11"/>
           </p:nvPr>
         </p:nvSpPr>
-        <p:spPr/>
+        <p:spPr>
+          <a:xfrm>
+            <a:off x="4038600" y="6356350"/>
+            <a:ext cx="4114800" cy="365125"/>
+          </a:xfrm>
+          <a:prstGeom prst="rect">
+            <a:avLst/>
+          </a:prstGeom>
+        </p:spPr>
         <p:txBody>
           <a:bodyPr/>
           <a:lstStyle/>
@@ -3594,7 +3335,7 @@
           <p:cNvPr id="7" name="Slide Number Placeholder 6">
             <a:extLst>
               <a:ext uri="{FF2B5EF4-FFF2-40B4-BE49-F238E27FC236}">
-                <a16:creationId xmlns:a16="http://schemas.microsoft.com/office/drawing/2014/main" id="{07714F4E-989B-09B5-9809-BA4CDB940F1A}"/>
+                <a16:creationId xmlns:a16="http://schemas.microsoft.com/office/drawing/2014/main" id="{33AEBF5B-81ED-5FC8-76EE-E85F459B2D2B}"/>
               </a:ext>
             </a:extLst>
           </p:cNvPr>
@@ -3605,12 +3346,20 @@
             <p:ph type="sldNum" sz="quarter" idx="12"/>
           </p:nvPr>
         </p:nvSpPr>
-        <p:spPr/>
+        <p:spPr>
+          <a:xfrm>
+            <a:off x="8610600" y="6356350"/>
+            <a:ext cx="2743200" cy="365125"/>
+          </a:xfrm>
+          <a:prstGeom prst="rect">
+            <a:avLst/>
+          </a:prstGeom>
+        </p:spPr>
         <p:txBody>
           <a:bodyPr/>
           <a:lstStyle/>
           <a:p>
-            <a:fld id="{B46E5E13-EE34-439C-B49B-F0CB75B28E1B}" type="slidenum">
+            <a:fld id="{6C0014F0-3D1D-4459-A530-32E6C19AE461}" type="slidenum">
               <a:rPr lang="en-US" smtClean="0"/>
               <a:t>‹#›</a:t>
             </a:fld>
@@ -3621,7 +3370,7 @@
     </p:spTree>
     <p:extLst>
       <p:ext uri="{BB962C8B-B14F-4D97-AF65-F5344CB8AC3E}">
-        <p14:creationId xmlns:p14="http://schemas.microsoft.com/office/powerpoint/2010/main" val="3331387570"/>
+        <p14:creationId xmlns:p14="http://schemas.microsoft.com/office/powerpoint/2010/main" val="740176455"/>
       </p:ext>
     </p:extLst>
   </p:cSld>
@@ -3653,7 +3402,7 @@
           <p:cNvPr id="2" name="Title 1">
             <a:extLst>
               <a:ext uri="{FF2B5EF4-FFF2-40B4-BE49-F238E27FC236}">
-                <a16:creationId xmlns:a16="http://schemas.microsoft.com/office/drawing/2014/main" id="{3355A176-7BDB-BCDB-D1C0-7943D50F9B44}"/>
+                <a16:creationId xmlns:a16="http://schemas.microsoft.com/office/drawing/2014/main" id="{640090C6-958A-8F1E-AAA5-6F70ABB1D9F3}"/>
               </a:ext>
             </a:extLst>
           </p:cNvPr>
@@ -3669,6 +3418,9 @@
             <a:off x="839788" y="457200"/>
             <a:ext cx="3932237" cy="1600200"/>
           </a:xfrm>
+          <a:prstGeom prst="rect">
+            <a:avLst/>
+          </a:prstGeom>
         </p:spPr>
         <p:txBody>
           <a:bodyPr anchor="b"/>
@@ -3690,7 +3442,7 @@
           <p:cNvPr id="3" name="Picture Placeholder 2">
             <a:extLst>
               <a:ext uri="{FF2B5EF4-FFF2-40B4-BE49-F238E27FC236}">
-                <a16:creationId xmlns:a16="http://schemas.microsoft.com/office/drawing/2014/main" id="{B68408D7-61D1-185C-72B8-001F411FC6F7}"/>
+                <a16:creationId xmlns:a16="http://schemas.microsoft.com/office/drawing/2014/main" id="{3302DF14-CA9B-4C85-16D1-AE914D7EB7E7}"/>
               </a:ext>
             </a:extLst>
           </p:cNvPr>
@@ -3706,6 +3458,9 @@
             <a:off x="5183188" y="987425"/>
             <a:ext cx="6172200" cy="4873625"/>
           </a:xfrm>
+          <a:prstGeom prst="rect">
+            <a:avLst/>
+          </a:prstGeom>
         </p:spPr>
         <p:txBody>
           <a:bodyPr/>
@@ -3748,7 +3503,10 @@
             </a:lvl9pPr>
           </a:lstStyle>
           <a:p>
-            <a:endParaRPr lang="en-US"/>
+            <a:r>
+              <a:rPr lang="en-US"/>
+              <a:t>Click icon to add picture</a:t>
+            </a:r>
           </a:p>
         </p:txBody>
       </p:sp>
@@ -3757,7 +3515,7 @@
           <p:cNvPr id="4" name="Text Placeholder 3">
             <a:extLst>
               <a:ext uri="{FF2B5EF4-FFF2-40B4-BE49-F238E27FC236}">
-                <a16:creationId xmlns:a16="http://schemas.microsoft.com/office/drawing/2014/main" id="{390B86E7-BC7A-324F-5231-BB8844695F10}"/>
+                <a16:creationId xmlns:a16="http://schemas.microsoft.com/office/drawing/2014/main" id="{449386B6-C485-3496-A8CD-9C25B60A4255}"/>
               </a:ext>
             </a:extLst>
           </p:cNvPr>
@@ -3773,6 +3531,9 @@
             <a:off x="839788" y="2057400"/>
             <a:ext cx="3932237" cy="3811588"/>
           </a:xfrm>
+          <a:prstGeom prst="rect">
+            <a:avLst/>
+          </a:prstGeom>
         </p:spPr>
         <p:txBody>
           <a:bodyPr/>
@@ -3828,7 +3589,7 @@
           <p:cNvPr id="5" name="Date Placeholder 4">
             <a:extLst>
               <a:ext uri="{FF2B5EF4-FFF2-40B4-BE49-F238E27FC236}">
-                <a16:creationId xmlns:a16="http://schemas.microsoft.com/office/drawing/2014/main" id="{CA9F4411-F5FF-7DD9-8280-4EAE80811D9F}"/>
+                <a16:creationId xmlns:a16="http://schemas.microsoft.com/office/drawing/2014/main" id="{DBD5F565-8080-7E82-246E-1EDDAAC2C236}"/>
               </a:ext>
             </a:extLst>
           </p:cNvPr>
@@ -3839,14 +3600,22 @@
             <p:ph type="dt" sz="half" idx="10"/>
           </p:nvPr>
         </p:nvSpPr>
-        <p:spPr/>
+        <p:spPr>
+          <a:xfrm>
+            <a:off x="838200" y="6445249"/>
+            <a:ext cx="2743200" cy="365125"/>
+          </a:xfrm>
+          <a:prstGeom prst="rect">
+            <a:avLst/>
+          </a:prstGeom>
+        </p:spPr>
         <p:txBody>
           <a:bodyPr/>
           <a:lstStyle/>
           <a:p>
-            <a:fld id="{5F2690CE-112A-455B-AD5F-E26CEA6A5331}" type="datetime1">
+            <a:fld id="{71087A05-F855-4434-8DDE-39A8542098A6}" type="datetimeFigureOut">
               <a:rPr lang="en-US" smtClean="0"/>
-              <a:t>10/10/2024</a:t>
+              <a:t>11/21/2024</a:t>
             </a:fld>
             <a:endParaRPr lang="en-US"/>
           </a:p>
@@ -3857,7 +3626,7 @@
           <p:cNvPr id="6" name="Footer Placeholder 5">
             <a:extLst>
               <a:ext uri="{FF2B5EF4-FFF2-40B4-BE49-F238E27FC236}">
-                <a16:creationId xmlns:a16="http://schemas.microsoft.com/office/drawing/2014/main" id="{BD00158C-2DC0-C40D-E476-8D815E2210E6}"/>
+                <a16:creationId xmlns:a16="http://schemas.microsoft.com/office/drawing/2014/main" id="{C9E12A3F-827C-0539-3AFC-062DDE283567}"/>
               </a:ext>
             </a:extLst>
           </p:cNvPr>
@@ -3868,7 +3637,15 @@
             <p:ph type="ftr" sz="quarter" idx="11"/>
           </p:nvPr>
         </p:nvSpPr>
-        <p:spPr/>
+        <p:spPr>
+          <a:xfrm>
+            <a:off x="4038600" y="6356350"/>
+            <a:ext cx="4114800" cy="365125"/>
+          </a:xfrm>
+          <a:prstGeom prst="rect">
+            <a:avLst/>
+          </a:prstGeom>
+        </p:spPr>
         <p:txBody>
           <a:bodyPr/>
           <a:lstStyle/>
@@ -3882,7 +3659,7 @@
           <p:cNvPr id="7" name="Slide Number Placeholder 6">
             <a:extLst>
               <a:ext uri="{FF2B5EF4-FFF2-40B4-BE49-F238E27FC236}">
-                <a16:creationId xmlns:a16="http://schemas.microsoft.com/office/drawing/2014/main" id="{E47CEA17-958B-3F11-0DD0-F3DB57410690}"/>
+                <a16:creationId xmlns:a16="http://schemas.microsoft.com/office/drawing/2014/main" id="{516B4C84-F522-0893-1790-EF8E720A114E}"/>
               </a:ext>
             </a:extLst>
           </p:cNvPr>
@@ -3893,12 +3670,20 @@
             <p:ph type="sldNum" sz="quarter" idx="12"/>
           </p:nvPr>
         </p:nvSpPr>
-        <p:spPr/>
+        <p:spPr>
+          <a:xfrm>
+            <a:off x="8610600" y="6356350"/>
+            <a:ext cx="2743200" cy="365125"/>
+          </a:xfrm>
+          <a:prstGeom prst="rect">
+            <a:avLst/>
+          </a:prstGeom>
+        </p:spPr>
         <p:txBody>
           <a:bodyPr/>
           <a:lstStyle/>
           <a:p>
-            <a:fld id="{B46E5E13-EE34-439C-B49B-F0CB75B28E1B}" type="slidenum">
+            <a:fld id="{6C0014F0-3D1D-4459-A530-32E6C19AE461}" type="slidenum">
               <a:rPr lang="en-US" smtClean="0"/>
               <a:t>‹#›</a:t>
             </a:fld>
@@ -3909,7 +3694,7 @@
     </p:spTree>
     <p:extLst>
       <p:ext uri="{BB962C8B-B14F-4D97-AF65-F5344CB8AC3E}">
-        <p14:creationId xmlns:p14="http://schemas.microsoft.com/office/powerpoint/2010/main" val="1744603036"/>
+        <p14:creationId xmlns:p14="http://schemas.microsoft.com/office/powerpoint/2010/main" val="2266235175"/>
       </p:ext>
     </p:extLst>
   </p:cSld>
@@ -3941,244 +3726,131 @@
           <a:chExt cx="0" cy="0"/>
         </a:xfrm>
       </p:grpSpPr>
-      <p:sp>
-        <p:nvSpPr>
-          <p:cNvPr id="2" name="Title Placeholder 1">
+      <p:pic>
+        <p:nvPicPr>
+          <p:cNvPr id="7" name="Picture 6">
             <a:extLst>
               <a:ext uri="{FF2B5EF4-FFF2-40B4-BE49-F238E27FC236}">
-                <a16:creationId xmlns:a16="http://schemas.microsoft.com/office/drawing/2014/main" id="{DADBBF7B-0A87-603A-6F96-ED995D2876BC}"/>
+                <a16:creationId xmlns:a16="http://schemas.microsoft.com/office/drawing/2014/main" id="{AEB2CF3C-8982-A5D5-05DB-5BF3F09E24AE}"/>
+              </a:ext>
+              <a:ext uri="{C183D7F6-B498-43B3-948B-1728B52AA6E4}">
+                <adec:decorative xmlns:adec="http://schemas.microsoft.com/office/drawing/2017/decorative" val="1"/>
               </a:ext>
             </a:extLst>
           </p:cNvPr>
-          <p:cNvSpPr>
-            <a:spLocks noGrp="1"/>
-          </p:cNvSpPr>
-          <p:nvPr>
-            <p:ph type="title"/>
-          </p:nvPr>
-        </p:nvSpPr>
+          <p:cNvPicPr>
+            <a:picLocks noChangeAspect="1"/>
+          </p:cNvPicPr>
+          <p:nvPr userDrawn="1"/>
+        </p:nvPicPr>
+        <p:blipFill>
+          <a:blip r:embed="rId15">
+            <a:extLst>
+              <a:ext uri="{28A0092B-C50C-407E-A947-70E740481C1C}">
+                <a14:useLocalDpi xmlns:a14="http://schemas.microsoft.com/office/drawing/2010/main" val="0"/>
+              </a:ext>
+            </a:extLst>
+          </a:blip>
+          <a:stretch>
+            <a:fillRect/>
+          </a:stretch>
+        </p:blipFill>
         <p:spPr>
           <a:xfrm>
-            <a:off x="838200" y="365125"/>
-            <a:ext cx="10515600" cy="1325563"/>
+            <a:off x="212436" y="236453"/>
+            <a:ext cx="11767127" cy="787737"/>
           </a:xfrm>
           <a:prstGeom prst="rect">
             <a:avLst/>
           </a:prstGeom>
         </p:spPr>
-        <p:txBody>
-          <a:bodyPr vert="horz" lIns="91440" tIns="45720" rIns="91440" bIns="45720" rtlCol="0" anchor="ctr">
-            <a:normAutofit/>
-          </a:bodyPr>
-          <a:lstStyle/>
-          <a:p>
-            <a:r>
-              <a:rPr lang="en-US"/>
-              <a:t>Click to edit Master title style</a:t>
-            </a:r>
-          </a:p>
-        </p:txBody>
-      </p:sp>
-      <p:sp>
-        <p:nvSpPr>
-          <p:cNvPr id="3" name="Text Placeholder 2">
+      </p:pic>
+      <p:cxnSp>
+        <p:nvCxnSpPr>
+          <p:cNvPr id="9" name="Straight Connector 8">
             <a:extLst>
               <a:ext uri="{FF2B5EF4-FFF2-40B4-BE49-F238E27FC236}">
-                <a16:creationId xmlns:a16="http://schemas.microsoft.com/office/drawing/2014/main" id="{1EBB9990-0CBB-2977-C631-37F97EB6D7A7}"/>
+                <a16:creationId xmlns:a16="http://schemas.microsoft.com/office/drawing/2014/main" id="{DE7FEFD9-5638-352F-A6ED-06F1FDE322D4}"/>
               </a:ext>
             </a:extLst>
           </p:cNvPr>
-          <p:cNvSpPr>
-            <a:spLocks noGrp="1"/>
-          </p:cNvSpPr>
-          <p:nvPr>
-            <p:ph type="body" idx="1"/>
-          </p:nvPr>
+          <p:cNvCxnSpPr>
+            <a:cxnSpLocks/>
+          </p:cNvCxnSpPr>
+          <p:nvPr userDrawn="1"/>
+        </p:nvCxnSpPr>
+        <p:spPr>
+          <a:xfrm>
+            <a:off x="175490" y="1099127"/>
+            <a:ext cx="11841020" cy="0"/>
+          </a:xfrm>
+          <a:prstGeom prst="line">
+            <a:avLst/>
+          </a:prstGeom>
+          <a:ln w="38100">
+            <a:solidFill>
+              <a:srgbClr val="A13C39"/>
+            </a:solidFill>
+          </a:ln>
+        </p:spPr>
+        <p:style>
+          <a:lnRef idx="2">
+            <a:schemeClr val="accent1"/>
+          </a:lnRef>
+          <a:fillRef idx="0">
+            <a:schemeClr val="accent1"/>
+          </a:fillRef>
+          <a:effectRef idx="1">
+            <a:schemeClr val="accent1"/>
+          </a:effectRef>
+          <a:fontRef idx="minor">
+            <a:schemeClr val="tx1"/>
+          </a:fontRef>
+        </p:style>
+      </p:cxnSp>
+      <p:sp>
+        <p:nvSpPr>
+          <p:cNvPr id="11" name="Rectangle 10">
+            <a:extLst>
+              <a:ext uri="{FF2B5EF4-FFF2-40B4-BE49-F238E27FC236}">
+                <a16:creationId xmlns:a16="http://schemas.microsoft.com/office/drawing/2014/main" id="{910C5C32-408D-8072-82C8-297384424B54}"/>
+              </a:ext>
+            </a:extLst>
+          </p:cNvPr>
+          <p:cNvSpPr/>
+          <p:nvPr userDrawn="1"/>
         </p:nvSpPr>
         <p:spPr>
           <a:xfrm>
-            <a:off x="838200" y="1825625"/>
-            <a:ext cx="10515600" cy="4351338"/>
+            <a:off x="175492" y="184727"/>
+            <a:ext cx="11841018" cy="6493164"/>
           </a:xfrm>
           <a:prstGeom prst="rect">
             <a:avLst/>
           </a:prstGeom>
+          <a:noFill/>
         </p:spPr>
+        <p:style>
+          <a:lnRef idx="2">
+            <a:schemeClr val="accent1">
+              <a:shade val="15000"/>
+            </a:schemeClr>
+          </a:lnRef>
+          <a:fillRef idx="1">
+            <a:schemeClr val="accent1"/>
+          </a:fillRef>
+          <a:effectRef idx="0">
+            <a:schemeClr val="accent1"/>
+          </a:effectRef>
+          <a:fontRef idx="minor">
+            <a:schemeClr val="lt1"/>
+          </a:fontRef>
+        </p:style>
         <p:txBody>
-          <a:bodyPr vert="horz" lIns="91440" tIns="45720" rIns="91440" bIns="45720" rtlCol="0">
-            <a:normAutofit/>
-          </a:bodyPr>
+          <a:bodyPr rtlCol="0" anchor="ctr"/>
           <a:lstStyle/>
           <a:p>
-            <a:pPr lvl="0"/>
-            <a:r>
-              <a:rPr lang="en-US"/>
-              <a:t>Click to edit Master text styles</a:t>
-            </a:r>
-          </a:p>
-          <a:p>
-            <a:pPr lvl="1"/>
-            <a:r>
-              <a:rPr lang="en-US"/>
-              <a:t>Second level</a:t>
-            </a:r>
-          </a:p>
-          <a:p>
-            <a:pPr lvl="2"/>
-            <a:r>
-              <a:rPr lang="en-US"/>
-              <a:t>Third level</a:t>
-            </a:r>
-          </a:p>
-          <a:p>
-            <a:pPr lvl="3"/>
-            <a:r>
-              <a:rPr lang="en-US"/>
-              <a:t>Fourth level</a:t>
-            </a:r>
-          </a:p>
-          <a:p>
-            <a:pPr lvl="4"/>
-            <a:r>
-              <a:rPr lang="en-US"/>
-              <a:t>Fifth level</a:t>
-            </a:r>
-          </a:p>
-        </p:txBody>
-      </p:sp>
-      <p:sp>
-        <p:nvSpPr>
-          <p:cNvPr id="4" name="Date Placeholder 3">
-            <a:extLst>
-              <a:ext uri="{FF2B5EF4-FFF2-40B4-BE49-F238E27FC236}">
-                <a16:creationId xmlns:a16="http://schemas.microsoft.com/office/drawing/2014/main" id="{F336638E-F817-1BC9-ECB7-18071DC44D12}"/>
-              </a:ext>
-            </a:extLst>
-          </p:cNvPr>
-          <p:cNvSpPr>
-            <a:spLocks noGrp="1"/>
-          </p:cNvSpPr>
-          <p:nvPr>
-            <p:ph type="dt" sz="half" idx="2"/>
-          </p:nvPr>
-        </p:nvSpPr>
-        <p:spPr>
-          <a:xfrm>
-            <a:off x="838200" y="6356350"/>
-            <a:ext cx="2743200" cy="365125"/>
-          </a:xfrm>
-          <a:prstGeom prst="rect">
-            <a:avLst/>
-          </a:prstGeom>
-        </p:spPr>
-        <p:txBody>
-          <a:bodyPr vert="horz" lIns="91440" tIns="45720" rIns="91440" bIns="45720" rtlCol="0" anchor="ctr"/>
-          <a:lstStyle>
-            <a:lvl1pPr algn="l">
-              <a:defRPr sz="1200">
-                <a:solidFill>
-                  <a:schemeClr val="tx1">
-                    <a:tint val="75000"/>
-                  </a:schemeClr>
-                </a:solidFill>
-              </a:defRPr>
-            </a:lvl1pPr>
-          </a:lstStyle>
-          <a:p>
-            <a:fld id="{9C4E342D-98AB-407C-88D4-A20ED0F70E1C}" type="datetime1">
-              <a:rPr lang="en-US" smtClean="0"/>
-              <a:t>10/10/2024</a:t>
-            </a:fld>
-            <a:endParaRPr lang="en-US"/>
-          </a:p>
-        </p:txBody>
-      </p:sp>
-      <p:sp>
-        <p:nvSpPr>
-          <p:cNvPr id="5" name="Footer Placeholder 4">
-            <a:extLst>
-              <a:ext uri="{FF2B5EF4-FFF2-40B4-BE49-F238E27FC236}">
-                <a16:creationId xmlns:a16="http://schemas.microsoft.com/office/drawing/2014/main" id="{60C57151-F515-08FA-FD9F-F59EDF1B6581}"/>
-              </a:ext>
-            </a:extLst>
-          </p:cNvPr>
-          <p:cNvSpPr>
-            <a:spLocks noGrp="1"/>
-          </p:cNvSpPr>
-          <p:nvPr>
-            <p:ph type="ftr" sz="quarter" idx="3"/>
-          </p:nvPr>
-        </p:nvSpPr>
-        <p:spPr>
-          <a:xfrm>
-            <a:off x="4038600" y="6356350"/>
-            <a:ext cx="4114800" cy="365125"/>
-          </a:xfrm>
-          <a:prstGeom prst="rect">
-            <a:avLst/>
-          </a:prstGeom>
-        </p:spPr>
-        <p:txBody>
-          <a:bodyPr vert="horz" lIns="91440" tIns="45720" rIns="91440" bIns="45720" rtlCol="0" anchor="ctr"/>
-          <a:lstStyle>
-            <a:lvl1pPr algn="ctr">
-              <a:defRPr sz="1200">
-                <a:solidFill>
-                  <a:schemeClr val="tx1">
-                    <a:tint val="75000"/>
-                  </a:schemeClr>
-                </a:solidFill>
-              </a:defRPr>
-            </a:lvl1pPr>
-          </a:lstStyle>
-          <a:p>
-            <a:endParaRPr lang="en-US"/>
-          </a:p>
-        </p:txBody>
-      </p:sp>
-      <p:sp>
-        <p:nvSpPr>
-          <p:cNvPr id="6" name="Slide Number Placeholder 5">
-            <a:extLst>
-              <a:ext uri="{FF2B5EF4-FFF2-40B4-BE49-F238E27FC236}">
-                <a16:creationId xmlns:a16="http://schemas.microsoft.com/office/drawing/2014/main" id="{F7D361D9-183D-9DF9-C01C-5B530B1CB880}"/>
-              </a:ext>
-            </a:extLst>
-          </p:cNvPr>
-          <p:cNvSpPr>
-            <a:spLocks noGrp="1"/>
-          </p:cNvSpPr>
-          <p:nvPr>
-            <p:ph type="sldNum" sz="quarter" idx="4"/>
-          </p:nvPr>
-        </p:nvSpPr>
-        <p:spPr>
-          <a:xfrm>
-            <a:off x="8610600" y="6356350"/>
-            <a:ext cx="2743200" cy="365125"/>
-          </a:xfrm>
-          <a:prstGeom prst="rect">
-            <a:avLst/>
-          </a:prstGeom>
-        </p:spPr>
-        <p:txBody>
-          <a:bodyPr vert="horz" lIns="91440" tIns="45720" rIns="91440" bIns="45720" rtlCol="0" anchor="ctr"/>
-          <a:lstStyle>
-            <a:lvl1pPr algn="r">
-              <a:defRPr sz="1200">
-                <a:solidFill>
-                  <a:schemeClr val="tx1">
-                    <a:tint val="75000"/>
-                  </a:schemeClr>
-                </a:solidFill>
-              </a:defRPr>
-            </a:lvl1pPr>
-          </a:lstStyle>
-          <a:p>
-            <a:fld id="{B46E5E13-EE34-439C-B49B-F0CB75B28E1B}" type="slidenum">
-              <a:rPr lang="en-US" smtClean="0"/>
-              <a:t>‹#›</a:t>
-            </a:fld>
+            <a:pPr algn="ctr"/>
             <a:endParaRPr lang="en-US"/>
           </a:p>
         </p:txBody>
@@ -4186,29 +3858,29 @@
     </p:spTree>
     <p:extLst>
       <p:ext uri="{BB962C8B-B14F-4D97-AF65-F5344CB8AC3E}">
-        <p14:creationId xmlns:p14="http://schemas.microsoft.com/office/powerpoint/2010/main" val="3616380004"/>
+        <p14:creationId xmlns:p14="http://schemas.microsoft.com/office/powerpoint/2010/main" val="466850387"/>
       </p:ext>
     </p:extLst>
   </p:cSld>
   <p:clrMap bg1="lt1" tx1="dk1" bg2="lt2" tx2="dk2" accent1="accent1" accent2="accent2" accent3="accent3" accent4="accent4" accent5="accent5" accent6="accent6" hlink="hlink" folHlink="folHlink"/>
   <p:sldLayoutIdLst>
-    <p:sldLayoutId id="2147483713" r:id="rId1"/>
-    <p:sldLayoutId id="2147483714" r:id="rId2"/>
-    <p:sldLayoutId id="2147483715" r:id="rId3"/>
-    <p:sldLayoutId id="2147483716" r:id="rId4"/>
-    <p:sldLayoutId id="2147483717" r:id="rId5"/>
-    <p:sldLayoutId id="2147483718" r:id="rId6"/>
-    <p:sldLayoutId id="2147483719" r:id="rId7"/>
-    <p:sldLayoutId id="2147483720" r:id="rId8"/>
-    <p:sldLayoutId id="2147483721" r:id="rId9"/>
-    <p:sldLayoutId id="2147483722" r:id="rId10"/>
-    <p:sldLayoutId id="2147483723" r:id="rId11"/>
-    <p:sldLayoutId id="2147483724" r:id="rId12"/>
+    <p:sldLayoutId id="2147483649" r:id="rId1"/>
+    <p:sldLayoutId id="2147483650" r:id="rId2"/>
+    <p:sldLayoutId id="2147483651" r:id="rId3"/>
+    <p:sldLayoutId id="2147483652" r:id="rId4"/>
+    <p:sldLayoutId id="2147483653" r:id="rId5"/>
+    <p:sldLayoutId id="2147483654" r:id="rId6"/>
+    <p:sldLayoutId id="2147483655" r:id="rId7"/>
+    <p:sldLayoutId id="2147483656" r:id="rId8"/>
+    <p:sldLayoutId id="2147483657" r:id="rId9"/>
+    <p:sldLayoutId id="2147483658" r:id="rId10"/>
+    <p:sldLayoutId id="2147483659" r:id="rId11"/>
+    <p:sldLayoutId id="2147483660" r:id="rId12"/>
+    <p:sldLayoutId id="2147483661" r:id="rId13"/>
   </p:sldLayoutIdLst>
-  <p:hf hdr="0" ftr="0" dt="0"/>
   <p:txStyles>
     <p:titleStyle>
-      <a:lvl1pPr algn="l" defTabSz="914400" rtl="0" eaLnBrk="1" latinLnBrk="0" hangingPunct="1">
+      <a:lvl1pPr algn="ctr" defTabSz="914400" rtl="0" eaLnBrk="1" latinLnBrk="0" hangingPunct="1">
         <a:lnSpc>
           <a:spcPct val="90000"/>
         </a:lnSpc>
@@ -4649,7 +4321,12 @@
             <p:ph type="body" sz="quarter" idx="10"/>
           </p:nvPr>
         </p:nvSpPr>
-        <p:spPr/>
+        <p:spPr>
+          <a:xfrm>
+            <a:off x="323529" y="1263434"/>
+            <a:ext cx="11573197" cy="724247"/>
+          </a:xfrm>
+        </p:spPr>
         <p:txBody>
           <a:bodyPr>
             <a:normAutofit/>
@@ -4677,7 +4354,7 @@
         </p:nvSpPr>
         <p:spPr>
           <a:xfrm>
-            <a:off x="1260764" y="1054728"/>
+            <a:off x="1283865" y="2283453"/>
             <a:ext cx="9652525" cy="1323439"/>
           </a:xfrm>
           <a:prstGeom prst="rect">
@@ -4800,7 +4477,7 @@
         </p:nvSpPr>
         <p:spPr>
           <a:xfrm>
-            <a:off x="1260764" y="2325397"/>
+            <a:off x="1283864" y="3554122"/>
             <a:ext cx="9652526" cy="2554545"/>
           </a:xfrm>
           <a:prstGeom prst="rect">
@@ -5010,7 +4687,12 @@
             <p:ph type="body" sz="quarter" idx="10"/>
           </p:nvPr>
         </p:nvSpPr>
-        <p:spPr/>
+        <p:spPr>
+          <a:xfrm>
+            <a:off x="323529" y="1244384"/>
+            <a:ext cx="11573197" cy="724247"/>
+          </a:xfrm>
+        </p:spPr>
         <p:txBody>
           <a:bodyPr>
             <a:normAutofit/>
@@ -5038,7 +4720,7 @@
         </p:nvSpPr>
         <p:spPr>
           <a:xfrm>
-            <a:off x="641097" y="1063756"/>
+            <a:off x="496441" y="1949581"/>
             <a:ext cx="11227373" cy="5016758"/>
           </a:xfrm>
           <a:prstGeom prst="rect">
@@ -5180,15 +4862,7 @@
           <a:p>
             <a:r>
               <a:rPr lang="en-US" sz="2000" dirty="0"/>
-              <a:t>Otherwise, the range operator only works with integers, and we can’t make it count by twos, or threes, or any other step value except 1 or -1. However, we can pipe </a:t>
-            </a:r>
-            <a:r>
-              <a:rPr lang="en-US" sz="2000"/>
-              <a:t>the resulting </a:t>
-            </a:r>
-            <a:r>
-              <a:rPr lang="en-US" sz="2000" dirty="0"/>
-              <a:t>array into a formula to convert it into any other desired sequence. Examples:</a:t>
+              <a:t>Otherwise, the range operator only works with integers, and we can’t make it count by twos, or threes, or any other step value except 1 or -1. However, we can pipe the resulting array into a formula to convert it into any other desired sequence. Examples:</a:t>
             </a:r>
           </a:p>
           <a:p>
@@ -5311,7 +4985,12 @@
             <p:ph type="body" sz="quarter" idx="10"/>
           </p:nvPr>
         </p:nvSpPr>
-        <p:spPr/>
+        <p:spPr>
+          <a:xfrm>
+            <a:off x="323529" y="1263434"/>
+            <a:ext cx="11573197" cy="724247"/>
+          </a:xfrm>
+        </p:spPr>
         <p:txBody>
           <a:bodyPr>
             <a:normAutofit/>
@@ -5339,7 +5018,7 @@
         </p:nvSpPr>
         <p:spPr>
           <a:xfrm>
-            <a:off x="641097" y="1063756"/>
+            <a:off x="496441" y="2006731"/>
             <a:ext cx="11227373" cy="4401205"/>
           </a:xfrm>
           <a:prstGeom prst="rect">
@@ -5703,7 +5382,12 @@
             <p:ph type="body" sz="quarter" idx="10"/>
           </p:nvPr>
         </p:nvSpPr>
-        <p:spPr/>
+        <p:spPr>
+          <a:xfrm>
+            <a:off x="323529" y="1272959"/>
+            <a:ext cx="11573197" cy="724247"/>
+          </a:xfrm>
+        </p:spPr>
         <p:txBody>
           <a:bodyPr>
             <a:normAutofit/>
@@ -5731,7 +5415,7 @@
         </p:nvSpPr>
         <p:spPr>
           <a:xfrm>
-            <a:off x="641097" y="1063756"/>
+            <a:off x="496441" y="1959106"/>
             <a:ext cx="11227373" cy="4708981"/>
           </a:xfrm>
           <a:prstGeom prst="rect">
@@ -6006,7 +5690,12 @@
             <p:ph type="body" sz="quarter" idx="10"/>
           </p:nvPr>
         </p:nvSpPr>
-        <p:spPr/>
+        <p:spPr>
+          <a:xfrm>
+            <a:off x="323530" y="1282484"/>
+            <a:ext cx="11573197" cy="724247"/>
+          </a:xfrm>
+        </p:spPr>
         <p:txBody>
           <a:bodyPr>
             <a:normAutofit/>
@@ -6034,8 +5723,8 @@
         </p:nvSpPr>
         <p:spPr>
           <a:xfrm>
-            <a:off x="641097" y="1063756"/>
-            <a:ext cx="11227373" cy="4708981"/>
+            <a:off x="295275" y="1921006"/>
+            <a:ext cx="11629706" cy="4708981"/>
           </a:xfrm>
           <a:prstGeom prst="rect">
             <a:avLst/>
@@ -6301,7 +5990,12 @@
             <p:ph type="body" sz="quarter" idx="10"/>
           </p:nvPr>
         </p:nvSpPr>
-        <p:spPr/>
+        <p:spPr>
+          <a:xfrm>
+            <a:off x="323529" y="1111034"/>
+            <a:ext cx="11573197" cy="724247"/>
+          </a:xfrm>
+        </p:spPr>
         <p:txBody>
           <a:bodyPr>
             <a:normAutofit/>
@@ -6329,7 +6023,7 @@
         </p:nvSpPr>
         <p:spPr>
           <a:xfrm>
-            <a:off x="641097" y="1063756"/>
+            <a:off x="496441" y="1711456"/>
             <a:ext cx="11227373" cy="5324535"/>
           </a:xfrm>
           <a:prstGeom prst="rect">
@@ -6658,7 +6352,12 @@
             <p:ph type="body" sz="quarter" idx="10"/>
           </p:nvPr>
         </p:nvSpPr>
-        <p:spPr/>
+        <p:spPr>
+          <a:xfrm>
+            <a:off x="323529" y="1339634"/>
+            <a:ext cx="11573197" cy="724247"/>
+          </a:xfrm>
+        </p:spPr>
         <p:txBody>
           <a:bodyPr>
             <a:normAutofit/>
@@ -6686,7 +6385,7 @@
         </p:nvSpPr>
         <p:spPr>
           <a:xfrm>
-            <a:off x="641097" y="1063756"/>
+            <a:off x="496441" y="2149606"/>
             <a:ext cx="11227373" cy="4401205"/>
           </a:xfrm>
           <a:prstGeom prst="rect">
@@ -6957,7 +6656,12 @@
             <p:ph type="body" sz="quarter" idx="10"/>
           </p:nvPr>
         </p:nvSpPr>
-        <p:spPr/>
+        <p:spPr>
+          <a:xfrm>
+            <a:off x="323529" y="1339634"/>
+            <a:ext cx="11573197" cy="724247"/>
+          </a:xfrm>
+        </p:spPr>
         <p:txBody>
           <a:bodyPr>
             <a:normAutofit/>
@@ -6985,8 +6689,8 @@
         </p:nvSpPr>
         <p:spPr>
           <a:xfrm>
-            <a:off x="641097" y="1063756"/>
-            <a:ext cx="11227373" cy="4401205"/>
+            <a:off x="1398394" y="2016256"/>
+            <a:ext cx="9423466" cy="4401205"/>
           </a:xfrm>
           <a:prstGeom prst="rect">
             <a:avLst/>
@@ -7343,7 +7047,12 @@
             <p:ph type="body" sz="quarter" idx="10"/>
           </p:nvPr>
         </p:nvSpPr>
-        <p:spPr/>
+        <p:spPr>
+          <a:xfrm>
+            <a:off x="352654" y="1330109"/>
+            <a:ext cx="11514948" cy="724247"/>
+          </a:xfrm>
+        </p:spPr>
         <p:txBody>
           <a:bodyPr>
             <a:normAutofit/>
@@ -7371,8 +7080,8 @@
         </p:nvSpPr>
         <p:spPr>
           <a:xfrm>
-            <a:off x="641097" y="1063756"/>
-            <a:ext cx="11227373" cy="3477875"/>
+            <a:off x="524696" y="2435356"/>
+            <a:ext cx="11170864" cy="3477875"/>
           </a:xfrm>
           <a:prstGeom prst="rect">
             <a:avLst/>
@@ -7643,7 +7352,12 @@
             <p:ph type="body" sz="quarter" idx="10"/>
           </p:nvPr>
         </p:nvSpPr>
-        <p:spPr/>
+        <p:spPr>
+          <a:xfrm>
+            <a:off x="323529" y="1272959"/>
+            <a:ext cx="11573197" cy="724247"/>
+          </a:xfrm>
+        </p:spPr>
         <p:txBody>
           <a:bodyPr>
             <a:normAutofit/>
@@ -7671,7 +7385,7 @@
         </p:nvSpPr>
         <p:spPr>
           <a:xfrm>
-            <a:off x="1268392" y="1054728"/>
+            <a:off x="1282524" y="2435853"/>
             <a:ext cx="9655207" cy="3785652"/>
           </a:xfrm>
           <a:prstGeom prst="rect">
@@ -7831,7 +7545,12 @@
             <p:ph type="body" sz="quarter" idx="10"/>
           </p:nvPr>
         </p:nvSpPr>
-        <p:spPr/>
+        <p:spPr>
+          <a:xfrm>
+            <a:off x="323529" y="1139609"/>
+            <a:ext cx="11573197" cy="724247"/>
+          </a:xfrm>
+        </p:spPr>
         <p:txBody>
           <a:bodyPr>
             <a:normAutofit/>
@@ -7859,7 +7578,7 @@
         </p:nvSpPr>
         <p:spPr>
           <a:xfrm>
-            <a:off x="1260764" y="1054728"/>
+            <a:off x="1278710" y="1750053"/>
             <a:ext cx="9662835" cy="4708981"/>
           </a:xfrm>
           <a:prstGeom prst="rect">
@@ -8149,7 +7868,12 @@
             <p:ph type="body" sz="quarter" idx="10"/>
           </p:nvPr>
         </p:nvSpPr>
-        <p:spPr/>
+        <p:spPr>
+          <a:xfrm>
+            <a:off x="323529" y="1139609"/>
+            <a:ext cx="11573197" cy="724247"/>
+          </a:xfrm>
+        </p:spPr>
         <p:txBody>
           <a:bodyPr>
             <a:normAutofit/>
@@ -8177,7 +7901,7 @@
         </p:nvSpPr>
         <p:spPr>
           <a:xfrm>
-            <a:off x="1260764" y="1054728"/>
+            <a:off x="1278710" y="1854828"/>
             <a:ext cx="9662835" cy="4708981"/>
           </a:xfrm>
           <a:prstGeom prst="rect">
@@ -8526,7 +8250,12 @@
             <p:ph type="body" sz="quarter" idx="10"/>
           </p:nvPr>
         </p:nvSpPr>
-        <p:spPr/>
+        <p:spPr>
+          <a:xfrm>
+            <a:off x="323529" y="1130084"/>
+            <a:ext cx="11573197" cy="724247"/>
+          </a:xfrm>
+        </p:spPr>
         <p:txBody>
           <a:bodyPr>
             <a:normAutofit/>
@@ -8554,7 +8283,7 @@
         </p:nvSpPr>
         <p:spPr>
           <a:xfrm>
-            <a:off x="1260764" y="1054728"/>
+            <a:off x="1278710" y="1845303"/>
             <a:ext cx="9662835" cy="4401205"/>
           </a:xfrm>
           <a:prstGeom prst="rect">
@@ -8869,7 +8598,12 @@
             <p:ph type="body" sz="quarter" idx="10"/>
           </p:nvPr>
         </p:nvSpPr>
-        <p:spPr/>
+        <p:spPr>
+          <a:xfrm>
+            <a:off x="323529" y="1263434"/>
+            <a:ext cx="11573197" cy="724247"/>
+          </a:xfrm>
+        </p:spPr>
         <p:txBody>
           <a:bodyPr>
             <a:normAutofit/>
@@ -8897,7 +8631,7 @@
         </p:nvSpPr>
         <p:spPr>
           <a:xfrm>
-            <a:off x="2046126" y="1054728"/>
+            <a:off x="2046126" y="1950078"/>
             <a:ext cx="8128002" cy="707886"/>
           </a:xfrm>
           <a:prstGeom prst="rect">
@@ -8945,13 +8679,13 @@
           <p:nvPr>
             <p:extLst>
               <p:ext uri="{D42A27DB-BD31-4B8C-83A1-F6EECF244321}">
-                <p14:modId xmlns:p14="http://schemas.microsoft.com/office/powerpoint/2010/main" val="2792462859"/>
+                <p14:modId xmlns:p14="http://schemas.microsoft.com/office/powerpoint/2010/main" val="2364677146"/>
               </p:ext>
             </p:extLst>
           </p:nvPr>
         </p:nvGraphicFramePr>
         <p:xfrm>
-          <a:off x="2046126" y="2031511"/>
+          <a:off x="2046126" y="2926861"/>
           <a:ext cx="8128002" cy="3337560"/>
         </p:xfrm>
         <a:graphic>
@@ -9880,7 +9614,12 @@
             <p:ph type="body" sz="quarter" idx="10"/>
           </p:nvPr>
         </p:nvSpPr>
-        <p:spPr/>
+        <p:spPr>
+          <a:xfrm>
+            <a:off x="323529" y="1149134"/>
+            <a:ext cx="11573197" cy="724247"/>
+          </a:xfrm>
+        </p:spPr>
         <p:txBody>
           <a:bodyPr>
             <a:normAutofit/>
@@ -9908,8 +9647,8 @@
         </p:nvSpPr>
         <p:spPr>
           <a:xfrm>
-            <a:off x="2046126" y="1054728"/>
-            <a:ext cx="8128002" cy="5016758"/>
+            <a:off x="1543050" y="1788153"/>
+            <a:ext cx="9134154" cy="5016758"/>
           </a:xfrm>
           <a:prstGeom prst="rect">
             <a:avLst/>
@@ -10080,9 +9819,10 @@
             </a:r>
           </a:p>
           <a:p>
-            <a:pPr marL="342900" indent="-342900">
-              <a:buFont typeface="Arial" panose="020B0604020202020204" pitchFamily="34" charset="0"/>
-              <a:buChar char="•"/>
+            <a:pPr>
+              <a:lnSpc>
+                <a:spcPts val="1400"/>
+              </a:lnSpc>
             </a:pPr>
             <a:endParaRPr lang="en-US" sz="2000" dirty="0"/>
           </a:p>
@@ -10144,7 +9884,12 @@
             <p:ph type="body" sz="quarter" idx="10"/>
           </p:nvPr>
         </p:nvSpPr>
-        <p:spPr/>
+        <p:spPr>
+          <a:xfrm>
+            <a:off x="323529" y="1234859"/>
+            <a:ext cx="11573197" cy="724247"/>
+          </a:xfrm>
+        </p:spPr>
         <p:txBody>
           <a:bodyPr>
             <a:normAutofit/>
@@ -10172,7 +9917,7 @@
         </p:nvSpPr>
         <p:spPr>
           <a:xfrm>
-            <a:off x="1260764" y="1054728"/>
+            <a:off x="1283865" y="1911978"/>
             <a:ext cx="9652525" cy="1631216"/>
           </a:xfrm>
           <a:prstGeom prst="rect">
@@ -10379,7 +10124,7 @@
         </p:nvSpPr>
         <p:spPr>
           <a:xfrm>
-            <a:off x="1260763" y="2685944"/>
+            <a:off x="1283864" y="3486044"/>
             <a:ext cx="9652526" cy="2862322"/>
           </a:xfrm>
           <a:prstGeom prst="rect">
@@ -10679,7 +10424,12 @@
             <p:ph type="body" sz="quarter" idx="10"/>
           </p:nvPr>
         </p:nvSpPr>
-        <p:spPr/>
+        <p:spPr>
+          <a:xfrm>
+            <a:off x="323529" y="1234859"/>
+            <a:ext cx="11573197" cy="724247"/>
+          </a:xfrm>
+        </p:spPr>
         <p:txBody>
           <a:bodyPr>
             <a:normAutofit/>
@@ -10693,204 +10443,217 @@
           </a:p>
         </p:txBody>
       </p:sp>
-      <p:sp>
-        <p:nvSpPr>
-          <p:cNvPr id="3" name="TextBox 2">
+      <p:grpSp>
+        <p:nvGrpSpPr>
+          <p:cNvPr id="6" name="Group 5">
             <a:extLst>
               <a:ext uri="{FF2B5EF4-FFF2-40B4-BE49-F238E27FC236}">
-                <a16:creationId xmlns:a16="http://schemas.microsoft.com/office/drawing/2014/main" id="{B5924E0F-A977-1710-779D-EEB74261AF34}"/>
+                <a16:creationId xmlns:a16="http://schemas.microsoft.com/office/drawing/2014/main" id="{4FDE1583-9CBC-D690-576C-CEE2A20C210F}"/>
               </a:ext>
             </a:extLst>
           </p:cNvPr>
-          <p:cNvSpPr txBox="1"/>
+          <p:cNvGrpSpPr/>
           <p:nvPr/>
-        </p:nvSpPr>
-        <p:spPr>
+        </p:nvGrpSpPr>
+        <p:grpSpPr>
           <a:xfrm>
-            <a:off x="1260765" y="1054728"/>
-            <a:ext cx="4835236" cy="1015663"/>
+            <a:off x="576864" y="1931027"/>
+            <a:ext cx="11066526" cy="1015664"/>
+            <a:chOff x="552450" y="1931027"/>
+            <a:chExt cx="11066526" cy="1015664"/>
           </a:xfrm>
-          <a:prstGeom prst="rect">
-            <a:avLst/>
-          </a:prstGeom>
-          <a:noFill/>
-        </p:spPr>
-        <p:txBody>
-          <a:bodyPr wrap="square" rtlCol="0">
-            <a:spAutoFit/>
-          </a:bodyPr>
-          <a:lstStyle/>
-          <a:p>
-            <a:pPr marL="342900" indent="-342900">
-              <a:buFont typeface="Arial" panose="020B0604020202020204" pitchFamily="34" charset="0"/>
-              <a:buChar char="•"/>
-            </a:pPr>
-            <a:r>
-              <a:rPr lang="en-US" sz="2000" dirty="0"/>
-              <a:t>Equal: </a:t>
-            </a:r>
-            <a:r>
-              <a:rPr lang="en-US" sz="2000" dirty="0">
-                <a:latin typeface="Lucida Console" panose="020B0609040504020204" pitchFamily="49" charset="0"/>
-              </a:rPr>
-              <a:t>$a -eq $b</a:t>
-            </a:r>
-          </a:p>
-          <a:p>
-            <a:pPr marL="342900" indent="-342900">
-              <a:buFont typeface="Arial" panose="020B0604020202020204" pitchFamily="34" charset="0"/>
-              <a:buChar char="•"/>
-            </a:pPr>
-            <a:r>
-              <a:rPr lang="en-US" sz="2000" dirty="0"/>
-              <a:t>Less than: </a:t>
-            </a:r>
-            <a:r>
-              <a:rPr lang="en-US" sz="2000" dirty="0">
-                <a:latin typeface="Lucida Console" panose="020B0609040504020204" pitchFamily="49" charset="0"/>
-              </a:rPr>
-              <a:t>$a –</a:t>
-            </a:r>
-            <a:r>
-              <a:rPr lang="en-US" sz="2000" dirty="0" err="1">
-                <a:latin typeface="Lucida Console" panose="020B0609040504020204" pitchFamily="49" charset="0"/>
-              </a:rPr>
-              <a:t>lt</a:t>
-            </a:r>
-            <a:r>
-              <a:rPr lang="en-US" sz="2000" dirty="0">
-                <a:latin typeface="Lucida Console" panose="020B0609040504020204" pitchFamily="49" charset="0"/>
-              </a:rPr>
-              <a:t> $b</a:t>
-            </a:r>
-          </a:p>
-          <a:p>
-            <a:pPr marL="342900" indent="-342900">
-              <a:buFont typeface="Arial" panose="020B0604020202020204" pitchFamily="34" charset="0"/>
-              <a:buChar char="•"/>
-            </a:pPr>
-            <a:r>
-              <a:rPr lang="en-US" sz="2000" dirty="0"/>
-              <a:t>Greater than: </a:t>
-            </a:r>
-            <a:r>
-              <a:rPr lang="en-US" sz="2000" dirty="0">
-                <a:latin typeface="Lucida Console" panose="020B0609040504020204" pitchFamily="49" charset="0"/>
-              </a:rPr>
-              <a:t>$a -</a:t>
-            </a:r>
-            <a:r>
-              <a:rPr lang="en-US" sz="2000" dirty="0" err="1">
-                <a:latin typeface="Lucida Console" panose="020B0609040504020204" pitchFamily="49" charset="0"/>
-              </a:rPr>
-              <a:t>gt</a:t>
-            </a:r>
-            <a:r>
-              <a:rPr lang="en-US" sz="2000" dirty="0">
-                <a:latin typeface="Lucida Console" panose="020B0609040504020204" pitchFamily="49" charset="0"/>
-              </a:rPr>
-              <a:t> $b</a:t>
-            </a:r>
-          </a:p>
-        </p:txBody>
-      </p:sp>
-      <p:sp>
-        <p:nvSpPr>
-          <p:cNvPr id="4" name="TextBox 3">
-            <a:extLst>
-              <a:ext uri="{FF2B5EF4-FFF2-40B4-BE49-F238E27FC236}">
-                <a16:creationId xmlns:a16="http://schemas.microsoft.com/office/drawing/2014/main" id="{6B5EF911-ED83-01C5-8F00-FD1AD80E90D2}"/>
-              </a:ext>
-            </a:extLst>
-          </p:cNvPr>
-          <p:cNvSpPr txBox="1"/>
-          <p:nvPr/>
-        </p:nvSpPr>
-        <p:spPr>
-          <a:xfrm>
-            <a:off x="6096000" y="1054727"/>
-            <a:ext cx="4817291" cy="1015663"/>
-          </a:xfrm>
-          <a:prstGeom prst="rect">
-            <a:avLst/>
-          </a:prstGeom>
-          <a:noFill/>
-        </p:spPr>
-        <p:txBody>
-          <a:bodyPr wrap="square" rtlCol="0">
-            <a:spAutoFit/>
-          </a:bodyPr>
-          <a:lstStyle/>
-          <a:p>
-            <a:pPr marL="342900" indent="-342900">
-              <a:buFont typeface="Arial" panose="020B0604020202020204" pitchFamily="34" charset="0"/>
-              <a:buChar char="•"/>
-            </a:pPr>
-            <a:r>
-              <a:rPr lang="en-US" sz="2000" dirty="0"/>
-              <a:t>Not equal: </a:t>
-            </a:r>
-            <a:r>
-              <a:rPr lang="en-US" sz="2000" dirty="0">
-                <a:latin typeface="Lucida Console" panose="020B0609040504020204" pitchFamily="49" charset="0"/>
-              </a:rPr>
-              <a:t>$a -ne $b</a:t>
-            </a:r>
-          </a:p>
-          <a:p>
-            <a:pPr marL="342900" indent="-342900">
-              <a:buFont typeface="Arial" panose="020B0604020202020204" pitchFamily="34" charset="0"/>
-              <a:buChar char="•"/>
-            </a:pPr>
-            <a:r>
-              <a:rPr lang="en-US" sz="2000" dirty="0"/>
-              <a:t>Less than or equal: </a:t>
-            </a:r>
-            <a:r>
-              <a:rPr lang="en-US" sz="2000" dirty="0">
-                <a:latin typeface="Lucida Console" panose="020B0609040504020204" pitchFamily="49" charset="0"/>
-              </a:rPr>
-              <a:t>$a -le $b</a:t>
-            </a:r>
-          </a:p>
-          <a:p>
-            <a:pPr marL="342900" indent="-342900">
-              <a:buFont typeface="Arial" panose="020B0604020202020204" pitchFamily="34" charset="0"/>
-              <a:buChar char="•"/>
-            </a:pPr>
-            <a:r>
-              <a:rPr lang="en-US" sz="2000" dirty="0"/>
-              <a:t>Greater than </a:t>
-            </a:r>
-            <a:r>
-              <a:rPr lang="en-US" sz="2000"/>
-              <a:t>or equal</a:t>
-            </a:r>
-            <a:r>
-              <a:rPr lang="en-US" sz="2000" dirty="0"/>
-              <a:t>: </a:t>
-            </a:r>
-            <a:r>
-              <a:rPr lang="en-US" sz="2000" dirty="0">
-                <a:latin typeface="Lucida Console" panose="020B0609040504020204" pitchFamily="49" charset="0"/>
-              </a:rPr>
-              <a:t>$a –</a:t>
-            </a:r>
-            <a:r>
-              <a:rPr lang="en-US" sz="2000" dirty="0" err="1">
-                <a:latin typeface="Lucida Console" panose="020B0609040504020204" pitchFamily="49" charset="0"/>
-              </a:rPr>
-              <a:t>ge</a:t>
-            </a:r>
-            <a:r>
-              <a:rPr lang="en-US" sz="2000" dirty="0">
-                <a:latin typeface="Lucida Console" panose="020B0609040504020204" pitchFamily="49" charset="0"/>
-              </a:rPr>
-              <a:t> $b</a:t>
-            </a:r>
-          </a:p>
-        </p:txBody>
-      </p:sp>
+        </p:grpSpPr>
+        <p:sp>
+          <p:nvSpPr>
+            <p:cNvPr id="3" name="TextBox 2">
+              <a:extLst>
+                <a:ext uri="{FF2B5EF4-FFF2-40B4-BE49-F238E27FC236}">
+                  <a16:creationId xmlns:a16="http://schemas.microsoft.com/office/drawing/2014/main" id="{B5924E0F-A977-1710-779D-EEB74261AF34}"/>
+                </a:ext>
+              </a:extLst>
+            </p:cNvPr>
+            <p:cNvSpPr txBox="1"/>
+            <p:nvPr/>
+          </p:nvSpPr>
+          <p:spPr>
+            <a:xfrm>
+              <a:off x="552450" y="1931028"/>
+              <a:ext cx="6251866" cy="1015663"/>
+            </a:xfrm>
+            <a:prstGeom prst="rect">
+              <a:avLst/>
+            </a:prstGeom>
+            <a:noFill/>
+          </p:spPr>
+          <p:txBody>
+            <a:bodyPr wrap="square" rtlCol="0">
+              <a:spAutoFit/>
+            </a:bodyPr>
+            <a:lstStyle/>
+            <a:p>
+              <a:pPr marL="342900" indent="-342900">
+                <a:buFont typeface="Arial" panose="020B0604020202020204" pitchFamily="34" charset="0"/>
+                <a:buChar char="•"/>
+              </a:pPr>
+              <a:r>
+                <a:rPr lang="en-US" sz="2000" dirty="0"/>
+                <a:t>Equal: </a:t>
+              </a:r>
+              <a:r>
+                <a:rPr lang="en-US" sz="2000" dirty="0">
+                  <a:latin typeface="Lucida Console" panose="020B0609040504020204" pitchFamily="49" charset="0"/>
+                </a:rPr>
+                <a:t>$a -eq $b</a:t>
+              </a:r>
+            </a:p>
+            <a:p>
+              <a:pPr marL="342900" indent="-342900">
+                <a:buFont typeface="Arial" panose="020B0604020202020204" pitchFamily="34" charset="0"/>
+                <a:buChar char="•"/>
+              </a:pPr>
+              <a:r>
+                <a:rPr lang="en-US" sz="2000" dirty="0"/>
+                <a:t>Less than: </a:t>
+              </a:r>
+              <a:r>
+                <a:rPr lang="en-US" sz="2000" dirty="0">
+                  <a:latin typeface="Lucida Console" panose="020B0609040504020204" pitchFamily="49" charset="0"/>
+                </a:rPr>
+                <a:t>$a –</a:t>
+              </a:r>
+              <a:r>
+                <a:rPr lang="en-US" sz="2000" dirty="0" err="1">
+                  <a:latin typeface="Lucida Console" panose="020B0609040504020204" pitchFamily="49" charset="0"/>
+                </a:rPr>
+                <a:t>lt</a:t>
+              </a:r>
+              <a:r>
+                <a:rPr lang="en-US" sz="2000" dirty="0">
+                  <a:latin typeface="Lucida Console" panose="020B0609040504020204" pitchFamily="49" charset="0"/>
+                </a:rPr>
+                <a:t> $b</a:t>
+              </a:r>
+            </a:p>
+            <a:p>
+              <a:pPr marL="342900" indent="-342900">
+                <a:buFont typeface="Arial" panose="020B0604020202020204" pitchFamily="34" charset="0"/>
+                <a:buChar char="•"/>
+              </a:pPr>
+              <a:r>
+                <a:rPr lang="en-US" sz="2000" dirty="0"/>
+                <a:t>Greater than: </a:t>
+              </a:r>
+              <a:r>
+                <a:rPr lang="en-US" sz="2000" dirty="0">
+                  <a:latin typeface="Lucida Console" panose="020B0609040504020204" pitchFamily="49" charset="0"/>
+                </a:rPr>
+                <a:t>$a -</a:t>
+              </a:r>
+              <a:r>
+                <a:rPr lang="en-US" sz="2000" dirty="0" err="1">
+                  <a:latin typeface="Lucida Console" panose="020B0609040504020204" pitchFamily="49" charset="0"/>
+                </a:rPr>
+                <a:t>gt</a:t>
+              </a:r>
+              <a:r>
+                <a:rPr lang="en-US" sz="2000" dirty="0">
+                  <a:latin typeface="Lucida Console" panose="020B0609040504020204" pitchFamily="49" charset="0"/>
+                </a:rPr>
+                <a:t> $b</a:t>
+              </a:r>
+            </a:p>
+          </p:txBody>
+        </p:sp>
+        <p:sp>
+          <p:nvSpPr>
+            <p:cNvPr id="4" name="TextBox 3">
+              <a:extLst>
+                <a:ext uri="{FF2B5EF4-FFF2-40B4-BE49-F238E27FC236}">
+                  <a16:creationId xmlns:a16="http://schemas.microsoft.com/office/drawing/2014/main" id="{6B5EF911-ED83-01C5-8F00-FD1AD80E90D2}"/>
+                </a:ext>
+              </a:extLst>
+            </p:cNvPr>
+            <p:cNvSpPr txBox="1"/>
+            <p:nvPr/>
+          </p:nvSpPr>
+          <p:spPr>
+            <a:xfrm>
+              <a:off x="6095999" y="1931027"/>
+              <a:ext cx="5522977" cy="1015663"/>
+            </a:xfrm>
+            <a:prstGeom prst="rect">
+              <a:avLst/>
+            </a:prstGeom>
+            <a:noFill/>
+          </p:spPr>
+          <p:txBody>
+            <a:bodyPr wrap="square" rtlCol="0">
+              <a:spAutoFit/>
+            </a:bodyPr>
+            <a:lstStyle/>
+            <a:p>
+              <a:pPr marL="342900" indent="-342900">
+                <a:buFont typeface="Arial" panose="020B0604020202020204" pitchFamily="34" charset="0"/>
+                <a:buChar char="•"/>
+              </a:pPr>
+              <a:r>
+                <a:rPr lang="en-US" sz="2000" dirty="0"/>
+                <a:t>Not equal: </a:t>
+              </a:r>
+              <a:r>
+                <a:rPr lang="en-US" sz="2000" dirty="0">
+                  <a:latin typeface="Lucida Console" panose="020B0609040504020204" pitchFamily="49" charset="0"/>
+                </a:rPr>
+                <a:t>$a -ne $b</a:t>
+              </a:r>
+            </a:p>
+            <a:p>
+              <a:pPr marL="342900" indent="-342900">
+                <a:buFont typeface="Arial" panose="020B0604020202020204" pitchFamily="34" charset="0"/>
+                <a:buChar char="•"/>
+              </a:pPr>
+              <a:r>
+                <a:rPr lang="en-US" sz="2000" dirty="0"/>
+                <a:t>Less than or equal: </a:t>
+              </a:r>
+              <a:r>
+                <a:rPr lang="en-US" sz="2000" dirty="0">
+                  <a:latin typeface="Lucida Console" panose="020B0609040504020204" pitchFamily="49" charset="0"/>
+                </a:rPr>
+                <a:t>$a -le $b</a:t>
+              </a:r>
+            </a:p>
+            <a:p>
+              <a:pPr marL="342900" indent="-342900">
+                <a:buFont typeface="Arial" panose="020B0604020202020204" pitchFamily="34" charset="0"/>
+                <a:buChar char="•"/>
+              </a:pPr>
+              <a:r>
+                <a:rPr lang="en-US" sz="2000" dirty="0"/>
+                <a:t>Greater than or equal: </a:t>
+              </a:r>
+              <a:r>
+                <a:rPr lang="en-US" sz="2000" dirty="0">
+                  <a:latin typeface="Lucida Console" panose="020B0609040504020204" pitchFamily="49" charset="0"/>
+                </a:rPr>
+                <a:t>$a –</a:t>
+              </a:r>
+              <a:r>
+                <a:rPr lang="en-US" sz="2000" dirty="0" err="1">
+                  <a:latin typeface="Lucida Console" panose="020B0609040504020204" pitchFamily="49" charset="0"/>
+                </a:rPr>
+                <a:t>ge</a:t>
+              </a:r>
+              <a:r>
+                <a:rPr lang="en-US" sz="2000" dirty="0">
+                  <a:latin typeface="Lucida Console" panose="020B0609040504020204" pitchFamily="49" charset="0"/>
+                </a:rPr>
+                <a:t> $b</a:t>
+              </a:r>
+            </a:p>
+          </p:txBody>
+        </p:sp>
+      </p:grpSp>
       <p:sp>
         <p:nvSpPr>
           <p:cNvPr id="5" name="TextBox 4">
@@ -10905,8 +10668,8 @@
         </p:nvSpPr>
         <p:spPr>
           <a:xfrm>
-            <a:off x="1260765" y="2340096"/>
-            <a:ext cx="9652526" cy="3477875"/>
+            <a:off x="575549" y="3035421"/>
+            <a:ext cx="11069156" cy="3477875"/>
           </a:xfrm>
           <a:prstGeom prst="rect">
             <a:avLst/>
@@ -11302,7 +11065,12 @@
             <p:ph type="body" sz="quarter" idx="10"/>
           </p:nvPr>
         </p:nvSpPr>
-        <p:spPr/>
+        <p:spPr>
+          <a:xfrm>
+            <a:off x="323529" y="1263434"/>
+            <a:ext cx="11573197" cy="724247"/>
+          </a:xfrm>
+        </p:spPr>
         <p:txBody>
           <a:bodyPr>
             <a:normAutofit/>
@@ -11330,7 +11098,7 @@
         </p:nvSpPr>
         <p:spPr>
           <a:xfrm>
-            <a:off x="1260764" y="1054728"/>
+            <a:off x="1283865" y="1921503"/>
             <a:ext cx="9652525" cy="1631216"/>
           </a:xfrm>
           <a:prstGeom prst="rect">
@@ -11454,8 +11222,8 @@
         </p:nvSpPr>
         <p:spPr>
           <a:xfrm>
-            <a:off x="1260765" y="2340096"/>
-            <a:ext cx="9652526" cy="3477875"/>
+            <a:off x="1283864" y="3206871"/>
+            <a:ext cx="9652526" cy="3285515"/>
           </a:xfrm>
           <a:prstGeom prst="rect">
             <a:avLst/>
@@ -11664,6 +11432,11 @@
             </a:r>
           </a:p>
           <a:p>
+            <a:pPr>
+              <a:lnSpc>
+                <a:spcPts val="900"/>
+              </a:lnSpc>
+            </a:pPr>
             <a:endParaRPr lang="en-US" sz="2000" dirty="0">
               <a:latin typeface="Lucida Console" panose="020B0609040504020204" pitchFamily="49" charset="0"/>
             </a:endParaRPr>
@@ -11725,39 +11498,39 @@
         <a:sysClr val="window" lastClr="FFFFFF"/>
       </a:lt1>
       <a:dk2>
-        <a:srgbClr val="44546A"/>
+        <a:srgbClr val="0E2841"/>
       </a:dk2>
       <a:lt2>
-        <a:srgbClr val="E7E6E6"/>
+        <a:srgbClr val="E8E8E8"/>
       </a:lt2>
       <a:accent1>
-        <a:srgbClr val="4472C4"/>
+        <a:srgbClr val="156082"/>
       </a:accent1>
       <a:accent2>
-        <a:srgbClr val="ED7D31"/>
+        <a:srgbClr val="E97132"/>
       </a:accent2>
       <a:accent3>
-        <a:srgbClr val="A5A5A5"/>
+        <a:srgbClr val="196B24"/>
       </a:accent3>
       <a:accent4>
-        <a:srgbClr val="FFC000"/>
+        <a:srgbClr val="0F9ED5"/>
       </a:accent4>
       <a:accent5>
-        <a:srgbClr val="5B9BD5"/>
+        <a:srgbClr val="A02B93"/>
       </a:accent5>
       <a:accent6>
-        <a:srgbClr val="70AD47"/>
+        <a:srgbClr val="4EA72E"/>
       </a:accent6>
       <a:hlink>
-        <a:srgbClr val="0563C1"/>
+        <a:srgbClr val="467886"/>
       </a:hlink>
       <a:folHlink>
-        <a:srgbClr val="954F72"/>
+        <a:srgbClr val="96607D"/>
       </a:folHlink>
     </a:clrScheme>
     <a:fontScheme name="Office">
       <a:majorFont>
-        <a:latin typeface="Calibri Light" panose="020F0302020204030204"/>
+        <a:latin typeface="Aptos Display" panose="02110004020202020204"/>
         <a:ea typeface=""/>
         <a:cs typeface=""/>
         <a:font script="Jpan" typeface="游ゴシック Light"/>
@@ -11809,7 +11582,7 @@
         <a:font script="Tfng" typeface="Ebrima"/>
       </a:majorFont>
       <a:minorFont>
-        <a:latin typeface="Calibri" panose="020F0502020204030204"/>
+        <a:latin typeface="Aptos" panose="02110004020202020204"/>
         <a:ea typeface=""/>
         <a:cs typeface=""/>
         <a:font script="Jpan" typeface="游ゴシック"/>
@@ -11920,13 +11693,6 @@
         </a:gradFill>
       </a:fillStyleLst>
       <a:lnStyleLst>
-        <a:ln w="6350" cap="flat" cmpd="sng" algn="ctr">
-          <a:solidFill>
-            <a:schemeClr val="phClr"/>
-          </a:solidFill>
-          <a:prstDash val="solid"/>
-          <a:miter lim="800000"/>
-        </a:ln>
         <a:ln w="12700" cap="flat" cmpd="sng" algn="ctr">
           <a:solidFill>
             <a:schemeClr val="phClr"/>
@@ -11935,6 +11701,13 @@
           <a:miter lim="800000"/>
         </a:ln>
         <a:ln w="19050" cap="flat" cmpd="sng" algn="ctr">
+          <a:solidFill>
+            <a:schemeClr val="phClr"/>
+          </a:solidFill>
+          <a:prstDash val="solid"/>
+          <a:miter lim="800000"/>
+        </a:ln>
+        <a:ln w="25400" cap="flat" cmpd="sng" algn="ctr">
           <a:solidFill>
             <a:schemeClr val="phClr"/>
           </a:solidFill>
@@ -11999,11 +11772,31 @@
       </a:bgFillStyleLst>
     </a:fmtScheme>
   </a:themeElements>
-  <a:objectDefaults/>
+  <a:objectDefaults>
+    <a:lnDef>
+      <a:spPr/>
+      <a:bodyPr/>
+      <a:lstStyle/>
+      <a:style>
+        <a:lnRef idx="2">
+          <a:schemeClr val="accent1"/>
+        </a:lnRef>
+        <a:fillRef idx="0">
+          <a:schemeClr val="accent1"/>
+        </a:fillRef>
+        <a:effectRef idx="1">
+          <a:schemeClr val="accent1"/>
+        </a:effectRef>
+        <a:fontRef idx="minor">
+          <a:schemeClr val="tx1"/>
+        </a:fontRef>
+      </a:style>
+    </a:lnDef>
+  </a:objectDefaults>
   <a:extraClrSchemeLst/>
   <a:extLst>
     <a:ext uri="{05A4C25C-085E-4340-85A3-A5531E510DB2}">
-      <thm15:themeFamily xmlns:thm15="http://schemas.microsoft.com/office/thememl/2012/main" name="Office Theme" id="{62F939B6-93AF-4DB8-9C6B-D6C7DFDC589F}" vid="{4A3C46E8-61CC-4603-A589-7422A47A8E4A}"/>
+      <thm15:themeFamily xmlns:thm15="http://schemas.microsoft.com/office/thememl/2012/main" name="Presentation1" id="{DAD0D162-FE0C-45E1-B287-70A400F0FB2D}" vid="{0F85589E-3A92-4CE5-8C4F-6CD4A008415E}"/>
     </a:ext>
   </a:extLst>
 </a:theme>
